--- a/Figures1.pptx
+++ b/Figures1.pptx
@@ -9,6 +9,9 @@
     <p:sldId id="257" r:id="rId3"/>
     <p:sldId id="258" r:id="rId4"/>
     <p:sldId id="259" r:id="rId5"/>
+    <p:sldId id="260" r:id="rId6"/>
+    <p:sldId id="261" r:id="rId7"/>
+    <p:sldId id="262" r:id="rId8"/>
   </p:sldIdLst>
   <p:sldSz cx="12192000" cy="6858000"/>
   <p:notesSz cx="6858000" cy="9144000"/>
@@ -4033,6 +4036,7006 @@
 </p:sld>
 </file>
 
+<file path=ppt/slides/slide5.xml><?xml version="1.0" encoding="utf-8"?>
+<p:sld xmlns:a="http://schemas.openxmlformats.org/drawingml/2006/main" xmlns:r="http://schemas.openxmlformats.org/officeDocument/2006/relationships" xmlns:p="http://schemas.openxmlformats.org/presentationml/2006/main">
+  <p:cSld>
+    <p:spTree>
+      <p:nvGrpSpPr>
+        <p:cNvPr id="1" name=""/>
+        <p:cNvGrpSpPr/>
+        <p:nvPr/>
+      </p:nvGrpSpPr>
+      <p:grpSpPr>
+        <a:xfrm>
+          <a:off x="0" y="0"/>
+          <a:ext cx="0" cy="0"/>
+          <a:chOff x="0" y="0"/>
+          <a:chExt cx="0" cy="0"/>
+        </a:xfrm>
+      </p:grpSpPr>
+      <p:cxnSp>
+        <p:nvCxnSpPr>
+          <p:cNvPr id="722" name="Straight Connector 721"/>
+          <p:cNvCxnSpPr/>
+          <p:nvPr/>
+        </p:nvCxnSpPr>
+        <p:spPr>
+          <a:xfrm flipV="1">
+            <a:off x="1235616" y="622199"/>
+            <a:ext cx="23089" cy="3855500"/>
+          </a:xfrm>
+          <a:prstGeom prst="line">
+            <a:avLst/>
+          </a:prstGeom>
+        </p:spPr>
+        <p:style>
+          <a:lnRef idx="3">
+            <a:schemeClr val="accent5"/>
+          </a:lnRef>
+          <a:fillRef idx="0">
+            <a:schemeClr val="accent5"/>
+          </a:fillRef>
+          <a:effectRef idx="2">
+            <a:schemeClr val="accent5"/>
+          </a:effectRef>
+          <a:fontRef idx="minor">
+            <a:schemeClr val="tx1"/>
+          </a:fontRef>
+        </p:style>
+      </p:cxnSp>
+      <p:cxnSp>
+        <p:nvCxnSpPr>
+          <p:cNvPr id="721" name="Straight Connector 720"/>
+          <p:cNvCxnSpPr/>
+          <p:nvPr/>
+        </p:nvCxnSpPr>
+        <p:spPr>
+          <a:xfrm flipV="1">
+            <a:off x="1989409" y="756895"/>
+            <a:ext cx="23089" cy="3855500"/>
+          </a:xfrm>
+          <a:prstGeom prst="line">
+            <a:avLst/>
+          </a:prstGeom>
+        </p:spPr>
+        <p:style>
+          <a:lnRef idx="3">
+            <a:schemeClr val="accent5"/>
+          </a:lnRef>
+          <a:fillRef idx="0">
+            <a:schemeClr val="accent5"/>
+          </a:fillRef>
+          <a:effectRef idx="2">
+            <a:schemeClr val="accent5"/>
+          </a:effectRef>
+          <a:fontRef idx="minor">
+            <a:schemeClr val="tx1"/>
+          </a:fontRef>
+        </p:style>
+      </p:cxnSp>
+      <p:cxnSp>
+        <p:nvCxnSpPr>
+          <p:cNvPr id="720" name="Straight Connector 719"/>
+          <p:cNvCxnSpPr/>
+          <p:nvPr/>
+        </p:nvCxnSpPr>
+        <p:spPr>
+          <a:xfrm flipV="1">
+            <a:off x="2742531" y="846589"/>
+            <a:ext cx="23089" cy="3855500"/>
+          </a:xfrm>
+          <a:prstGeom prst="line">
+            <a:avLst/>
+          </a:prstGeom>
+        </p:spPr>
+        <p:style>
+          <a:lnRef idx="3">
+            <a:schemeClr val="accent5"/>
+          </a:lnRef>
+          <a:fillRef idx="0">
+            <a:schemeClr val="accent5"/>
+          </a:fillRef>
+          <a:effectRef idx="2">
+            <a:schemeClr val="accent5"/>
+          </a:effectRef>
+          <a:fontRef idx="minor">
+            <a:schemeClr val="tx1"/>
+          </a:fontRef>
+        </p:style>
+      </p:cxnSp>
+      <p:cxnSp>
+        <p:nvCxnSpPr>
+          <p:cNvPr id="719" name="Straight Connector 718"/>
+          <p:cNvCxnSpPr/>
+          <p:nvPr/>
+        </p:nvCxnSpPr>
+        <p:spPr>
+          <a:xfrm flipV="1">
+            <a:off x="3532863" y="812760"/>
+            <a:ext cx="23089" cy="3855500"/>
+          </a:xfrm>
+          <a:prstGeom prst="line">
+            <a:avLst/>
+          </a:prstGeom>
+        </p:spPr>
+        <p:style>
+          <a:lnRef idx="3">
+            <a:schemeClr val="accent5"/>
+          </a:lnRef>
+          <a:fillRef idx="0">
+            <a:schemeClr val="accent5"/>
+          </a:fillRef>
+          <a:effectRef idx="2">
+            <a:schemeClr val="accent5"/>
+          </a:effectRef>
+          <a:fontRef idx="minor">
+            <a:schemeClr val="tx1"/>
+          </a:fontRef>
+        </p:style>
+      </p:cxnSp>
+      <p:cxnSp>
+        <p:nvCxnSpPr>
+          <p:cNvPr id="717" name="Straight Connector 716"/>
+          <p:cNvCxnSpPr/>
+          <p:nvPr/>
+        </p:nvCxnSpPr>
+        <p:spPr>
+          <a:xfrm flipV="1">
+            <a:off x="4313360" y="876705"/>
+            <a:ext cx="23089" cy="3855500"/>
+          </a:xfrm>
+          <a:prstGeom prst="line">
+            <a:avLst/>
+          </a:prstGeom>
+        </p:spPr>
+        <p:style>
+          <a:lnRef idx="3">
+            <a:schemeClr val="accent5"/>
+          </a:lnRef>
+          <a:fillRef idx="0">
+            <a:schemeClr val="accent5"/>
+          </a:fillRef>
+          <a:effectRef idx="2">
+            <a:schemeClr val="accent5"/>
+          </a:effectRef>
+          <a:fontRef idx="minor">
+            <a:schemeClr val="tx1"/>
+          </a:fontRef>
+        </p:style>
+      </p:cxnSp>
+      <p:cxnSp>
+        <p:nvCxnSpPr>
+          <p:cNvPr id="690" name="Straight Connector 689"/>
+          <p:cNvCxnSpPr/>
+          <p:nvPr/>
+        </p:nvCxnSpPr>
+        <p:spPr>
+          <a:xfrm>
+            <a:off x="2130631" y="917655"/>
+            <a:ext cx="1071418" cy="0"/>
+          </a:xfrm>
+          <a:prstGeom prst="line">
+            <a:avLst/>
+          </a:prstGeom>
+        </p:spPr>
+        <p:style>
+          <a:lnRef idx="3">
+            <a:schemeClr val="accent5"/>
+          </a:lnRef>
+          <a:fillRef idx="0">
+            <a:schemeClr val="accent5"/>
+          </a:fillRef>
+          <a:effectRef idx="2">
+            <a:schemeClr val="accent5"/>
+          </a:effectRef>
+          <a:fontRef idx="minor">
+            <a:schemeClr val="tx1"/>
+          </a:fontRef>
+        </p:style>
+      </p:cxnSp>
+      <p:cxnSp>
+        <p:nvCxnSpPr>
+          <p:cNvPr id="691" name="Straight Connector 690"/>
+          <p:cNvCxnSpPr/>
+          <p:nvPr/>
+        </p:nvCxnSpPr>
+        <p:spPr>
+          <a:xfrm>
+            <a:off x="3202049" y="917655"/>
+            <a:ext cx="1071418" cy="0"/>
+          </a:xfrm>
+          <a:prstGeom prst="line">
+            <a:avLst/>
+          </a:prstGeom>
+        </p:spPr>
+        <p:style>
+          <a:lnRef idx="3">
+            <a:schemeClr val="accent5"/>
+          </a:lnRef>
+          <a:fillRef idx="0">
+            <a:schemeClr val="accent5"/>
+          </a:fillRef>
+          <a:effectRef idx="2">
+            <a:schemeClr val="accent5"/>
+          </a:effectRef>
+          <a:fontRef idx="minor">
+            <a:schemeClr val="tx1"/>
+          </a:fontRef>
+        </p:style>
+      </p:cxnSp>
+      <p:cxnSp>
+        <p:nvCxnSpPr>
+          <p:cNvPr id="694" name="Straight Connector 693"/>
+          <p:cNvCxnSpPr/>
+          <p:nvPr/>
+        </p:nvCxnSpPr>
+        <p:spPr>
+          <a:xfrm>
+            <a:off x="3200378" y="1659750"/>
+            <a:ext cx="1071418" cy="0"/>
+          </a:xfrm>
+          <a:prstGeom prst="line">
+            <a:avLst/>
+          </a:prstGeom>
+        </p:spPr>
+        <p:style>
+          <a:lnRef idx="3">
+            <a:schemeClr val="accent5"/>
+          </a:lnRef>
+          <a:fillRef idx="0">
+            <a:schemeClr val="accent5"/>
+          </a:fillRef>
+          <a:effectRef idx="2">
+            <a:schemeClr val="accent5"/>
+          </a:effectRef>
+          <a:fontRef idx="minor">
+            <a:schemeClr val="tx1"/>
+          </a:fontRef>
+        </p:style>
+      </p:cxnSp>
+      <p:cxnSp>
+        <p:nvCxnSpPr>
+          <p:cNvPr id="560" name="Straight Connector 559"/>
+          <p:cNvCxnSpPr/>
+          <p:nvPr/>
+        </p:nvCxnSpPr>
+        <p:spPr>
+          <a:xfrm rot="16200000">
+            <a:off x="8008093" y="4606649"/>
+            <a:ext cx="1071418" cy="0"/>
+          </a:xfrm>
+          <a:prstGeom prst="line">
+            <a:avLst/>
+          </a:prstGeom>
+        </p:spPr>
+        <p:style>
+          <a:lnRef idx="3">
+            <a:schemeClr val="accent5"/>
+          </a:lnRef>
+          <a:fillRef idx="0">
+            <a:schemeClr val="accent5"/>
+          </a:fillRef>
+          <a:effectRef idx="2">
+            <a:schemeClr val="accent5"/>
+          </a:effectRef>
+          <a:fontRef idx="minor">
+            <a:schemeClr val="tx1"/>
+          </a:fontRef>
+        </p:style>
+      </p:cxnSp>
+      <p:cxnSp>
+        <p:nvCxnSpPr>
+          <p:cNvPr id="561" name="Straight Connector 560"/>
+          <p:cNvCxnSpPr/>
+          <p:nvPr/>
+        </p:nvCxnSpPr>
+        <p:spPr>
+          <a:xfrm rot="16200000">
+            <a:off x="8012669" y="4049051"/>
+            <a:ext cx="1071418" cy="0"/>
+          </a:xfrm>
+          <a:prstGeom prst="line">
+            <a:avLst/>
+          </a:prstGeom>
+        </p:spPr>
+        <p:style>
+          <a:lnRef idx="3">
+            <a:schemeClr val="accent5"/>
+          </a:lnRef>
+          <a:fillRef idx="0">
+            <a:schemeClr val="accent5"/>
+          </a:fillRef>
+          <a:effectRef idx="2">
+            <a:schemeClr val="accent5"/>
+          </a:effectRef>
+          <a:fontRef idx="minor">
+            <a:schemeClr val="tx1"/>
+          </a:fontRef>
+        </p:style>
+      </p:cxnSp>
+      <p:cxnSp>
+        <p:nvCxnSpPr>
+          <p:cNvPr id="558" name="Straight Connector 557"/>
+          <p:cNvCxnSpPr/>
+          <p:nvPr/>
+        </p:nvCxnSpPr>
+        <p:spPr>
+          <a:xfrm rot="16200000">
+            <a:off x="7236753" y="4588722"/>
+            <a:ext cx="1071418" cy="0"/>
+          </a:xfrm>
+          <a:prstGeom prst="line">
+            <a:avLst/>
+          </a:prstGeom>
+        </p:spPr>
+        <p:style>
+          <a:lnRef idx="3">
+            <a:schemeClr val="accent5"/>
+          </a:lnRef>
+          <a:fillRef idx="0">
+            <a:schemeClr val="accent5"/>
+          </a:fillRef>
+          <a:effectRef idx="2">
+            <a:schemeClr val="accent5"/>
+          </a:effectRef>
+          <a:fontRef idx="minor">
+            <a:schemeClr val="tx1"/>
+          </a:fontRef>
+        </p:style>
+      </p:cxnSp>
+      <p:cxnSp>
+        <p:nvCxnSpPr>
+          <p:cNvPr id="559" name="Straight Connector 558"/>
+          <p:cNvCxnSpPr/>
+          <p:nvPr/>
+        </p:nvCxnSpPr>
+        <p:spPr>
+          <a:xfrm rot="16200000">
+            <a:off x="7241329" y="4031124"/>
+            <a:ext cx="1071418" cy="0"/>
+          </a:xfrm>
+          <a:prstGeom prst="line">
+            <a:avLst/>
+          </a:prstGeom>
+        </p:spPr>
+        <p:style>
+          <a:lnRef idx="3">
+            <a:schemeClr val="accent5"/>
+          </a:lnRef>
+          <a:fillRef idx="0">
+            <a:schemeClr val="accent5"/>
+          </a:fillRef>
+          <a:effectRef idx="2">
+            <a:schemeClr val="accent5"/>
+          </a:effectRef>
+          <a:fontRef idx="minor">
+            <a:schemeClr val="tx1"/>
+          </a:fontRef>
+        </p:style>
+      </p:cxnSp>
+      <p:cxnSp>
+        <p:nvCxnSpPr>
+          <p:cNvPr id="556" name="Straight Connector 555"/>
+          <p:cNvCxnSpPr/>
+          <p:nvPr/>
+        </p:nvCxnSpPr>
+        <p:spPr>
+          <a:xfrm rot="16200000">
+            <a:off x="6456261" y="4651209"/>
+            <a:ext cx="1071418" cy="0"/>
+          </a:xfrm>
+          <a:prstGeom prst="line">
+            <a:avLst/>
+          </a:prstGeom>
+        </p:spPr>
+        <p:style>
+          <a:lnRef idx="3">
+            <a:schemeClr val="accent5"/>
+          </a:lnRef>
+          <a:fillRef idx="0">
+            <a:schemeClr val="accent5"/>
+          </a:fillRef>
+          <a:effectRef idx="2">
+            <a:schemeClr val="accent5"/>
+          </a:effectRef>
+          <a:fontRef idx="minor">
+            <a:schemeClr val="tx1"/>
+          </a:fontRef>
+        </p:style>
+      </p:cxnSp>
+      <p:cxnSp>
+        <p:nvCxnSpPr>
+          <p:cNvPr id="557" name="Straight Connector 556"/>
+          <p:cNvCxnSpPr/>
+          <p:nvPr/>
+        </p:nvCxnSpPr>
+        <p:spPr>
+          <a:xfrm rot="16200000">
+            <a:off x="6460837" y="4093611"/>
+            <a:ext cx="1071418" cy="0"/>
+          </a:xfrm>
+          <a:prstGeom prst="line">
+            <a:avLst/>
+          </a:prstGeom>
+        </p:spPr>
+        <p:style>
+          <a:lnRef idx="3">
+            <a:schemeClr val="accent5"/>
+          </a:lnRef>
+          <a:fillRef idx="0">
+            <a:schemeClr val="accent5"/>
+          </a:fillRef>
+          <a:effectRef idx="2">
+            <a:schemeClr val="accent5"/>
+          </a:effectRef>
+          <a:fontRef idx="minor">
+            <a:schemeClr val="tx1"/>
+          </a:fontRef>
+        </p:style>
+      </p:cxnSp>
+      <p:cxnSp>
+        <p:nvCxnSpPr>
+          <p:cNvPr id="554" name="Straight Connector 553"/>
+          <p:cNvCxnSpPr/>
+          <p:nvPr/>
+        </p:nvCxnSpPr>
+        <p:spPr>
+          <a:xfrm rot="16200000">
+            <a:off x="5698836" y="4632351"/>
+            <a:ext cx="1071418" cy="0"/>
+          </a:xfrm>
+          <a:prstGeom prst="line">
+            <a:avLst/>
+          </a:prstGeom>
+        </p:spPr>
+        <p:style>
+          <a:lnRef idx="3">
+            <a:schemeClr val="accent5"/>
+          </a:lnRef>
+          <a:fillRef idx="0">
+            <a:schemeClr val="accent5"/>
+          </a:fillRef>
+          <a:effectRef idx="2">
+            <a:schemeClr val="accent5"/>
+          </a:effectRef>
+          <a:fontRef idx="minor">
+            <a:schemeClr val="tx1"/>
+          </a:fontRef>
+        </p:style>
+      </p:cxnSp>
+      <p:cxnSp>
+        <p:nvCxnSpPr>
+          <p:cNvPr id="555" name="Straight Connector 554"/>
+          <p:cNvCxnSpPr/>
+          <p:nvPr/>
+        </p:nvCxnSpPr>
+        <p:spPr>
+          <a:xfrm rot="16200000">
+            <a:off x="5703412" y="4074753"/>
+            <a:ext cx="1071418" cy="0"/>
+          </a:xfrm>
+          <a:prstGeom prst="line">
+            <a:avLst/>
+          </a:prstGeom>
+        </p:spPr>
+        <p:style>
+          <a:lnRef idx="3">
+            <a:schemeClr val="accent5"/>
+          </a:lnRef>
+          <a:fillRef idx="0">
+            <a:schemeClr val="accent5"/>
+          </a:fillRef>
+          <a:effectRef idx="2">
+            <a:schemeClr val="accent5"/>
+          </a:effectRef>
+          <a:fontRef idx="minor">
+            <a:schemeClr val="tx1"/>
+          </a:fontRef>
+        </p:style>
+      </p:cxnSp>
+      <p:cxnSp>
+        <p:nvCxnSpPr>
+          <p:cNvPr id="552" name="Straight Connector 551"/>
+          <p:cNvCxnSpPr/>
+          <p:nvPr/>
+        </p:nvCxnSpPr>
+        <p:spPr>
+          <a:xfrm rot="16200000">
+            <a:off x="4955351" y="4621867"/>
+            <a:ext cx="1071418" cy="0"/>
+          </a:xfrm>
+          <a:prstGeom prst="line">
+            <a:avLst/>
+          </a:prstGeom>
+        </p:spPr>
+        <p:style>
+          <a:lnRef idx="3">
+            <a:schemeClr val="accent5"/>
+          </a:lnRef>
+          <a:fillRef idx="0">
+            <a:schemeClr val="accent5"/>
+          </a:fillRef>
+          <a:effectRef idx="2">
+            <a:schemeClr val="accent5"/>
+          </a:effectRef>
+          <a:fontRef idx="minor">
+            <a:schemeClr val="tx1"/>
+          </a:fontRef>
+        </p:style>
+      </p:cxnSp>
+      <p:cxnSp>
+        <p:nvCxnSpPr>
+          <p:cNvPr id="553" name="Straight Connector 552"/>
+          <p:cNvCxnSpPr/>
+          <p:nvPr/>
+        </p:nvCxnSpPr>
+        <p:spPr>
+          <a:xfrm rot="16200000">
+            <a:off x="4959927" y="4064269"/>
+            <a:ext cx="1071418" cy="0"/>
+          </a:xfrm>
+          <a:prstGeom prst="line">
+            <a:avLst/>
+          </a:prstGeom>
+        </p:spPr>
+        <p:style>
+          <a:lnRef idx="3">
+            <a:schemeClr val="accent5"/>
+          </a:lnRef>
+          <a:fillRef idx="0">
+            <a:schemeClr val="accent5"/>
+          </a:fillRef>
+          <a:effectRef idx="2">
+            <a:schemeClr val="accent5"/>
+          </a:effectRef>
+          <a:fontRef idx="minor">
+            <a:schemeClr val="tx1"/>
+          </a:fontRef>
+        </p:style>
+      </p:cxnSp>
+      <p:cxnSp>
+        <p:nvCxnSpPr>
+          <p:cNvPr id="549" name="Straight Connector 548"/>
+          <p:cNvCxnSpPr/>
+          <p:nvPr/>
+        </p:nvCxnSpPr>
+        <p:spPr>
+          <a:xfrm>
+            <a:off x="5449455" y="5020663"/>
+            <a:ext cx="1071418" cy="0"/>
+          </a:xfrm>
+          <a:prstGeom prst="line">
+            <a:avLst/>
+          </a:prstGeom>
+        </p:spPr>
+        <p:style>
+          <a:lnRef idx="3">
+            <a:schemeClr val="accent5"/>
+          </a:lnRef>
+          <a:fillRef idx="0">
+            <a:schemeClr val="accent5"/>
+          </a:fillRef>
+          <a:effectRef idx="2">
+            <a:schemeClr val="accent5"/>
+          </a:effectRef>
+          <a:fontRef idx="minor">
+            <a:schemeClr val="tx1"/>
+          </a:fontRef>
+        </p:style>
+      </p:cxnSp>
+      <p:cxnSp>
+        <p:nvCxnSpPr>
+          <p:cNvPr id="550" name="Straight Connector 549"/>
+          <p:cNvCxnSpPr/>
+          <p:nvPr/>
+        </p:nvCxnSpPr>
+        <p:spPr>
+          <a:xfrm>
+            <a:off x="6419273" y="5020663"/>
+            <a:ext cx="1071418" cy="0"/>
+          </a:xfrm>
+          <a:prstGeom prst="line">
+            <a:avLst/>
+          </a:prstGeom>
+        </p:spPr>
+        <p:style>
+          <a:lnRef idx="3">
+            <a:schemeClr val="accent5"/>
+          </a:lnRef>
+          <a:fillRef idx="0">
+            <a:schemeClr val="accent5"/>
+          </a:fillRef>
+          <a:effectRef idx="2">
+            <a:schemeClr val="accent5"/>
+          </a:effectRef>
+          <a:fontRef idx="minor">
+            <a:schemeClr val="tx1"/>
+          </a:fontRef>
+        </p:style>
+      </p:cxnSp>
+      <p:cxnSp>
+        <p:nvCxnSpPr>
+          <p:cNvPr id="551" name="Straight Connector 550"/>
+          <p:cNvCxnSpPr/>
+          <p:nvPr/>
+        </p:nvCxnSpPr>
+        <p:spPr>
+          <a:xfrm>
+            <a:off x="7490691" y="5020663"/>
+            <a:ext cx="1071418" cy="0"/>
+          </a:xfrm>
+          <a:prstGeom prst="line">
+            <a:avLst/>
+          </a:prstGeom>
+        </p:spPr>
+        <p:style>
+          <a:lnRef idx="3">
+            <a:schemeClr val="accent5"/>
+          </a:lnRef>
+          <a:fillRef idx="0">
+            <a:schemeClr val="accent5"/>
+          </a:fillRef>
+          <a:effectRef idx="2">
+            <a:schemeClr val="accent5"/>
+          </a:effectRef>
+          <a:fontRef idx="minor">
+            <a:schemeClr val="tx1"/>
+          </a:fontRef>
+        </p:style>
+      </p:cxnSp>
+      <p:cxnSp>
+        <p:nvCxnSpPr>
+          <p:cNvPr id="546" name="Straight Connector 545"/>
+          <p:cNvCxnSpPr/>
+          <p:nvPr/>
+        </p:nvCxnSpPr>
+        <p:spPr>
+          <a:xfrm>
+            <a:off x="5407891" y="4377069"/>
+            <a:ext cx="1071418" cy="0"/>
+          </a:xfrm>
+          <a:prstGeom prst="line">
+            <a:avLst/>
+          </a:prstGeom>
+        </p:spPr>
+        <p:style>
+          <a:lnRef idx="3">
+            <a:schemeClr val="accent5"/>
+          </a:lnRef>
+          <a:fillRef idx="0">
+            <a:schemeClr val="accent5"/>
+          </a:fillRef>
+          <a:effectRef idx="2">
+            <a:schemeClr val="accent5"/>
+          </a:effectRef>
+          <a:fontRef idx="minor">
+            <a:schemeClr val="tx1"/>
+          </a:fontRef>
+        </p:style>
+      </p:cxnSp>
+      <p:cxnSp>
+        <p:nvCxnSpPr>
+          <p:cNvPr id="547" name="Straight Connector 546"/>
+          <p:cNvCxnSpPr/>
+          <p:nvPr/>
+        </p:nvCxnSpPr>
+        <p:spPr>
+          <a:xfrm>
+            <a:off x="6377709" y="4377069"/>
+            <a:ext cx="1071418" cy="0"/>
+          </a:xfrm>
+          <a:prstGeom prst="line">
+            <a:avLst/>
+          </a:prstGeom>
+        </p:spPr>
+        <p:style>
+          <a:lnRef idx="3">
+            <a:schemeClr val="accent5"/>
+          </a:lnRef>
+          <a:fillRef idx="0">
+            <a:schemeClr val="accent5"/>
+          </a:fillRef>
+          <a:effectRef idx="2">
+            <a:schemeClr val="accent5"/>
+          </a:effectRef>
+          <a:fontRef idx="minor">
+            <a:schemeClr val="tx1"/>
+          </a:fontRef>
+        </p:style>
+      </p:cxnSp>
+      <p:cxnSp>
+        <p:nvCxnSpPr>
+          <p:cNvPr id="548" name="Straight Connector 547"/>
+          <p:cNvCxnSpPr/>
+          <p:nvPr/>
+        </p:nvCxnSpPr>
+        <p:spPr>
+          <a:xfrm>
+            <a:off x="7449127" y="4377069"/>
+            <a:ext cx="1071418" cy="0"/>
+          </a:xfrm>
+          <a:prstGeom prst="line">
+            <a:avLst/>
+          </a:prstGeom>
+        </p:spPr>
+        <p:style>
+          <a:lnRef idx="3">
+            <a:schemeClr val="accent5"/>
+          </a:lnRef>
+          <a:fillRef idx="0">
+            <a:schemeClr val="accent5"/>
+          </a:fillRef>
+          <a:effectRef idx="2">
+            <a:schemeClr val="accent5"/>
+          </a:effectRef>
+          <a:fontRef idx="minor">
+            <a:schemeClr val="tx1"/>
+          </a:fontRef>
+        </p:style>
+      </p:cxnSp>
+      <p:cxnSp>
+        <p:nvCxnSpPr>
+          <p:cNvPr id="543" name="Straight Connector 542"/>
+          <p:cNvCxnSpPr/>
+          <p:nvPr/>
+        </p:nvCxnSpPr>
+        <p:spPr>
+          <a:xfrm>
+            <a:off x="5407891" y="3657052"/>
+            <a:ext cx="1071418" cy="0"/>
+          </a:xfrm>
+          <a:prstGeom prst="line">
+            <a:avLst/>
+          </a:prstGeom>
+        </p:spPr>
+        <p:style>
+          <a:lnRef idx="3">
+            <a:schemeClr val="accent5"/>
+          </a:lnRef>
+          <a:fillRef idx="0">
+            <a:schemeClr val="accent5"/>
+          </a:fillRef>
+          <a:effectRef idx="2">
+            <a:schemeClr val="accent5"/>
+          </a:effectRef>
+          <a:fontRef idx="minor">
+            <a:schemeClr val="tx1"/>
+          </a:fontRef>
+        </p:style>
+      </p:cxnSp>
+      <p:cxnSp>
+        <p:nvCxnSpPr>
+          <p:cNvPr id="544" name="Straight Connector 543"/>
+          <p:cNvCxnSpPr/>
+          <p:nvPr/>
+        </p:nvCxnSpPr>
+        <p:spPr>
+          <a:xfrm>
+            <a:off x="6377709" y="3657052"/>
+            <a:ext cx="1071418" cy="0"/>
+          </a:xfrm>
+          <a:prstGeom prst="line">
+            <a:avLst/>
+          </a:prstGeom>
+        </p:spPr>
+        <p:style>
+          <a:lnRef idx="3">
+            <a:schemeClr val="accent5"/>
+          </a:lnRef>
+          <a:fillRef idx="0">
+            <a:schemeClr val="accent5"/>
+          </a:fillRef>
+          <a:effectRef idx="2">
+            <a:schemeClr val="accent5"/>
+          </a:effectRef>
+          <a:fontRef idx="minor">
+            <a:schemeClr val="tx1"/>
+          </a:fontRef>
+        </p:style>
+      </p:cxnSp>
+      <p:cxnSp>
+        <p:nvCxnSpPr>
+          <p:cNvPr id="545" name="Straight Connector 544"/>
+          <p:cNvCxnSpPr/>
+          <p:nvPr/>
+        </p:nvCxnSpPr>
+        <p:spPr>
+          <a:xfrm>
+            <a:off x="7449127" y="3657052"/>
+            <a:ext cx="1071418" cy="0"/>
+          </a:xfrm>
+          <a:prstGeom prst="line">
+            <a:avLst/>
+          </a:prstGeom>
+        </p:spPr>
+        <p:style>
+          <a:lnRef idx="3">
+            <a:schemeClr val="accent5"/>
+          </a:lnRef>
+          <a:fillRef idx="0">
+            <a:schemeClr val="accent5"/>
+          </a:fillRef>
+          <a:effectRef idx="2">
+            <a:schemeClr val="accent5"/>
+          </a:effectRef>
+          <a:fontRef idx="minor">
+            <a:schemeClr val="tx1"/>
+          </a:fontRef>
+        </p:style>
+      </p:cxnSp>
+      <p:cxnSp>
+        <p:nvCxnSpPr>
+          <p:cNvPr id="539" name="Straight Connector 538"/>
+          <p:cNvCxnSpPr/>
+          <p:nvPr/>
+        </p:nvCxnSpPr>
+        <p:spPr>
+          <a:xfrm rot="16200000">
+            <a:off x="7920184" y="2014341"/>
+            <a:ext cx="1071418" cy="0"/>
+          </a:xfrm>
+          <a:prstGeom prst="line">
+            <a:avLst/>
+          </a:prstGeom>
+        </p:spPr>
+        <p:style>
+          <a:lnRef idx="3">
+            <a:schemeClr val="accent5"/>
+          </a:lnRef>
+          <a:fillRef idx="0">
+            <a:schemeClr val="accent5"/>
+          </a:fillRef>
+          <a:effectRef idx="2">
+            <a:schemeClr val="accent5"/>
+          </a:effectRef>
+          <a:fontRef idx="minor">
+            <a:schemeClr val="tx1"/>
+          </a:fontRef>
+        </p:style>
+      </p:cxnSp>
+      <p:cxnSp>
+        <p:nvCxnSpPr>
+          <p:cNvPr id="540" name="Straight Connector 539"/>
+          <p:cNvCxnSpPr/>
+          <p:nvPr/>
+        </p:nvCxnSpPr>
+        <p:spPr>
+          <a:xfrm rot="16200000">
+            <a:off x="7924760" y="1456743"/>
+            <a:ext cx="1071418" cy="0"/>
+          </a:xfrm>
+          <a:prstGeom prst="line">
+            <a:avLst/>
+          </a:prstGeom>
+        </p:spPr>
+        <p:style>
+          <a:lnRef idx="3">
+            <a:schemeClr val="accent5"/>
+          </a:lnRef>
+          <a:fillRef idx="0">
+            <a:schemeClr val="accent5"/>
+          </a:fillRef>
+          <a:effectRef idx="2">
+            <a:schemeClr val="accent5"/>
+          </a:effectRef>
+          <a:fontRef idx="minor">
+            <a:schemeClr val="tx1"/>
+          </a:fontRef>
+        </p:style>
+      </p:cxnSp>
+      <p:cxnSp>
+        <p:nvCxnSpPr>
+          <p:cNvPr id="541" name="Straight Connector 540"/>
+          <p:cNvCxnSpPr/>
+          <p:nvPr/>
+        </p:nvCxnSpPr>
+        <p:spPr>
+          <a:xfrm rot="16200000">
+            <a:off x="6937953" y="1985421"/>
+            <a:ext cx="1071418" cy="0"/>
+          </a:xfrm>
+          <a:prstGeom prst="line">
+            <a:avLst/>
+          </a:prstGeom>
+        </p:spPr>
+        <p:style>
+          <a:lnRef idx="3">
+            <a:schemeClr val="accent5"/>
+          </a:lnRef>
+          <a:fillRef idx="0">
+            <a:schemeClr val="accent5"/>
+          </a:fillRef>
+          <a:effectRef idx="2">
+            <a:schemeClr val="accent5"/>
+          </a:effectRef>
+          <a:fontRef idx="minor">
+            <a:schemeClr val="tx1"/>
+          </a:fontRef>
+        </p:style>
+      </p:cxnSp>
+      <p:cxnSp>
+        <p:nvCxnSpPr>
+          <p:cNvPr id="542" name="Straight Connector 541"/>
+          <p:cNvCxnSpPr/>
+          <p:nvPr/>
+        </p:nvCxnSpPr>
+        <p:spPr>
+          <a:xfrm rot="16200000">
+            <a:off x="6933377" y="1325033"/>
+            <a:ext cx="1071418" cy="0"/>
+          </a:xfrm>
+          <a:prstGeom prst="line">
+            <a:avLst/>
+          </a:prstGeom>
+        </p:spPr>
+        <p:style>
+          <a:lnRef idx="3">
+            <a:schemeClr val="accent5"/>
+          </a:lnRef>
+          <a:fillRef idx="0">
+            <a:schemeClr val="accent5"/>
+          </a:fillRef>
+          <a:effectRef idx="2">
+            <a:schemeClr val="accent5"/>
+          </a:effectRef>
+          <a:fontRef idx="minor">
+            <a:schemeClr val="tx1"/>
+          </a:fontRef>
+        </p:style>
+      </p:cxnSp>
+      <p:cxnSp>
+        <p:nvCxnSpPr>
+          <p:cNvPr id="537" name="Straight Connector 536"/>
+          <p:cNvCxnSpPr/>
+          <p:nvPr/>
+        </p:nvCxnSpPr>
+        <p:spPr>
+          <a:xfrm rot="16200000">
+            <a:off x="5900553" y="1992452"/>
+            <a:ext cx="1071418" cy="0"/>
+          </a:xfrm>
+          <a:prstGeom prst="line">
+            <a:avLst/>
+          </a:prstGeom>
+        </p:spPr>
+        <p:style>
+          <a:lnRef idx="3">
+            <a:schemeClr val="accent5"/>
+          </a:lnRef>
+          <a:fillRef idx="0">
+            <a:schemeClr val="accent5"/>
+          </a:fillRef>
+          <a:effectRef idx="2">
+            <a:schemeClr val="accent5"/>
+          </a:effectRef>
+          <a:fontRef idx="minor">
+            <a:schemeClr val="tx1"/>
+          </a:fontRef>
+        </p:style>
+      </p:cxnSp>
+      <p:cxnSp>
+        <p:nvCxnSpPr>
+          <p:cNvPr id="538" name="Straight Connector 537"/>
+          <p:cNvCxnSpPr/>
+          <p:nvPr/>
+        </p:nvCxnSpPr>
+        <p:spPr>
+          <a:xfrm rot="16200000">
+            <a:off x="5905129" y="1434854"/>
+            <a:ext cx="1071418" cy="0"/>
+          </a:xfrm>
+          <a:prstGeom prst="line">
+            <a:avLst/>
+          </a:prstGeom>
+        </p:spPr>
+        <p:style>
+          <a:lnRef idx="3">
+            <a:schemeClr val="accent5"/>
+          </a:lnRef>
+          <a:fillRef idx="0">
+            <a:schemeClr val="accent5"/>
+          </a:fillRef>
+          <a:effectRef idx="2">
+            <a:schemeClr val="accent5"/>
+          </a:effectRef>
+          <a:fontRef idx="minor">
+            <a:schemeClr val="tx1"/>
+          </a:fontRef>
+        </p:style>
+      </p:cxnSp>
+      <p:cxnSp>
+        <p:nvCxnSpPr>
+          <p:cNvPr id="536" name="Straight Connector 535"/>
+          <p:cNvCxnSpPr/>
+          <p:nvPr/>
+        </p:nvCxnSpPr>
+        <p:spPr>
+          <a:xfrm rot="16200000">
+            <a:off x="4909170" y="1860742"/>
+            <a:ext cx="1071418" cy="0"/>
+          </a:xfrm>
+          <a:prstGeom prst="line">
+            <a:avLst/>
+          </a:prstGeom>
+        </p:spPr>
+        <p:style>
+          <a:lnRef idx="3">
+            <a:schemeClr val="accent5"/>
+          </a:lnRef>
+          <a:fillRef idx="0">
+            <a:schemeClr val="accent5"/>
+          </a:fillRef>
+          <a:effectRef idx="2">
+            <a:schemeClr val="accent5"/>
+          </a:effectRef>
+          <a:fontRef idx="minor">
+            <a:schemeClr val="tx1"/>
+          </a:fontRef>
+        </p:style>
+      </p:cxnSp>
+      <p:cxnSp>
+        <p:nvCxnSpPr>
+          <p:cNvPr id="532" name="Straight Connector 531"/>
+          <p:cNvCxnSpPr/>
+          <p:nvPr/>
+        </p:nvCxnSpPr>
+        <p:spPr>
+          <a:xfrm>
+            <a:off x="5449455" y="2595417"/>
+            <a:ext cx="1071418" cy="0"/>
+          </a:xfrm>
+          <a:prstGeom prst="line">
+            <a:avLst/>
+          </a:prstGeom>
+        </p:spPr>
+        <p:style>
+          <a:lnRef idx="3">
+            <a:schemeClr val="accent5"/>
+          </a:lnRef>
+          <a:fillRef idx="0">
+            <a:schemeClr val="accent5"/>
+          </a:fillRef>
+          <a:effectRef idx="2">
+            <a:schemeClr val="accent5"/>
+          </a:effectRef>
+          <a:fontRef idx="minor">
+            <a:schemeClr val="tx1"/>
+          </a:fontRef>
+        </p:style>
+      </p:cxnSp>
+      <p:cxnSp>
+        <p:nvCxnSpPr>
+          <p:cNvPr id="533" name="Straight Connector 532"/>
+          <p:cNvCxnSpPr/>
+          <p:nvPr/>
+        </p:nvCxnSpPr>
+        <p:spPr>
+          <a:xfrm>
+            <a:off x="6419273" y="2595417"/>
+            <a:ext cx="1071418" cy="0"/>
+          </a:xfrm>
+          <a:prstGeom prst="line">
+            <a:avLst/>
+          </a:prstGeom>
+        </p:spPr>
+        <p:style>
+          <a:lnRef idx="3">
+            <a:schemeClr val="accent5"/>
+          </a:lnRef>
+          <a:fillRef idx="0">
+            <a:schemeClr val="accent5"/>
+          </a:fillRef>
+          <a:effectRef idx="2">
+            <a:schemeClr val="accent5"/>
+          </a:effectRef>
+          <a:fontRef idx="minor">
+            <a:schemeClr val="tx1"/>
+          </a:fontRef>
+        </p:style>
+      </p:cxnSp>
+      <p:cxnSp>
+        <p:nvCxnSpPr>
+          <p:cNvPr id="534" name="Straight Connector 533"/>
+          <p:cNvCxnSpPr/>
+          <p:nvPr/>
+        </p:nvCxnSpPr>
+        <p:spPr>
+          <a:xfrm>
+            <a:off x="7490691" y="2595417"/>
+            <a:ext cx="1071418" cy="0"/>
+          </a:xfrm>
+          <a:prstGeom prst="line">
+            <a:avLst/>
+          </a:prstGeom>
+        </p:spPr>
+        <p:style>
+          <a:lnRef idx="3">
+            <a:schemeClr val="accent5"/>
+          </a:lnRef>
+          <a:fillRef idx="0">
+            <a:schemeClr val="accent5"/>
+          </a:fillRef>
+          <a:effectRef idx="2">
+            <a:schemeClr val="accent5"/>
+          </a:effectRef>
+          <a:fontRef idx="minor">
+            <a:schemeClr val="tx1"/>
+          </a:fontRef>
+        </p:style>
+      </p:cxnSp>
+      <p:cxnSp>
+        <p:nvCxnSpPr>
+          <p:cNvPr id="535" name="Straight Connector 534"/>
+          <p:cNvCxnSpPr/>
+          <p:nvPr/>
+        </p:nvCxnSpPr>
+        <p:spPr>
+          <a:xfrm rot="16200000">
+            <a:off x="4913746" y="1303144"/>
+            <a:ext cx="1071418" cy="0"/>
+          </a:xfrm>
+          <a:prstGeom prst="line">
+            <a:avLst/>
+          </a:prstGeom>
+        </p:spPr>
+        <p:style>
+          <a:lnRef idx="3">
+            <a:schemeClr val="accent5"/>
+          </a:lnRef>
+          <a:fillRef idx="0">
+            <a:schemeClr val="accent5"/>
+          </a:fillRef>
+          <a:effectRef idx="2">
+            <a:schemeClr val="accent5"/>
+          </a:effectRef>
+          <a:fontRef idx="minor">
+            <a:schemeClr val="tx1"/>
+          </a:fontRef>
+        </p:style>
+      </p:cxnSp>
+      <p:cxnSp>
+        <p:nvCxnSpPr>
+          <p:cNvPr id="525" name="Straight Connector 524"/>
+          <p:cNvCxnSpPr/>
+          <p:nvPr/>
+        </p:nvCxnSpPr>
+        <p:spPr>
+          <a:xfrm>
+            <a:off x="5449455" y="895927"/>
+            <a:ext cx="1071418" cy="0"/>
+          </a:xfrm>
+          <a:prstGeom prst="line">
+            <a:avLst/>
+          </a:prstGeom>
+        </p:spPr>
+        <p:style>
+          <a:lnRef idx="3">
+            <a:schemeClr val="accent5"/>
+          </a:lnRef>
+          <a:fillRef idx="0">
+            <a:schemeClr val="accent5"/>
+          </a:fillRef>
+          <a:effectRef idx="2">
+            <a:schemeClr val="accent5"/>
+          </a:effectRef>
+          <a:fontRef idx="minor">
+            <a:schemeClr val="tx1"/>
+          </a:fontRef>
+        </p:style>
+      </p:cxnSp>
+      <p:grpSp>
+        <p:nvGrpSpPr>
+          <p:cNvPr id="295" name="Group 294"/>
+          <p:cNvGrpSpPr/>
+          <p:nvPr/>
+        </p:nvGrpSpPr>
+        <p:grpSpPr>
+          <a:xfrm>
+            <a:off x="5186219" y="665019"/>
+            <a:ext cx="3519054" cy="2164902"/>
+            <a:chOff x="5624945" y="1309029"/>
+            <a:chExt cx="2655455" cy="1737683"/>
+          </a:xfrm>
+        </p:grpSpPr>
+        <p:sp>
+          <p:nvSpPr>
+            <p:cNvPr id="265" name="Oval 264"/>
+            <p:cNvSpPr/>
+            <p:nvPr/>
+          </p:nvSpPr>
+          <p:spPr>
+            <a:xfrm>
+              <a:off x="5624945" y="1309029"/>
+              <a:ext cx="369455" cy="360218"/>
+            </a:xfrm>
+            <a:prstGeom prst="ellipse">
+              <a:avLst/>
+            </a:prstGeom>
+          </p:spPr>
+          <p:style>
+            <a:lnRef idx="0">
+              <a:schemeClr val="accent5"/>
+            </a:lnRef>
+            <a:fillRef idx="3">
+              <a:schemeClr val="accent5"/>
+            </a:fillRef>
+            <a:effectRef idx="3">
+              <a:schemeClr val="accent5"/>
+            </a:effectRef>
+            <a:fontRef idx="minor">
+              <a:schemeClr val="lt1"/>
+            </a:fontRef>
+          </p:style>
+          <p:txBody>
+            <a:bodyPr rtlCol="0" anchor="ctr"/>
+            <a:lstStyle/>
+            <a:p>
+              <a:pPr algn="ctr"/>
+              <a:endParaRPr lang="en-GB"/>
+            </a:p>
+          </p:txBody>
+        </p:sp>
+        <p:sp>
+          <p:nvSpPr>
+            <p:cNvPr id="266" name="Oval 265"/>
+            <p:cNvSpPr/>
+            <p:nvPr/>
+          </p:nvSpPr>
+          <p:spPr>
+            <a:xfrm>
+              <a:off x="6386945" y="1309029"/>
+              <a:ext cx="369455" cy="360218"/>
+            </a:xfrm>
+            <a:prstGeom prst="ellipse">
+              <a:avLst/>
+            </a:prstGeom>
+          </p:spPr>
+          <p:style>
+            <a:lnRef idx="0">
+              <a:schemeClr val="accent5"/>
+            </a:lnRef>
+            <a:fillRef idx="3">
+              <a:schemeClr val="accent5"/>
+            </a:fillRef>
+            <a:effectRef idx="3">
+              <a:schemeClr val="accent5"/>
+            </a:effectRef>
+            <a:fontRef idx="minor">
+              <a:schemeClr val="lt1"/>
+            </a:fontRef>
+          </p:style>
+          <p:txBody>
+            <a:bodyPr rtlCol="0" anchor="ctr"/>
+            <a:lstStyle/>
+            <a:p>
+              <a:pPr algn="ctr"/>
+              <a:endParaRPr lang="en-GB"/>
+            </a:p>
+          </p:txBody>
+        </p:sp>
+        <p:sp>
+          <p:nvSpPr>
+            <p:cNvPr id="267" name="Oval 266"/>
+            <p:cNvSpPr/>
+            <p:nvPr/>
+          </p:nvSpPr>
+          <p:spPr>
+            <a:xfrm>
+              <a:off x="7148945" y="1322883"/>
+              <a:ext cx="369455" cy="360218"/>
+            </a:xfrm>
+            <a:prstGeom prst="ellipse">
+              <a:avLst/>
+            </a:prstGeom>
+          </p:spPr>
+          <p:style>
+            <a:lnRef idx="0">
+              <a:schemeClr val="accent5"/>
+            </a:lnRef>
+            <a:fillRef idx="3">
+              <a:schemeClr val="accent5"/>
+            </a:fillRef>
+            <a:effectRef idx="3">
+              <a:schemeClr val="accent5"/>
+            </a:effectRef>
+            <a:fontRef idx="minor">
+              <a:schemeClr val="lt1"/>
+            </a:fontRef>
+          </p:style>
+          <p:txBody>
+            <a:bodyPr rtlCol="0" anchor="ctr"/>
+            <a:lstStyle/>
+            <a:p>
+              <a:pPr algn="ctr"/>
+              <a:endParaRPr lang="en-GB"/>
+            </a:p>
+          </p:txBody>
+        </p:sp>
+        <p:sp>
+          <p:nvSpPr>
+            <p:cNvPr id="268" name="Oval 267"/>
+            <p:cNvSpPr/>
+            <p:nvPr/>
+          </p:nvSpPr>
+          <p:spPr>
+            <a:xfrm>
+              <a:off x="7910945" y="1309029"/>
+              <a:ext cx="369455" cy="360218"/>
+            </a:xfrm>
+            <a:prstGeom prst="ellipse">
+              <a:avLst/>
+            </a:prstGeom>
+          </p:spPr>
+          <p:style>
+            <a:lnRef idx="0">
+              <a:schemeClr val="accent5"/>
+            </a:lnRef>
+            <a:fillRef idx="3">
+              <a:schemeClr val="accent5"/>
+            </a:fillRef>
+            <a:effectRef idx="3">
+              <a:schemeClr val="accent5"/>
+            </a:effectRef>
+            <a:fontRef idx="minor">
+              <a:schemeClr val="lt1"/>
+            </a:fontRef>
+          </p:style>
+          <p:txBody>
+            <a:bodyPr rtlCol="0" anchor="ctr"/>
+            <a:lstStyle/>
+            <a:p>
+              <a:pPr algn="ctr"/>
+              <a:endParaRPr lang="en-GB"/>
+            </a:p>
+          </p:txBody>
+        </p:sp>
+        <p:sp>
+          <p:nvSpPr>
+            <p:cNvPr id="269" name="Oval 268"/>
+            <p:cNvSpPr/>
+            <p:nvPr/>
+          </p:nvSpPr>
+          <p:spPr>
+            <a:xfrm>
+              <a:off x="5624945" y="1982866"/>
+              <a:ext cx="369455" cy="360218"/>
+            </a:xfrm>
+            <a:prstGeom prst="ellipse">
+              <a:avLst/>
+            </a:prstGeom>
+          </p:spPr>
+          <p:style>
+            <a:lnRef idx="0">
+              <a:schemeClr val="accent5"/>
+            </a:lnRef>
+            <a:fillRef idx="3">
+              <a:schemeClr val="accent5"/>
+            </a:fillRef>
+            <a:effectRef idx="3">
+              <a:schemeClr val="accent5"/>
+            </a:effectRef>
+            <a:fontRef idx="minor">
+              <a:schemeClr val="lt1"/>
+            </a:fontRef>
+          </p:style>
+          <p:txBody>
+            <a:bodyPr rtlCol="0" anchor="ctr"/>
+            <a:lstStyle/>
+            <a:p>
+              <a:pPr algn="ctr"/>
+              <a:endParaRPr lang="en-GB"/>
+            </a:p>
+          </p:txBody>
+        </p:sp>
+        <p:sp>
+          <p:nvSpPr>
+            <p:cNvPr id="270" name="Oval 269"/>
+            <p:cNvSpPr/>
+            <p:nvPr/>
+          </p:nvSpPr>
+          <p:spPr>
+            <a:xfrm>
+              <a:off x="6386945" y="1982866"/>
+              <a:ext cx="369455" cy="360218"/>
+            </a:xfrm>
+            <a:prstGeom prst="ellipse">
+              <a:avLst/>
+            </a:prstGeom>
+          </p:spPr>
+          <p:style>
+            <a:lnRef idx="0">
+              <a:schemeClr val="accent5"/>
+            </a:lnRef>
+            <a:fillRef idx="3">
+              <a:schemeClr val="accent5"/>
+            </a:fillRef>
+            <a:effectRef idx="3">
+              <a:schemeClr val="accent5"/>
+            </a:effectRef>
+            <a:fontRef idx="minor">
+              <a:schemeClr val="lt1"/>
+            </a:fontRef>
+          </p:style>
+          <p:txBody>
+            <a:bodyPr rtlCol="0" anchor="ctr"/>
+            <a:lstStyle/>
+            <a:p>
+              <a:pPr algn="ctr"/>
+              <a:endParaRPr lang="en-GB"/>
+            </a:p>
+          </p:txBody>
+        </p:sp>
+        <p:sp>
+          <p:nvSpPr>
+            <p:cNvPr id="271" name="Oval 270"/>
+            <p:cNvSpPr/>
+            <p:nvPr/>
+          </p:nvSpPr>
+          <p:spPr>
+            <a:xfrm>
+              <a:off x="7148945" y="1996720"/>
+              <a:ext cx="369455" cy="360218"/>
+            </a:xfrm>
+            <a:prstGeom prst="ellipse">
+              <a:avLst/>
+            </a:prstGeom>
+          </p:spPr>
+          <p:style>
+            <a:lnRef idx="0">
+              <a:schemeClr val="accent5"/>
+            </a:lnRef>
+            <a:fillRef idx="3">
+              <a:schemeClr val="accent5"/>
+            </a:fillRef>
+            <a:effectRef idx="3">
+              <a:schemeClr val="accent5"/>
+            </a:effectRef>
+            <a:fontRef idx="minor">
+              <a:schemeClr val="lt1"/>
+            </a:fontRef>
+          </p:style>
+          <p:txBody>
+            <a:bodyPr rtlCol="0" anchor="ctr"/>
+            <a:lstStyle/>
+            <a:p>
+              <a:pPr algn="ctr"/>
+              <a:endParaRPr lang="en-GB"/>
+            </a:p>
+          </p:txBody>
+        </p:sp>
+        <p:sp>
+          <p:nvSpPr>
+            <p:cNvPr id="272" name="Oval 271"/>
+            <p:cNvSpPr/>
+            <p:nvPr/>
+          </p:nvSpPr>
+          <p:spPr>
+            <a:xfrm>
+              <a:off x="7910945" y="1982866"/>
+              <a:ext cx="369455" cy="360218"/>
+            </a:xfrm>
+            <a:prstGeom prst="ellipse">
+              <a:avLst/>
+            </a:prstGeom>
+          </p:spPr>
+          <p:style>
+            <a:lnRef idx="0">
+              <a:schemeClr val="accent5"/>
+            </a:lnRef>
+            <a:fillRef idx="3">
+              <a:schemeClr val="accent5"/>
+            </a:fillRef>
+            <a:effectRef idx="3">
+              <a:schemeClr val="accent5"/>
+            </a:effectRef>
+            <a:fontRef idx="minor">
+              <a:schemeClr val="lt1"/>
+            </a:fontRef>
+          </p:style>
+          <p:txBody>
+            <a:bodyPr rtlCol="0" anchor="ctr"/>
+            <a:lstStyle/>
+            <a:p>
+              <a:pPr algn="ctr"/>
+              <a:endParaRPr lang="en-GB"/>
+            </a:p>
+          </p:txBody>
+        </p:sp>
+        <p:sp>
+          <p:nvSpPr>
+            <p:cNvPr id="273" name="Oval 272"/>
+            <p:cNvSpPr/>
+            <p:nvPr/>
+          </p:nvSpPr>
+          <p:spPr>
+            <a:xfrm>
+              <a:off x="5624945" y="2672640"/>
+              <a:ext cx="369455" cy="360218"/>
+            </a:xfrm>
+            <a:prstGeom prst="ellipse">
+              <a:avLst/>
+            </a:prstGeom>
+          </p:spPr>
+          <p:style>
+            <a:lnRef idx="0">
+              <a:schemeClr val="accent5"/>
+            </a:lnRef>
+            <a:fillRef idx="3">
+              <a:schemeClr val="accent5"/>
+            </a:fillRef>
+            <a:effectRef idx="3">
+              <a:schemeClr val="accent5"/>
+            </a:effectRef>
+            <a:fontRef idx="minor">
+              <a:schemeClr val="lt1"/>
+            </a:fontRef>
+          </p:style>
+          <p:txBody>
+            <a:bodyPr rtlCol="0" anchor="ctr"/>
+            <a:lstStyle/>
+            <a:p>
+              <a:pPr algn="ctr"/>
+              <a:endParaRPr lang="en-GB"/>
+            </a:p>
+          </p:txBody>
+        </p:sp>
+        <p:sp>
+          <p:nvSpPr>
+            <p:cNvPr id="274" name="Oval 273"/>
+            <p:cNvSpPr/>
+            <p:nvPr/>
+          </p:nvSpPr>
+          <p:spPr>
+            <a:xfrm>
+              <a:off x="6386945" y="2672640"/>
+              <a:ext cx="369455" cy="360218"/>
+            </a:xfrm>
+            <a:prstGeom prst="ellipse">
+              <a:avLst/>
+            </a:prstGeom>
+          </p:spPr>
+          <p:style>
+            <a:lnRef idx="0">
+              <a:schemeClr val="accent5"/>
+            </a:lnRef>
+            <a:fillRef idx="3">
+              <a:schemeClr val="accent5"/>
+            </a:fillRef>
+            <a:effectRef idx="3">
+              <a:schemeClr val="accent5"/>
+            </a:effectRef>
+            <a:fontRef idx="minor">
+              <a:schemeClr val="lt1"/>
+            </a:fontRef>
+          </p:style>
+          <p:txBody>
+            <a:bodyPr rtlCol="0" anchor="ctr"/>
+            <a:lstStyle/>
+            <a:p>
+              <a:pPr algn="ctr"/>
+              <a:endParaRPr lang="en-GB"/>
+            </a:p>
+          </p:txBody>
+        </p:sp>
+        <p:sp>
+          <p:nvSpPr>
+            <p:cNvPr id="275" name="Oval 274"/>
+            <p:cNvSpPr/>
+            <p:nvPr/>
+          </p:nvSpPr>
+          <p:spPr>
+            <a:xfrm>
+              <a:off x="7148945" y="2686494"/>
+              <a:ext cx="369455" cy="360218"/>
+            </a:xfrm>
+            <a:prstGeom prst="ellipse">
+              <a:avLst/>
+            </a:prstGeom>
+          </p:spPr>
+          <p:style>
+            <a:lnRef idx="0">
+              <a:schemeClr val="accent5"/>
+            </a:lnRef>
+            <a:fillRef idx="3">
+              <a:schemeClr val="accent5"/>
+            </a:fillRef>
+            <a:effectRef idx="3">
+              <a:schemeClr val="accent5"/>
+            </a:effectRef>
+            <a:fontRef idx="minor">
+              <a:schemeClr val="lt1"/>
+            </a:fontRef>
+          </p:style>
+          <p:txBody>
+            <a:bodyPr rtlCol="0" anchor="ctr"/>
+            <a:lstStyle/>
+            <a:p>
+              <a:pPr algn="ctr"/>
+              <a:endParaRPr lang="en-GB"/>
+            </a:p>
+          </p:txBody>
+        </p:sp>
+        <p:sp>
+          <p:nvSpPr>
+            <p:cNvPr id="276" name="Oval 275"/>
+            <p:cNvSpPr/>
+            <p:nvPr/>
+          </p:nvSpPr>
+          <p:spPr>
+            <a:xfrm>
+              <a:off x="7910945" y="2672640"/>
+              <a:ext cx="369455" cy="360218"/>
+            </a:xfrm>
+            <a:prstGeom prst="ellipse">
+              <a:avLst/>
+            </a:prstGeom>
+          </p:spPr>
+          <p:style>
+            <a:lnRef idx="0">
+              <a:schemeClr val="accent5"/>
+            </a:lnRef>
+            <a:fillRef idx="3">
+              <a:schemeClr val="accent5"/>
+            </a:fillRef>
+            <a:effectRef idx="3">
+              <a:schemeClr val="accent5"/>
+            </a:effectRef>
+            <a:fontRef idx="minor">
+              <a:schemeClr val="lt1"/>
+            </a:fontRef>
+          </p:style>
+          <p:txBody>
+            <a:bodyPr rtlCol="0" anchor="ctr"/>
+            <a:lstStyle/>
+            <a:p>
+              <a:pPr algn="ctr"/>
+              <a:endParaRPr lang="en-GB"/>
+            </a:p>
+          </p:txBody>
+        </p:sp>
+      </p:grpSp>
+      <p:grpSp>
+        <p:nvGrpSpPr>
+          <p:cNvPr id="282" name="Group 281"/>
+          <p:cNvGrpSpPr/>
+          <p:nvPr/>
+        </p:nvGrpSpPr>
+        <p:grpSpPr>
+          <a:xfrm>
+            <a:off x="5287818" y="3463089"/>
+            <a:ext cx="3417455" cy="374072"/>
+            <a:chOff x="5555673" y="3503340"/>
+            <a:chExt cx="3417455" cy="374072"/>
+          </a:xfrm>
+        </p:grpSpPr>
+        <p:sp>
+          <p:nvSpPr>
+            <p:cNvPr id="277" name="Oval 276"/>
+            <p:cNvSpPr/>
+            <p:nvPr/>
+          </p:nvSpPr>
+          <p:spPr>
+            <a:xfrm>
+              <a:off x="5555673" y="3503340"/>
+              <a:ext cx="369455" cy="360218"/>
+            </a:xfrm>
+            <a:prstGeom prst="ellipse">
+              <a:avLst/>
+            </a:prstGeom>
+            <a:effectLst>
+              <a:glow rad="139700">
+                <a:schemeClr val="accent3">
+                  <a:satMod val="175000"/>
+                  <a:alpha val="40000"/>
+                </a:schemeClr>
+              </a:glow>
+              <a:outerShdw blurRad="57150" dist="19050" dir="5400000" algn="ctr" rotWithShape="0">
+                <a:srgbClr val="000000">
+                  <a:alpha val="63000"/>
+                </a:srgbClr>
+              </a:outerShdw>
+            </a:effectLst>
+          </p:spPr>
+          <p:style>
+            <a:lnRef idx="0">
+              <a:schemeClr val="accent3"/>
+            </a:lnRef>
+            <a:fillRef idx="3">
+              <a:schemeClr val="accent3"/>
+            </a:fillRef>
+            <a:effectRef idx="3">
+              <a:schemeClr val="accent3"/>
+            </a:effectRef>
+            <a:fontRef idx="minor">
+              <a:schemeClr val="lt1"/>
+            </a:fontRef>
+          </p:style>
+          <p:txBody>
+            <a:bodyPr rtlCol="0" anchor="ctr"/>
+            <a:lstStyle/>
+            <a:p>
+              <a:pPr algn="ctr"/>
+              <a:endParaRPr lang="en-GB"/>
+            </a:p>
+          </p:txBody>
+        </p:sp>
+        <p:sp>
+          <p:nvSpPr>
+            <p:cNvPr id="278" name="Oval 277"/>
+            <p:cNvSpPr/>
+            <p:nvPr/>
+          </p:nvSpPr>
+          <p:spPr>
+            <a:xfrm>
+              <a:off x="6317673" y="3503340"/>
+              <a:ext cx="369455" cy="360218"/>
+            </a:xfrm>
+            <a:prstGeom prst="ellipse">
+              <a:avLst/>
+            </a:prstGeom>
+            <a:effectLst>
+              <a:glow rad="139700">
+                <a:schemeClr val="accent3">
+                  <a:satMod val="175000"/>
+                  <a:alpha val="40000"/>
+                </a:schemeClr>
+              </a:glow>
+              <a:outerShdw blurRad="57150" dist="19050" dir="5400000" algn="ctr" rotWithShape="0">
+                <a:srgbClr val="000000">
+                  <a:alpha val="63000"/>
+                </a:srgbClr>
+              </a:outerShdw>
+            </a:effectLst>
+          </p:spPr>
+          <p:style>
+            <a:lnRef idx="0">
+              <a:schemeClr val="accent3"/>
+            </a:lnRef>
+            <a:fillRef idx="3">
+              <a:schemeClr val="accent3"/>
+            </a:fillRef>
+            <a:effectRef idx="3">
+              <a:schemeClr val="accent3"/>
+            </a:effectRef>
+            <a:fontRef idx="minor">
+              <a:schemeClr val="lt1"/>
+            </a:fontRef>
+          </p:style>
+          <p:txBody>
+            <a:bodyPr rtlCol="0" anchor="ctr"/>
+            <a:lstStyle/>
+            <a:p>
+              <a:pPr algn="ctr"/>
+              <a:endParaRPr lang="en-GB"/>
+            </a:p>
+          </p:txBody>
+        </p:sp>
+        <p:sp>
+          <p:nvSpPr>
+            <p:cNvPr id="279" name="Oval 278"/>
+            <p:cNvSpPr/>
+            <p:nvPr/>
+          </p:nvSpPr>
+          <p:spPr>
+            <a:xfrm>
+              <a:off x="7079673" y="3517194"/>
+              <a:ext cx="369455" cy="360218"/>
+            </a:xfrm>
+            <a:prstGeom prst="ellipse">
+              <a:avLst/>
+            </a:prstGeom>
+            <a:effectLst>
+              <a:glow rad="139700">
+                <a:schemeClr val="accent3">
+                  <a:satMod val="175000"/>
+                  <a:alpha val="40000"/>
+                </a:schemeClr>
+              </a:glow>
+              <a:outerShdw blurRad="57150" dist="19050" dir="5400000" algn="ctr" rotWithShape="0">
+                <a:srgbClr val="000000">
+                  <a:alpha val="63000"/>
+                </a:srgbClr>
+              </a:outerShdw>
+            </a:effectLst>
+          </p:spPr>
+          <p:style>
+            <a:lnRef idx="0">
+              <a:schemeClr val="accent3"/>
+            </a:lnRef>
+            <a:fillRef idx="3">
+              <a:schemeClr val="accent3"/>
+            </a:fillRef>
+            <a:effectRef idx="3">
+              <a:schemeClr val="accent3"/>
+            </a:effectRef>
+            <a:fontRef idx="minor">
+              <a:schemeClr val="lt1"/>
+            </a:fontRef>
+          </p:style>
+          <p:txBody>
+            <a:bodyPr rtlCol="0" anchor="ctr"/>
+            <a:lstStyle/>
+            <a:p>
+              <a:pPr algn="ctr"/>
+              <a:endParaRPr lang="en-GB"/>
+            </a:p>
+          </p:txBody>
+        </p:sp>
+        <p:sp>
+          <p:nvSpPr>
+            <p:cNvPr id="280" name="Oval 279"/>
+            <p:cNvSpPr/>
+            <p:nvPr/>
+          </p:nvSpPr>
+          <p:spPr>
+            <a:xfrm>
+              <a:off x="7841673" y="3503340"/>
+              <a:ext cx="369455" cy="360218"/>
+            </a:xfrm>
+            <a:prstGeom prst="ellipse">
+              <a:avLst/>
+            </a:prstGeom>
+            <a:effectLst>
+              <a:glow rad="139700">
+                <a:schemeClr val="accent3">
+                  <a:satMod val="175000"/>
+                  <a:alpha val="40000"/>
+                </a:schemeClr>
+              </a:glow>
+              <a:outerShdw blurRad="57150" dist="19050" dir="5400000" algn="ctr" rotWithShape="0">
+                <a:srgbClr val="000000">
+                  <a:alpha val="63000"/>
+                </a:srgbClr>
+              </a:outerShdw>
+            </a:effectLst>
+          </p:spPr>
+          <p:style>
+            <a:lnRef idx="0">
+              <a:schemeClr val="accent3"/>
+            </a:lnRef>
+            <a:fillRef idx="3">
+              <a:schemeClr val="accent3"/>
+            </a:fillRef>
+            <a:effectRef idx="3">
+              <a:schemeClr val="accent3"/>
+            </a:effectRef>
+            <a:fontRef idx="minor">
+              <a:schemeClr val="lt1"/>
+            </a:fontRef>
+          </p:style>
+          <p:txBody>
+            <a:bodyPr rtlCol="0" anchor="ctr"/>
+            <a:lstStyle/>
+            <a:p>
+              <a:pPr algn="ctr"/>
+              <a:endParaRPr lang="en-GB"/>
+            </a:p>
+          </p:txBody>
+        </p:sp>
+        <p:sp>
+          <p:nvSpPr>
+            <p:cNvPr id="281" name="Oval 280"/>
+            <p:cNvSpPr/>
+            <p:nvPr/>
+          </p:nvSpPr>
+          <p:spPr>
+            <a:xfrm>
+              <a:off x="8603673" y="3503340"/>
+              <a:ext cx="369455" cy="360218"/>
+            </a:xfrm>
+            <a:prstGeom prst="ellipse">
+              <a:avLst/>
+            </a:prstGeom>
+            <a:effectLst>
+              <a:glow rad="139700">
+                <a:schemeClr val="accent3">
+                  <a:satMod val="175000"/>
+                  <a:alpha val="40000"/>
+                </a:schemeClr>
+              </a:glow>
+              <a:outerShdw blurRad="57150" dist="19050" dir="5400000" algn="ctr" rotWithShape="0">
+                <a:srgbClr val="000000">
+                  <a:alpha val="63000"/>
+                </a:srgbClr>
+              </a:outerShdw>
+            </a:effectLst>
+          </p:spPr>
+          <p:style>
+            <a:lnRef idx="0">
+              <a:schemeClr val="accent3"/>
+            </a:lnRef>
+            <a:fillRef idx="3">
+              <a:schemeClr val="accent3"/>
+            </a:fillRef>
+            <a:effectRef idx="3">
+              <a:schemeClr val="accent3"/>
+            </a:effectRef>
+            <a:fontRef idx="minor">
+              <a:schemeClr val="lt1"/>
+            </a:fontRef>
+          </p:style>
+          <p:txBody>
+            <a:bodyPr rtlCol="0" anchor="ctr"/>
+            <a:lstStyle/>
+            <a:p>
+              <a:pPr algn="ctr"/>
+              <a:endParaRPr lang="en-GB"/>
+            </a:p>
+          </p:txBody>
+        </p:sp>
+      </p:grpSp>
+      <p:grpSp>
+        <p:nvGrpSpPr>
+          <p:cNvPr id="283" name="Group 282"/>
+          <p:cNvGrpSpPr/>
+          <p:nvPr/>
+        </p:nvGrpSpPr>
+        <p:grpSpPr>
+          <a:xfrm>
+            <a:off x="5287818" y="4150780"/>
+            <a:ext cx="3417455" cy="374072"/>
+            <a:chOff x="5555673" y="3503340"/>
+            <a:chExt cx="3417455" cy="374072"/>
+          </a:xfrm>
+        </p:grpSpPr>
+        <p:sp>
+          <p:nvSpPr>
+            <p:cNvPr id="284" name="Oval 283"/>
+            <p:cNvSpPr/>
+            <p:nvPr/>
+          </p:nvSpPr>
+          <p:spPr>
+            <a:xfrm>
+              <a:off x="5555673" y="3503340"/>
+              <a:ext cx="369455" cy="360218"/>
+            </a:xfrm>
+            <a:prstGeom prst="ellipse">
+              <a:avLst/>
+            </a:prstGeom>
+            <a:effectLst>
+              <a:glow rad="139700">
+                <a:schemeClr val="accent3">
+                  <a:satMod val="175000"/>
+                  <a:alpha val="40000"/>
+                </a:schemeClr>
+              </a:glow>
+              <a:outerShdw blurRad="57150" dist="19050" dir="5400000" algn="ctr" rotWithShape="0">
+                <a:srgbClr val="000000">
+                  <a:alpha val="63000"/>
+                </a:srgbClr>
+              </a:outerShdw>
+            </a:effectLst>
+          </p:spPr>
+          <p:style>
+            <a:lnRef idx="0">
+              <a:schemeClr val="accent3"/>
+            </a:lnRef>
+            <a:fillRef idx="3">
+              <a:schemeClr val="accent3"/>
+            </a:fillRef>
+            <a:effectRef idx="3">
+              <a:schemeClr val="accent3"/>
+            </a:effectRef>
+            <a:fontRef idx="minor">
+              <a:schemeClr val="lt1"/>
+            </a:fontRef>
+          </p:style>
+          <p:txBody>
+            <a:bodyPr rtlCol="0" anchor="ctr"/>
+            <a:lstStyle/>
+            <a:p>
+              <a:pPr algn="ctr"/>
+              <a:endParaRPr lang="en-GB"/>
+            </a:p>
+          </p:txBody>
+        </p:sp>
+        <p:sp>
+          <p:nvSpPr>
+            <p:cNvPr id="285" name="Oval 284"/>
+            <p:cNvSpPr/>
+            <p:nvPr/>
+          </p:nvSpPr>
+          <p:spPr>
+            <a:xfrm>
+              <a:off x="6317673" y="3503340"/>
+              <a:ext cx="369455" cy="360218"/>
+            </a:xfrm>
+            <a:prstGeom prst="ellipse">
+              <a:avLst/>
+            </a:prstGeom>
+            <a:effectLst>
+              <a:glow rad="139700">
+                <a:schemeClr val="accent3">
+                  <a:satMod val="175000"/>
+                  <a:alpha val="40000"/>
+                </a:schemeClr>
+              </a:glow>
+              <a:outerShdw blurRad="57150" dist="19050" dir="5400000" algn="ctr" rotWithShape="0">
+                <a:srgbClr val="000000">
+                  <a:alpha val="63000"/>
+                </a:srgbClr>
+              </a:outerShdw>
+            </a:effectLst>
+          </p:spPr>
+          <p:style>
+            <a:lnRef idx="0">
+              <a:schemeClr val="accent3"/>
+            </a:lnRef>
+            <a:fillRef idx="3">
+              <a:schemeClr val="accent3"/>
+            </a:fillRef>
+            <a:effectRef idx="3">
+              <a:schemeClr val="accent3"/>
+            </a:effectRef>
+            <a:fontRef idx="minor">
+              <a:schemeClr val="lt1"/>
+            </a:fontRef>
+          </p:style>
+          <p:txBody>
+            <a:bodyPr rtlCol="0" anchor="ctr"/>
+            <a:lstStyle/>
+            <a:p>
+              <a:pPr algn="ctr"/>
+              <a:endParaRPr lang="en-GB"/>
+            </a:p>
+          </p:txBody>
+        </p:sp>
+        <p:sp>
+          <p:nvSpPr>
+            <p:cNvPr id="286" name="Oval 285"/>
+            <p:cNvSpPr/>
+            <p:nvPr/>
+          </p:nvSpPr>
+          <p:spPr>
+            <a:xfrm>
+              <a:off x="7079673" y="3517194"/>
+              <a:ext cx="369455" cy="360218"/>
+            </a:xfrm>
+            <a:prstGeom prst="ellipse">
+              <a:avLst/>
+            </a:prstGeom>
+            <a:effectLst>
+              <a:glow rad="139700">
+                <a:schemeClr val="accent3">
+                  <a:satMod val="175000"/>
+                  <a:alpha val="40000"/>
+                </a:schemeClr>
+              </a:glow>
+              <a:outerShdw blurRad="57150" dist="19050" dir="5400000" algn="ctr" rotWithShape="0">
+                <a:srgbClr val="000000">
+                  <a:alpha val="63000"/>
+                </a:srgbClr>
+              </a:outerShdw>
+            </a:effectLst>
+          </p:spPr>
+          <p:style>
+            <a:lnRef idx="0">
+              <a:schemeClr val="accent3"/>
+            </a:lnRef>
+            <a:fillRef idx="3">
+              <a:schemeClr val="accent3"/>
+            </a:fillRef>
+            <a:effectRef idx="3">
+              <a:schemeClr val="accent3"/>
+            </a:effectRef>
+            <a:fontRef idx="minor">
+              <a:schemeClr val="lt1"/>
+            </a:fontRef>
+          </p:style>
+          <p:txBody>
+            <a:bodyPr rtlCol="0" anchor="ctr"/>
+            <a:lstStyle/>
+            <a:p>
+              <a:pPr algn="ctr"/>
+              <a:endParaRPr lang="en-GB"/>
+            </a:p>
+          </p:txBody>
+        </p:sp>
+        <p:sp>
+          <p:nvSpPr>
+            <p:cNvPr id="287" name="Oval 286"/>
+            <p:cNvSpPr/>
+            <p:nvPr/>
+          </p:nvSpPr>
+          <p:spPr>
+            <a:xfrm>
+              <a:off x="7841673" y="3503340"/>
+              <a:ext cx="369455" cy="360218"/>
+            </a:xfrm>
+            <a:prstGeom prst="ellipse">
+              <a:avLst/>
+            </a:prstGeom>
+            <a:effectLst>
+              <a:glow rad="139700">
+                <a:schemeClr val="accent3">
+                  <a:satMod val="175000"/>
+                  <a:alpha val="40000"/>
+                </a:schemeClr>
+              </a:glow>
+              <a:outerShdw blurRad="57150" dist="19050" dir="5400000" algn="ctr" rotWithShape="0">
+                <a:srgbClr val="000000">
+                  <a:alpha val="63000"/>
+                </a:srgbClr>
+              </a:outerShdw>
+            </a:effectLst>
+          </p:spPr>
+          <p:style>
+            <a:lnRef idx="0">
+              <a:schemeClr val="accent3"/>
+            </a:lnRef>
+            <a:fillRef idx="3">
+              <a:schemeClr val="accent3"/>
+            </a:fillRef>
+            <a:effectRef idx="3">
+              <a:schemeClr val="accent3"/>
+            </a:effectRef>
+            <a:fontRef idx="minor">
+              <a:schemeClr val="lt1"/>
+            </a:fontRef>
+          </p:style>
+          <p:txBody>
+            <a:bodyPr rtlCol="0" anchor="ctr"/>
+            <a:lstStyle/>
+            <a:p>
+              <a:pPr algn="ctr"/>
+              <a:endParaRPr lang="en-GB"/>
+            </a:p>
+          </p:txBody>
+        </p:sp>
+        <p:sp>
+          <p:nvSpPr>
+            <p:cNvPr id="288" name="Oval 287"/>
+            <p:cNvSpPr/>
+            <p:nvPr/>
+          </p:nvSpPr>
+          <p:spPr>
+            <a:xfrm>
+              <a:off x="8603673" y="3503340"/>
+              <a:ext cx="369455" cy="360218"/>
+            </a:xfrm>
+            <a:prstGeom prst="ellipse">
+              <a:avLst/>
+            </a:prstGeom>
+            <a:effectLst>
+              <a:glow rad="139700">
+                <a:schemeClr val="accent3">
+                  <a:satMod val="175000"/>
+                  <a:alpha val="40000"/>
+                </a:schemeClr>
+              </a:glow>
+              <a:outerShdw blurRad="57150" dist="19050" dir="5400000" algn="ctr" rotWithShape="0">
+                <a:srgbClr val="000000">
+                  <a:alpha val="63000"/>
+                </a:srgbClr>
+              </a:outerShdw>
+            </a:effectLst>
+          </p:spPr>
+          <p:style>
+            <a:lnRef idx="0">
+              <a:schemeClr val="accent3"/>
+            </a:lnRef>
+            <a:fillRef idx="3">
+              <a:schemeClr val="accent3"/>
+            </a:fillRef>
+            <a:effectRef idx="3">
+              <a:schemeClr val="accent3"/>
+            </a:effectRef>
+            <a:fontRef idx="minor">
+              <a:schemeClr val="lt1"/>
+            </a:fontRef>
+          </p:style>
+          <p:txBody>
+            <a:bodyPr rtlCol="0" anchor="ctr"/>
+            <a:lstStyle/>
+            <a:p>
+              <a:pPr algn="ctr"/>
+              <a:endParaRPr lang="en-GB"/>
+            </a:p>
+          </p:txBody>
+        </p:sp>
+      </p:grpSp>
+      <p:grpSp>
+        <p:nvGrpSpPr>
+          <p:cNvPr id="289" name="Group 288"/>
+          <p:cNvGrpSpPr/>
+          <p:nvPr/>
+        </p:nvGrpSpPr>
+        <p:grpSpPr>
+          <a:xfrm>
+            <a:off x="5287818" y="4826700"/>
+            <a:ext cx="3417455" cy="374072"/>
+            <a:chOff x="5555673" y="3503340"/>
+            <a:chExt cx="3417455" cy="374072"/>
+          </a:xfrm>
+        </p:grpSpPr>
+        <p:sp>
+          <p:nvSpPr>
+            <p:cNvPr id="290" name="Oval 289"/>
+            <p:cNvSpPr/>
+            <p:nvPr/>
+          </p:nvSpPr>
+          <p:spPr>
+            <a:xfrm>
+              <a:off x="5555673" y="3503340"/>
+              <a:ext cx="369455" cy="360218"/>
+            </a:xfrm>
+            <a:prstGeom prst="ellipse">
+              <a:avLst/>
+            </a:prstGeom>
+            <a:effectLst>
+              <a:glow rad="139700">
+                <a:schemeClr val="accent3">
+                  <a:satMod val="175000"/>
+                  <a:alpha val="40000"/>
+                </a:schemeClr>
+              </a:glow>
+              <a:outerShdw blurRad="57150" dist="19050" dir="5400000" algn="ctr" rotWithShape="0">
+                <a:srgbClr val="000000">
+                  <a:alpha val="63000"/>
+                </a:srgbClr>
+              </a:outerShdw>
+            </a:effectLst>
+          </p:spPr>
+          <p:style>
+            <a:lnRef idx="0">
+              <a:schemeClr val="accent3"/>
+            </a:lnRef>
+            <a:fillRef idx="3">
+              <a:schemeClr val="accent3"/>
+            </a:fillRef>
+            <a:effectRef idx="3">
+              <a:schemeClr val="accent3"/>
+            </a:effectRef>
+            <a:fontRef idx="minor">
+              <a:schemeClr val="lt1"/>
+            </a:fontRef>
+          </p:style>
+          <p:txBody>
+            <a:bodyPr rtlCol="0" anchor="ctr"/>
+            <a:lstStyle/>
+            <a:p>
+              <a:pPr algn="ctr"/>
+              <a:endParaRPr lang="en-GB"/>
+            </a:p>
+          </p:txBody>
+        </p:sp>
+        <p:sp>
+          <p:nvSpPr>
+            <p:cNvPr id="291" name="Oval 290"/>
+            <p:cNvSpPr/>
+            <p:nvPr/>
+          </p:nvSpPr>
+          <p:spPr>
+            <a:xfrm>
+              <a:off x="6317673" y="3503340"/>
+              <a:ext cx="369455" cy="360218"/>
+            </a:xfrm>
+            <a:prstGeom prst="ellipse">
+              <a:avLst/>
+            </a:prstGeom>
+            <a:effectLst>
+              <a:glow rad="139700">
+                <a:schemeClr val="accent3">
+                  <a:satMod val="175000"/>
+                  <a:alpha val="40000"/>
+                </a:schemeClr>
+              </a:glow>
+              <a:outerShdw blurRad="57150" dist="19050" dir="5400000" algn="ctr" rotWithShape="0">
+                <a:srgbClr val="000000">
+                  <a:alpha val="63000"/>
+                </a:srgbClr>
+              </a:outerShdw>
+            </a:effectLst>
+          </p:spPr>
+          <p:style>
+            <a:lnRef idx="0">
+              <a:schemeClr val="accent3"/>
+            </a:lnRef>
+            <a:fillRef idx="3">
+              <a:schemeClr val="accent3"/>
+            </a:fillRef>
+            <a:effectRef idx="3">
+              <a:schemeClr val="accent3"/>
+            </a:effectRef>
+            <a:fontRef idx="minor">
+              <a:schemeClr val="lt1"/>
+            </a:fontRef>
+          </p:style>
+          <p:txBody>
+            <a:bodyPr rtlCol="0" anchor="ctr"/>
+            <a:lstStyle/>
+            <a:p>
+              <a:pPr algn="ctr"/>
+              <a:endParaRPr lang="en-GB"/>
+            </a:p>
+          </p:txBody>
+        </p:sp>
+        <p:sp>
+          <p:nvSpPr>
+            <p:cNvPr id="292" name="Oval 291"/>
+            <p:cNvSpPr/>
+            <p:nvPr/>
+          </p:nvSpPr>
+          <p:spPr>
+            <a:xfrm>
+              <a:off x="7079673" y="3517194"/>
+              <a:ext cx="369455" cy="360218"/>
+            </a:xfrm>
+            <a:prstGeom prst="ellipse">
+              <a:avLst/>
+            </a:prstGeom>
+            <a:effectLst>
+              <a:glow rad="139700">
+                <a:schemeClr val="accent3">
+                  <a:satMod val="175000"/>
+                  <a:alpha val="40000"/>
+                </a:schemeClr>
+              </a:glow>
+              <a:outerShdw blurRad="57150" dist="19050" dir="5400000" algn="ctr" rotWithShape="0">
+                <a:srgbClr val="000000">
+                  <a:alpha val="63000"/>
+                </a:srgbClr>
+              </a:outerShdw>
+            </a:effectLst>
+          </p:spPr>
+          <p:style>
+            <a:lnRef idx="0">
+              <a:schemeClr val="accent3"/>
+            </a:lnRef>
+            <a:fillRef idx="3">
+              <a:schemeClr val="accent3"/>
+            </a:fillRef>
+            <a:effectRef idx="3">
+              <a:schemeClr val="accent3"/>
+            </a:effectRef>
+            <a:fontRef idx="minor">
+              <a:schemeClr val="lt1"/>
+            </a:fontRef>
+          </p:style>
+          <p:txBody>
+            <a:bodyPr rtlCol="0" anchor="ctr"/>
+            <a:lstStyle/>
+            <a:p>
+              <a:pPr algn="ctr"/>
+              <a:endParaRPr lang="en-GB"/>
+            </a:p>
+          </p:txBody>
+        </p:sp>
+        <p:sp>
+          <p:nvSpPr>
+            <p:cNvPr id="293" name="Oval 292"/>
+            <p:cNvSpPr/>
+            <p:nvPr/>
+          </p:nvSpPr>
+          <p:spPr>
+            <a:xfrm>
+              <a:off x="7841673" y="3503340"/>
+              <a:ext cx="369455" cy="360218"/>
+            </a:xfrm>
+            <a:prstGeom prst="ellipse">
+              <a:avLst/>
+            </a:prstGeom>
+            <a:effectLst>
+              <a:glow rad="139700">
+                <a:schemeClr val="accent3">
+                  <a:satMod val="175000"/>
+                  <a:alpha val="40000"/>
+                </a:schemeClr>
+              </a:glow>
+              <a:outerShdw blurRad="57150" dist="19050" dir="5400000" algn="ctr" rotWithShape="0">
+                <a:srgbClr val="000000">
+                  <a:alpha val="63000"/>
+                </a:srgbClr>
+              </a:outerShdw>
+            </a:effectLst>
+          </p:spPr>
+          <p:style>
+            <a:lnRef idx="0">
+              <a:schemeClr val="accent3"/>
+            </a:lnRef>
+            <a:fillRef idx="3">
+              <a:schemeClr val="accent3"/>
+            </a:fillRef>
+            <a:effectRef idx="3">
+              <a:schemeClr val="accent3"/>
+            </a:effectRef>
+            <a:fontRef idx="minor">
+              <a:schemeClr val="lt1"/>
+            </a:fontRef>
+          </p:style>
+          <p:txBody>
+            <a:bodyPr rtlCol="0" anchor="ctr"/>
+            <a:lstStyle/>
+            <a:p>
+              <a:pPr algn="ctr"/>
+              <a:endParaRPr lang="en-GB"/>
+            </a:p>
+          </p:txBody>
+        </p:sp>
+        <p:sp>
+          <p:nvSpPr>
+            <p:cNvPr id="294" name="Oval 293"/>
+            <p:cNvSpPr/>
+            <p:nvPr/>
+          </p:nvSpPr>
+          <p:spPr>
+            <a:xfrm>
+              <a:off x="8603673" y="3503340"/>
+              <a:ext cx="369455" cy="360218"/>
+            </a:xfrm>
+            <a:prstGeom prst="ellipse">
+              <a:avLst/>
+            </a:prstGeom>
+            <a:effectLst>
+              <a:glow rad="139700">
+                <a:schemeClr val="accent3">
+                  <a:satMod val="175000"/>
+                  <a:alpha val="40000"/>
+                </a:schemeClr>
+              </a:glow>
+              <a:outerShdw blurRad="57150" dist="19050" dir="5400000" algn="ctr" rotWithShape="0">
+                <a:srgbClr val="000000">
+                  <a:alpha val="63000"/>
+                </a:srgbClr>
+              </a:outerShdw>
+            </a:effectLst>
+          </p:spPr>
+          <p:style>
+            <a:lnRef idx="0">
+              <a:schemeClr val="accent3"/>
+            </a:lnRef>
+            <a:fillRef idx="3">
+              <a:schemeClr val="accent3"/>
+            </a:fillRef>
+            <a:effectRef idx="3">
+              <a:schemeClr val="accent3"/>
+            </a:effectRef>
+            <a:fontRef idx="minor">
+              <a:schemeClr val="lt1"/>
+            </a:fontRef>
+          </p:style>
+          <p:txBody>
+            <a:bodyPr rtlCol="0" anchor="ctr"/>
+            <a:lstStyle/>
+            <a:p>
+              <a:pPr algn="ctr"/>
+              <a:endParaRPr lang="en-GB"/>
+            </a:p>
+          </p:txBody>
+        </p:sp>
+      </p:grpSp>
+      <p:sp>
+        <p:nvSpPr>
+          <p:cNvPr id="296" name="Down Arrow 295"/>
+          <p:cNvSpPr/>
+          <p:nvPr/>
+        </p:nvSpPr>
+        <p:spPr>
+          <a:xfrm>
+            <a:off x="6869545" y="2674619"/>
+            <a:ext cx="254000" cy="638587"/>
+          </a:xfrm>
+          <a:prstGeom prst="downArrow">
+            <a:avLst/>
+          </a:prstGeom>
+          <a:effectLst>
+            <a:reflection blurRad="6350" stA="50000" endA="300" endPos="90000" dir="5400000" sy="-100000" algn="bl" rotWithShape="0"/>
+          </a:effectLst>
+        </p:spPr>
+        <p:style>
+          <a:lnRef idx="3">
+            <a:schemeClr val="lt1"/>
+          </a:lnRef>
+          <a:fillRef idx="1">
+            <a:schemeClr val="accent2"/>
+          </a:fillRef>
+          <a:effectRef idx="1">
+            <a:schemeClr val="accent2"/>
+          </a:effectRef>
+          <a:fontRef idx="minor">
+            <a:schemeClr val="lt1"/>
+          </a:fontRef>
+        </p:style>
+        <p:txBody>
+          <a:bodyPr rtlCol="0" anchor="ctr"/>
+          <a:lstStyle/>
+          <a:p>
+            <a:pPr algn="ctr"/>
+            <a:endParaRPr lang="en-GB"/>
+          </a:p>
+        </p:txBody>
+      </p:sp>
+      <p:cxnSp>
+        <p:nvCxnSpPr>
+          <p:cNvPr id="526" name="Straight Connector 525"/>
+          <p:cNvCxnSpPr/>
+          <p:nvPr/>
+        </p:nvCxnSpPr>
+        <p:spPr>
+          <a:xfrm>
+            <a:off x="6419273" y="895927"/>
+            <a:ext cx="1071418" cy="0"/>
+          </a:xfrm>
+          <a:prstGeom prst="line">
+            <a:avLst/>
+          </a:prstGeom>
+        </p:spPr>
+        <p:style>
+          <a:lnRef idx="3">
+            <a:schemeClr val="accent5"/>
+          </a:lnRef>
+          <a:fillRef idx="0">
+            <a:schemeClr val="accent5"/>
+          </a:fillRef>
+          <a:effectRef idx="2">
+            <a:schemeClr val="accent5"/>
+          </a:effectRef>
+          <a:fontRef idx="minor">
+            <a:schemeClr val="tx1"/>
+          </a:fontRef>
+        </p:style>
+      </p:cxnSp>
+      <p:cxnSp>
+        <p:nvCxnSpPr>
+          <p:cNvPr id="527" name="Straight Connector 526"/>
+          <p:cNvCxnSpPr/>
+          <p:nvPr/>
+        </p:nvCxnSpPr>
+        <p:spPr>
+          <a:xfrm>
+            <a:off x="7490691" y="895927"/>
+            <a:ext cx="1071418" cy="0"/>
+          </a:xfrm>
+          <a:prstGeom prst="line">
+            <a:avLst/>
+          </a:prstGeom>
+        </p:spPr>
+        <p:style>
+          <a:lnRef idx="3">
+            <a:schemeClr val="accent5"/>
+          </a:lnRef>
+          <a:fillRef idx="0">
+            <a:schemeClr val="accent5"/>
+          </a:fillRef>
+          <a:effectRef idx="2">
+            <a:schemeClr val="accent5"/>
+          </a:effectRef>
+          <a:fontRef idx="minor">
+            <a:schemeClr val="tx1"/>
+          </a:fontRef>
+        </p:style>
+      </p:cxnSp>
+      <p:cxnSp>
+        <p:nvCxnSpPr>
+          <p:cNvPr id="529" name="Straight Connector 528"/>
+          <p:cNvCxnSpPr/>
+          <p:nvPr/>
+        </p:nvCxnSpPr>
+        <p:spPr>
+          <a:xfrm>
+            <a:off x="5449455" y="1741054"/>
+            <a:ext cx="1071418" cy="0"/>
+          </a:xfrm>
+          <a:prstGeom prst="line">
+            <a:avLst/>
+          </a:prstGeom>
+        </p:spPr>
+        <p:style>
+          <a:lnRef idx="3">
+            <a:schemeClr val="accent5"/>
+          </a:lnRef>
+          <a:fillRef idx="0">
+            <a:schemeClr val="accent5"/>
+          </a:fillRef>
+          <a:effectRef idx="2">
+            <a:schemeClr val="accent5"/>
+          </a:effectRef>
+          <a:fontRef idx="minor">
+            <a:schemeClr val="tx1"/>
+          </a:fontRef>
+        </p:style>
+      </p:cxnSp>
+      <p:cxnSp>
+        <p:nvCxnSpPr>
+          <p:cNvPr id="530" name="Straight Connector 529"/>
+          <p:cNvCxnSpPr/>
+          <p:nvPr/>
+        </p:nvCxnSpPr>
+        <p:spPr>
+          <a:xfrm>
+            <a:off x="6419273" y="1741054"/>
+            <a:ext cx="1071418" cy="0"/>
+          </a:xfrm>
+          <a:prstGeom prst="line">
+            <a:avLst/>
+          </a:prstGeom>
+        </p:spPr>
+        <p:style>
+          <a:lnRef idx="3">
+            <a:schemeClr val="accent5"/>
+          </a:lnRef>
+          <a:fillRef idx="0">
+            <a:schemeClr val="accent5"/>
+          </a:fillRef>
+          <a:effectRef idx="2">
+            <a:schemeClr val="accent5"/>
+          </a:effectRef>
+          <a:fontRef idx="minor">
+            <a:schemeClr val="tx1"/>
+          </a:fontRef>
+        </p:style>
+      </p:cxnSp>
+      <p:cxnSp>
+        <p:nvCxnSpPr>
+          <p:cNvPr id="531" name="Straight Connector 530"/>
+          <p:cNvCxnSpPr/>
+          <p:nvPr/>
+        </p:nvCxnSpPr>
+        <p:spPr>
+          <a:xfrm>
+            <a:off x="7490691" y="1741054"/>
+            <a:ext cx="1071418" cy="0"/>
+          </a:xfrm>
+          <a:prstGeom prst="line">
+            <a:avLst/>
+          </a:prstGeom>
+        </p:spPr>
+        <p:style>
+          <a:lnRef idx="3">
+            <a:schemeClr val="accent5"/>
+          </a:lnRef>
+          <a:fillRef idx="0">
+            <a:schemeClr val="accent5"/>
+          </a:fillRef>
+          <a:effectRef idx="2">
+            <a:schemeClr val="accent5"/>
+          </a:effectRef>
+          <a:fontRef idx="minor">
+            <a:schemeClr val="tx1"/>
+          </a:fontRef>
+        </p:style>
+      </p:cxnSp>
+      <p:cxnSp>
+        <p:nvCxnSpPr>
+          <p:cNvPr id="630" name="Straight Connector 629"/>
+          <p:cNvCxnSpPr/>
+          <p:nvPr/>
+        </p:nvCxnSpPr>
+        <p:spPr>
+          <a:xfrm rot="16200000">
+            <a:off x="2988004" y="4300264"/>
+            <a:ext cx="1071418" cy="0"/>
+          </a:xfrm>
+          <a:prstGeom prst="line">
+            <a:avLst/>
+          </a:prstGeom>
+        </p:spPr>
+        <p:style>
+          <a:lnRef idx="3">
+            <a:schemeClr val="accent5"/>
+          </a:lnRef>
+          <a:fillRef idx="0">
+            <a:schemeClr val="accent5"/>
+          </a:fillRef>
+          <a:effectRef idx="2">
+            <a:schemeClr val="accent5"/>
+          </a:effectRef>
+          <a:fontRef idx="minor">
+            <a:schemeClr val="tx1"/>
+          </a:fontRef>
+        </p:style>
+      </p:cxnSp>
+      <p:cxnSp>
+        <p:nvCxnSpPr>
+          <p:cNvPr id="631" name="Straight Connector 630"/>
+          <p:cNvCxnSpPr/>
+          <p:nvPr/>
+        </p:nvCxnSpPr>
+        <p:spPr>
+          <a:xfrm rot="16200000">
+            <a:off x="2992580" y="3742666"/>
+            <a:ext cx="1071418" cy="0"/>
+          </a:xfrm>
+          <a:prstGeom prst="line">
+            <a:avLst/>
+          </a:prstGeom>
+        </p:spPr>
+        <p:style>
+          <a:lnRef idx="3">
+            <a:schemeClr val="accent5"/>
+          </a:lnRef>
+          <a:fillRef idx="0">
+            <a:schemeClr val="accent5"/>
+          </a:fillRef>
+          <a:effectRef idx="2">
+            <a:schemeClr val="accent5"/>
+          </a:effectRef>
+          <a:fontRef idx="minor">
+            <a:schemeClr val="tx1"/>
+          </a:fontRef>
+        </p:style>
+      </p:cxnSp>
+      <p:cxnSp>
+        <p:nvCxnSpPr>
+          <p:cNvPr id="632" name="Straight Connector 631"/>
+          <p:cNvCxnSpPr/>
+          <p:nvPr/>
+        </p:nvCxnSpPr>
+        <p:spPr>
+          <a:xfrm rot="16200000">
+            <a:off x="2207512" y="4362751"/>
+            <a:ext cx="1071418" cy="0"/>
+          </a:xfrm>
+          <a:prstGeom prst="line">
+            <a:avLst/>
+          </a:prstGeom>
+        </p:spPr>
+        <p:style>
+          <a:lnRef idx="3">
+            <a:schemeClr val="accent5"/>
+          </a:lnRef>
+          <a:fillRef idx="0">
+            <a:schemeClr val="accent5"/>
+          </a:fillRef>
+          <a:effectRef idx="2">
+            <a:schemeClr val="accent5"/>
+          </a:effectRef>
+          <a:fontRef idx="minor">
+            <a:schemeClr val="tx1"/>
+          </a:fontRef>
+        </p:style>
+      </p:cxnSp>
+      <p:cxnSp>
+        <p:nvCxnSpPr>
+          <p:cNvPr id="633" name="Straight Connector 632"/>
+          <p:cNvCxnSpPr/>
+          <p:nvPr/>
+        </p:nvCxnSpPr>
+        <p:spPr>
+          <a:xfrm rot="16200000">
+            <a:off x="2212088" y="3805153"/>
+            <a:ext cx="1071418" cy="0"/>
+          </a:xfrm>
+          <a:prstGeom prst="line">
+            <a:avLst/>
+          </a:prstGeom>
+        </p:spPr>
+        <p:style>
+          <a:lnRef idx="3">
+            <a:schemeClr val="accent5"/>
+          </a:lnRef>
+          <a:fillRef idx="0">
+            <a:schemeClr val="accent5"/>
+          </a:fillRef>
+          <a:effectRef idx="2">
+            <a:schemeClr val="accent5"/>
+          </a:effectRef>
+          <a:fontRef idx="minor">
+            <a:schemeClr val="tx1"/>
+          </a:fontRef>
+        </p:style>
+      </p:cxnSp>
+      <p:cxnSp>
+        <p:nvCxnSpPr>
+          <p:cNvPr id="634" name="Straight Connector 633"/>
+          <p:cNvCxnSpPr/>
+          <p:nvPr/>
+        </p:nvCxnSpPr>
+        <p:spPr>
+          <a:xfrm rot="16200000">
+            <a:off x="1450087" y="4343893"/>
+            <a:ext cx="1071418" cy="0"/>
+          </a:xfrm>
+          <a:prstGeom prst="line">
+            <a:avLst/>
+          </a:prstGeom>
+        </p:spPr>
+        <p:style>
+          <a:lnRef idx="3">
+            <a:schemeClr val="accent5"/>
+          </a:lnRef>
+          <a:fillRef idx="0">
+            <a:schemeClr val="accent5"/>
+          </a:fillRef>
+          <a:effectRef idx="2">
+            <a:schemeClr val="accent5"/>
+          </a:effectRef>
+          <a:fontRef idx="minor">
+            <a:schemeClr val="tx1"/>
+          </a:fontRef>
+        </p:style>
+      </p:cxnSp>
+      <p:cxnSp>
+        <p:nvCxnSpPr>
+          <p:cNvPr id="635" name="Straight Connector 634"/>
+          <p:cNvCxnSpPr/>
+          <p:nvPr/>
+        </p:nvCxnSpPr>
+        <p:spPr>
+          <a:xfrm rot="16200000">
+            <a:off x="1454663" y="3786295"/>
+            <a:ext cx="1071418" cy="0"/>
+          </a:xfrm>
+          <a:prstGeom prst="line">
+            <a:avLst/>
+          </a:prstGeom>
+        </p:spPr>
+        <p:style>
+          <a:lnRef idx="3">
+            <a:schemeClr val="accent5"/>
+          </a:lnRef>
+          <a:fillRef idx="0">
+            <a:schemeClr val="accent5"/>
+          </a:fillRef>
+          <a:effectRef idx="2">
+            <a:schemeClr val="accent5"/>
+          </a:effectRef>
+          <a:fontRef idx="minor">
+            <a:schemeClr val="tx1"/>
+          </a:fontRef>
+        </p:style>
+      </p:cxnSp>
+      <p:cxnSp>
+        <p:nvCxnSpPr>
+          <p:cNvPr id="636" name="Straight Connector 635"/>
+          <p:cNvCxnSpPr/>
+          <p:nvPr/>
+        </p:nvCxnSpPr>
+        <p:spPr>
+          <a:xfrm rot="16200000">
+            <a:off x="706602" y="4333409"/>
+            <a:ext cx="1071418" cy="0"/>
+          </a:xfrm>
+          <a:prstGeom prst="line">
+            <a:avLst/>
+          </a:prstGeom>
+        </p:spPr>
+        <p:style>
+          <a:lnRef idx="3">
+            <a:schemeClr val="accent5"/>
+          </a:lnRef>
+          <a:fillRef idx="0">
+            <a:schemeClr val="accent5"/>
+          </a:fillRef>
+          <a:effectRef idx="2">
+            <a:schemeClr val="accent5"/>
+          </a:effectRef>
+          <a:fontRef idx="minor">
+            <a:schemeClr val="tx1"/>
+          </a:fontRef>
+        </p:style>
+      </p:cxnSp>
+      <p:cxnSp>
+        <p:nvCxnSpPr>
+          <p:cNvPr id="637" name="Straight Connector 636"/>
+          <p:cNvCxnSpPr/>
+          <p:nvPr/>
+        </p:nvCxnSpPr>
+        <p:spPr>
+          <a:xfrm rot="16200000">
+            <a:off x="711178" y="3775811"/>
+            <a:ext cx="1071418" cy="0"/>
+          </a:xfrm>
+          <a:prstGeom prst="line">
+            <a:avLst/>
+          </a:prstGeom>
+        </p:spPr>
+        <p:style>
+          <a:lnRef idx="3">
+            <a:schemeClr val="accent5"/>
+          </a:lnRef>
+          <a:fillRef idx="0">
+            <a:schemeClr val="accent5"/>
+          </a:fillRef>
+          <a:effectRef idx="2">
+            <a:schemeClr val="accent5"/>
+          </a:effectRef>
+          <a:fontRef idx="minor">
+            <a:schemeClr val="tx1"/>
+          </a:fontRef>
+        </p:style>
+      </p:cxnSp>
+      <p:cxnSp>
+        <p:nvCxnSpPr>
+          <p:cNvPr id="638" name="Straight Connector 637"/>
+          <p:cNvCxnSpPr/>
+          <p:nvPr/>
+        </p:nvCxnSpPr>
+        <p:spPr>
+          <a:xfrm>
+            <a:off x="1200706" y="4732205"/>
+            <a:ext cx="1071418" cy="0"/>
+          </a:xfrm>
+          <a:prstGeom prst="line">
+            <a:avLst/>
+          </a:prstGeom>
+        </p:spPr>
+        <p:style>
+          <a:lnRef idx="3">
+            <a:schemeClr val="accent5"/>
+          </a:lnRef>
+          <a:fillRef idx="0">
+            <a:schemeClr val="accent5"/>
+          </a:fillRef>
+          <a:effectRef idx="2">
+            <a:schemeClr val="accent5"/>
+          </a:effectRef>
+          <a:fontRef idx="minor">
+            <a:schemeClr val="tx1"/>
+          </a:fontRef>
+        </p:style>
+      </p:cxnSp>
+      <p:cxnSp>
+        <p:nvCxnSpPr>
+          <p:cNvPr id="639" name="Straight Connector 638"/>
+          <p:cNvCxnSpPr/>
+          <p:nvPr/>
+        </p:nvCxnSpPr>
+        <p:spPr>
+          <a:xfrm>
+            <a:off x="2170524" y="4732205"/>
+            <a:ext cx="1071418" cy="0"/>
+          </a:xfrm>
+          <a:prstGeom prst="line">
+            <a:avLst/>
+          </a:prstGeom>
+        </p:spPr>
+        <p:style>
+          <a:lnRef idx="3">
+            <a:schemeClr val="accent5"/>
+          </a:lnRef>
+          <a:fillRef idx="0">
+            <a:schemeClr val="accent5"/>
+          </a:fillRef>
+          <a:effectRef idx="2">
+            <a:schemeClr val="accent5"/>
+          </a:effectRef>
+          <a:fontRef idx="minor">
+            <a:schemeClr val="tx1"/>
+          </a:fontRef>
+        </p:style>
+      </p:cxnSp>
+      <p:cxnSp>
+        <p:nvCxnSpPr>
+          <p:cNvPr id="640" name="Straight Connector 639"/>
+          <p:cNvCxnSpPr/>
+          <p:nvPr/>
+        </p:nvCxnSpPr>
+        <p:spPr>
+          <a:xfrm>
+            <a:off x="3241942" y="4732205"/>
+            <a:ext cx="1071418" cy="0"/>
+          </a:xfrm>
+          <a:prstGeom prst="line">
+            <a:avLst/>
+          </a:prstGeom>
+        </p:spPr>
+        <p:style>
+          <a:lnRef idx="3">
+            <a:schemeClr val="accent5"/>
+          </a:lnRef>
+          <a:fillRef idx="0">
+            <a:schemeClr val="accent5"/>
+          </a:fillRef>
+          <a:effectRef idx="2">
+            <a:schemeClr val="accent5"/>
+          </a:effectRef>
+          <a:fontRef idx="minor">
+            <a:schemeClr val="tx1"/>
+          </a:fontRef>
+        </p:style>
+      </p:cxnSp>
+      <p:cxnSp>
+        <p:nvCxnSpPr>
+          <p:cNvPr id="641" name="Straight Connector 640"/>
+          <p:cNvCxnSpPr/>
+          <p:nvPr/>
+        </p:nvCxnSpPr>
+        <p:spPr>
+          <a:xfrm>
+            <a:off x="1159142" y="4088611"/>
+            <a:ext cx="1071418" cy="0"/>
+          </a:xfrm>
+          <a:prstGeom prst="line">
+            <a:avLst/>
+          </a:prstGeom>
+        </p:spPr>
+        <p:style>
+          <a:lnRef idx="3">
+            <a:schemeClr val="accent5"/>
+          </a:lnRef>
+          <a:fillRef idx="0">
+            <a:schemeClr val="accent5"/>
+          </a:fillRef>
+          <a:effectRef idx="2">
+            <a:schemeClr val="accent5"/>
+          </a:effectRef>
+          <a:fontRef idx="minor">
+            <a:schemeClr val="tx1"/>
+          </a:fontRef>
+        </p:style>
+      </p:cxnSp>
+      <p:cxnSp>
+        <p:nvCxnSpPr>
+          <p:cNvPr id="642" name="Straight Connector 641"/>
+          <p:cNvCxnSpPr/>
+          <p:nvPr/>
+        </p:nvCxnSpPr>
+        <p:spPr>
+          <a:xfrm>
+            <a:off x="2128960" y="4088611"/>
+            <a:ext cx="1071418" cy="0"/>
+          </a:xfrm>
+          <a:prstGeom prst="line">
+            <a:avLst/>
+          </a:prstGeom>
+        </p:spPr>
+        <p:style>
+          <a:lnRef idx="3">
+            <a:schemeClr val="accent5"/>
+          </a:lnRef>
+          <a:fillRef idx="0">
+            <a:schemeClr val="accent5"/>
+          </a:fillRef>
+          <a:effectRef idx="2">
+            <a:schemeClr val="accent5"/>
+          </a:effectRef>
+          <a:fontRef idx="minor">
+            <a:schemeClr val="tx1"/>
+          </a:fontRef>
+        </p:style>
+      </p:cxnSp>
+      <p:cxnSp>
+        <p:nvCxnSpPr>
+          <p:cNvPr id="643" name="Straight Connector 642"/>
+          <p:cNvCxnSpPr/>
+          <p:nvPr/>
+        </p:nvCxnSpPr>
+        <p:spPr>
+          <a:xfrm>
+            <a:off x="3200378" y="4088611"/>
+            <a:ext cx="1071418" cy="0"/>
+          </a:xfrm>
+          <a:prstGeom prst="line">
+            <a:avLst/>
+          </a:prstGeom>
+        </p:spPr>
+        <p:style>
+          <a:lnRef idx="3">
+            <a:schemeClr val="accent5"/>
+          </a:lnRef>
+          <a:fillRef idx="0">
+            <a:schemeClr val="accent5"/>
+          </a:fillRef>
+          <a:effectRef idx="2">
+            <a:schemeClr val="accent5"/>
+          </a:effectRef>
+          <a:fontRef idx="minor">
+            <a:schemeClr val="tx1"/>
+          </a:fontRef>
+        </p:style>
+      </p:cxnSp>
+      <p:cxnSp>
+        <p:nvCxnSpPr>
+          <p:cNvPr id="644" name="Straight Connector 643"/>
+          <p:cNvCxnSpPr/>
+          <p:nvPr/>
+        </p:nvCxnSpPr>
+        <p:spPr>
+          <a:xfrm>
+            <a:off x="1159142" y="3368594"/>
+            <a:ext cx="1071418" cy="0"/>
+          </a:xfrm>
+          <a:prstGeom prst="line">
+            <a:avLst/>
+          </a:prstGeom>
+        </p:spPr>
+        <p:style>
+          <a:lnRef idx="3">
+            <a:schemeClr val="accent5"/>
+          </a:lnRef>
+          <a:fillRef idx="0">
+            <a:schemeClr val="accent5"/>
+          </a:fillRef>
+          <a:effectRef idx="2">
+            <a:schemeClr val="accent5"/>
+          </a:effectRef>
+          <a:fontRef idx="minor">
+            <a:schemeClr val="tx1"/>
+          </a:fontRef>
+        </p:style>
+      </p:cxnSp>
+      <p:cxnSp>
+        <p:nvCxnSpPr>
+          <p:cNvPr id="645" name="Straight Connector 644"/>
+          <p:cNvCxnSpPr/>
+          <p:nvPr/>
+        </p:nvCxnSpPr>
+        <p:spPr>
+          <a:xfrm>
+            <a:off x="2128960" y="3368594"/>
+            <a:ext cx="1071418" cy="0"/>
+          </a:xfrm>
+          <a:prstGeom prst="line">
+            <a:avLst/>
+          </a:prstGeom>
+        </p:spPr>
+        <p:style>
+          <a:lnRef idx="3">
+            <a:schemeClr val="accent5"/>
+          </a:lnRef>
+          <a:fillRef idx="0">
+            <a:schemeClr val="accent5"/>
+          </a:fillRef>
+          <a:effectRef idx="2">
+            <a:schemeClr val="accent5"/>
+          </a:effectRef>
+          <a:fontRef idx="minor">
+            <a:schemeClr val="tx1"/>
+          </a:fontRef>
+        </p:style>
+      </p:cxnSp>
+      <p:cxnSp>
+        <p:nvCxnSpPr>
+          <p:cNvPr id="646" name="Straight Connector 645"/>
+          <p:cNvCxnSpPr/>
+          <p:nvPr/>
+        </p:nvCxnSpPr>
+        <p:spPr>
+          <a:xfrm>
+            <a:off x="3200378" y="3368594"/>
+            <a:ext cx="1071418" cy="0"/>
+          </a:xfrm>
+          <a:prstGeom prst="line">
+            <a:avLst/>
+          </a:prstGeom>
+        </p:spPr>
+        <p:style>
+          <a:lnRef idx="3">
+            <a:schemeClr val="accent5"/>
+          </a:lnRef>
+          <a:fillRef idx="0">
+            <a:schemeClr val="accent5"/>
+          </a:fillRef>
+          <a:effectRef idx="2">
+            <a:schemeClr val="accent5"/>
+          </a:effectRef>
+          <a:fontRef idx="minor">
+            <a:schemeClr val="tx1"/>
+          </a:fontRef>
+        </p:style>
+      </p:cxnSp>
+      <p:grpSp>
+        <p:nvGrpSpPr>
+          <p:cNvPr id="647" name="Group 646"/>
+          <p:cNvGrpSpPr/>
+          <p:nvPr/>
+        </p:nvGrpSpPr>
+        <p:grpSpPr>
+          <a:xfrm>
+            <a:off x="966274" y="3175723"/>
+            <a:ext cx="3537608" cy="374072"/>
+            <a:chOff x="5555673" y="3503340"/>
+            <a:chExt cx="3417455" cy="374072"/>
+          </a:xfrm>
+        </p:grpSpPr>
+        <p:sp>
+          <p:nvSpPr>
+            <p:cNvPr id="648" name="Oval 647"/>
+            <p:cNvSpPr/>
+            <p:nvPr/>
+          </p:nvSpPr>
+          <p:spPr>
+            <a:xfrm>
+              <a:off x="5555673" y="3503340"/>
+              <a:ext cx="369455" cy="360218"/>
+            </a:xfrm>
+            <a:prstGeom prst="ellipse">
+              <a:avLst/>
+            </a:prstGeom>
+            <a:effectLst>
+              <a:glow rad="139700">
+                <a:schemeClr val="accent3">
+                  <a:satMod val="175000"/>
+                  <a:alpha val="40000"/>
+                </a:schemeClr>
+              </a:glow>
+              <a:outerShdw blurRad="57150" dist="19050" dir="5400000" algn="ctr" rotWithShape="0">
+                <a:srgbClr val="000000">
+                  <a:alpha val="63000"/>
+                </a:srgbClr>
+              </a:outerShdw>
+            </a:effectLst>
+          </p:spPr>
+          <p:style>
+            <a:lnRef idx="0">
+              <a:schemeClr val="accent3"/>
+            </a:lnRef>
+            <a:fillRef idx="3">
+              <a:schemeClr val="accent3"/>
+            </a:fillRef>
+            <a:effectRef idx="3">
+              <a:schemeClr val="accent3"/>
+            </a:effectRef>
+            <a:fontRef idx="minor">
+              <a:schemeClr val="lt1"/>
+            </a:fontRef>
+          </p:style>
+          <p:txBody>
+            <a:bodyPr rtlCol="0" anchor="ctr"/>
+            <a:lstStyle/>
+            <a:p>
+              <a:pPr algn="ctr"/>
+              <a:endParaRPr lang="en-GB"/>
+            </a:p>
+          </p:txBody>
+        </p:sp>
+        <p:sp>
+          <p:nvSpPr>
+            <p:cNvPr id="649" name="Oval 648"/>
+            <p:cNvSpPr/>
+            <p:nvPr/>
+          </p:nvSpPr>
+          <p:spPr>
+            <a:xfrm>
+              <a:off x="6317673" y="3503340"/>
+              <a:ext cx="369455" cy="360218"/>
+            </a:xfrm>
+            <a:prstGeom prst="ellipse">
+              <a:avLst/>
+            </a:prstGeom>
+            <a:effectLst>
+              <a:glow rad="139700">
+                <a:schemeClr val="accent3">
+                  <a:satMod val="175000"/>
+                  <a:alpha val="40000"/>
+                </a:schemeClr>
+              </a:glow>
+              <a:outerShdw blurRad="57150" dist="19050" dir="5400000" algn="ctr" rotWithShape="0">
+                <a:srgbClr val="000000">
+                  <a:alpha val="63000"/>
+                </a:srgbClr>
+              </a:outerShdw>
+            </a:effectLst>
+          </p:spPr>
+          <p:style>
+            <a:lnRef idx="0">
+              <a:schemeClr val="accent3"/>
+            </a:lnRef>
+            <a:fillRef idx="3">
+              <a:schemeClr val="accent3"/>
+            </a:fillRef>
+            <a:effectRef idx="3">
+              <a:schemeClr val="accent3"/>
+            </a:effectRef>
+            <a:fontRef idx="minor">
+              <a:schemeClr val="lt1"/>
+            </a:fontRef>
+          </p:style>
+          <p:txBody>
+            <a:bodyPr rtlCol="0" anchor="ctr"/>
+            <a:lstStyle/>
+            <a:p>
+              <a:pPr algn="ctr"/>
+              <a:endParaRPr lang="en-GB"/>
+            </a:p>
+          </p:txBody>
+        </p:sp>
+        <p:sp>
+          <p:nvSpPr>
+            <p:cNvPr id="650" name="Oval 649"/>
+            <p:cNvSpPr/>
+            <p:nvPr/>
+          </p:nvSpPr>
+          <p:spPr>
+            <a:xfrm>
+              <a:off x="7079673" y="3517194"/>
+              <a:ext cx="369455" cy="360218"/>
+            </a:xfrm>
+            <a:prstGeom prst="ellipse">
+              <a:avLst/>
+            </a:prstGeom>
+            <a:effectLst>
+              <a:glow rad="139700">
+                <a:schemeClr val="accent3">
+                  <a:satMod val="175000"/>
+                  <a:alpha val="40000"/>
+                </a:schemeClr>
+              </a:glow>
+              <a:outerShdw blurRad="57150" dist="19050" dir="5400000" algn="ctr" rotWithShape="0">
+                <a:srgbClr val="000000">
+                  <a:alpha val="63000"/>
+                </a:srgbClr>
+              </a:outerShdw>
+            </a:effectLst>
+          </p:spPr>
+          <p:style>
+            <a:lnRef idx="0">
+              <a:schemeClr val="accent3"/>
+            </a:lnRef>
+            <a:fillRef idx="3">
+              <a:schemeClr val="accent3"/>
+            </a:fillRef>
+            <a:effectRef idx="3">
+              <a:schemeClr val="accent3"/>
+            </a:effectRef>
+            <a:fontRef idx="minor">
+              <a:schemeClr val="lt1"/>
+            </a:fontRef>
+          </p:style>
+          <p:txBody>
+            <a:bodyPr rtlCol="0" anchor="ctr"/>
+            <a:lstStyle/>
+            <a:p>
+              <a:pPr algn="ctr"/>
+              <a:endParaRPr lang="en-GB"/>
+            </a:p>
+          </p:txBody>
+        </p:sp>
+        <p:sp>
+          <p:nvSpPr>
+            <p:cNvPr id="651" name="Oval 650"/>
+            <p:cNvSpPr/>
+            <p:nvPr/>
+          </p:nvSpPr>
+          <p:spPr>
+            <a:xfrm>
+              <a:off x="7841673" y="3503340"/>
+              <a:ext cx="369455" cy="360218"/>
+            </a:xfrm>
+            <a:prstGeom prst="ellipse">
+              <a:avLst/>
+            </a:prstGeom>
+            <a:effectLst>
+              <a:glow rad="139700">
+                <a:schemeClr val="accent3">
+                  <a:satMod val="175000"/>
+                  <a:alpha val="40000"/>
+                </a:schemeClr>
+              </a:glow>
+              <a:outerShdw blurRad="57150" dist="19050" dir="5400000" algn="ctr" rotWithShape="0">
+                <a:srgbClr val="000000">
+                  <a:alpha val="63000"/>
+                </a:srgbClr>
+              </a:outerShdw>
+            </a:effectLst>
+          </p:spPr>
+          <p:style>
+            <a:lnRef idx="0">
+              <a:schemeClr val="accent3"/>
+            </a:lnRef>
+            <a:fillRef idx="3">
+              <a:schemeClr val="accent3"/>
+            </a:fillRef>
+            <a:effectRef idx="3">
+              <a:schemeClr val="accent3"/>
+            </a:effectRef>
+            <a:fontRef idx="minor">
+              <a:schemeClr val="lt1"/>
+            </a:fontRef>
+          </p:style>
+          <p:txBody>
+            <a:bodyPr rtlCol="0" anchor="ctr"/>
+            <a:lstStyle/>
+            <a:p>
+              <a:pPr algn="ctr"/>
+              <a:endParaRPr lang="en-GB"/>
+            </a:p>
+          </p:txBody>
+        </p:sp>
+        <p:sp>
+          <p:nvSpPr>
+            <p:cNvPr id="652" name="Oval 651"/>
+            <p:cNvSpPr/>
+            <p:nvPr/>
+          </p:nvSpPr>
+          <p:spPr>
+            <a:xfrm>
+              <a:off x="8603673" y="3503340"/>
+              <a:ext cx="369455" cy="360218"/>
+            </a:xfrm>
+            <a:prstGeom prst="ellipse">
+              <a:avLst/>
+            </a:prstGeom>
+            <a:effectLst>
+              <a:glow rad="139700">
+                <a:schemeClr val="accent3">
+                  <a:satMod val="175000"/>
+                  <a:alpha val="40000"/>
+                </a:schemeClr>
+              </a:glow>
+              <a:outerShdw blurRad="57150" dist="19050" dir="5400000" algn="ctr" rotWithShape="0">
+                <a:srgbClr val="000000">
+                  <a:alpha val="63000"/>
+                </a:srgbClr>
+              </a:outerShdw>
+            </a:effectLst>
+          </p:spPr>
+          <p:style>
+            <a:lnRef idx="0">
+              <a:schemeClr val="accent3"/>
+            </a:lnRef>
+            <a:fillRef idx="3">
+              <a:schemeClr val="accent3"/>
+            </a:fillRef>
+            <a:effectRef idx="3">
+              <a:schemeClr val="accent3"/>
+            </a:effectRef>
+            <a:fontRef idx="minor">
+              <a:schemeClr val="lt1"/>
+            </a:fontRef>
+          </p:style>
+          <p:txBody>
+            <a:bodyPr rtlCol="0" anchor="ctr"/>
+            <a:lstStyle/>
+            <a:p>
+              <a:pPr algn="ctr"/>
+              <a:endParaRPr lang="en-GB"/>
+            </a:p>
+          </p:txBody>
+        </p:sp>
+      </p:grpSp>
+      <p:cxnSp>
+        <p:nvCxnSpPr>
+          <p:cNvPr id="672" name="Straight Connector 671"/>
+          <p:cNvCxnSpPr/>
+          <p:nvPr/>
+        </p:nvCxnSpPr>
+        <p:spPr>
+          <a:xfrm>
+            <a:off x="1160813" y="2617145"/>
+            <a:ext cx="1071418" cy="0"/>
+          </a:xfrm>
+          <a:prstGeom prst="line">
+            <a:avLst/>
+          </a:prstGeom>
+        </p:spPr>
+        <p:style>
+          <a:lnRef idx="3">
+            <a:schemeClr val="accent5"/>
+          </a:lnRef>
+          <a:fillRef idx="0">
+            <a:schemeClr val="accent5"/>
+          </a:fillRef>
+          <a:effectRef idx="2">
+            <a:schemeClr val="accent5"/>
+          </a:effectRef>
+          <a:fontRef idx="minor">
+            <a:schemeClr val="tx1"/>
+          </a:fontRef>
+        </p:style>
+      </p:cxnSp>
+      <p:cxnSp>
+        <p:nvCxnSpPr>
+          <p:cNvPr id="673" name="Straight Connector 672"/>
+          <p:cNvCxnSpPr/>
+          <p:nvPr/>
+        </p:nvCxnSpPr>
+        <p:spPr>
+          <a:xfrm>
+            <a:off x="2130631" y="2617145"/>
+            <a:ext cx="1071418" cy="0"/>
+          </a:xfrm>
+          <a:prstGeom prst="line">
+            <a:avLst/>
+          </a:prstGeom>
+        </p:spPr>
+        <p:style>
+          <a:lnRef idx="3">
+            <a:schemeClr val="accent5"/>
+          </a:lnRef>
+          <a:fillRef idx="0">
+            <a:schemeClr val="accent5"/>
+          </a:fillRef>
+          <a:effectRef idx="2">
+            <a:schemeClr val="accent5"/>
+          </a:effectRef>
+          <a:fontRef idx="minor">
+            <a:schemeClr val="tx1"/>
+          </a:fontRef>
+        </p:style>
+      </p:cxnSp>
+      <p:cxnSp>
+        <p:nvCxnSpPr>
+          <p:cNvPr id="674" name="Straight Connector 673"/>
+          <p:cNvCxnSpPr/>
+          <p:nvPr/>
+        </p:nvCxnSpPr>
+        <p:spPr>
+          <a:xfrm>
+            <a:off x="3202049" y="2617145"/>
+            <a:ext cx="1071418" cy="0"/>
+          </a:xfrm>
+          <a:prstGeom prst="line">
+            <a:avLst/>
+          </a:prstGeom>
+        </p:spPr>
+        <p:style>
+          <a:lnRef idx="3">
+            <a:schemeClr val="accent5"/>
+          </a:lnRef>
+          <a:fillRef idx="0">
+            <a:schemeClr val="accent5"/>
+          </a:fillRef>
+          <a:effectRef idx="2">
+            <a:schemeClr val="accent5"/>
+          </a:effectRef>
+          <a:fontRef idx="minor">
+            <a:schemeClr val="tx1"/>
+          </a:fontRef>
+        </p:style>
+      </p:cxnSp>
+      <p:cxnSp>
+        <p:nvCxnSpPr>
+          <p:cNvPr id="676" name="Straight Connector 675"/>
+          <p:cNvCxnSpPr/>
+          <p:nvPr/>
+        </p:nvCxnSpPr>
+        <p:spPr>
+          <a:xfrm>
+            <a:off x="1160813" y="917655"/>
+            <a:ext cx="1071418" cy="0"/>
+          </a:xfrm>
+          <a:prstGeom prst="line">
+            <a:avLst/>
+          </a:prstGeom>
+        </p:spPr>
+        <p:style>
+          <a:lnRef idx="3">
+            <a:schemeClr val="accent5"/>
+          </a:lnRef>
+          <a:fillRef idx="0">
+            <a:schemeClr val="accent5"/>
+          </a:fillRef>
+          <a:effectRef idx="2">
+            <a:schemeClr val="accent5"/>
+          </a:effectRef>
+          <a:fontRef idx="minor">
+            <a:schemeClr val="tx1"/>
+          </a:fontRef>
+        </p:style>
+      </p:cxnSp>
+      <p:grpSp>
+        <p:nvGrpSpPr>
+          <p:cNvPr id="677" name="Group 676"/>
+          <p:cNvGrpSpPr/>
+          <p:nvPr/>
+        </p:nvGrpSpPr>
+        <p:grpSpPr>
+          <a:xfrm>
+            <a:off x="954841" y="577357"/>
+            <a:ext cx="3621836" cy="2192484"/>
+            <a:chOff x="5624945" y="1273036"/>
+            <a:chExt cx="2733014" cy="1759822"/>
+          </a:xfrm>
+        </p:grpSpPr>
+        <p:sp>
+          <p:nvSpPr>
+            <p:cNvPr id="678" name="Oval 677"/>
+            <p:cNvSpPr/>
+            <p:nvPr/>
+          </p:nvSpPr>
+          <p:spPr>
+            <a:xfrm>
+              <a:off x="5624945" y="1309029"/>
+              <a:ext cx="369455" cy="360218"/>
+            </a:xfrm>
+            <a:prstGeom prst="ellipse">
+              <a:avLst/>
+            </a:prstGeom>
+          </p:spPr>
+          <p:style>
+            <a:lnRef idx="0">
+              <a:schemeClr val="accent5"/>
+            </a:lnRef>
+            <a:fillRef idx="3">
+              <a:schemeClr val="accent5"/>
+            </a:fillRef>
+            <a:effectRef idx="3">
+              <a:schemeClr val="accent5"/>
+            </a:effectRef>
+            <a:fontRef idx="minor">
+              <a:schemeClr val="lt1"/>
+            </a:fontRef>
+          </p:style>
+          <p:txBody>
+            <a:bodyPr rtlCol="0" anchor="ctr"/>
+            <a:lstStyle/>
+            <a:p>
+              <a:pPr algn="ctr"/>
+              <a:endParaRPr lang="en-GB"/>
+            </a:p>
+          </p:txBody>
+        </p:sp>
+        <p:sp>
+          <p:nvSpPr>
+            <p:cNvPr id="679" name="Oval 678"/>
+            <p:cNvSpPr/>
+            <p:nvPr/>
+          </p:nvSpPr>
+          <p:spPr>
+            <a:xfrm>
+              <a:off x="6210034" y="1305132"/>
+              <a:ext cx="369455" cy="360218"/>
+            </a:xfrm>
+            <a:prstGeom prst="ellipse">
+              <a:avLst/>
+            </a:prstGeom>
+          </p:spPr>
+          <p:style>
+            <a:lnRef idx="0">
+              <a:schemeClr val="accent5"/>
+            </a:lnRef>
+            <a:fillRef idx="3">
+              <a:schemeClr val="accent5"/>
+            </a:fillRef>
+            <a:effectRef idx="3">
+              <a:schemeClr val="accent5"/>
+            </a:effectRef>
+            <a:fontRef idx="minor">
+              <a:schemeClr val="lt1"/>
+            </a:fontRef>
+          </p:style>
+          <p:txBody>
+            <a:bodyPr rtlCol="0" anchor="ctr"/>
+            <a:lstStyle/>
+            <a:p>
+              <a:pPr algn="ctr"/>
+              <a:endParaRPr lang="en-GB"/>
+            </a:p>
+          </p:txBody>
+        </p:sp>
+        <p:sp>
+          <p:nvSpPr>
+            <p:cNvPr id="680" name="Oval 679"/>
+            <p:cNvSpPr/>
+            <p:nvPr/>
+          </p:nvSpPr>
+          <p:spPr>
+            <a:xfrm>
+              <a:off x="6794945" y="1301097"/>
+              <a:ext cx="369455" cy="360218"/>
+            </a:xfrm>
+            <a:prstGeom prst="ellipse">
+              <a:avLst/>
+            </a:prstGeom>
+          </p:spPr>
+          <p:style>
+            <a:lnRef idx="0">
+              <a:schemeClr val="accent5"/>
+            </a:lnRef>
+            <a:fillRef idx="3">
+              <a:schemeClr val="accent5"/>
+            </a:fillRef>
+            <a:effectRef idx="3">
+              <a:schemeClr val="accent5"/>
+            </a:effectRef>
+            <a:fontRef idx="minor">
+              <a:schemeClr val="lt1"/>
+            </a:fontRef>
+          </p:style>
+          <p:txBody>
+            <a:bodyPr rtlCol="0" anchor="ctr"/>
+            <a:lstStyle/>
+            <a:p>
+              <a:pPr algn="ctr"/>
+              <a:endParaRPr lang="en-GB"/>
+            </a:p>
+          </p:txBody>
+        </p:sp>
+        <p:sp>
+          <p:nvSpPr>
+            <p:cNvPr id="681" name="Oval 680"/>
+            <p:cNvSpPr/>
+            <p:nvPr/>
+          </p:nvSpPr>
+          <p:spPr>
+            <a:xfrm>
+              <a:off x="7988504" y="1273036"/>
+              <a:ext cx="369455" cy="360218"/>
+            </a:xfrm>
+            <a:prstGeom prst="ellipse">
+              <a:avLst/>
+            </a:prstGeom>
+          </p:spPr>
+          <p:style>
+            <a:lnRef idx="0">
+              <a:schemeClr val="accent5"/>
+            </a:lnRef>
+            <a:fillRef idx="3">
+              <a:schemeClr val="accent5"/>
+            </a:fillRef>
+            <a:effectRef idx="3">
+              <a:schemeClr val="accent5"/>
+            </a:effectRef>
+            <a:fontRef idx="minor">
+              <a:schemeClr val="lt1"/>
+            </a:fontRef>
+          </p:style>
+          <p:txBody>
+            <a:bodyPr rtlCol="0" anchor="ctr"/>
+            <a:lstStyle/>
+            <a:p>
+              <a:pPr algn="ctr"/>
+              <a:endParaRPr lang="en-GB"/>
+            </a:p>
+          </p:txBody>
+        </p:sp>
+        <p:sp>
+          <p:nvSpPr>
+            <p:cNvPr id="682" name="Oval 681"/>
+            <p:cNvSpPr/>
+            <p:nvPr/>
+          </p:nvSpPr>
+          <p:spPr>
+            <a:xfrm>
+              <a:off x="5624945" y="1982866"/>
+              <a:ext cx="369455" cy="360218"/>
+            </a:xfrm>
+            <a:prstGeom prst="ellipse">
+              <a:avLst/>
+            </a:prstGeom>
+          </p:spPr>
+          <p:style>
+            <a:lnRef idx="0">
+              <a:schemeClr val="accent5"/>
+            </a:lnRef>
+            <a:fillRef idx="3">
+              <a:schemeClr val="accent5"/>
+            </a:fillRef>
+            <a:effectRef idx="3">
+              <a:schemeClr val="accent5"/>
+            </a:effectRef>
+            <a:fontRef idx="minor">
+              <a:schemeClr val="lt1"/>
+            </a:fontRef>
+          </p:style>
+          <p:txBody>
+            <a:bodyPr rtlCol="0" anchor="ctr"/>
+            <a:lstStyle/>
+            <a:p>
+              <a:pPr algn="ctr"/>
+              <a:endParaRPr lang="en-GB"/>
+            </a:p>
+          </p:txBody>
+        </p:sp>
+        <p:sp>
+          <p:nvSpPr>
+            <p:cNvPr id="683" name="Oval 682"/>
+            <p:cNvSpPr/>
+            <p:nvPr/>
+          </p:nvSpPr>
+          <p:spPr>
+            <a:xfrm>
+              <a:off x="6210034" y="1978969"/>
+              <a:ext cx="369455" cy="360218"/>
+            </a:xfrm>
+            <a:prstGeom prst="ellipse">
+              <a:avLst/>
+            </a:prstGeom>
+          </p:spPr>
+          <p:style>
+            <a:lnRef idx="0">
+              <a:schemeClr val="accent5"/>
+            </a:lnRef>
+            <a:fillRef idx="3">
+              <a:schemeClr val="accent5"/>
+            </a:fillRef>
+            <a:effectRef idx="3">
+              <a:schemeClr val="accent5"/>
+            </a:effectRef>
+            <a:fontRef idx="minor">
+              <a:schemeClr val="lt1"/>
+            </a:fontRef>
+          </p:style>
+          <p:txBody>
+            <a:bodyPr rtlCol="0" anchor="ctr"/>
+            <a:lstStyle/>
+            <a:p>
+              <a:pPr algn="ctr"/>
+              <a:endParaRPr lang="en-GB"/>
+            </a:p>
+          </p:txBody>
+        </p:sp>
+        <p:sp>
+          <p:nvSpPr>
+            <p:cNvPr id="684" name="Oval 683"/>
+            <p:cNvSpPr/>
+            <p:nvPr/>
+          </p:nvSpPr>
+          <p:spPr>
+            <a:xfrm>
+              <a:off x="6794945" y="1974933"/>
+              <a:ext cx="369455" cy="360218"/>
+            </a:xfrm>
+            <a:prstGeom prst="ellipse">
+              <a:avLst/>
+            </a:prstGeom>
+          </p:spPr>
+          <p:style>
+            <a:lnRef idx="0">
+              <a:schemeClr val="accent5"/>
+            </a:lnRef>
+            <a:fillRef idx="3">
+              <a:schemeClr val="accent5"/>
+            </a:fillRef>
+            <a:effectRef idx="3">
+              <a:schemeClr val="accent5"/>
+            </a:effectRef>
+            <a:fontRef idx="minor">
+              <a:schemeClr val="lt1"/>
+            </a:fontRef>
+          </p:style>
+          <p:txBody>
+            <a:bodyPr rtlCol="0" anchor="ctr"/>
+            <a:lstStyle/>
+            <a:p>
+              <a:pPr algn="ctr"/>
+              <a:endParaRPr lang="en-GB"/>
+            </a:p>
+          </p:txBody>
+        </p:sp>
+        <p:sp>
+          <p:nvSpPr>
+            <p:cNvPr id="685" name="Oval 684"/>
+            <p:cNvSpPr/>
+            <p:nvPr/>
+          </p:nvSpPr>
+          <p:spPr>
+            <a:xfrm>
+              <a:off x="7988504" y="1946874"/>
+              <a:ext cx="369455" cy="360218"/>
+            </a:xfrm>
+            <a:prstGeom prst="ellipse">
+              <a:avLst/>
+            </a:prstGeom>
+          </p:spPr>
+          <p:style>
+            <a:lnRef idx="0">
+              <a:schemeClr val="accent5"/>
+            </a:lnRef>
+            <a:fillRef idx="3">
+              <a:schemeClr val="accent5"/>
+            </a:fillRef>
+            <a:effectRef idx="3">
+              <a:schemeClr val="accent5"/>
+            </a:effectRef>
+            <a:fontRef idx="minor">
+              <a:schemeClr val="lt1"/>
+            </a:fontRef>
+          </p:style>
+          <p:txBody>
+            <a:bodyPr rtlCol="0" anchor="ctr"/>
+            <a:lstStyle/>
+            <a:p>
+              <a:pPr algn="ctr"/>
+              <a:endParaRPr lang="en-GB"/>
+            </a:p>
+          </p:txBody>
+        </p:sp>
+        <p:sp>
+          <p:nvSpPr>
+            <p:cNvPr id="686" name="Oval 685"/>
+            <p:cNvSpPr/>
+            <p:nvPr/>
+          </p:nvSpPr>
+          <p:spPr>
+            <a:xfrm>
+              <a:off x="5624945" y="2672640"/>
+              <a:ext cx="369455" cy="360218"/>
+            </a:xfrm>
+            <a:prstGeom prst="ellipse">
+              <a:avLst/>
+            </a:prstGeom>
+          </p:spPr>
+          <p:style>
+            <a:lnRef idx="0">
+              <a:schemeClr val="accent5"/>
+            </a:lnRef>
+            <a:fillRef idx="3">
+              <a:schemeClr val="accent5"/>
+            </a:fillRef>
+            <a:effectRef idx="3">
+              <a:schemeClr val="accent5"/>
+            </a:effectRef>
+            <a:fontRef idx="minor">
+              <a:schemeClr val="lt1"/>
+            </a:fontRef>
+          </p:style>
+          <p:txBody>
+            <a:bodyPr rtlCol="0" anchor="ctr"/>
+            <a:lstStyle/>
+            <a:p>
+              <a:pPr algn="ctr"/>
+              <a:endParaRPr lang="en-GB"/>
+            </a:p>
+          </p:txBody>
+        </p:sp>
+        <p:sp>
+          <p:nvSpPr>
+            <p:cNvPr id="687" name="Oval 686"/>
+            <p:cNvSpPr/>
+            <p:nvPr/>
+          </p:nvSpPr>
+          <p:spPr>
+            <a:xfrm>
+              <a:off x="6210034" y="2668743"/>
+              <a:ext cx="369455" cy="360218"/>
+            </a:xfrm>
+            <a:prstGeom prst="ellipse">
+              <a:avLst/>
+            </a:prstGeom>
+          </p:spPr>
+          <p:style>
+            <a:lnRef idx="0">
+              <a:schemeClr val="accent5"/>
+            </a:lnRef>
+            <a:fillRef idx="3">
+              <a:schemeClr val="accent5"/>
+            </a:fillRef>
+            <a:effectRef idx="3">
+              <a:schemeClr val="accent5"/>
+            </a:effectRef>
+            <a:fontRef idx="minor">
+              <a:schemeClr val="lt1"/>
+            </a:fontRef>
+          </p:style>
+          <p:txBody>
+            <a:bodyPr rtlCol="0" anchor="ctr"/>
+            <a:lstStyle/>
+            <a:p>
+              <a:pPr algn="ctr"/>
+              <a:endParaRPr lang="en-GB"/>
+            </a:p>
+          </p:txBody>
+        </p:sp>
+        <p:sp>
+          <p:nvSpPr>
+            <p:cNvPr id="688" name="Oval 687"/>
+            <p:cNvSpPr/>
+            <p:nvPr/>
+          </p:nvSpPr>
+          <p:spPr>
+            <a:xfrm>
+              <a:off x="6794945" y="2664707"/>
+              <a:ext cx="369455" cy="360218"/>
+            </a:xfrm>
+            <a:prstGeom prst="ellipse">
+              <a:avLst/>
+            </a:prstGeom>
+          </p:spPr>
+          <p:style>
+            <a:lnRef idx="0">
+              <a:schemeClr val="accent5"/>
+            </a:lnRef>
+            <a:fillRef idx="3">
+              <a:schemeClr val="accent5"/>
+            </a:fillRef>
+            <a:effectRef idx="3">
+              <a:schemeClr val="accent5"/>
+            </a:effectRef>
+            <a:fontRef idx="minor">
+              <a:schemeClr val="lt1"/>
+            </a:fontRef>
+          </p:style>
+          <p:txBody>
+            <a:bodyPr rtlCol="0" anchor="ctr"/>
+            <a:lstStyle/>
+            <a:p>
+              <a:pPr algn="ctr"/>
+              <a:endParaRPr lang="en-GB"/>
+            </a:p>
+          </p:txBody>
+        </p:sp>
+        <p:sp>
+          <p:nvSpPr>
+            <p:cNvPr id="689" name="Oval 688"/>
+            <p:cNvSpPr/>
+            <p:nvPr/>
+          </p:nvSpPr>
+          <p:spPr>
+            <a:xfrm>
+              <a:off x="7988504" y="2636648"/>
+              <a:ext cx="369455" cy="360218"/>
+            </a:xfrm>
+            <a:prstGeom prst="ellipse">
+              <a:avLst/>
+            </a:prstGeom>
+          </p:spPr>
+          <p:style>
+            <a:lnRef idx="0">
+              <a:schemeClr val="accent5"/>
+            </a:lnRef>
+            <a:fillRef idx="3">
+              <a:schemeClr val="accent5"/>
+            </a:fillRef>
+            <a:effectRef idx="3">
+              <a:schemeClr val="accent5"/>
+            </a:effectRef>
+            <a:fontRef idx="minor">
+              <a:schemeClr val="lt1"/>
+            </a:fontRef>
+          </p:style>
+          <p:txBody>
+            <a:bodyPr rtlCol="0" anchor="ctr"/>
+            <a:lstStyle/>
+            <a:p>
+              <a:pPr algn="ctr"/>
+              <a:endParaRPr lang="en-GB"/>
+            </a:p>
+          </p:txBody>
+        </p:sp>
+      </p:grpSp>
+      <p:cxnSp>
+        <p:nvCxnSpPr>
+          <p:cNvPr id="692" name="Straight Connector 691"/>
+          <p:cNvCxnSpPr/>
+          <p:nvPr/>
+        </p:nvCxnSpPr>
+        <p:spPr>
+          <a:xfrm>
+            <a:off x="1159142" y="1659750"/>
+            <a:ext cx="1071418" cy="0"/>
+          </a:xfrm>
+          <a:prstGeom prst="line">
+            <a:avLst/>
+          </a:prstGeom>
+        </p:spPr>
+        <p:style>
+          <a:lnRef idx="3">
+            <a:schemeClr val="accent5"/>
+          </a:lnRef>
+          <a:fillRef idx="0">
+            <a:schemeClr val="accent5"/>
+          </a:fillRef>
+          <a:effectRef idx="2">
+            <a:schemeClr val="accent5"/>
+          </a:effectRef>
+          <a:fontRef idx="minor">
+            <a:schemeClr val="tx1"/>
+          </a:fontRef>
+        </p:style>
+      </p:cxnSp>
+      <p:cxnSp>
+        <p:nvCxnSpPr>
+          <p:cNvPr id="693" name="Straight Connector 692"/>
+          <p:cNvCxnSpPr/>
+          <p:nvPr/>
+        </p:nvCxnSpPr>
+        <p:spPr>
+          <a:xfrm>
+            <a:off x="2147620" y="1659750"/>
+            <a:ext cx="1071418" cy="0"/>
+          </a:xfrm>
+          <a:prstGeom prst="line">
+            <a:avLst/>
+          </a:prstGeom>
+        </p:spPr>
+        <p:style>
+          <a:lnRef idx="3">
+            <a:schemeClr val="accent5"/>
+          </a:lnRef>
+          <a:fillRef idx="0">
+            <a:schemeClr val="accent5"/>
+          </a:fillRef>
+          <a:effectRef idx="2">
+            <a:schemeClr val="accent5"/>
+          </a:effectRef>
+          <a:fontRef idx="minor">
+            <a:schemeClr val="tx1"/>
+          </a:fontRef>
+        </p:style>
+      </p:cxnSp>
+      <p:sp>
+        <p:nvSpPr>
+          <p:cNvPr id="695" name="Oval 694"/>
+          <p:cNvSpPr/>
+          <p:nvPr/>
+        </p:nvSpPr>
+        <p:spPr>
+          <a:xfrm>
+            <a:off x="3321220" y="588370"/>
+            <a:ext cx="489608" cy="448780"/>
+          </a:xfrm>
+          <a:prstGeom prst="ellipse">
+            <a:avLst/>
+          </a:prstGeom>
+        </p:spPr>
+        <p:style>
+          <a:lnRef idx="0">
+            <a:schemeClr val="accent5"/>
+          </a:lnRef>
+          <a:fillRef idx="3">
+            <a:schemeClr val="accent5"/>
+          </a:fillRef>
+          <a:effectRef idx="3">
+            <a:schemeClr val="accent5"/>
+          </a:effectRef>
+          <a:fontRef idx="minor">
+            <a:schemeClr val="lt1"/>
+          </a:fontRef>
+        </p:style>
+        <p:txBody>
+          <a:bodyPr rtlCol="0" anchor="ctr"/>
+          <a:lstStyle/>
+          <a:p>
+            <a:pPr algn="ctr"/>
+            <a:endParaRPr lang="en-GB"/>
+          </a:p>
+        </p:txBody>
+      </p:sp>
+      <p:sp>
+        <p:nvSpPr>
+          <p:cNvPr id="696" name="Oval 695"/>
+          <p:cNvSpPr/>
+          <p:nvPr/>
+        </p:nvSpPr>
+        <p:spPr>
+          <a:xfrm>
+            <a:off x="3321220" y="1427872"/>
+            <a:ext cx="489608" cy="448780"/>
+          </a:xfrm>
+          <a:prstGeom prst="ellipse">
+            <a:avLst/>
+          </a:prstGeom>
+        </p:spPr>
+        <p:style>
+          <a:lnRef idx="0">
+            <a:schemeClr val="accent5"/>
+          </a:lnRef>
+          <a:fillRef idx="3">
+            <a:schemeClr val="accent5"/>
+          </a:fillRef>
+          <a:effectRef idx="3">
+            <a:schemeClr val="accent5"/>
+          </a:effectRef>
+          <a:fontRef idx="minor">
+            <a:schemeClr val="lt1"/>
+          </a:fontRef>
+        </p:style>
+        <p:txBody>
+          <a:bodyPr rtlCol="0" anchor="ctr"/>
+          <a:lstStyle/>
+          <a:p>
+            <a:pPr algn="ctr"/>
+            <a:endParaRPr lang="en-GB"/>
+          </a:p>
+        </p:txBody>
+      </p:sp>
+      <p:sp>
+        <p:nvSpPr>
+          <p:cNvPr id="697" name="Oval 696"/>
+          <p:cNvSpPr/>
+          <p:nvPr/>
+        </p:nvSpPr>
+        <p:spPr>
+          <a:xfrm>
+            <a:off x="3321220" y="2287231"/>
+            <a:ext cx="489608" cy="448780"/>
+          </a:xfrm>
+          <a:prstGeom prst="ellipse">
+            <a:avLst/>
+          </a:prstGeom>
+        </p:spPr>
+        <p:style>
+          <a:lnRef idx="0">
+            <a:schemeClr val="accent5"/>
+          </a:lnRef>
+          <a:fillRef idx="3">
+            <a:schemeClr val="accent5"/>
+          </a:fillRef>
+          <a:effectRef idx="3">
+            <a:schemeClr val="accent5"/>
+          </a:effectRef>
+          <a:fontRef idx="minor">
+            <a:schemeClr val="lt1"/>
+          </a:fontRef>
+        </p:style>
+        <p:txBody>
+          <a:bodyPr rtlCol="0" anchor="ctr"/>
+          <a:lstStyle/>
+          <a:p>
+            <a:pPr algn="ctr"/>
+            <a:endParaRPr lang="en-GB"/>
+          </a:p>
+        </p:txBody>
+      </p:sp>
+      <p:grpSp>
+        <p:nvGrpSpPr>
+          <p:cNvPr id="723" name="Group 722"/>
+          <p:cNvGrpSpPr/>
+          <p:nvPr/>
+        </p:nvGrpSpPr>
+        <p:grpSpPr>
+          <a:xfrm>
+            <a:off x="997302" y="3883904"/>
+            <a:ext cx="3537608" cy="374072"/>
+            <a:chOff x="5555673" y="3503340"/>
+            <a:chExt cx="3417455" cy="374072"/>
+          </a:xfrm>
+        </p:grpSpPr>
+        <p:sp>
+          <p:nvSpPr>
+            <p:cNvPr id="724" name="Oval 723"/>
+            <p:cNvSpPr/>
+            <p:nvPr/>
+          </p:nvSpPr>
+          <p:spPr>
+            <a:xfrm>
+              <a:off x="5555673" y="3503340"/>
+              <a:ext cx="369455" cy="360218"/>
+            </a:xfrm>
+            <a:prstGeom prst="ellipse">
+              <a:avLst/>
+            </a:prstGeom>
+            <a:effectLst>
+              <a:glow rad="139700">
+                <a:schemeClr val="accent3">
+                  <a:satMod val="175000"/>
+                  <a:alpha val="40000"/>
+                </a:schemeClr>
+              </a:glow>
+              <a:outerShdw blurRad="57150" dist="19050" dir="5400000" algn="ctr" rotWithShape="0">
+                <a:srgbClr val="000000">
+                  <a:alpha val="63000"/>
+                </a:srgbClr>
+              </a:outerShdw>
+            </a:effectLst>
+          </p:spPr>
+          <p:style>
+            <a:lnRef idx="0">
+              <a:schemeClr val="accent3"/>
+            </a:lnRef>
+            <a:fillRef idx="3">
+              <a:schemeClr val="accent3"/>
+            </a:fillRef>
+            <a:effectRef idx="3">
+              <a:schemeClr val="accent3"/>
+            </a:effectRef>
+            <a:fontRef idx="minor">
+              <a:schemeClr val="lt1"/>
+            </a:fontRef>
+          </p:style>
+          <p:txBody>
+            <a:bodyPr rtlCol="0" anchor="ctr"/>
+            <a:lstStyle/>
+            <a:p>
+              <a:pPr algn="ctr"/>
+              <a:endParaRPr lang="en-GB"/>
+            </a:p>
+          </p:txBody>
+        </p:sp>
+        <p:sp>
+          <p:nvSpPr>
+            <p:cNvPr id="725" name="Oval 724"/>
+            <p:cNvSpPr/>
+            <p:nvPr/>
+          </p:nvSpPr>
+          <p:spPr>
+            <a:xfrm>
+              <a:off x="6317673" y="3503340"/>
+              <a:ext cx="369455" cy="360218"/>
+            </a:xfrm>
+            <a:prstGeom prst="ellipse">
+              <a:avLst/>
+            </a:prstGeom>
+            <a:effectLst>
+              <a:glow rad="139700">
+                <a:schemeClr val="accent3">
+                  <a:satMod val="175000"/>
+                  <a:alpha val="40000"/>
+                </a:schemeClr>
+              </a:glow>
+              <a:outerShdw blurRad="57150" dist="19050" dir="5400000" algn="ctr" rotWithShape="0">
+                <a:srgbClr val="000000">
+                  <a:alpha val="63000"/>
+                </a:srgbClr>
+              </a:outerShdw>
+            </a:effectLst>
+          </p:spPr>
+          <p:style>
+            <a:lnRef idx="0">
+              <a:schemeClr val="accent3"/>
+            </a:lnRef>
+            <a:fillRef idx="3">
+              <a:schemeClr val="accent3"/>
+            </a:fillRef>
+            <a:effectRef idx="3">
+              <a:schemeClr val="accent3"/>
+            </a:effectRef>
+            <a:fontRef idx="minor">
+              <a:schemeClr val="lt1"/>
+            </a:fontRef>
+          </p:style>
+          <p:txBody>
+            <a:bodyPr rtlCol="0" anchor="ctr"/>
+            <a:lstStyle/>
+            <a:p>
+              <a:pPr algn="ctr"/>
+              <a:endParaRPr lang="en-GB"/>
+            </a:p>
+          </p:txBody>
+        </p:sp>
+        <p:sp>
+          <p:nvSpPr>
+            <p:cNvPr id="726" name="Oval 725"/>
+            <p:cNvSpPr/>
+            <p:nvPr/>
+          </p:nvSpPr>
+          <p:spPr>
+            <a:xfrm>
+              <a:off x="7079673" y="3517194"/>
+              <a:ext cx="369455" cy="360218"/>
+            </a:xfrm>
+            <a:prstGeom prst="ellipse">
+              <a:avLst/>
+            </a:prstGeom>
+            <a:effectLst>
+              <a:glow rad="139700">
+                <a:schemeClr val="accent3">
+                  <a:satMod val="175000"/>
+                  <a:alpha val="40000"/>
+                </a:schemeClr>
+              </a:glow>
+              <a:outerShdw blurRad="57150" dist="19050" dir="5400000" algn="ctr" rotWithShape="0">
+                <a:srgbClr val="000000">
+                  <a:alpha val="63000"/>
+                </a:srgbClr>
+              </a:outerShdw>
+            </a:effectLst>
+          </p:spPr>
+          <p:style>
+            <a:lnRef idx="0">
+              <a:schemeClr val="accent3"/>
+            </a:lnRef>
+            <a:fillRef idx="3">
+              <a:schemeClr val="accent3"/>
+            </a:fillRef>
+            <a:effectRef idx="3">
+              <a:schemeClr val="accent3"/>
+            </a:effectRef>
+            <a:fontRef idx="minor">
+              <a:schemeClr val="lt1"/>
+            </a:fontRef>
+          </p:style>
+          <p:txBody>
+            <a:bodyPr rtlCol="0" anchor="ctr"/>
+            <a:lstStyle/>
+            <a:p>
+              <a:pPr algn="ctr"/>
+              <a:endParaRPr lang="en-GB"/>
+            </a:p>
+          </p:txBody>
+        </p:sp>
+        <p:sp>
+          <p:nvSpPr>
+            <p:cNvPr id="727" name="Oval 726"/>
+            <p:cNvSpPr/>
+            <p:nvPr/>
+          </p:nvSpPr>
+          <p:spPr>
+            <a:xfrm>
+              <a:off x="7841673" y="3503340"/>
+              <a:ext cx="369455" cy="360218"/>
+            </a:xfrm>
+            <a:prstGeom prst="ellipse">
+              <a:avLst/>
+            </a:prstGeom>
+            <a:effectLst>
+              <a:glow rad="139700">
+                <a:schemeClr val="accent3">
+                  <a:satMod val="175000"/>
+                  <a:alpha val="40000"/>
+                </a:schemeClr>
+              </a:glow>
+              <a:outerShdw blurRad="57150" dist="19050" dir="5400000" algn="ctr" rotWithShape="0">
+                <a:srgbClr val="000000">
+                  <a:alpha val="63000"/>
+                </a:srgbClr>
+              </a:outerShdw>
+            </a:effectLst>
+          </p:spPr>
+          <p:style>
+            <a:lnRef idx="0">
+              <a:schemeClr val="accent3"/>
+            </a:lnRef>
+            <a:fillRef idx="3">
+              <a:schemeClr val="accent3"/>
+            </a:fillRef>
+            <a:effectRef idx="3">
+              <a:schemeClr val="accent3"/>
+            </a:effectRef>
+            <a:fontRef idx="minor">
+              <a:schemeClr val="lt1"/>
+            </a:fontRef>
+          </p:style>
+          <p:txBody>
+            <a:bodyPr rtlCol="0" anchor="ctr"/>
+            <a:lstStyle/>
+            <a:p>
+              <a:pPr algn="ctr"/>
+              <a:endParaRPr lang="en-GB"/>
+            </a:p>
+          </p:txBody>
+        </p:sp>
+        <p:sp>
+          <p:nvSpPr>
+            <p:cNvPr id="728" name="Oval 727"/>
+            <p:cNvSpPr/>
+            <p:nvPr/>
+          </p:nvSpPr>
+          <p:spPr>
+            <a:xfrm>
+              <a:off x="8603673" y="3503340"/>
+              <a:ext cx="369455" cy="360218"/>
+            </a:xfrm>
+            <a:prstGeom prst="ellipse">
+              <a:avLst/>
+            </a:prstGeom>
+            <a:effectLst>
+              <a:glow rad="139700">
+                <a:schemeClr val="accent3">
+                  <a:satMod val="175000"/>
+                  <a:alpha val="40000"/>
+                </a:schemeClr>
+              </a:glow>
+              <a:outerShdw blurRad="57150" dist="19050" dir="5400000" algn="ctr" rotWithShape="0">
+                <a:srgbClr val="000000">
+                  <a:alpha val="63000"/>
+                </a:srgbClr>
+              </a:outerShdw>
+            </a:effectLst>
+          </p:spPr>
+          <p:style>
+            <a:lnRef idx="0">
+              <a:schemeClr val="accent3"/>
+            </a:lnRef>
+            <a:fillRef idx="3">
+              <a:schemeClr val="accent3"/>
+            </a:fillRef>
+            <a:effectRef idx="3">
+              <a:schemeClr val="accent3"/>
+            </a:effectRef>
+            <a:fontRef idx="minor">
+              <a:schemeClr val="lt1"/>
+            </a:fontRef>
+          </p:style>
+          <p:txBody>
+            <a:bodyPr rtlCol="0" anchor="ctr"/>
+            <a:lstStyle/>
+            <a:p>
+              <a:pPr algn="ctr"/>
+              <a:endParaRPr lang="en-GB"/>
+            </a:p>
+          </p:txBody>
+        </p:sp>
+      </p:grpSp>
+      <p:grpSp>
+        <p:nvGrpSpPr>
+          <p:cNvPr id="729" name="Group 728"/>
+          <p:cNvGrpSpPr/>
+          <p:nvPr/>
+        </p:nvGrpSpPr>
+        <p:grpSpPr>
+          <a:xfrm>
+            <a:off x="1006603" y="4595052"/>
+            <a:ext cx="3537608" cy="374072"/>
+            <a:chOff x="5555673" y="3503340"/>
+            <a:chExt cx="3417455" cy="374072"/>
+          </a:xfrm>
+        </p:grpSpPr>
+        <p:sp>
+          <p:nvSpPr>
+            <p:cNvPr id="730" name="Oval 729"/>
+            <p:cNvSpPr/>
+            <p:nvPr/>
+          </p:nvSpPr>
+          <p:spPr>
+            <a:xfrm>
+              <a:off x="5555673" y="3503340"/>
+              <a:ext cx="369455" cy="360218"/>
+            </a:xfrm>
+            <a:prstGeom prst="ellipse">
+              <a:avLst/>
+            </a:prstGeom>
+            <a:effectLst>
+              <a:glow rad="139700">
+                <a:schemeClr val="accent3">
+                  <a:satMod val="175000"/>
+                  <a:alpha val="40000"/>
+                </a:schemeClr>
+              </a:glow>
+              <a:outerShdw blurRad="57150" dist="19050" dir="5400000" algn="ctr" rotWithShape="0">
+                <a:srgbClr val="000000">
+                  <a:alpha val="63000"/>
+                </a:srgbClr>
+              </a:outerShdw>
+            </a:effectLst>
+          </p:spPr>
+          <p:style>
+            <a:lnRef idx="0">
+              <a:schemeClr val="accent3"/>
+            </a:lnRef>
+            <a:fillRef idx="3">
+              <a:schemeClr val="accent3"/>
+            </a:fillRef>
+            <a:effectRef idx="3">
+              <a:schemeClr val="accent3"/>
+            </a:effectRef>
+            <a:fontRef idx="minor">
+              <a:schemeClr val="lt1"/>
+            </a:fontRef>
+          </p:style>
+          <p:txBody>
+            <a:bodyPr rtlCol="0" anchor="ctr"/>
+            <a:lstStyle/>
+            <a:p>
+              <a:pPr algn="ctr"/>
+              <a:endParaRPr lang="en-GB"/>
+            </a:p>
+          </p:txBody>
+        </p:sp>
+        <p:sp>
+          <p:nvSpPr>
+            <p:cNvPr id="731" name="Oval 730"/>
+            <p:cNvSpPr/>
+            <p:nvPr/>
+          </p:nvSpPr>
+          <p:spPr>
+            <a:xfrm>
+              <a:off x="6317673" y="3503340"/>
+              <a:ext cx="369455" cy="360218"/>
+            </a:xfrm>
+            <a:prstGeom prst="ellipse">
+              <a:avLst/>
+            </a:prstGeom>
+            <a:effectLst>
+              <a:glow rad="139700">
+                <a:schemeClr val="accent3">
+                  <a:satMod val="175000"/>
+                  <a:alpha val="40000"/>
+                </a:schemeClr>
+              </a:glow>
+              <a:outerShdw blurRad="57150" dist="19050" dir="5400000" algn="ctr" rotWithShape="0">
+                <a:srgbClr val="000000">
+                  <a:alpha val="63000"/>
+                </a:srgbClr>
+              </a:outerShdw>
+            </a:effectLst>
+          </p:spPr>
+          <p:style>
+            <a:lnRef idx="0">
+              <a:schemeClr val="accent3"/>
+            </a:lnRef>
+            <a:fillRef idx="3">
+              <a:schemeClr val="accent3"/>
+            </a:fillRef>
+            <a:effectRef idx="3">
+              <a:schemeClr val="accent3"/>
+            </a:effectRef>
+            <a:fontRef idx="minor">
+              <a:schemeClr val="lt1"/>
+            </a:fontRef>
+          </p:style>
+          <p:txBody>
+            <a:bodyPr rtlCol="0" anchor="ctr"/>
+            <a:lstStyle/>
+            <a:p>
+              <a:pPr algn="ctr"/>
+              <a:endParaRPr lang="en-GB"/>
+            </a:p>
+          </p:txBody>
+        </p:sp>
+        <p:sp>
+          <p:nvSpPr>
+            <p:cNvPr id="732" name="Oval 731"/>
+            <p:cNvSpPr/>
+            <p:nvPr/>
+          </p:nvSpPr>
+          <p:spPr>
+            <a:xfrm>
+              <a:off x="7079673" y="3517194"/>
+              <a:ext cx="369455" cy="360218"/>
+            </a:xfrm>
+            <a:prstGeom prst="ellipse">
+              <a:avLst/>
+            </a:prstGeom>
+            <a:effectLst>
+              <a:glow rad="139700">
+                <a:schemeClr val="accent3">
+                  <a:satMod val="175000"/>
+                  <a:alpha val="40000"/>
+                </a:schemeClr>
+              </a:glow>
+              <a:outerShdw blurRad="57150" dist="19050" dir="5400000" algn="ctr" rotWithShape="0">
+                <a:srgbClr val="000000">
+                  <a:alpha val="63000"/>
+                </a:srgbClr>
+              </a:outerShdw>
+            </a:effectLst>
+          </p:spPr>
+          <p:style>
+            <a:lnRef idx="0">
+              <a:schemeClr val="accent3"/>
+            </a:lnRef>
+            <a:fillRef idx="3">
+              <a:schemeClr val="accent3"/>
+            </a:fillRef>
+            <a:effectRef idx="3">
+              <a:schemeClr val="accent3"/>
+            </a:effectRef>
+            <a:fontRef idx="minor">
+              <a:schemeClr val="lt1"/>
+            </a:fontRef>
+          </p:style>
+          <p:txBody>
+            <a:bodyPr rtlCol="0" anchor="ctr"/>
+            <a:lstStyle/>
+            <a:p>
+              <a:pPr algn="ctr"/>
+              <a:endParaRPr lang="en-GB"/>
+            </a:p>
+          </p:txBody>
+        </p:sp>
+        <p:sp>
+          <p:nvSpPr>
+            <p:cNvPr id="733" name="Oval 732"/>
+            <p:cNvSpPr/>
+            <p:nvPr/>
+          </p:nvSpPr>
+          <p:spPr>
+            <a:xfrm>
+              <a:off x="7841673" y="3503340"/>
+              <a:ext cx="369455" cy="360218"/>
+            </a:xfrm>
+            <a:prstGeom prst="ellipse">
+              <a:avLst/>
+            </a:prstGeom>
+            <a:effectLst>
+              <a:glow rad="139700">
+                <a:schemeClr val="accent3">
+                  <a:satMod val="175000"/>
+                  <a:alpha val="40000"/>
+                </a:schemeClr>
+              </a:glow>
+              <a:outerShdw blurRad="57150" dist="19050" dir="5400000" algn="ctr" rotWithShape="0">
+                <a:srgbClr val="000000">
+                  <a:alpha val="63000"/>
+                </a:srgbClr>
+              </a:outerShdw>
+            </a:effectLst>
+          </p:spPr>
+          <p:style>
+            <a:lnRef idx="0">
+              <a:schemeClr val="accent3"/>
+            </a:lnRef>
+            <a:fillRef idx="3">
+              <a:schemeClr val="accent3"/>
+            </a:fillRef>
+            <a:effectRef idx="3">
+              <a:schemeClr val="accent3"/>
+            </a:effectRef>
+            <a:fontRef idx="minor">
+              <a:schemeClr val="lt1"/>
+            </a:fontRef>
+          </p:style>
+          <p:txBody>
+            <a:bodyPr rtlCol="0" anchor="ctr"/>
+            <a:lstStyle/>
+            <a:p>
+              <a:pPr algn="ctr"/>
+              <a:endParaRPr lang="en-GB"/>
+            </a:p>
+          </p:txBody>
+        </p:sp>
+        <p:sp>
+          <p:nvSpPr>
+            <p:cNvPr id="734" name="Oval 733"/>
+            <p:cNvSpPr/>
+            <p:nvPr/>
+          </p:nvSpPr>
+          <p:spPr>
+            <a:xfrm>
+              <a:off x="8603673" y="3503340"/>
+              <a:ext cx="369455" cy="360218"/>
+            </a:xfrm>
+            <a:prstGeom prst="ellipse">
+              <a:avLst/>
+            </a:prstGeom>
+            <a:effectLst>
+              <a:glow rad="139700">
+                <a:schemeClr val="accent3">
+                  <a:satMod val="175000"/>
+                  <a:alpha val="40000"/>
+                </a:schemeClr>
+              </a:glow>
+              <a:outerShdw blurRad="57150" dist="19050" dir="5400000" algn="ctr" rotWithShape="0">
+                <a:srgbClr val="000000">
+                  <a:alpha val="63000"/>
+                </a:srgbClr>
+              </a:outerShdw>
+            </a:effectLst>
+          </p:spPr>
+          <p:style>
+            <a:lnRef idx="0">
+              <a:schemeClr val="accent3"/>
+            </a:lnRef>
+            <a:fillRef idx="3">
+              <a:schemeClr val="accent3"/>
+            </a:fillRef>
+            <a:effectRef idx="3">
+              <a:schemeClr val="accent3"/>
+            </a:effectRef>
+            <a:fontRef idx="minor">
+              <a:schemeClr val="lt1"/>
+            </a:fontRef>
+          </p:style>
+          <p:txBody>
+            <a:bodyPr rtlCol="0" anchor="ctr"/>
+            <a:lstStyle/>
+            <a:p>
+              <a:pPr algn="ctr"/>
+              <a:endParaRPr lang="en-GB"/>
+            </a:p>
+          </p:txBody>
+        </p:sp>
+      </p:grpSp>
+    </p:spTree>
+    <p:extLst>
+      <p:ext uri="{BB962C8B-B14F-4D97-AF65-F5344CB8AC3E}">
+        <p14:creationId xmlns:p14="http://schemas.microsoft.com/office/powerpoint/2010/main" val="2485173753"/>
+      </p:ext>
+    </p:extLst>
+  </p:cSld>
+  <p:clrMapOvr>
+    <a:masterClrMapping/>
+  </p:clrMapOvr>
+</p:sld>
+</file>
+
+<file path=ppt/slides/slide6.xml><?xml version="1.0" encoding="utf-8"?>
+<p:sld xmlns:a="http://schemas.openxmlformats.org/drawingml/2006/main" xmlns:r="http://schemas.openxmlformats.org/officeDocument/2006/relationships" xmlns:p="http://schemas.openxmlformats.org/presentationml/2006/main">
+  <p:cSld>
+    <p:spTree>
+      <p:nvGrpSpPr>
+        <p:cNvPr id="1" name=""/>
+        <p:cNvGrpSpPr/>
+        <p:nvPr/>
+      </p:nvGrpSpPr>
+      <p:grpSpPr>
+        <a:xfrm>
+          <a:off x="0" y="0"/>
+          <a:ext cx="0" cy="0"/>
+          <a:chOff x="0" y="0"/>
+          <a:chExt cx="0" cy="0"/>
+        </a:xfrm>
+      </p:grpSpPr>
+      <p:cxnSp>
+        <p:nvCxnSpPr>
+          <p:cNvPr id="133" name="Straight Connector 132"/>
+          <p:cNvCxnSpPr/>
+          <p:nvPr/>
+        </p:nvCxnSpPr>
+        <p:spPr>
+          <a:xfrm flipH="1">
+            <a:off x="5467969" y="1236053"/>
+            <a:ext cx="2956597" cy="32708"/>
+          </a:xfrm>
+          <a:prstGeom prst="line">
+            <a:avLst/>
+          </a:prstGeom>
+        </p:spPr>
+        <p:style>
+          <a:lnRef idx="3">
+            <a:schemeClr val="accent5"/>
+          </a:lnRef>
+          <a:fillRef idx="0">
+            <a:schemeClr val="accent5"/>
+          </a:fillRef>
+          <a:effectRef idx="2">
+            <a:schemeClr val="accent5"/>
+          </a:effectRef>
+          <a:fontRef idx="minor">
+            <a:schemeClr val="tx1"/>
+          </a:fontRef>
+        </p:style>
+      </p:cxnSp>
+      <p:cxnSp>
+        <p:nvCxnSpPr>
+          <p:cNvPr id="132" name="Straight Connector 131"/>
+          <p:cNvCxnSpPr/>
+          <p:nvPr/>
+        </p:nvCxnSpPr>
+        <p:spPr>
+          <a:xfrm flipH="1">
+            <a:off x="5467970" y="2036214"/>
+            <a:ext cx="2956597" cy="32708"/>
+          </a:xfrm>
+          <a:prstGeom prst="line">
+            <a:avLst/>
+          </a:prstGeom>
+        </p:spPr>
+        <p:style>
+          <a:lnRef idx="3">
+            <a:schemeClr val="accent5"/>
+          </a:lnRef>
+          <a:fillRef idx="0">
+            <a:schemeClr val="accent5"/>
+          </a:fillRef>
+          <a:effectRef idx="2">
+            <a:schemeClr val="accent5"/>
+          </a:effectRef>
+          <a:fontRef idx="minor">
+            <a:schemeClr val="tx1"/>
+          </a:fontRef>
+        </p:style>
+      </p:cxnSp>
+      <p:cxnSp>
+        <p:nvCxnSpPr>
+          <p:cNvPr id="130" name="Straight Connector 129"/>
+          <p:cNvCxnSpPr/>
+          <p:nvPr/>
+        </p:nvCxnSpPr>
+        <p:spPr>
+          <a:xfrm flipH="1">
+            <a:off x="5437993" y="2946570"/>
+            <a:ext cx="2956597" cy="32708"/>
+          </a:xfrm>
+          <a:prstGeom prst="line">
+            <a:avLst/>
+          </a:prstGeom>
+        </p:spPr>
+        <p:style>
+          <a:lnRef idx="3">
+            <a:schemeClr val="accent5"/>
+          </a:lnRef>
+          <a:fillRef idx="0">
+            <a:schemeClr val="accent5"/>
+          </a:fillRef>
+          <a:effectRef idx="2">
+            <a:schemeClr val="accent5"/>
+          </a:effectRef>
+          <a:fontRef idx="minor">
+            <a:schemeClr val="tx1"/>
+          </a:fontRef>
+        </p:style>
+      </p:cxnSp>
+      <p:cxnSp>
+        <p:nvCxnSpPr>
+          <p:cNvPr id="125" name="Straight Connector 124"/>
+          <p:cNvCxnSpPr/>
+          <p:nvPr/>
+        </p:nvCxnSpPr>
+        <p:spPr>
+          <a:xfrm>
+            <a:off x="7476960" y="3041915"/>
+            <a:ext cx="309460" cy="610492"/>
+          </a:xfrm>
+          <a:prstGeom prst="line">
+            <a:avLst/>
+          </a:prstGeom>
+        </p:spPr>
+        <p:style>
+          <a:lnRef idx="3">
+            <a:schemeClr val="accent5"/>
+          </a:lnRef>
+          <a:fillRef idx="0">
+            <a:schemeClr val="accent5"/>
+          </a:fillRef>
+          <a:effectRef idx="2">
+            <a:schemeClr val="accent5"/>
+          </a:effectRef>
+          <a:fontRef idx="minor">
+            <a:schemeClr val="tx1"/>
+          </a:fontRef>
+        </p:style>
+      </p:cxnSp>
+      <p:cxnSp>
+        <p:nvCxnSpPr>
+          <p:cNvPr id="129" name="Straight Connector 128"/>
+          <p:cNvCxnSpPr/>
+          <p:nvPr/>
+        </p:nvCxnSpPr>
+        <p:spPr>
+          <a:xfrm flipV="1">
+            <a:off x="8541959" y="1276920"/>
+            <a:ext cx="10631" cy="3729889"/>
+          </a:xfrm>
+          <a:prstGeom prst="line">
+            <a:avLst/>
+          </a:prstGeom>
+        </p:spPr>
+        <p:style>
+          <a:lnRef idx="3">
+            <a:schemeClr val="accent5"/>
+          </a:lnRef>
+          <a:fillRef idx="0">
+            <a:schemeClr val="accent5"/>
+          </a:fillRef>
+          <a:effectRef idx="2">
+            <a:schemeClr val="accent5"/>
+          </a:effectRef>
+          <a:fontRef idx="minor">
+            <a:schemeClr val="tx1"/>
+          </a:fontRef>
+        </p:style>
+      </p:cxnSp>
+      <p:cxnSp>
+        <p:nvCxnSpPr>
+          <p:cNvPr id="127" name="Straight Connector 126"/>
+          <p:cNvCxnSpPr/>
+          <p:nvPr/>
+        </p:nvCxnSpPr>
+        <p:spPr>
+          <a:xfrm flipH="1" flipV="1">
+            <a:off x="7450654" y="1208358"/>
+            <a:ext cx="3134" cy="1835260"/>
+          </a:xfrm>
+          <a:prstGeom prst="line">
+            <a:avLst/>
+          </a:prstGeom>
+        </p:spPr>
+        <p:style>
+          <a:lnRef idx="3">
+            <a:schemeClr val="accent5"/>
+          </a:lnRef>
+          <a:fillRef idx="0">
+            <a:schemeClr val="accent5"/>
+          </a:fillRef>
+          <a:effectRef idx="2">
+            <a:schemeClr val="accent5"/>
+          </a:effectRef>
+          <a:fontRef idx="minor">
+            <a:schemeClr val="tx1"/>
+          </a:fontRef>
+        </p:style>
+      </p:cxnSp>
+      <p:cxnSp>
+        <p:nvCxnSpPr>
+          <p:cNvPr id="123" name="Straight Connector 122"/>
+          <p:cNvCxnSpPr/>
+          <p:nvPr/>
+        </p:nvCxnSpPr>
+        <p:spPr>
+          <a:xfrm flipH="1">
+            <a:off x="6259162" y="2968331"/>
+            <a:ext cx="188562" cy="669274"/>
+          </a:xfrm>
+          <a:prstGeom prst="line">
+            <a:avLst/>
+          </a:prstGeom>
+        </p:spPr>
+        <p:style>
+          <a:lnRef idx="3">
+            <a:schemeClr val="accent5"/>
+          </a:lnRef>
+          <a:fillRef idx="0">
+            <a:schemeClr val="accent5"/>
+          </a:fillRef>
+          <a:effectRef idx="2">
+            <a:schemeClr val="accent5"/>
+          </a:effectRef>
+          <a:fontRef idx="minor">
+            <a:schemeClr val="tx1"/>
+          </a:fontRef>
+        </p:style>
+      </p:cxnSp>
+      <p:cxnSp>
+        <p:nvCxnSpPr>
+          <p:cNvPr id="121" name="Straight Connector 120"/>
+          <p:cNvCxnSpPr/>
+          <p:nvPr/>
+        </p:nvCxnSpPr>
+        <p:spPr>
+          <a:xfrm flipH="1" flipV="1">
+            <a:off x="6437704" y="1133071"/>
+            <a:ext cx="3134" cy="1835260"/>
+          </a:xfrm>
+          <a:prstGeom prst="line">
+            <a:avLst/>
+          </a:prstGeom>
+        </p:spPr>
+        <p:style>
+          <a:lnRef idx="3">
+            <a:schemeClr val="accent5"/>
+          </a:lnRef>
+          <a:fillRef idx="0">
+            <a:schemeClr val="accent5"/>
+          </a:fillRef>
+          <a:effectRef idx="2">
+            <a:schemeClr val="accent5"/>
+          </a:effectRef>
+          <a:fontRef idx="minor">
+            <a:schemeClr val="tx1"/>
+          </a:fontRef>
+        </p:style>
+      </p:cxnSp>
+      <p:cxnSp>
+        <p:nvCxnSpPr>
+          <p:cNvPr id="52" name="Straight Connector 51"/>
+          <p:cNvCxnSpPr/>
+          <p:nvPr/>
+        </p:nvCxnSpPr>
+        <p:spPr>
+          <a:xfrm rot="16200000">
+            <a:off x="8008093" y="4606649"/>
+            <a:ext cx="1071418" cy="0"/>
+          </a:xfrm>
+          <a:prstGeom prst="line">
+            <a:avLst/>
+          </a:prstGeom>
+        </p:spPr>
+        <p:style>
+          <a:lnRef idx="3">
+            <a:schemeClr val="accent5"/>
+          </a:lnRef>
+          <a:fillRef idx="0">
+            <a:schemeClr val="accent5"/>
+          </a:fillRef>
+          <a:effectRef idx="2">
+            <a:schemeClr val="accent5"/>
+          </a:effectRef>
+          <a:fontRef idx="minor">
+            <a:schemeClr val="tx1"/>
+          </a:fontRef>
+        </p:style>
+      </p:cxnSp>
+      <p:cxnSp>
+        <p:nvCxnSpPr>
+          <p:cNvPr id="53" name="Straight Connector 52"/>
+          <p:cNvCxnSpPr/>
+          <p:nvPr/>
+        </p:nvCxnSpPr>
+        <p:spPr>
+          <a:xfrm rot="16200000">
+            <a:off x="8012669" y="4049051"/>
+            <a:ext cx="1071418" cy="0"/>
+          </a:xfrm>
+          <a:prstGeom prst="line">
+            <a:avLst/>
+          </a:prstGeom>
+        </p:spPr>
+        <p:style>
+          <a:lnRef idx="3">
+            <a:schemeClr val="accent5"/>
+          </a:lnRef>
+          <a:fillRef idx="0">
+            <a:schemeClr val="accent5"/>
+          </a:fillRef>
+          <a:effectRef idx="2">
+            <a:schemeClr val="accent5"/>
+          </a:effectRef>
+          <a:fontRef idx="minor">
+            <a:schemeClr val="tx1"/>
+          </a:fontRef>
+        </p:style>
+      </p:cxnSp>
+      <p:cxnSp>
+        <p:nvCxnSpPr>
+          <p:cNvPr id="54" name="Straight Connector 53"/>
+          <p:cNvCxnSpPr/>
+          <p:nvPr/>
+        </p:nvCxnSpPr>
+        <p:spPr>
+          <a:xfrm rot="16200000">
+            <a:off x="7236753" y="4588722"/>
+            <a:ext cx="1071418" cy="0"/>
+          </a:xfrm>
+          <a:prstGeom prst="line">
+            <a:avLst/>
+          </a:prstGeom>
+        </p:spPr>
+        <p:style>
+          <a:lnRef idx="3">
+            <a:schemeClr val="accent5"/>
+          </a:lnRef>
+          <a:fillRef idx="0">
+            <a:schemeClr val="accent5"/>
+          </a:fillRef>
+          <a:effectRef idx="2">
+            <a:schemeClr val="accent5"/>
+          </a:effectRef>
+          <a:fontRef idx="minor">
+            <a:schemeClr val="tx1"/>
+          </a:fontRef>
+        </p:style>
+      </p:cxnSp>
+      <p:cxnSp>
+        <p:nvCxnSpPr>
+          <p:cNvPr id="55" name="Straight Connector 54"/>
+          <p:cNvCxnSpPr/>
+          <p:nvPr/>
+        </p:nvCxnSpPr>
+        <p:spPr>
+          <a:xfrm rot="16200000">
+            <a:off x="7241329" y="4031124"/>
+            <a:ext cx="1071418" cy="0"/>
+          </a:xfrm>
+          <a:prstGeom prst="line">
+            <a:avLst/>
+          </a:prstGeom>
+        </p:spPr>
+        <p:style>
+          <a:lnRef idx="3">
+            <a:schemeClr val="accent5"/>
+          </a:lnRef>
+          <a:fillRef idx="0">
+            <a:schemeClr val="accent5"/>
+          </a:fillRef>
+          <a:effectRef idx="2">
+            <a:schemeClr val="accent5"/>
+          </a:effectRef>
+          <a:fontRef idx="minor">
+            <a:schemeClr val="tx1"/>
+          </a:fontRef>
+        </p:style>
+      </p:cxnSp>
+      <p:cxnSp>
+        <p:nvCxnSpPr>
+          <p:cNvPr id="56" name="Straight Connector 55"/>
+          <p:cNvCxnSpPr/>
+          <p:nvPr/>
+        </p:nvCxnSpPr>
+        <p:spPr>
+          <a:xfrm rot="16200000">
+            <a:off x="6456261" y="4651209"/>
+            <a:ext cx="1071418" cy="0"/>
+          </a:xfrm>
+          <a:prstGeom prst="line">
+            <a:avLst/>
+          </a:prstGeom>
+        </p:spPr>
+        <p:style>
+          <a:lnRef idx="3">
+            <a:schemeClr val="accent5"/>
+          </a:lnRef>
+          <a:fillRef idx="0">
+            <a:schemeClr val="accent5"/>
+          </a:fillRef>
+          <a:effectRef idx="2">
+            <a:schemeClr val="accent5"/>
+          </a:effectRef>
+          <a:fontRef idx="minor">
+            <a:schemeClr val="tx1"/>
+          </a:fontRef>
+        </p:style>
+      </p:cxnSp>
+      <p:cxnSp>
+        <p:nvCxnSpPr>
+          <p:cNvPr id="57" name="Straight Connector 56"/>
+          <p:cNvCxnSpPr/>
+          <p:nvPr/>
+        </p:nvCxnSpPr>
+        <p:spPr>
+          <a:xfrm rot="16200000">
+            <a:off x="6460837" y="4093611"/>
+            <a:ext cx="1071418" cy="0"/>
+          </a:xfrm>
+          <a:prstGeom prst="line">
+            <a:avLst/>
+          </a:prstGeom>
+        </p:spPr>
+        <p:style>
+          <a:lnRef idx="3">
+            <a:schemeClr val="accent5"/>
+          </a:lnRef>
+          <a:fillRef idx="0">
+            <a:schemeClr val="accent5"/>
+          </a:fillRef>
+          <a:effectRef idx="2">
+            <a:schemeClr val="accent5"/>
+          </a:effectRef>
+          <a:fontRef idx="minor">
+            <a:schemeClr val="tx1"/>
+          </a:fontRef>
+        </p:style>
+      </p:cxnSp>
+      <p:cxnSp>
+        <p:nvCxnSpPr>
+          <p:cNvPr id="58" name="Straight Connector 57"/>
+          <p:cNvCxnSpPr/>
+          <p:nvPr/>
+        </p:nvCxnSpPr>
+        <p:spPr>
+          <a:xfrm rot="16200000">
+            <a:off x="5698836" y="4632351"/>
+            <a:ext cx="1071418" cy="0"/>
+          </a:xfrm>
+          <a:prstGeom prst="line">
+            <a:avLst/>
+          </a:prstGeom>
+        </p:spPr>
+        <p:style>
+          <a:lnRef idx="3">
+            <a:schemeClr val="accent5"/>
+          </a:lnRef>
+          <a:fillRef idx="0">
+            <a:schemeClr val="accent5"/>
+          </a:fillRef>
+          <a:effectRef idx="2">
+            <a:schemeClr val="accent5"/>
+          </a:effectRef>
+          <a:fontRef idx="minor">
+            <a:schemeClr val="tx1"/>
+          </a:fontRef>
+        </p:style>
+      </p:cxnSp>
+      <p:cxnSp>
+        <p:nvCxnSpPr>
+          <p:cNvPr id="59" name="Straight Connector 58"/>
+          <p:cNvCxnSpPr/>
+          <p:nvPr/>
+        </p:nvCxnSpPr>
+        <p:spPr>
+          <a:xfrm rot="16200000">
+            <a:off x="5703412" y="4074753"/>
+            <a:ext cx="1071418" cy="0"/>
+          </a:xfrm>
+          <a:prstGeom prst="line">
+            <a:avLst/>
+          </a:prstGeom>
+        </p:spPr>
+        <p:style>
+          <a:lnRef idx="3">
+            <a:schemeClr val="accent5"/>
+          </a:lnRef>
+          <a:fillRef idx="0">
+            <a:schemeClr val="accent5"/>
+          </a:fillRef>
+          <a:effectRef idx="2">
+            <a:schemeClr val="accent5"/>
+          </a:effectRef>
+          <a:fontRef idx="minor">
+            <a:schemeClr val="tx1"/>
+          </a:fontRef>
+        </p:style>
+      </p:cxnSp>
+      <p:cxnSp>
+        <p:nvCxnSpPr>
+          <p:cNvPr id="60" name="Straight Connector 59"/>
+          <p:cNvCxnSpPr/>
+          <p:nvPr/>
+        </p:nvCxnSpPr>
+        <p:spPr>
+          <a:xfrm rot="16200000">
+            <a:off x="4955351" y="4621867"/>
+            <a:ext cx="1071418" cy="0"/>
+          </a:xfrm>
+          <a:prstGeom prst="line">
+            <a:avLst/>
+          </a:prstGeom>
+        </p:spPr>
+        <p:style>
+          <a:lnRef idx="3">
+            <a:schemeClr val="accent5"/>
+          </a:lnRef>
+          <a:fillRef idx="0">
+            <a:schemeClr val="accent5"/>
+          </a:fillRef>
+          <a:effectRef idx="2">
+            <a:schemeClr val="accent5"/>
+          </a:effectRef>
+          <a:fontRef idx="minor">
+            <a:schemeClr val="tx1"/>
+          </a:fontRef>
+        </p:style>
+      </p:cxnSp>
+      <p:cxnSp>
+        <p:nvCxnSpPr>
+          <p:cNvPr id="61" name="Straight Connector 60"/>
+          <p:cNvCxnSpPr/>
+          <p:nvPr/>
+        </p:nvCxnSpPr>
+        <p:spPr>
+          <a:xfrm rot="16200000">
+            <a:off x="4959927" y="4064269"/>
+            <a:ext cx="1071418" cy="0"/>
+          </a:xfrm>
+          <a:prstGeom prst="line">
+            <a:avLst/>
+          </a:prstGeom>
+        </p:spPr>
+        <p:style>
+          <a:lnRef idx="3">
+            <a:schemeClr val="accent5"/>
+          </a:lnRef>
+          <a:fillRef idx="0">
+            <a:schemeClr val="accent5"/>
+          </a:fillRef>
+          <a:effectRef idx="2">
+            <a:schemeClr val="accent5"/>
+          </a:effectRef>
+          <a:fontRef idx="minor">
+            <a:schemeClr val="tx1"/>
+          </a:fontRef>
+        </p:style>
+      </p:cxnSp>
+      <p:cxnSp>
+        <p:nvCxnSpPr>
+          <p:cNvPr id="62" name="Straight Connector 61"/>
+          <p:cNvCxnSpPr/>
+          <p:nvPr/>
+        </p:nvCxnSpPr>
+        <p:spPr>
+          <a:xfrm>
+            <a:off x="5449455" y="5020663"/>
+            <a:ext cx="1071418" cy="0"/>
+          </a:xfrm>
+          <a:prstGeom prst="line">
+            <a:avLst/>
+          </a:prstGeom>
+        </p:spPr>
+        <p:style>
+          <a:lnRef idx="3">
+            <a:schemeClr val="accent5"/>
+          </a:lnRef>
+          <a:fillRef idx="0">
+            <a:schemeClr val="accent5"/>
+          </a:fillRef>
+          <a:effectRef idx="2">
+            <a:schemeClr val="accent5"/>
+          </a:effectRef>
+          <a:fontRef idx="minor">
+            <a:schemeClr val="tx1"/>
+          </a:fontRef>
+        </p:style>
+      </p:cxnSp>
+      <p:cxnSp>
+        <p:nvCxnSpPr>
+          <p:cNvPr id="63" name="Straight Connector 62"/>
+          <p:cNvCxnSpPr/>
+          <p:nvPr/>
+        </p:nvCxnSpPr>
+        <p:spPr>
+          <a:xfrm>
+            <a:off x="6419273" y="5020663"/>
+            <a:ext cx="1071418" cy="0"/>
+          </a:xfrm>
+          <a:prstGeom prst="line">
+            <a:avLst/>
+          </a:prstGeom>
+        </p:spPr>
+        <p:style>
+          <a:lnRef idx="3">
+            <a:schemeClr val="accent5"/>
+          </a:lnRef>
+          <a:fillRef idx="0">
+            <a:schemeClr val="accent5"/>
+          </a:fillRef>
+          <a:effectRef idx="2">
+            <a:schemeClr val="accent5"/>
+          </a:effectRef>
+          <a:fontRef idx="minor">
+            <a:schemeClr val="tx1"/>
+          </a:fontRef>
+        </p:style>
+      </p:cxnSp>
+      <p:cxnSp>
+        <p:nvCxnSpPr>
+          <p:cNvPr id="64" name="Straight Connector 63"/>
+          <p:cNvCxnSpPr/>
+          <p:nvPr/>
+        </p:nvCxnSpPr>
+        <p:spPr>
+          <a:xfrm>
+            <a:off x="7490691" y="5020663"/>
+            <a:ext cx="1071418" cy="0"/>
+          </a:xfrm>
+          <a:prstGeom prst="line">
+            <a:avLst/>
+          </a:prstGeom>
+        </p:spPr>
+        <p:style>
+          <a:lnRef idx="3">
+            <a:schemeClr val="accent5"/>
+          </a:lnRef>
+          <a:fillRef idx="0">
+            <a:schemeClr val="accent5"/>
+          </a:fillRef>
+          <a:effectRef idx="2">
+            <a:schemeClr val="accent5"/>
+          </a:effectRef>
+          <a:fontRef idx="minor">
+            <a:schemeClr val="tx1"/>
+          </a:fontRef>
+        </p:style>
+      </p:cxnSp>
+      <p:cxnSp>
+        <p:nvCxnSpPr>
+          <p:cNvPr id="65" name="Straight Connector 64"/>
+          <p:cNvCxnSpPr/>
+          <p:nvPr/>
+        </p:nvCxnSpPr>
+        <p:spPr>
+          <a:xfrm>
+            <a:off x="5407891" y="4377069"/>
+            <a:ext cx="1071418" cy="0"/>
+          </a:xfrm>
+          <a:prstGeom prst="line">
+            <a:avLst/>
+          </a:prstGeom>
+        </p:spPr>
+        <p:style>
+          <a:lnRef idx="3">
+            <a:schemeClr val="accent5"/>
+          </a:lnRef>
+          <a:fillRef idx="0">
+            <a:schemeClr val="accent5"/>
+          </a:fillRef>
+          <a:effectRef idx="2">
+            <a:schemeClr val="accent5"/>
+          </a:effectRef>
+          <a:fontRef idx="minor">
+            <a:schemeClr val="tx1"/>
+          </a:fontRef>
+        </p:style>
+      </p:cxnSp>
+      <p:cxnSp>
+        <p:nvCxnSpPr>
+          <p:cNvPr id="66" name="Straight Connector 65"/>
+          <p:cNvCxnSpPr/>
+          <p:nvPr/>
+        </p:nvCxnSpPr>
+        <p:spPr>
+          <a:xfrm>
+            <a:off x="6377709" y="4377069"/>
+            <a:ext cx="1071418" cy="0"/>
+          </a:xfrm>
+          <a:prstGeom prst="line">
+            <a:avLst/>
+          </a:prstGeom>
+        </p:spPr>
+        <p:style>
+          <a:lnRef idx="3">
+            <a:schemeClr val="accent5"/>
+          </a:lnRef>
+          <a:fillRef idx="0">
+            <a:schemeClr val="accent5"/>
+          </a:fillRef>
+          <a:effectRef idx="2">
+            <a:schemeClr val="accent5"/>
+          </a:effectRef>
+          <a:fontRef idx="minor">
+            <a:schemeClr val="tx1"/>
+          </a:fontRef>
+        </p:style>
+      </p:cxnSp>
+      <p:cxnSp>
+        <p:nvCxnSpPr>
+          <p:cNvPr id="67" name="Straight Connector 66"/>
+          <p:cNvCxnSpPr/>
+          <p:nvPr/>
+        </p:nvCxnSpPr>
+        <p:spPr>
+          <a:xfrm>
+            <a:off x="7449127" y="4377069"/>
+            <a:ext cx="1071418" cy="0"/>
+          </a:xfrm>
+          <a:prstGeom prst="line">
+            <a:avLst/>
+          </a:prstGeom>
+        </p:spPr>
+        <p:style>
+          <a:lnRef idx="3">
+            <a:schemeClr val="accent5"/>
+          </a:lnRef>
+          <a:fillRef idx="0">
+            <a:schemeClr val="accent5"/>
+          </a:fillRef>
+          <a:effectRef idx="2">
+            <a:schemeClr val="accent5"/>
+          </a:effectRef>
+          <a:fontRef idx="minor">
+            <a:schemeClr val="tx1"/>
+          </a:fontRef>
+        </p:style>
+      </p:cxnSp>
+      <p:cxnSp>
+        <p:nvCxnSpPr>
+          <p:cNvPr id="68" name="Straight Connector 67"/>
+          <p:cNvCxnSpPr/>
+          <p:nvPr/>
+        </p:nvCxnSpPr>
+        <p:spPr>
+          <a:xfrm>
+            <a:off x="5407891" y="3657052"/>
+            <a:ext cx="1071418" cy="0"/>
+          </a:xfrm>
+          <a:prstGeom prst="line">
+            <a:avLst/>
+          </a:prstGeom>
+        </p:spPr>
+        <p:style>
+          <a:lnRef idx="3">
+            <a:schemeClr val="accent5"/>
+          </a:lnRef>
+          <a:fillRef idx="0">
+            <a:schemeClr val="accent5"/>
+          </a:fillRef>
+          <a:effectRef idx="2">
+            <a:schemeClr val="accent5"/>
+          </a:effectRef>
+          <a:fontRef idx="minor">
+            <a:schemeClr val="tx1"/>
+          </a:fontRef>
+        </p:style>
+      </p:cxnSp>
+      <p:cxnSp>
+        <p:nvCxnSpPr>
+          <p:cNvPr id="69" name="Straight Connector 68"/>
+          <p:cNvCxnSpPr/>
+          <p:nvPr/>
+        </p:nvCxnSpPr>
+        <p:spPr>
+          <a:xfrm>
+            <a:off x="6377709" y="3657052"/>
+            <a:ext cx="1071418" cy="0"/>
+          </a:xfrm>
+          <a:prstGeom prst="line">
+            <a:avLst/>
+          </a:prstGeom>
+        </p:spPr>
+        <p:style>
+          <a:lnRef idx="3">
+            <a:schemeClr val="accent5"/>
+          </a:lnRef>
+          <a:fillRef idx="0">
+            <a:schemeClr val="accent5"/>
+          </a:fillRef>
+          <a:effectRef idx="2">
+            <a:schemeClr val="accent5"/>
+          </a:effectRef>
+          <a:fontRef idx="minor">
+            <a:schemeClr val="tx1"/>
+          </a:fontRef>
+        </p:style>
+      </p:cxnSp>
+      <p:cxnSp>
+        <p:nvCxnSpPr>
+          <p:cNvPr id="70" name="Straight Connector 69"/>
+          <p:cNvCxnSpPr/>
+          <p:nvPr/>
+        </p:nvCxnSpPr>
+        <p:spPr>
+          <a:xfrm>
+            <a:off x="7449127" y="3657052"/>
+            <a:ext cx="1071418" cy="0"/>
+          </a:xfrm>
+          <a:prstGeom prst="line">
+            <a:avLst/>
+          </a:prstGeom>
+        </p:spPr>
+        <p:style>
+          <a:lnRef idx="3">
+            <a:schemeClr val="accent5"/>
+          </a:lnRef>
+          <a:fillRef idx="0">
+            <a:schemeClr val="accent5"/>
+          </a:fillRef>
+          <a:effectRef idx="2">
+            <a:schemeClr val="accent5"/>
+          </a:effectRef>
+          <a:fontRef idx="minor">
+            <a:schemeClr val="tx1"/>
+          </a:fontRef>
+        </p:style>
+      </p:cxnSp>
+      <p:cxnSp>
+        <p:nvCxnSpPr>
+          <p:cNvPr id="77" name="Straight Connector 76"/>
+          <p:cNvCxnSpPr/>
+          <p:nvPr/>
+        </p:nvCxnSpPr>
+        <p:spPr>
+          <a:xfrm flipH="1" flipV="1">
+            <a:off x="5444879" y="1325033"/>
+            <a:ext cx="46181" cy="2637367"/>
+          </a:xfrm>
+          <a:prstGeom prst="line">
+            <a:avLst/>
+          </a:prstGeom>
+        </p:spPr>
+        <p:style>
+          <a:lnRef idx="3">
+            <a:schemeClr val="accent5"/>
+          </a:lnRef>
+          <a:fillRef idx="0">
+            <a:schemeClr val="accent5"/>
+          </a:fillRef>
+          <a:effectRef idx="2">
+            <a:schemeClr val="accent5"/>
+          </a:effectRef>
+          <a:fontRef idx="minor">
+            <a:schemeClr val="tx1"/>
+          </a:fontRef>
+        </p:style>
+      </p:cxnSp>
+      <p:grpSp>
+        <p:nvGrpSpPr>
+          <p:cNvPr id="83" name="Group 82"/>
+          <p:cNvGrpSpPr/>
+          <p:nvPr/>
+        </p:nvGrpSpPr>
+        <p:grpSpPr>
+          <a:xfrm>
+            <a:off x="5186219" y="1016355"/>
+            <a:ext cx="3592422" cy="2164902"/>
+            <a:chOff x="5624945" y="1309029"/>
+            <a:chExt cx="2710818" cy="1737683"/>
+          </a:xfrm>
+        </p:grpSpPr>
+        <p:sp>
+          <p:nvSpPr>
+            <p:cNvPr id="84" name="Oval 83"/>
+            <p:cNvSpPr/>
+            <p:nvPr/>
+          </p:nvSpPr>
+          <p:spPr>
+            <a:xfrm>
+              <a:off x="5624945" y="1309029"/>
+              <a:ext cx="369455" cy="360218"/>
+            </a:xfrm>
+            <a:prstGeom prst="ellipse">
+              <a:avLst/>
+            </a:prstGeom>
+          </p:spPr>
+          <p:style>
+            <a:lnRef idx="0">
+              <a:schemeClr val="accent5"/>
+            </a:lnRef>
+            <a:fillRef idx="3">
+              <a:schemeClr val="accent5"/>
+            </a:fillRef>
+            <a:effectRef idx="3">
+              <a:schemeClr val="accent5"/>
+            </a:effectRef>
+            <a:fontRef idx="minor">
+              <a:schemeClr val="lt1"/>
+            </a:fontRef>
+          </p:style>
+          <p:txBody>
+            <a:bodyPr rtlCol="0" anchor="ctr"/>
+            <a:lstStyle/>
+            <a:p>
+              <a:pPr algn="ctr"/>
+              <a:endParaRPr lang="en-GB"/>
+            </a:p>
+          </p:txBody>
+        </p:sp>
+        <p:sp>
+          <p:nvSpPr>
+            <p:cNvPr id="85" name="Oval 84"/>
+            <p:cNvSpPr/>
+            <p:nvPr/>
+          </p:nvSpPr>
+          <p:spPr>
+            <a:xfrm>
+              <a:off x="6386945" y="1309029"/>
+              <a:ext cx="369455" cy="360218"/>
+            </a:xfrm>
+            <a:prstGeom prst="ellipse">
+              <a:avLst/>
+            </a:prstGeom>
+          </p:spPr>
+          <p:style>
+            <a:lnRef idx="0">
+              <a:schemeClr val="accent5"/>
+            </a:lnRef>
+            <a:fillRef idx="3">
+              <a:schemeClr val="accent5"/>
+            </a:fillRef>
+            <a:effectRef idx="3">
+              <a:schemeClr val="accent5"/>
+            </a:effectRef>
+            <a:fontRef idx="minor">
+              <a:schemeClr val="lt1"/>
+            </a:fontRef>
+          </p:style>
+          <p:txBody>
+            <a:bodyPr rtlCol="0" anchor="ctr"/>
+            <a:lstStyle/>
+            <a:p>
+              <a:pPr algn="ctr"/>
+              <a:endParaRPr lang="en-GB"/>
+            </a:p>
+          </p:txBody>
+        </p:sp>
+        <p:sp>
+          <p:nvSpPr>
+            <p:cNvPr id="86" name="Oval 85"/>
+            <p:cNvSpPr/>
+            <p:nvPr/>
+          </p:nvSpPr>
+          <p:spPr>
+            <a:xfrm>
+              <a:off x="7148945" y="1322883"/>
+              <a:ext cx="369455" cy="360218"/>
+            </a:xfrm>
+            <a:prstGeom prst="ellipse">
+              <a:avLst/>
+            </a:prstGeom>
+          </p:spPr>
+          <p:style>
+            <a:lnRef idx="0">
+              <a:schemeClr val="accent5"/>
+            </a:lnRef>
+            <a:fillRef idx="3">
+              <a:schemeClr val="accent5"/>
+            </a:fillRef>
+            <a:effectRef idx="3">
+              <a:schemeClr val="accent5"/>
+            </a:effectRef>
+            <a:fontRef idx="minor">
+              <a:schemeClr val="lt1"/>
+            </a:fontRef>
+          </p:style>
+          <p:txBody>
+            <a:bodyPr rtlCol="0" anchor="ctr"/>
+            <a:lstStyle/>
+            <a:p>
+              <a:pPr algn="ctr"/>
+              <a:endParaRPr lang="en-GB"/>
+            </a:p>
+          </p:txBody>
+        </p:sp>
+        <p:sp>
+          <p:nvSpPr>
+            <p:cNvPr id="87" name="Oval 86"/>
+            <p:cNvSpPr/>
+            <p:nvPr/>
+          </p:nvSpPr>
+          <p:spPr>
+            <a:xfrm>
+              <a:off x="7966308" y="1322883"/>
+              <a:ext cx="369455" cy="360218"/>
+            </a:xfrm>
+            <a:prstGeom prst="ellipse">
+              <a:avLst/>
+            </a:prstGeom>
+          </p:spPr>
+          <p:style>
+            <a:lnRef idx="0">
+              <a:schemeClr val="accent5"/>
+            </a:lnRef>
+            <a:fillRef idx="3">
+              <a:schemeClr val="accent5"/>
+            </a:fillRef>
+            <a:effectRef idx="3">
+              <a:schemeClr val="accent5"/>
+            </a:effectRef>
+            <a:fontRef idx="minor">
+              <a:schemeClr val="lt1"/>
+            </a:fontRef>
+          </p:style>
+          <p:txBody>
+            <a:bodyPr rtlCol="0" anchor="ctr"/>
+            <a:lstStyle/>
+            <a:p>
+              <a:pPr algn="ctr"/>
+              <a:endParaRPr lang="en-GB"/>
+            </a:p>
+          </p:txBody>
+        </p:sp>
+        <p:sp>
+          <p:nvSpPr>
+            <p:cNvPr id="88" name="Oval 87"/>
+            <p:cNvSpPr/>
+            <p:nvPr/>
+          </p:nvSpPr>
+          <p:spPr>
+            <a:xfrm>
+              <a:off x="5624945" y="1982866"/>
+              <a:ext cx="369455" cy="360218"/>
+            </a:xfrm>
+            <a:prstGeom prst="ellipse">
+              <a:avLst/>
+            </a:prstGeom>
+          </p:spPr>
+          <p:style>
+            <a:lnRef idx="0">
+              <a:schemeClr val="accent5"/>
+            </a:lnRef>
+            <a:fillRef idx="3">
+              <a:schemeClr val="accent5"/>
+            </a:fillRef>
+            <a:effectRef idx="3">
+              <a:schemeClr val="accent5"/>
+            </a:effectRef>
+            <a:fontRef idx="minor">
+              <a:schemeClr val="lt1"/>
+            </a:fontRef>
+          </p:style>
+          <p:txBody>
+            <a:bodyPr rtlCol="0" anchor="ctr"/>
+            <a:lstStyle/>
+            <a:p>
+              <a:pPr algn="ctr"/>
+              <a:endParaRPr lang="en-GB"/>
+            </a:p>
+          </p:txBody>
+        </p:sp>
+        <p:sp>
+          <p:nvSpPr>
+            <p:cNvPr id="89" name="Oval 88"/>
+            <p:cNvSpPr/>
+            <p:nvPr/>
+          </p:nvSpPr>
+          <p:spPr>
+            <a:xfrm>
+              <a:off x="6386945" y="1982866"/>
+              <a:ext cx="369455" cy="360218"/>
+            </a:xfrm>
+            <a:prstGeom prst="ellipse">
+              <a:avLst/>
+            </a:prstGeom>
+          </p:spPr>
+          <p:style>
+            <a:lnRef idx="0">
+              <a:schemeClr val="accent5"/>
+            </a:lnRef>
+            <a:fillRef idx="3">
+              <a:schemeClr val="accent5"/>
+            </a:fillRef>
+            <a:effectRef idx="3">
+              <a:schemeClr val="accent5"/>
+            </a:effectRef>
+            <a:fontRef idx="minor">
+              <a:schemeClr val="lt1"/>
+            </a:fontRef>
+          </p:style>
+          <p:txBody>
+            <a:bodyPr rtlCol="0" anchor="ctr"/>
+            <a:lstStyle/>
+            <a:p>
+              <a:pPr algn="ctr"/>
+              <a:endParaRPr lang="en-GB"/>
+            </a:p>
+          </p:txBody>
+        </p:sp>
+        <p:sp>
+          <p:nvSpPr>
+            <p:cNvPr id="90" name="Oval 89"/>
+            <p:cNvSpPr/>
+            <p:nvPr/>
+          </p:nvSpPr>
+          <p:spPr>
+            <a:xfrm>
+              <a:off x="7148945" y="1996720"/>
+              <a:ext cx="369455" cy="360218"/>
+            </a:xfrm>
+            <a:prstGeom prst="ellipse">
+              <a:avLst/>
+            </a:prstGeom>
+          </p:spPr>
+          <p:style>
+            <a:lnRef idx="0">
+              <a:schemeClr val="accent5"/>
+            </a:lnRef>
+            <a:fillRef idx="3">
+              <a:schemeClr val="accent5"/>
+            </a:fillRef>
+            <a:effectRef idx="3">
+              <a:schemeClr val="accent5"/>
+            </a:effectRef>
+            <a:fontRef idx="minor">
+              <a:schemeClr val="lt1"/>
+            </a:fontRef>
+          </p:style>
+          <p:txBody>
+            <a:bodyPr rtlCol="0" anchor="ctr"/>
+            <a:lstStyle/>
+            <a:p>
+              <a:pPr algn="ctr"/>
+              <a:endParaRPr lang="en-GB"/>
+            </a:p>
+          </p:txBody>
+        </p:sp>
+        <p:sp>
+          <p:nvSpPr>
+            <p:cNvPr id="91" name="Oval 90"/>
+            <p:cNvSpPr/>
+            <p:nvPr/>
+          </p:nvSpPr>
+          <p:spPr>
+            <a:xfrm>
+              <a:off x="7966308" y="1996720"/>
+              <a:ext cx="369455" cy="360218"/>
+            </a:xfrm>
+            <a:prstGeom prst="ellipse">
+              <a:avLst/>
+            </a:prstGeom>
+          </p:spPr>
+          <p:style>
+            <a:lnRef idx="0">
+              <a:schemeClr val="accent5"/>
+            </a:lnRef>
+            <a:fillRef idx="3">
+              <a:schemeClr val="accent5"/>
+            </a:fillRef>
+            <a:effectRef idx="3">
+              <a:schemeClr val="accent5"/>
+            </a:effectRef>
+            <a:fontRef idx="minor">
+              <a:schemeClr val="lt1"/>
+            </a:fontRef>
+          </p:style>
+          <p:txBody>
+            <a:bodyPr rtlCol="0" anchor="ctr"/>
+            <a:lstStyle/>
+            <a:p>
+              <a:pPr algn="ctr"/>
+              <a:endParaRPr lang="en-GB"/>
+            </a:p>
+          </p:txBody>
+        </p:sp>
+        <p:sp>
+          <p:nvSpPr>
+            <p:cNvPr id="92" name="Oval 91"/>
+            <p:cNvSpPr/>
+            <p:nvPr/>
+          </p:nvSpPr>
+          <p:spPr>
+            <a:xfrm>
+              <a:off x="5624945" y="2672640"/>
+              <a:ext cx="369455" cy="360218"/>
+            </a:xfrm>
+            <a:prstGeom prst="ellipse">
+              <a:avLst/>
+            </a:prstGeom>
+          </p:spPr>
+          <p:style>
+            <a:lnRef idx="0">
+              <a:schemeClr val="accent5"/>
+            </a:lnRef>
+            <a:fillRef idx="3">
+              <a:schemeClr val="accent5"/>
+            </a:fillRef>
+            <a:effectRef idx="3">
+              <a:schemeClr val="accent5"/>
+            </a:effectRef>
+            <a:fontRef idx="minor">
+              <a:schemeClr val="lt1"/>
+            </a:fontRef>
+          </p:style>
+          <p:txBody>
+            <a:bodyPr rtlCol="0" anchor="ctr"/>
+            <a:lstStyle/>
+            <a:p>
+              <a:pPr algn="ctr"/>
+              <a:endParaRPr lang="en-GB"/>
+            </a:p>
+          </p:txBody>
+        </p:sp>
+        <p:sp>
+          <p:nvSpPr>
+            <p:cNvPr id="93" name="Oval 92"/>
+            <p:cNvSpPr/>
+            <p:nvPr/>
+          </p:nvSpPr>
+          <p:spPr>
+            <a:xfrm>
+              <a:off x="6386945" y="2672640"/>
+              <a:ext cx="369455" cy="360218"/>
+            </a:xfrm>
+            <a:prstGeom prst="ellipse">
+              <a:avLst/>
+            </a:prstGeom>
+          </p:spPr>
+          <p:style>
+            <a:lnRef idx="0">
+              <a:schemeClr val="accent5"/>
+            </a:lnRef>
+            <a:fillRef idx="3">
+              <a:schemeClr val="accent5"/>
+            </a:fillRef>
+            <a:effectRef idx="3">
+              <a:schemeClr val="accent5"/>
+            </a:effectRef>
+            <a:fontRef idx="minor">
+              <a:schemeClr val="lt1"/>
+            </a:fontRef>
+          </p:style>
+          <p:txBody>
+            <a:bodyPr rtlCol="0" anchor="ctr"/>
+            <a:lstStyle/>
+            <a:p>
+              <a:pPr algn="ctr"/>
+              <a:endParaRPr lang="en-GB"/>
+            </a:p>
+          </p:txBody>
+        </p:sp>
+        <p:sp>
+          <p:nvSpPr>
+            <p:cNvPr id="94" name="Oval 93"/>
+            <p:cNvSpPr/>
+            <p:nvPr/>
+          </p:nvSpPr>
+          <p:spPr>
+            <a:xfrm>
+              <a:off x="7148945" y="2686494"/>
+              <a:ext cx="369455" cy="360218"/>
+            </a:xfrm>
+            <a:prstGeom prst="ellipse">
+              <a:avLst/>
+            </a:prstGeom>
+          </p:spPr>
+          <p:style>
+            <a:lnRef idx="0">
+              <a:schemeClr val="accent5"/>
+            </a:lnRef>
+            <a:fillRef idx="3">
+              <a:schemeClr val="accent5"/>
+            </a:fillRef>
+            <a:effectRef idx="3">
+              <a:schemeClr val="accent5"/>
+            </a:effectRef>
+            <a:fontRef idx="minor">
+              <a:schemeClr val="lt1"/>
+            </a:fontRef>
+          </p:style>
+          <p:txBody>
+            <a:bodyPr rtlCol="0" anchor="ctr"/>
+            <a:lstStyle/>
+            <a:p>
+              <a:pPr algn="ctr"/>
+              <a:endParaRPr lang="en-GB"/>
+            </a:p>
+          </p:txBody>
+        </p:sp>
+        <p:sp>
+          <p:nvSpPr>
+            <p:cNvPr id="95" name="Oval 94"/>
+            <p:cNvSpPr/>
+            <p:nvPr/>
+          </p:nvSpPr>
+          <p:spPr>
+            <a:xfrm>
+              <a:off x="7966308" y="2686494"/>
+              <a:ext cx="369455" cy="360218"/>
+            </a:xfrm>
+            <a:prstGeom prst="ellipse">
+              <a:avLst/>
+            </a:prstGeom>
+          </p:spPr>
+          <p:style>
+            <a:lnRef idx="0">
+              <a:schemeClr val="accent5"/>
+            </a:lnRef>
+            <a:fillRef idx="3">
+              <a:schemeClr val="accent5"/>
+            </a:fillRef>
+            <a:effectRef idx="3">
+              <a:schemeClr val="accent5"/>
+            </a:effectRef>
+            <a:fontRef idx="minor">
+              <a:schemeClr val="lt1"/>
+            </a:fontRef>
+          </p:style>
+          <p:txBody>
+            <a:bodyPr rtlCol="0" anchor="ctr"/>
+            <a:lstStyle/>
+            <a:p>
+              <a:pPr algn="ctr"/>
+              <a:endParaRPr lang="en-GB"/>
+            </a:p>
+          </p:txBody>
+        </p:sp>
+      </p:grpSp>
+      <p:grpSp>
+        <p:nvGrpSpPr>
+          <p:cNvPr id="96" name="Group 95"/>
+          <p:cNvGrpSpPr/>
+          <p:nvPr/>
+        </p:nvGrpSpPr>
+        <p:grpSpPr>
+          <a:xfrm>
+            <a:off x="5287818" y="3463089"/>
+            <a:ext cx="3417455" cy="374072"/>
+            <a:chOff x="5555673" y="3503340"/>
+            <a:chExt cx="3417455" cy="374072"/>
+          </a:xfrm>
+        </p:grpSpPr>
+        <p:sp>
+          <p:nvSpPr>
+            <p:cNvPr id="97" name="Oval 96"/>
+            <p:cNvSpPr/>
+            <p:nvPr/>
+          </p:nvSpPr>
+          <p:spPr>
+            <a:xfrm>
+              <a:off x="5555673" y="3503340"/>
+              <a:ext cx="369455" cy="360218"/>
+            </a:xfrm>
+            <a:prstGeom prst="ellipse">
+              <a:avLst/>
+            </a:prstGeom>
+            <a:effectLst>
+              <a:glow rad="139700">
+                <a:schemeClr val="accent3">
+                  <a:satMod val="175000"/>
+                  <a:alpha val="40000"/>
+                </a:schemeClr>
+              </a:glow>
+              <a:outerShdw blurRad="57150" dist="19050" dir="5400000" algn="ctr" rotWithShape="0">
+                <a:srgbClr val="000000">
+                  <a:alpha val="63000"/>
+                </a:srgbClr>
+              </a:outerShdw>
+            </a:effectLst>
+          </p:spPr>
+          <p:style>
+            <a:lnRef idx="0">
+              <a:schemeClr val="accent3"/>
+            </a:lnRef>
+            <a:fillRef idx="3">
+              <a:schemeClr val="accent3"/>
+            </a:fillRef>
+            <a:effectRef idx="3">
+              <a:schemeClr val="accent3"/>
+            </a:effectRef>
+            <a:fontRef idx="minor">
+              <a:schemeClr val="lt1"/>
+            </a:fontRef>
+          </p:style>
+          <p:txBody>
+            <a:bodyPr rtlCol="0" anchor="ctr"/>
+            <a:lstStyle/>
+            <a:p>
+              <a:pPr algn="ctr"/>
+              <a:endParaRPr lang="en-GB"/>
+            </a:p>
+          </p:txBody>
+        </p:sp>
+        <p:sp>
+          <p:nvSpPr>
+            <p:cNvPr id="98" name="Oval 97"/>
+            <p:cNvSpPr/>
+            <p:nvPr/>
+          </p:nvSpPr>
+          <p:spPr>
+            <a:xfrm>
+              <a:off x="6317673" y="3503340"/>
+              <a:ext cx="369455" cy="360218"/>
+            </a:xfrm>
+            <a:prstGeom prst="ellipse">
+              <a:avLst/>
+            </a:prstGeom>
+            <a:effectLst>
+              <a:glow rad="139700">
+                <a:schemeClr val="accent3">
+                  <a:satMod val="175000"/>
+                  <a:alpha val="40000"/>
+                </a:schemeClr>
+              </a:glow>
+              <a:outerShdw blurRad="57150" dist="19050" dir="5400000" algn="ctr" rotWithShape="0">
+                <a:srgbClr val="000000">
+                  <a:alpha val="63000"/>
+                </a:srgbClr>
+              </a:outerShdw>
+            </a:effectLst>
+          </p:spPr>
+          <p:style>
+            <a:lnRef idx="0">
+              <a:schemeClr val="accent3"/>
+            </a:lnRef>
+            <a:fillRef idx="3">
+              <a:schemeClr val="accent3"/>
+            </a:fillRef>
+            <a:effectRef idx="3">
+              <a:schemeClr val="accent3"/>
+            </a:effectRef>
+            <a:fontRef idx="minor">
+              <a:schemeClr val="lt1"/>
+            </a:fontRef>
+          </p:style>
+          <p:txBody>
+            <a:bodyPr rtlCol="0" anchor="ctr"/>
+            <a:lstStyle/>
+            <a:p>
+              <a:pPr algn="ctr"/>
+              <a:endParaRPr lang="en-GB"/>
+            </a:p>
+          </p:txBody>
+        </p:sp>
+        <p:sp>
+          <p:nvSpPr>
+            <p:cNvPr id="99" name="Oval 98"/>
+            <p:cNvSpPr/>
+            <p:nvPr/>
+          </p:nvSpPr>
+          <p:spPr>
+            <a:xfrm>
+              <a:off x="7079673" y="3517194"/>
+              <a:ext cx="369455" cy="360218"/>
+            </a:xfrm>
+            <a:prstGeom prst="ellipse">
+              <a:avLst/>
+            </a:prstGeom>
+            <a:effectLst>
+              <a:glow rad="139700">
+                <a:schemeClr val="accent3">
+                  <a:satMod val="175000"/>
+                  <a:alpha val="40000"/>
+                </a:schemeClr>
+              </a:glow>
+              <a:outerShdw blurRad="57150" dist="19050" dir="5400000" algn="ctr" rotWithShape="0">
+                <a:srgbClr val="000000">
+                  <a:alpha val="63000"/>
+                </a:srgbClr>
+              </a:outerShdw>
+            </a:effectLst>
+          </p:spPr>
+          <p:style>
+            <a:lnRef idx="0">
+              <a:schemeClr val="accent3"/>
+            </a:lnRef>
+            <a:fillRef idx="3">
+              <a:schemeClr val="accent3"/>
+            </a:fillRef>
+            <a:effectRef idx="3">
+              <a:schemeClr val="accent3"/>
+            </a:effectRef>
+            <a:fontRef idx="minor">
+              <a:schemeClr val="lt1"/>
+            </a:fontRef>
+          </p:style>
+          <p:txBody>
+            <a:bodyPr rtlCol="0" anchor="ctr"/>
+            <a:lstStyle/>
+            <a:p>
+              <a:pPr algn="ctr"/>
+              <a:endParaRPr lang="en-GB"/>
+            </a:p>
+          </p:txBody>
+        </p:sp>
+        <p:sp>
+          <p:nvSpPr>
+            <p:cNvPr id="100" name="Oval 99"/>
+            <p:cNvSpPr/>
+            <p:nvPr/>
+          </p:nvSpPr>
+          <p:spPr>
+            <a:xfrm>
+              <a:off x="7841673" y="3503340"/>
+              <a:ext cx="369455" cy="360218"/>
+            </a:xfrm>
+            <a:prstGeom prst="ellipse">
+              <a:avLst/>
+            </a:prstGeom>
+            <a:effectLst>
+              <a:glow rad="139700">
+                <a:schemeClr val="accent3">
+                  <a:satMod val="175000"/>
+                  <a:alpha val="40000"/>
+                </a:schemeClr>
+              </a:glow>
+              <a:outerShdw blurRad="57150" dist="19050" dir="5400000" algn="ctr" rotWithShape="0">
+                <a:srgbClr val="000000">
+                  <a:alpha val="63000"/>
+                </a:srgbClr>
+              </a:outerShdw>
+            </a:effectLst>
+          </p:spPr>
+          <p:style>
+            <a:lnRef idx="0">
+              <a:schemeClr val="accent3"/>
+            </a:lnRef>
+            <a:fillRef idx="3">
+              <a:schemeClr val="accent3"/>
+            </a:fillRef>
+            <a:effectRef idx="3">
+              <a:schemeClr val="accent3"/>
+            </a:effectRef>
+            <a:fontRef idx="minor">
+              <a:schemeClr val="lt1"/>
+            </a:fontRef>
+          </p:style>
+          <p:txBody>
+            <a:bodyPr rtlCol="0" anchor="ctr"/>
+            <a:lstStyle/>
+            <a:p>
+              <a:pPr algn="ctr"/>
+              <a:endParaRPr lang="en-GB"/>
+            </a:p>
+          </p:txBody>
+        </p:sp>
+        <p:sp>
+          <p:nvSpPr>
+            <p:cNvPr id="101" name="Oval 100"/>
+            <p:cNvSpPr/>
+            <p:nvPr/>
+          </p:nvSpPr>
+          <p:spPr>
+            <a:xfrm>
+              <a:off x="8603673" y="3503340"/>
+              <a:ext cx="369455" cy="360218"/>
+            </a:xfrm>
+            <a:prstGeom prst="ellipse">
+              <a:avLst/>
+            </a:prstGeom>
+            <a:effectLst>
+              <a:glow rad="139700">
+                <a:schemeClr val="accent3">
+                  <a:satMod val="175000"/>
+                  <a:alpha val="40000"/>
+                </a:schemeClr>
+              </a:glow>
+              <a:outerShdw blurRad="57150" dist="19050" dir="5400000" algn="ctr" rotWithShape="0">
+                <a:srgbClr val="000000">
+                  <a:alpha val="63000"/>
+                </a:srgbClr>
+              </a:outerShdw>
+            </a:effectLst>
+          </p:spPr>
+          <p:style>
+            <a:lnRef idx="0">
+              <a:schemeClr val="accent3"/>
+            </a:lnRef>
+            <a:fillRef idx="3">
+              <a:schemeClr val="accent3"/>
+            </a:fillRef>
+            <a:effectRef idx="3">
+              <a:schemeClr val="accent3"/>
+            </a:effectRef>
+            <a:fontRef idx="minor">
+              <a:schemeClr val="lt1"/>
+            </a:fontRef>
+          </p:style>
+          <p:txBody>
+            <a:bodyPr rtlCol="0" anchor="ctr"/>
+            <a:lstStyle/>
+            <a:p>
+              <a:pPr algn="ctr"/>
+              <a:endParaRPr lang="en-GB"/>
+            </a:p>
+          </p:txBody>
+        </p:sp>
+      </p:grpSp>
+      <p:grpSp>
+        <p:nvGrpSpPr>
+          <p:cNvPr id="102" name="Group 101"/>
+          <p:cNvGrpSpPr/>
+          <p:nvPr/>
+        </p:nvGrpSpPr>
+        <p:grpSpPr>
+          <a:xfrm>
+            <a:off x="5287818" y="4150780"/>
+            <a:ext cx="3417455" cy="374072"/>
+            <a:chOff x="5555673" y="3503340"/>
+            <a:chExt cx="3417455" cy="374072"/>
+          </a:xfrm>
+        </p:grpSpPr>
+        <p:sp>
+          <p:nvSpPr>
+            <p:cNvPr id="103" name="Oval 102"/>
+            <p:cNvSpPr/>
+            <p:nvPr/>
+          </p:nvSpPr>
+          <p:spPr>
+            <a:xfrm>
+              <a:off x="5555673" y="3503340"/>
+              <a:ext cx="369455" cy="360218"/>
+            </a:xfrm>
+            <a:prstGeom prst="ellipse">
+              <a:avLst/>
+            </a:prstGeom>
+            <a:effectLst>
+              <a:glow rad="139700">
+                <a:schemeClr val="accent3">
+                  <a:satMod val="175000"/>
+                  <a:alpha val="40000"/>
+                </a:schemeClr>
+              </a:glow>
+              <a:outerShdw blurRad="57150" dist="19050" dir="5400000" algn="ctr" rotWithShape="0">
+                <a:srgbClr val="000000">
+                  <a:alpha val="63000"/>
+                </a:srgbClr>
+              </a:outerShdw>
+            </a:effectLst>
+          </p:spPr>
+          <p:style>
+            <a:lnRef idx="0">
+              <a:schemeClr val="accent3"/>
+            </a:lnRef>
+            <a:fillRef idx="3">
+              <a:schemeClr val="accent3"/>
+            </a:fillRef>
+            <a:effectRef idx="3">
+              <a:schemeClr val="accent3"/>
+            </a:effectRef>
+            <a:fontRef idx="minor">
+              <a:schemeClr val="lt1"/>
+            </a:fontRef>
+          </p:style>
+          <p:txBody>
+            <a:bodyPr rtlCol="0" anchor="ctr"/>
+            <a:lstStyle/>
+            <a:p>
+              <a:pPr algn="ctr"/>
+              <a:endParaRPr lang="en-GB"/>
+            </a:p>
+          </p:txBody>
+        </p:sp>
+        <p:sp>
+          <p:nvSpPr>
+            <p:cNvPr id="104" name="Oval 103"/>
+            <p:cNvSpPr/>
+            <p:nvPr/>
+          </p:nvSpPr>
+          <p:spPr>
+            <a:xfrm>
+              <a:off x="6317673" y="3503340"/>
+              <a:ext cx="369455" cy="360218"/>
+            </a:xfrm>
+            <a:prstGeom prst="ellipse">
+              <a:avLst/>
+            </a:prstGeom>
+            <a:effectLst>
+              <a:glow rad="139700">
+                <a:schemeClr val="accent3">
+                  <a:satMod val="175000"/>
+                  <a:alpha val="40000"/>
+                </a:schemeClr>
+              </a:glow>
+              <a:outerShdw blurRad="57150" dist="19050" dir="5400000" algn="ctr" rotWithShape="0">
+                <a:srgbClr val="000000">
+                  <a:alpha val="63000"/>
+                </a:srgbClr>
+              </a:outerShdw>
+            </a:effectLst>
+          </p:spPr>
+          <p:style>
+            <a:lnRef idx="0">
+              <a:schemeClr val="accent3"/>
+            </a:lnRef>
+            <a:fillRef idx="3">
+              <a:schemeClr val="accent3"/>
+            </a:fillRef>
+            <a:effectRef idx="3">
+              <a:schemeClr val="accent3"/>
+            </a:effectRef>
+            <a:fontRef idx="minor">
+              <a:schemeClr val="lt1"/>
+            </a:fontRef>
+          </p:style>
+          <p:txBody>
+            <a:bodyPr rtlCol="0" anchor="ctr"/>
+            <a:lstStyle/>
+            <a:p>
+              <a:pPr algn="ctr"/>
+              <a:endParaRPr lang="en-GB"/>
+            </a:p>
+          </p:txBody>
+        </p:sp>
+        <p:sp>
+          <p:nvSpPr>
+            <p:cNvPr id="105" name="Oval 104"/>
+            <p:cNvSpPr/>
+            <p:nvPr/>
+          </p:nvSpPr>
+          <p:spPr>
+            <a:xfrm>
+              <a:off x="7079673" y="3517194"/>
+              <a:ext cx="369455" cy="360218"/>
+            </a:xfrm>
+            <a:prstGeom prst="ellipse">
+              <a:avLst/>
+            </a:prstGeom>
+            <a:effectLst>
+              <a:glow rad="139700">
+                <a:schemeClr val="accent3">
+                  <a:satMod val="175000"/>
+                  <a:alpha val="40000"/>
+                </a:schemeClr>
+              </a:glow>
+              <a:outerShdw blurRad="57150" dist="19050" dir="5400000" algn="ctr" rotWithShape="0">
+                <a:srgbClr val="000000">
+                  <a:alpha val="63000"/>
+                </a:srgbClr>
+              </a:outerShdw>
+            </a:effectLst>
+          </p:spPr>
+          <p:style>
+            <a:lnRef idx="0">
+              <a:schemeClr val="accent3"/>
+            </a:lnRef>
+            <a:fillRef idx="3">
+              <a:schemeClr val="accent3"/>
+            </a:fillRef>
+            <a:effectRef idx="3">
+              <a:schemeClr val="accent3"/>
+            </a:effectRef>
+            <a:fontRef idx="minor">
+              <a:schemeClr val="lt1"/>
+            </a:fontRef>
+          </p:style>
+          <p:txBody>
+            <a:bodyPr rtlCol="0" anchor="ctr"/>
+            <a:lstStyle/>
+            <a:p>
+              <a:pPr algn="ctr"/>
+              <a:endParaRPr lang="en-GB"/>
+            </a:p>
+          </p:txBody>
+        </p:sp>
+        <p:sp>
+          <p:nvSpPr>
+            <p:cNvPr id="106" name="Oval 105"/>
+            <p:cNvSpPr/>
+            <p:nvPr/>
+          </p:nvSpPr>
+          <p:spPr>
+            <a:xfrm>
+              <a:off x="7841673" y="3503340"/>
+              <a:ext cx="369455" cy="360218"/>
+            </a:xfrm>
+            <a:prstGeom prst="ellipse">
+              <a:avLst/>
+            </a:prstGeom>
+            <a:effectLst>
+              <a:glow rad="139700">
+                <a:schemeClr val="accent3">
+                  <a:satMod val="175000"/>
+                  <a:alpha val="40000"/>
+                </a:schemeClr>
+              </a:glow>
+              <a:outerShdw blurRad="57150" dist="19050" dir="5400000" algn="ctr" rotWithShape="0">
+                <a:srgbClr val="000000">
+                  <a:alpha val="63000"/>
+                </a:srgbClr>
+              </a:outerShdw>
+            </a:effectLst>
+          </p:spPr>
+          <p:style>
+            <a:lnRef idx="0">
+              <a:schemeClr val="accent3"/>
+            </a:lnRef>
+            <a:fillRef idx="3">
+              <a:schemeClr val="accent3"/>
+            </a:fillRef>
+            <a:effectRef idx="3">
+              <a:schemeClr val="accent3"/>
+            </a:effectRef>
+            <a:fontRef idx="minor">
+              <a:schemeClr val="lt1"/>
+            </a:fontRef>
+          </p:style>
+          <p:txBody>
+            <a:bodyPr rtlCol="0" anchor="ctr"/>
+            <a:lstStyle/>
+            <a:p>
+              <a:pPr algn="ctr"/>
+              <a:endParaRPr lang="en-GB"/>
+            </a:p>
+          </p:txBody>
+        </p:sp>
+        <p:sp>
+          <p:nvSpPr>
+            <p:cNvPr id="107" name="Oval 106"/>
+            <p:cNvSpPr/>
+            <p:nvPr/>
+          </p:nvSpPr>
+          <p:spPr>
+            <a:xfrm>
+              <a:off x="8603673" y="3503340"/>
+              <a:ext cx="369455" cy="360218"/>
+            </a:xfrm>
+            <a:prstGeom prst="ellipse">
+              <a:avLst/>
+            </a:prstGeom>
+            <a:effectLst>
+              <a:glow rad="139700">
+                <a:schemeClr val="accent3">
+                  <a:satMod val="175000"/>
+                  <a:alpha val="40000"/>
+                </a:schemeClr>
+              </a:glow>
+              <a:outerShdw blurRad="57150" dist="19050" dir="5400000" algn="ctr" rotWithShape="0">
+                <a:srgbClr val="000000">
+                  <a:alpha val="63000"/>
+                </a:srgbClr>
+              </a:outerShdw>
+            </a:effectLst>
+          </p:spPr>
+          <p:style>
+            <a:lnRef idx="0">
+              <a:schemeClr val="accent3"/>
+            </a:lnRef>
+            <a:fillRef idx="3">
+              <a:schemeClr val="accent3"/>
+            </a:fillRef>
+            <a:effectRef idx="3">
+              <a:schemeClr val="accent3"/>
+            </a:effectRef>
+            <a:fontRef idx="minor">
+              <a:schemeClr val="lt1"/>
+            </a:fontRef>
+          </p:style>
+          <p:txBody>
+            <a:bodyPr rtlCol="0" anchor="ctr"/>
+            <a:lstStyle/>
+            <a:p>
+              <a:pPr algn="ctr"/>
+              <a:endParaRPr lang="en-GB"/>
+            </a:p>
+          </p:txBody>
+        </p:sp>
+      </p:grpSp>
+      <p:grpSp>
+        <p:nvGrpSpPr>
+          <p:cNvPr id="108" name="Group 107"/>
+          <p:cNvGrpSpPr/>
+          <p:nvPr/>
+        </p:nvGrpSpPr>
+        <p:grpSpPr>
+          <a:xfrm>
+            <a:off x="5287818" y="4826700"/>
+            <a:ext cx="3417455" cy="374072"/>
+            <a:chOff x="5555673" y="3503340"/>
+            <a:chExt cx="3417455" cy="374072"/>
+          </a:xfrm>
+        </p:grpSpPr>
+        <p:sp>
+          <p:nvSpPr>
+            <p:cNvPr id="109" name="Oval 108"/>
+            <p:cNvSpPr/>
+            <p:nvPr/>
+          </p:nvSpPr>
+          <p:spPr>
+            <a:xfrm>
+              <a:off x="5555673" y="3503340"/>
+              <a:ext cx="369455" cy="360218"/>
+            </a:xfrm>
+            <a:prstGeom prst="ellipse">
+              <a:avLst/>
+            </a:prstGeom>
+            <a:effectLst>
+              <a:glow rad="139700">
+                <a:schemeClr val="accent3">
+                  <a:satMod val="175000"/>
+                  <a:alpha val="40000"/>
+                </a:schemeClr>
+              </a:glow>
+              <a:outerShdw blurRad="57150" dist="19050" dir="5400000" algn="ctr" rotWithShape="0">
+                <a:srgbClr val="000000">
+                  <a:alpha val="63000"/>
+                </a:srgbClr>
+              </a:outerShdw>
+            </a:effectLst>
+          </p:spPr>
+          <p:style>
+            <a:lnRef idx="0">
+              <a:schemeClr val="accent3"/>
+            </a:lnRef>
+            <a:fillRef idx="3">
+              <a:schemeClr val="accent3"/>
+            </a:fillRef>
+            <a:effectRef idx="3">
+              <a:schemeClr val="accent3"/>
+            </a:effectRef>
+            <a:fontRef idx="minor">
+              <a:schemeClr val="lt1"/>
+            </a:fontRef>
+          </p:style>
+          <p:txBody>
+            <a:bodyPr rtlCol="0" anchor="ctr"/>
+            <a:lstStyle/>
+            <a:p>
+              <a:pPr algn="ctr"/>
+              <a:endParaRPr lang="en-GB"/>
+            </a:p>
+          </p:txBody>
+        </p:sp>
+        <p:sp>
+          <p:nvSpPr>
+            <p:cNvPr id="110" name="Oval 109"/>
+            <p:cNvSpPr/>
+            <p:nvPr/>
+          </p:nvSpPr>
+          <p:spPr>
+            <a:xfrm>
+              <a:off x="6317673" y="3503340"/>
+              <a:ext cx="369455" cy="360218"/>
+            </a:xfrm>
+            <a:prstGeom prst="ellipse">
+              <a:avLst/>
+            </a:prstGeom>
+            <a:effectLst>
+              <a:glow rad="139700">
+                <a:schemeClr val="accent3">
+                  <a:satMod val="175000"/>
+                  <a:alpha val="40000"/>
+                </a:schemeClr>
+              </a:glow>
+              <a:outerShdw blurRad="57150" dist="19050" dir="5400000" algn="ctr" rotWithShape="0">
+                <a:srgbClr val="000000">
+                  <a:alpha val="63000"/>
+                </a:srgbClr>
+              </a:outerShdw>
+            </a:effectLst>
+          </p:spPr>
+          <p:style>
+            <a:lnRef idx="0">
+              <a:schemeClr val="accent3"/>
+            </a:lnRef>
+            <a:fillRef idx="3">
+              <a:schemeClr val="accent3"/>
+            </a:fillRef>
+            <a:effectRef idx="3">
+              <a:schemeClr val="accent3"/>
+            </a:effectRef>
+            <a:fontRef idx="minor">
+              <a:schemeClr val="lt1"/>
+            </a:fontRef>
+          </p:style>
+          <p:txBody>
+            <a:bodyPr rtlCol="0" anchor="ctr"/>
+            <a:lstStyle/>
+            <a:p>
+              <a:pPr algn="ctr"/>
+              <a:endParaRPr lang="en-GB"/>
+            </a:p>
+          </p:txBody>
+        </p:sp>
+        <p:sp>
+          <p:nvSpPr>
+            <p:cNvPr id="111" name="Oval 110"/>
+            <p:cNvSpPr/>
+            <p:nvPr/>
+          </p:nvSpPr>
+          <p:spPr>
+            <a:xfrm>
+              <a:off x="7079673" y="3517194"/>
+              <a:ext cx="369455" cy="360218"/>
+            </a:xfrm>
+            <a:prstGeom prst="ellipse">
+              <a:avLst/>
+            </a:prstGeom>
+            <a:effectLst>
+              <a:glow rad="139700">
+                <a:schemeClr val="accent3">
+                  <a:satMod val="175000"/>
+                  <a:alpha val="40000"/>
+                </a:schemeClr>
+              </a:glow>
+              <a:outerShdw blurRad="57150" dist="19050" dir="5400000" algn="ctr" rotWithShape="0">
+                <a:srgbClr val="000000">
+                  <a:alpha val="63000"/>
+                </a:srgbClr>
+              </a:outerShdw>
+            </a:effectLst>
+          </p:spPr>
+          <p:style>
+            <a:lnRef idx="0">
+              <a:schemeClr val="accent3"/>
+            </a:lnRef>
+            <a:fillRef idx="3">
+              <a:schemeClr val="accent3"/>
+            </a:fillRef>
+            <a:effectRef idx="3">
+              <a:schemeClr val="accent3"/>
+            </a:effectRef>
+            <a:fontRef idx="minor">
+              <a:schemeClr val="lt1"/>
+            </a:fontRef>
+          </p:style>
+          <p:txBody>
+            <a:bodyPr rtlCol="0" anchor="ctr"/>
+            <a:lstStyle/>
+            <a:p>
+              <a:pPr algn="ctr"/>
+              <a:endParaRPr lang="en-GB"/>
+            </a:p>
+          </p:txBody>
+        </p:sp>
+        <p:sp>
+          <p:nvSpPr>
+            <p:cNvPr id="112" name="Oval 111"/>
+            <p:cNvSpPr/>
+            <p:nvPr/>
+          </p:nvSpPr>
+          <p:spPr>
+            <a:xfrm>
+              <a:off x="7841673" y="3503340"/>
+              <a:ext cx="369455" cy="360218"/>
+            </a:xfrm>
+            <a:prstGeom prst="ellipse">
+              <a:avLst/>
+            </a:prstGeom>
+            <a:effectLst>
+              <a:glow rad="139700">
+                <a:schemeClr val="accent3">
+                  <a:satMod val="175000"/>
+                  <a:alpha val="40000"/>
+                </a:schemeClr>
+              </a:glow>
+              <a:outerShdw blurRad="57150" dist="19050" dir="5400000" algn="ctr" rotWithShape="0">
+                <a:srgbClr val="000000">
+                  <a:alpha val="63000"/>
+                </a:srgbClr>
+              </a:outerShdw>
+            </a:effectLst>
+          </p:spPr>
+          <p:style>
+            <a:lnRef idx="0">
+              <a:schemeClr val="accent3"/>
+            </a:lnRef>
+            <a:fillRef idx="3">
+              <a:schemeClr val="accent3"/>
+            </a:fillRef>
+            <a:effectRef idx="3">
+              <a:schemeClr val="accent3"/>
+            </a:effectRef>
+            <a:fontRef idx="minor">
+              <a:schemeClr val="lt1"/>
+            </a:fontRef>
+          </p:style>
+          <p:txBody>
+            <a:bodyPr rtlCol="0" anchor="ctr"/>
+            <a:lstStyle/>
+            <a:p>
+              <a:pPr algn="ctr"/>
+              <a:endParaRPr lang="en-GB"/>
+            </a:p>
+          </p:txBody>
+        </p:sp>
+        <p:sp>
+          <p:nvSpPr>
+            <p:cNvPr id="113" name="Oval 112"/>
+            <p:cNvSpPr/>
+            <p:nvPr/>
+          </p:nvSpPr>
+          <p:spPr>
+            <a:xfrm>
+              <a:off x="8603673" y="3503340"/>
+              <a:ext cx="369455" cy="360218"/>
+            </a:xfrm>
+            <a:prstGeom prst="ellipse">
+              <a:avLst/>
+            </a:prstGeom>
+            <a:effectLst>
+              <a:glow rad="139700">
+                <a:schemeClr val="accent3">
+                  <a:satMod val="175000"/>
+                  <a:alpha val="40000"/>
+                </a:schemeClr>
+              </a:glow>
+              <a:outerShdw blurRad="57150" dist="19050" dir="5400000" algn="ctr" rotWithShape="0">
+                <a:srgbClr val="000000">
+                  <a:alpha val="63000"/>
+                </a:srgbClr>
+              </a:outerShdw>
+            </a:effectLst>
+          </p:spPr>
+          <p:style>
+            <a:lnRef idx="0">
+              <a:schemeClr val="accent3"/>
+            </a:lnRef>
+            <a:fillRef idx="3">
+              <a:schemeClr val="accent3"/>
+            </a:fillRef>
+            <a:effectRef idx="3">
+              <a:schemeClr val="accent3"/>
+            </a:effectRef>
+            <a:fontRef idx="minor">
+              <a:schemeClr val="lt1"/>
+            </a:fontRef>
+          </p:style>
+          <p:txBody>
+            <a:bodyPr rtlCol="0" anchor="ctr"/>
+            <a:lstStyle/>
+            <a:p>
+              <a:pPr algn="ctr"/>
+              <a:endParaRPr lang="en-GB"/>
+            </a:p>
+          </p:txBody>
+        </p:sp>
+      </p:grpSp>
+    </p:spTree>
+    <p:extLst>
+      <p:ext uri="{BB962C8B-B14F-4D97-AF65-F5344CB8AC3E}">
+        <p14:creationId xmlns:p14="http://schemas.microsoft.com/office/powerpoint/2010/main" val="3931373334"/>
+      </p:ext>
+    </p:extLst>
+  </p:cSld>
+  <p:clrMapOvr>
+    <a:masterClrMapping/>
+  </p:clrMapOvr>
+</p:sld>
+</file>
+
+<file path=ppt/slides/slide7.xml><?xml version="1.0" encoding="utf-8"?>
+<p:sld xmlns:a="http://schemas.openxmlformats.org/drawingml/2006/main" xmlns:r="http://schemas.openxmlformats.org/officeDocument/2006/relationships" xmlns:p="http://schemas.openxmlformats.org/presentationml/2006/main">
+  <p:cSld>
+    <p:spTree>
+      <p:nvGrpSpPr>
+        <p:cNvPr id="1" name=""/>
+        <p:cNvGrpSpPr/>
+        <p:nvPr/>
+      </p:nvGrpSpPr>
+      <p:grpSpPr>
+        <a:xfrm>
+          <a:off x="0" y="0"/>
+          <a:ext cx="0" cy="0"/>
+          <a:chOff x="0" y="0"/>
+          <a:chExt cx="0" cy="0"/>
+        </a:xfrm>
+      </p:grpSpPr>
+      <p:sp>
+        <p:nvSpPr>
+          <p:cNvPr id="2" name="Title 1"/>
+          <p:cNvSpPr>
+            <a:spLocks noGrp="1"/>
+          </p:cNvSpPr>
+          <p:nvPr>
+            <p:ph type="title"/>
+          </p:nvPr>
+        </p:nvSpPr>
+        <p:spPr/>
+        <p:txBody>
+          <a:bodyPr/>
+          <a:lstStyle/>
+          <a:p>
+            <a:endParaRPr lang="en-GB"/>
+          </a:p>
+        </p:txBody>
+      </p:sp>
+      <p:pic>
+        <p:nvPicPr>
+          <p:cNvPr id="4" name="Content Placeholder 3"/>
+          <p:cNvPicPr>
+            <a:picLocks noGrp="1"/>
+          </p:cNvPicPr>
+          <p:nvPr>
+            <p:ph idx="1"/>
+          </p:nvPr>
+        </p:nvPicPr>
+        <p:blipFill>
+          <a:blip r:embed="rId2">
+            <a:extLst>
+              <a:ext uri="{28A0092B-C50C-407E-A947-70E740481C1C}">
+                <a14:useLocalDpi xmlns:a14="http://schemas.microsoft.com/office/drawing/2010/main" val="0"/>
+              </a:ext>
+            </a:extLst>
+          </a:blip>
+          <a:srcRect/>
+          <a:stretch>
+            <a:fillRect/>
+          </a:stretch>
+        </p:blipFill>
+        <p:spPr bwMode="auto">
+          <a:xfrm>
+            <a:off x="4733426" y="2455824"/>
+            <a:ext cx="2725148" cy="3090940"/>
+          </a:xfrm>
+          <a:prstGeom prst="rect">
+            <a:avLst/>
+          </a:prstGeom>
+          <a:noFill/>
+          <a:extLst>
+            <a:ext uri="{909E8E84-426E-40DD-AFC4-6F175D3DCCD1}">
+              <a14:hiddenFill xmlns:a14="http://schemas.microsoft.com/office/drawing/2010/main">
+                <a:solidFill>
+                  <a:srgbClr val="FFFFFF"/>
+                </a:solidFill>
+              </a14:hiddenFill>
+            </a:ext>
+          </a:extLst>
+        </p:spPr>
+      </p:pic>
+    </p:spTree>
+    <p:extLst>
+      <p:ext uri="{BB962C8B-B14F-4D97-AF65-F5344CB8AC3E}">
+        <p14:creationId xmlns:p14="http://schemas.microsoft.com/office/powerpoint/2010/main" val="4258617729"/>
+      </p:ext>
+    </p:extLst>
+  </p:cSld>
+  <p:clrMapOvr>
+    <a:masterClrMapping/>
+  </p:clrMapOvr>
+</p:sld>
+</file>
+
 <file path=ppt/theme/theme1.xml><?xml version="1.0" encoding="utf-8"?>
 <a:theme xmlns:a="http://schemas.openxmlformats.org/drawingml/2006/main" name="Office Theme">
   <a:themeElements>

--- a/Figures1.pptx
+++ b/Figures1.pptx
@@ -12,6 +12,8 @@
     <p:sldId id="260" r:id="rId6"/>
     <p:sldId id="261" r:id="rId7"/>
     <p:sldId id="262" r:id="rId8"/>
+    <p:sldId id="263" r:id="rId9"/>
+    <p:sldId id="264" r:id="rId10"/>
   </p:sldIdLst>
   <p:sldSz cx="12192000" cy="6858000"/>
   <p:notesSz cx="6858000" cy="9144000"/>
@@ -249,7 +251,7 @@
           <a:p>
             <a:fld id="{1F78AD8F-B685-49B2-BA03-F32BD517C0C3}" type="datetimeFigureOut">
               <a:rPr lang="en-GB" smtClean="0"/>
-              <a:t>13/04/2016</a:t>
+              <a:t>18/04/2016</a:t>
             </a:fld>
             <a:endParaRPr lang="en-GB"/>
           </a:p>
@@ -419,7 +421,7 @@
           <a:p>
             <a:fld id="{1F78AD8F-B685-49B2-BA03-F32BD517C0C3}" type="datetimeFigureOut">
               <a:rPr lang="en-GB" smtClean="0"/>
-              <a:t>13/04/2016</a:t>
+              <a:t>18/04/2016</a:t>
             </a:fld>
             <a:endParaRPr lang="en-GB"/>
           </a:p>
@@ -599,7 +601,7 @@
           <a:p>
             <a:fld id="{1F78AD8F-B685-49B2-BA03-F32BD517C0C3}" type="datetimeFigureOut">
               <a:rPr lang="en-GB" smtClean="0"/>
-              <a:t>13/04/2016</a:t>
+              <a:t>18/04/2016</a:t>
             </a:fld>
             <a:endParaRPr lang="en-GB"/>
           </a:p>
@@ -769,7 +771,7 @@
           <a:p>
             <a:fld id="{1F78AD8F-B685-49B2-BA03-F32BD517C0C3}" type="datetimeFigureOut">
               <a:rPr lang="en-GB" smtClean="0"/>
-              <a:t>13/04/2016</a:t>
+              <a:t>18/04/2016</a:t>
             </a:fld>
             <a:endParaRPr lang="en-GB"/>
           </a:p>
@@ -1015,7 +1017,7 @@
           <a:p>
             <a:fld id="{1F78AD8F-B685-49B2-BA03-F32BD517C0C3}" type="datetimeFigureOut">
               <a:rPr lang="en-GB" smtClean="0"/>
-              <a:t>13/04/2016</a:t>
+              <a:t>18/04/2016</a:t>
             </a:fld>
             <a:endParaRPr lang="en-GB"/>
           </a:p>
@@ -1247,7 +1249,7 @@
           <a:p>
             <a:fld id="{1F78AD8F-B685-49B2-BA03-F32BD517C0C3}" type="datetimeFigureOut">
               <a:rPr lang="en-GB" smtClean="0"/>
-              <a:t>13/04/2016</a:t>
+              <a:t>18/04/2016</a:t>
             </a:fld>
             <a:endParaRPr lang="en-GB"/>
           </a:p>
@@ -1614,7 +1616,7 @@
           <a:p>
             <a:fld id="{1F78AD8F-B685-49B2-BA03-F32BD517C0C3}" type="datetimeFigureOut">
               <a:rPr lang="en-GB" smtClean="0"/>
-              <a:t>13/04/2016</a:t>
+              <a:t>18/04/2016</a:t>
             </a:fld>
             <a:endParaRPr lang="en-GB"/>
           </a:p>
@@ -1732,7 +1734,7 @@
           <a:p>
             <a:fld id="{1F78AD8F-B685-49B2-BA03-F32BD517C0C3}" type="datetimeFigureOut">
               <a:rPr lang="en-GB" smtClean="0"/>
-              <a:t>13/04/2016</a:t>
+              <a:t>18/04/2016</a:t>
             </a:fld>
             <a:endParaRPr lang="en-GB"/>
           </a:p>
@@ -1827,7 +1829,7 @@
           <a:p>
             <a:fld id="{1F78AD8F-B685-49B2-BA03-F32BD517C0C3}" type="datetimeFigureOut">
               <a:rPr lang="en-GB" smtClean="0"/>
-              <a:t>13/04/2016</a:t>
+              <a:t>18/04/2016</a:t>
             </a:fld>
             <a:endParaRPr lang="en-GB"/>
           </a:p>
@@ -2104,7 +2106,7 @@
           <a:p>
             <a:fld id="{1F78AD8F-B685-49B2-BA03-F32BD517C0C3}" type="datetimeFigureOut">
               <a:rPr lang="en-GB" smtClean="0"/>
-              <a:t>13/04/2016</a:t>
+              <a:t>18/04/2016</a:t>
             </a:fld>
             <a:endParaRPr lang="en-GB"/>
           </a:p>
@@ -2357,7 +2359,7 @@
           <a:p>
             <a:fld id="{1F78AD8F-B685-49B2-BA03-F32BD517C0C3}" type="datetimeFigureOut">
               <a:rPr lang="en-GB" smtClean="0"/>
-              <a:t>13/04/2016</a:t>
+              <a:t>18/04/2016</a:t>
             </a:fld>
             <a:endParaRPr lang="en-GB"/>
           </a:p>
@@ -2570,7 +2572,7 @@
           <a:p>
             <a:fld id="{1F78AD8F-B685-49B2-BA03-F32BD517C0C3}" type="datetimeFigureOut">
               <a:rPr lang="en-GB" smtClean="0"/>
-              <a:t>13/04/2016</a:t>
+              <a:t>18/04/2016</a:t>
             </a:fld>
             <a:endParaRPr lang="en-GB"/>
           </a:p>
@@ -10931,6 +10933,49 @@
           </p:txBody>
         </p:sp>
       </p:grpSp>
+      <p:pic>
+        <p:nvPicPr>
+          <p:cNvPr id="71" name="Content Placeholder 3"/>
+          <p:cNvPicPr>
+            <a:picLocks noGrp="1"/>
+          </p:cNvPicPr>
+          <p:nvPr>
+            <p:ph idx="1"/>
+          </p:nvPr>
+        </p:nvPicPr>
+        <p:blipFill>
+          <a:blip r:embed="rId2">
+            <a:extLst>
+              <a:ext uri="{28A0092B-C50C-407E-A947-70E740481C1C}">
+                <a14:useLocalDpi xmlns:a14="http://schemas.microsoft.com/office/drawing/2010/main" val="0"/>
+              </a:ext>
+            </a:extLst>
+          </a:blip>
+          <a:srcRect/>
+          <a:stretch>
+            <a:fillRect/>
+          </a:stretch>
+        </p:blipFill>
+        <p:spPr bwMode="auto">
+          <a:xfrm>
+            <a:off x="9007043" y="1705504"/>
+            <a:ext cx="2725148" cy="3090940"/>
+          </a:xfrm>
+          <a:prstGeom prst="rect">
+            <a:avLst/>
+          </a:prstGeom>
+          <a:noFill/>
+          <a:extLst>
+            <a:ext uri="{909E8E84-426E-40DD-AFC4-6F175D3DCCD1}">
+              <a14:hiddenFill xmlns:a14="http://schemas.microsoft.com/office/drawing/2010/main">
+                <a:solidFill>
+                  <a:srgbClr val="FFFFFF"/>
+                </a:solidFill>
+              </a14:hiddenFill>
+            </a:ext>
+          </a:extLst>
+        </p:spPr>
+      </p:pic>
     </p:spTree>
     <p:extLst>
       <p:ext uri="{BB962C8B-B14F-4D97-AF65-F5344CB8AC3E}">
@@ -10941,6 +10986,13 @@
   <p:clrMapOvr>
     <a:masterClrMapping/>
   </p:clrMapOvr>
+  <p:timing>
+    <p:tnLst>
+      <p:par>
+        <p:cTn id="1" dur="indefinite" restart="never" nodeType="tmRoot"/>
+      </p:par>
+    </p:tnLst>
+  </p:timing>
 </p:sld>
 </file>
 
@@ -10963,66 +11015,1175 @@
       </p:grpSpPr>
       <p:sp>
         <p:nvSpPr>
-          <p:cNvPr id="2" name="Title 1"/>
-          <p:cNvSpPr>
-            <a:spLocks noGrp="1"/>
-          </p:cNvSpPr>
-          <p:nvPr>
-            <p:ph type="title"/>
-          </p:nvPr>
+          <p:cNvPr id="10" name="Freeform 9"/>
+          <p:cNvSpPr/>
+          <p:nvPr/>
         </p:nvSpPr>
-        <p:spPr/>
+        <p:spPr>
+          <a:xfrm>
+            <a:off x="1612669" y="1815817"/>
+            <a:ext cx="612516" cy="3107138"/>
+          </a:xfrm>
+          <a:custGeom>
+            <a:avLst/>
+            <a:gdLst>
+              <a:gd name="connsiteX0" fmla="*/ 0 w 1346662"/>
+              <a:gd name="connsiteY0" fmla="*/ 1887424 h 1906063"/>
+              <a:gd name="connsiteX1" fmla="*/ 473825 w 1346662"/>
+              <a:gd name="connsiteY1" fmla="*/ 1463475 h 1906063"/>
+              <a:gd name="connsiteX2" fmla="*/ 665018 w 1346662"/>
+              <a:gd name="connsiteY2" fmla="*/ 435 h 1906063"/>
+              <a:gd name="connsiteX3" fmla="*/ 964276 w 1346662"/>
+              <a:gd name="connsiteY3" fmla="*/ 1621417 h 1906063"/>
+              <a:gd name="connsiteX4" fmla="*/ 1346662 w 1346662"/>
+              <a:gd name="connsiteY4" fmla="*/ 1895737 h 1906063"/>
+            </a:gdLst>
+            <a:ahLst/>
+            <a:cxnLst>
+              <a:cxn ang="0">
+                <a:pos x="connsiteX0" y="connsiteY0"/>
+              </a:cxn>
+              <a:cxn ang="0">
+                <a:pos x="connsiteX1" y="connsiteY1"/>
+              </a:cxn>
+              <a:cxn ang="0">
+                <a:pos x="connsiteX2" y="connsiteY2"/>
+              </a:cxn>
+              <a:cxn ang="0">
+                <a:pos x="connsiteX3" y="connsiteY3"/>
+              </a:cxn>
+              <a:cxn ang="0">
+                <a:pos x="connsiteX4" y="connsiteY4"/>
+              </a:cxn>
+            </a:cxnLst>
+            <a:rect l="l" t="t" r="r" b="b"/>
+            <a:pathLst>
+              <a:path w="1346662" h="1906063">
+                <a:moveTo>
+                  <a:pt x="0" y="1887424"/>
+                </a:moveTo>
+                <a:cubicBezTo>
+                  <a:pt x="181494" y="1832698"/>
+                  <a:pt x="362989" y="1777973"/>
+                  <a:pt x="473825" y="1463475"/>
+                </a:cubicBezTo>
+                <a:cubicBezTo>
+                  <a:pt x="584661" y="1148977"/>
+                  <a:pt x="583276" y="-25889"/>
+                  <a:pt x="665018" y="435"/>
+                </a:cubicBezTo>
+                <a:cubicBezTo>
+                  <a:pt x="746760" y="26759"/>
+                  <a:pt x="850669" y="1305533"/>
+                  <a:pt x="964276" y="1621417"/>
+                </a:cubicBezTo>
+                <a:cubicBezTo>
+                  <a:pt x="1077883" y="1937301"/>
+                  <a:pt x="1212272" y="1916519"/>
+                  <a:pt x="1346662" y="1895737"/>
+                </a:cubicBezTo>
+              </a:path>
+            </a:pathLst>
+          </a:custGeom>
+          <a:gradFill>
+            <a:gsLst>
+              <a:gs pos="0">
+                <a:srgbClr val="7030A0"/>
+              </a:gs>
+              <a:gs pos="100000">
+                <a:schemeClr val="accent1">
+                  <a:lumMod val="45000"/>
+                  <a:lumOff val="55000"/>
+                </a:schemeClr>
+              </a:gs>
+              <a:gs pos="100000">
+                <a:schemeClr val="accent1">
+                  <a:lumMod val="45000"/>
+                  <a:lumOff val="55000"/>
+                </a:schemeClr>
+              </a:gs>
+              <a:gs pos="100000">
+                <a:schemeClr val="accent1">
+                  <a:lumMod val="30000"/>
+                  <a:lumOff val="70000"/>
+                </a:schemeClr>
+              </a:gs>
+            </a:gsLst>
+            <a:lin ang="5400000" scaled="1"/>
+          </a:gradFill>
+          <a:ln>
+            <a:solidFill>
+              <a:srgbClr val="7030A0"/>
+            </a:solidFill>
+          </a:ln>
+        </p:spPr>
+        <p:style>
+          <a:lnRef idx="2">
+            <a:schemeClr val="accent1">
+              <a:shade val="50000"/>
+            </a:schemeClr>
+          </a:lnRef>
+          <a:fillRef idx="1">
+            <a:schemeClr val="accent1"/>
+          </a:fillRef>
+          <a:effectRef idx="0">
+            <a:schemeClr val="accent1"/>
+          </a:effectRef>
+          <a:fontRef idx="minor">
+            <a:schemeClr val="lt1"/>
+          </a:fontRef>
+        </p:style>
         <p:txBody>
-          <a:bodyPr/>
+          <a:bodyPr rtlCol="0" anchor="ctr"/>
           <a:lstStyle/>
           <a:p>
+            <a:pPr algn="ctr"/>
             <a:endParaRPr lang="en-GB"/>
           </a:p>
         </p:txBody>
       </p:sp>
-      <p:pic>
-        <p:nvPicPr>
-          <p:cNvPr id="4" name="Content Placeholder 3"/>
-          <p:cNvPicPr>
-            <a:picLocks noGrp="1"/>
-          </p:cNvPicPr>
-          <p:nvPr>
-            <p:ph idx="1"/>
-          </p:nvPr>
-        </p:nvPicPr>
-        <p:blipFill>
-          <a:blip r:embed="rId2">
-            <a:extLst>
-              <a:ext uri="{28A0092B-C50C-407E-A947-70E740481C1C}">
-                <a14:useLocalDpi xmlns:a14="http://schemas.microsoft.com/office/drawing/2010/main" val="0"/>
-              </a:ext>
-            </a:extLst>
-          </a:blip>
-          <a:srcRect/>
-          <a:stretch>
-            <a:fillRect/>
-          </a:stretch>
-        </p:blipFill>
-        <p:spPr bwMode="auto">
-          <a:xfrm>
-            <a:off x="4733426" y="2455824"/>
-            <a:ext cx="2725148" cy="3090940"/>
+      <p:sp>
+        <p:nvSpPr>
+          <p:cNvPr id="11" name="Freeform 10"/>
+          <p:cNvSpPr/>
+          <p:nvPr/>
+        </p:nvSpPr>
+        <p:spPr>
+          <a:xfrm>
+            <a:off x="2225185" y="2598821"/>
+            <a:ext cx="612516" cy="2324134"/>
+          </a:xfrm>
+          <a:custGeom>
+            <a:avLst/>
+            <a:gdLst>
+              <a:gd name="connsiteX0" fmla="*/ 0 w 1346662"/>
+              <a:gd name="connsiteY0" fmla="*/ 1887424 h 1906063"/>
+              <a:gd name="connsiteX1" fmla="*/ 473825 w 1346662"/>
+              <a:gd name="connsiteY1" fmla="*/ 1463475 h 1906063"/>
+              <a:gd name="connsiteX2" fmla="*/ 665018 w 1346662"/>
+              <a:gd name="connsiteY2" fmla="*/ 435 h 1906063"/>
+              <a:gd name="connsiteX3" fmla="*/ 964276 w 1346662"/>
+              <a:gd name="connsiteY3" fmla="*/ 1621417 h 1906063"/>
+              <a:gd name="connsiteX4" fmla="*/ 1346662 w 1346662"/>
+              <a:gd name="connsiteY4" fmla="*/ 1895737 h 1906063"/>
+            </a:gdLst>
+            <a:ahLst/>
+            <a:cxnLst>
+              <a:cxn ang="0">
+                <a:pos x="connsiteX0" y="connsiteY0"/>
+              </a:cxn>
+              <a:cxn ang="0">
+                <a:pos x="connsiteX1" y="connsiteY1"/>
+              </a:cxn>
+              <a:cxn ang="0">
+                <a:pos x="connsiteX2" y="connsiteY2"/>
+              </a:cxn>
+              <a:cxn ang="0">
+                <a:pos x="connsiteX3" y="connsiteY3"/>
+              </a:cxn>
+              <a:cxn ang="0">
+                <a:pos x="connsiteX4" y="connsiteY4"/>
+              </a:cxn>
+            </a:cxnLst>
+            <a:rect l="l" t="t" r="r" b="b"/>
+            <a:pathLst>
+              <a:path w="1346662" h="1906063">
+                <a:moveTo>
+                  <a:pt x="0" y="1887424"/>
+                </a:moveTo>
+                <a:cubicBezTo>
+                  <a:pt x="181494" y="1832698"/>
+                  <a:pt x="362989" y="1777973"/>
+                  <a:pt x="473825" y="1463475"/>
+                </a:cubicBezTo>
+                <a:cubicBezTo>
+                  <a:pt x="584661" y="1148977"/>
+                  <a:pt x="583276" y="-25889"/>
+                  <a:pt x="665018" y="435"/>
+                </a:cubicBezTo>
+                <a:cubicBezTo>
+                  <a:pt x="746760" y="26759"/>
+                  <a:pt x="850669" y="1305533"/>
+                  <a:pt x="964276" y="1621417"/>
+                </a:cubicBezTo>
+                <a:cubicBezTo>
+                  <a:pt x="1077883" y="1937301"/>
+                  <a:pt x="1212272" y="1916519"/>
+                  <a:pt x="1346662" y="1895737"/>
+                </a:cubicBezTo>
+              </a:path>
+            </a:pathLst>
+          </a:custGeom>
+          <a:gradFill>
+            <a:gsLst>
+              <a:gs pos="0">
+                <a:srgbClr val="00B0F0"/>
+              </a:gs>
+              <a:gs pos="74000">
+                <a:schemeClr val="accent1">
+                  <a:lumMod val="45000"/>
+                  <a:lumOff val="55000"/>
+                </a:schemeClr>
+              </a:gs>
+              <a:gs pos="83000">
+                <a:schemeClr val="accent1">
+                  <a:lumMod val="45000"/>
+                  <a:lumOff val="55000"/>
+                </a:schemeClr>
+              </a:gs>
+              <a:gs pos="100000">
+                <a:schemeClr val="accent1">
+                  <a:lumMod val="30000"/>
+                  <a:lumOff val="70000"/>
+                </a:schemeClr>
+              </a:gs>
+            </a:gsLst>
+            <a:lin ang="5400000" scaled="1"/>
+          </a:gradFill>
+        </p:spPr>
+        <p:style>
+          <a:lnRef idx="2">
+            <a:schemeClr val="accent1">
+              <a:shade val="50000"/>
+            </a:schemeClr>
+          </a:lnRef>
+          <a:fillRef idx="1">
+            <a:schemeClr val="accent1"/>
+          </a:fillRef>
+          <a:effectRef idx="0">
+            <a:schemeClr val="accent1"/>
+          </a:effectRef>
+          <a:fontRef idx="minor">
+            <a:schemeClr val="lt1"/>
+          </a:fontRef>
+        </p:style>
+        <p:txBody>
+          <a:bodyPr rtlCol="0" anchor="ctr"/>
+          <a:lstStyle/>
+          <a:p>
+            <a:pPr algn="ctr"/>
+            <a:endParaRPr lang="en-GB"/>
+          </a:p>
+        </p:txBody>
+      </p:sp>
+      <p:sp>
+        <p:nvSpPr>
+          <p:cNvPr id="12" name="Freeform 11"/>
+          <p:cNvSpPr/>
+          <p:nvPr/>
+        </p:nvSpPr>
+        <p:spPr>
+          <a:xfrm>
+            <a:off x="2837701" y="3724977"/>
+            <a:ext cx="612516" cy="1197978"/>
+          </a:xfrm>
+          <a:custGeom>
+            <a:avLst/>
+            <a:gdLst>
+              <a:gd name="connsiteX0" fmla="*/ 0 w 1346662"/>
+              <a:gd name="connsiteY0" fmla="*/ 1887424 h 1906063"/>
+              <a:gd name="connsiteX1" fmla="*/ 473825 w 1346662"/>
+              <a:gd name="connsiteY1" fmla="*/ 1463475 h 1906063"/>
+              <a:gd name="connsiteX2" fmla="*/ 665018 w 1346662"/>
+              <a:gd name="connsiteY2" fmla="*/ 435 h 1906063"/>
+              <a:gd name="connsiteX3" fmla="*/ 964276 w 1346662"/>
+              <a:gd name="connsiteY3" fmla="*/ 1621417 h 1906063"/>
+              <a:gd name="connsiteX4" fmla="*/ 1346662 w 1346662"/>
+              <a:gd name="connsiteY4" fmla="*/ 1895737 h 1906063"/>
+            </a:gdLst>
+            <a:ahLst/>
+            <a:cxnLst>
+              <a:cxn ang="0">
+                <a:pos x="connsiteX0" y="connsiteY0"/>
+              </a:cxn>
+              <a:cxn ang="0">
+                <a:pos x="connsiteX1" y="connsiteY1"/>
+              </a:cxn>
+              <a:cxn ang="0">
+                <a:pos x="connsiteX2" y="connsiteY2"/>
+              </a:cxn>
+              <a:cxn ang="0">
+                <a:pos x="connsiteX3" y="connsiteY3"/>
+              </a:cxn>
+              <a:cxn ang="0">
+                <a:pos x="connsiteX4" y="connsiteY4"/>
+              </a:cxn>
+            </a:cxnLst>
+            <a:rect l="l" t="t" r="r" b="b"/>
+            <a:pathLst>
+              <a:path w="1346662" h="1906063">
+                <a:moveTo>
+                  <a:pt x="0" y="1887424"/>
+                </a:moveTo>
+                <a:cubicBezTo>
+                  <a:pt x="181494" y="1832698"/>
+                  <a:pt x="362989" y="1777973"/>
+                  <a:pt x="473825" y="1463475"/>
+                </a:cubicBezTo>
+                <a:cubicBezTo>
+                  <a:pt x="584661" y="1148977"/>
+                  <a:pt x="583276" y="-25889"/>
+                  <a:pt x="665018" y="435"/>
+                </a:cubicBezTo>
+                <a:cubicBezTo>
+                  <a:pt x="746760" y="26759"/>
+                  <a:pt x="850669" y="1305533"/>
+                  <a:pt x="964276" y="1621417"/>
+                </a:cubicBezTo>
+                <a:cubicBezTo>
+                  <a:pt x="1077883" y="1937301"/>
+                  <a:pt x="1212272" y="1916519"/>
+                  <a:pt x="1346662" y="1895737"/>
+                </a:cubicBezTo>
+              </a:path>
+            </a:pathLst>
+          </a:custGeom>
+          <a:gradFill>
+            <a:gsLst>
+              <a:gs pos="0">
+                <a:srgbClr val="00B050"/>
+              </a:gs>
+              <a:gs pos="100000">
+                <a:schemeClr val="accent1">
+                  <a:lumMod val="45000"/>
+                  <a:lumOff val="55000"/>
+                </a:schemeClr>
+              </a:gs>
+              <a:gs pos="100000">
+                <a:schemeClr val="accent1">
+                  <a:lumMod val="45000"/>
+                  <a:lumOff val="55000"/>
+                </a:schemeClr>
+              </a:gs>
+              <a:gs pos="100000">
+                <a:schemeClr val="accent1">
+                  <a:lumMod val="30000"/>
+                  <a:lumOff val="70000"/>
+                </a:schemeClr>
+              </a:gs>
+            </a:gsLst>
+            <a:lin ang="5400000" scaled="1"/>
+          </a:gradFill>
+        </p:spPr>
+        <p:style>
+          <a:lnRef idx="2">
+            <a:schemeClr val="accent1">
+              <a:shade val="50000"/>
+            </a:schemeClr>
+          </a:lnRef>
+          <a:fillRef idx="1">
+            <a:schemeClr val="accent1"/>
+          </a:fillRef>
+          <a:effectRef idx="0">
+            <a:schemeClr val="accent1"/>
+          </a:effectRef>
+          <a:fontRef idx="minor">
+            <a:schemeClr val="lt1"/>
+          </a:fontRef>
+        </p:style>
+        <p:txBody>
+          <a:bodyPr rtlCol="0" anchor="ctr"/>
+          <a:lstStyle/>
+          <a:p>
+            <a:pPr algn="ctr"/>
+            <a:endParaRPr lang="en-GB"/>
+          </a:p>
+        </p:txBody>
+      </p:sp>
+      <p:sp>
+        <p:nvSpPr>
+          <p:cNvPr id="13" name="Freeform 12"/>
+          <p:cNvSpPr/>
+          <p:nvPr/>
+        </p:nvSpPr>
+        <p:spPr>
+          <a:xfrm>
+            <a:off x="5003598" y="2598819"/>
+            <a:ext cx="612516" cy="2324135"/>
+          </a:xfrm>
+          <a:custGeom>
+            <a:avLst/>
+            <a:gdLst>
+              <a:gd name="connsiteX0" fmla="*/ 0 w 1346662"/>
+              <a:gd name="connsiteY0" fmla="*/ 1887424 h 1906063"/>
+              <a:gd name="connsiteX1" fmla="*/ 473825 w 1346662"/>
+              <a:gd name="connsiteY1" fmla="*/ 1463475 h 1906063"/>
+              <a:gd name="connsiteX2" fmla="*/ 665018 w 1346662"/>
+              <a:gd name="connsiteY2" fmla="*/ 435 h 1906063"/>
+              <a:gd name="connsiteX3" fmla="*/ 964276 w 1346662"/>
+              <a:gd name="connsiteY3" fmla="*/ 1621417 h 1906063"/>
+              <a:gd name="connsiteX4" fmla="*/ 1346662 w 1346662"/>
+              <a:gd name="connsiteY4" fmla="*/ 1895737 h 1906063"/>
+            </a:gdLst>
+            <a:ahLst/>
+            <a:cxnLst>
+              <a:cxn ang="0">
+                <a:pos x="connsiteX0" y="connsiteY0"/>
+              </a:cxn>
+              <a:cxn ang="0">
+                <a:pos x="connsiteX1" y="connsiteY1"/>
+              </a:cxn>
+              <a:cxn ang="0">
+                <a:pos x="connsiteX2" y="connsiteY2"/>
+              </a:cxn>
+              <a:cxn ang="0">
+                <a:pos x="connsiteX3" y="connsiteY3"/>
+              </a:cxn>
+              <a:cxn ang="0">
+                <a:pos x="connsiteX4" y="connsiteY4"/>
+              </a:cxn>
+            </a:cxnLst>
+            <a:rect l="l" t="t" r="r" b="b"/>
+            <a:pathLst>
+              <a:path w="1346662" h="1906063">
+                <a:moveTo>
+                  <a:pt x="0" y="1887424"/>
+                </a:moveTo>
+                <a:cubicBezTo>
+                  <a:pt x="181494" y="1832698"/>
+                  <a:pt x="362989" y="1777973"/>
+                  <a:pt x="473825" y="1463475"/>
+                </a:cubicBezTo>
+                <a:cubicBezTo>
+                  <a:pt x="584661" y="1148977"/>
+                  <a:pt x="583276" y="-25889"/>
+                  <a:pt x="665018" y="435"/>
+                </a:cubicBezTo>
+                <a:cubicBezTo>
+                  <a:pt x="746760" y="26759"/>
+                  <a:pt x="850669" y="1305533"/>
+                  <a:pt x="964276" y="1621417"/>
+                </a:cubicBezTo>
+                <a:cubicBezTo>
+                  <a:pt x="1077883" y="1937301"/>
+                  <a:pt x="1212272" y="1916519"/>
+                  <a:pt x="1346662" y="1895737"/>
+                </a:cubicBezTo>
+              </a:path>
+            </a:pathLst>
+          </a:custGeom>
+          <a:gradFill>
+            <a:gsLst>
+              <a:gs pos="0">
+                <a:srgbClr val="7030A0"/>
+              </a:gs>
+              <a:gs pos="100000">
+                <a:schemeClr val="accent1">
+                  <a:lumMod val="45000"/>
+                  <a:lumOff val="55000"/>
+                </a:schemeClr>
+              </a:gs>
+              <a:gs pos="100000">
+                <a:schemeClr val="accent1">
+                  <a:lumMod val="45000"/>
+                  <a:lumOff val="55000"/>
+                </a:schemeClr>
+              </a:gs>
+              <a:gs pos="100000">
+                <a:schemeClr val="accent1">
+                  <a:lumMod val="30000"/>
+                  <a:lumOff val="70000"/>
+                </a:schemeClr>
+              </a:gs>
+            </a:gsLst>
+            <a:lin ang="5400000" scaled="1"/>
+          </a:gradFill>
+          <a:ln>
+            <a:solidFill>
+              <a:srgbClr val="7030A0"/>
+            </a:solidFill>
+          </a:ln>
+        </p:spPr>
+        <p:style>
+          <a:lnRef idx="2">
+            <a:schemeClr val="accent1">
+              <a:shade val="50000"/>
+            </a:schemeClr>
+          </a:lnRef>
+          <a:fillRef idx="1">
+            <a:schemeClr val="accent1"/>
+          </a:fillRef>
+          <a:effectRef idx="0">
+            <a:schemeClr val="accent1"/>
+          </a:effectRef>
+          <a:fontRef idx="minor">
+            <a:schemeClr val="lt1"/>
+          </a:fontRef>
+        </p:style>
+        <p:txBody>
+          <a:bodyPr rtlCol="0" anchor="ctr"/>
+          <a:lstStyle/>
+          <a:p>
+            <a:pPr algn="ctr"/>
+            <a:endParaRPr lang="en-GB"/>
+          </a:p>
+        </p:txBody>
+      </p:sp>
+      <p:sp>
+        <p:nvSpPr>
+          <p:cNvPr id="14" name="Freeform 13"/>
+          <p:cNvSpPr/>
+          <p:nvPr/>
+        </p:nvSpPr>
+        <p:spPr>
+          <a:xfrm>
+            <a:off x="5616114" y="3724975"/>
+            <a:ext cx="612516" cy="1197979"/>
+          </a:xfrm>
+          <a:custGeom>
+            <a:avLst/>
+            <a:gdLst>
+              <a:gd name="connsiteX0" fmla="*/ 0 w 1346662"/>
+              <a:gd name="connsiteY0" fmla="*/ 1887424 h 1906063"/>
+              <a:gd name="connsiteX1" fmla="*/ 473825 w 1346662"/>
+              <a:gd name="connsiteY1" fmla="*/ 1463475 h 1906063"/>
+              <a:gd name="connsiteX2" fmla="*/ 665018 w 1346662"/>
+              <a:gd name="connsiteY2" fmla="*/ 435 h 1906063"/>
+              <a:gd name="connsiteX3" fmla="*/ 964276 w 1346662"/>
+              <a:gd name="connsiteY3" fmla="*/ 1621417 h 1906063"/>
+              <a:gd name="connsiteX4" fmla="*/ 1346662 w 1346662"/>
+              <a:gd name="connsiteY4" fmla="*/ 1895737 h 1906063"/>
+            </a:gdLst>
+            <a:ahLst/>
+            <a:cxnLst>
+              <a:cxn ang="0">
+                <a:pos x="connsiteX0" y="connsiteY0"/>
+              </a:cxn>
+              <a:cxn ang="0">
+                <a:pos x="connsiteX1" y="connsiteY1"/>
+              </a:cxn>
+              <a:cxn ang="0">
+                <a:pos x="connsiteX2" y="connsiteY2"/>
+              </a:cxn>
+              <a:cxn ang="0">
+                <a:pos x="connsiteX3" y="connsiteY3"/>
+              </a:cxn>
+              <a:cxn ang="0">
+                <a:pos x="connsiteX4" y="connsiteY4"/>
+              </a:cxn>
+            </a:cxnLst>
+            <a:rect l="l" t="t" r="r" b="b"/>
+            <a:pathLst>
+              <a:path w="1346662" h="1906063">
+                <a:moveTo>
+                  <a:pt x="0" y="1887424"/>
+                </a:moveTo>
+                <a:cubicBezTo>
+                  <a:pt x="181494" y="1832698"/>
+                  <a:pt x="362989" y="1777973"/>
+                  <a:pt x="473825" y="1463475"/>
+                </a:cubicBezTo>
+                <a:cubicBezTo>
+                  <a:pt x="584661" y="1148977"/>
+                  <a:pt x="583276" y="-25889"/>
+                  <a:pt x="665018" y="435"/>
+                </a:cubicBezTo>
+                <a:cubicBezTo>
+                  <a:pt x="746760" y="26759"/>
+                  <a:pt x="850669" y="1305533"/>
+                  <a:pt x="964276" y="1621417"/>
+                </a:cubicBezTo>
+                <a:cubicBezTo>
+                  <a:pt x="1077883" y="1937301"/>
+                  <a:pt x="1212272" y="1916519"/>
+                  <a:pt x="1346662" y="1895737"/>
+                </a:cubicBezTo>
+              </a:path>
+            </a:pathLst>
+          </a:custGeom>
+          <a:gradFill>
+            <a:gsLst>
+              <a:gs pos="0">
+                <a:srgbClr val="00B0F0"/>
+              </a:gs>
+              <a:gs pos="74000">
+                <a:schemeClr val="accent1">
+                  <a:lumMod val="45000"/>
+                  <a:lumOff val="55000"/>
+                </a:schemeClr>
+              </a:gs>
+              <a:gs pos="83000">
+                <a:schemeClr val="accent1">
+                  <a:lumMod val="45000"/>
+                  <a:lumOff val="55000"/>
+                </a:schemeClr>
+              </a:gs>
+              <a:gs pos="100000">
+                <a:schemeClr val="accent1">
+                  <a:lumMod val="30000"/>
+                  <a:lumOff val="70000"/>
+                </a:schemeClr>
+              </a:gs>
+            </a:gsLst>
+            <a:lin ang="5400000" scaled="1"/>
+          </a:gradFill>
+        </p:spPr>
+        <p:style>
+          <a:lnRef idx="2">
+            <a:schemeClr val="accent1">
+              <a:shade val="50000"/>
+            </a:schemeClr>
+          </a:lnRef>
+          <a:fillRef idx="1">
+            <a:schemeClr val="accent1"/>
+          </a:fillRef>
+          <a:effectRef idx="0">
+            <a:schemeClr val="accent1"/>
+          </a:effectRef>
+          <a:fontRef idx="minor">
+            <a:schemeClr val="lt1"/>
+          </a:fontRef>
+        </p:style>
+        <p:txBody>
+          <a:bodyPr rtlCol="0" anchor="ctr"/>
+          <a:lstStyle/>
+          <a:p>
+            <a:pPr algn="ctr"/>
+            <a:endParaRPr lang="en-GB"/>
+          </a:p>
+        </p:txBody>
+      </p:sp>
+      <p:sp>
+        <p:nvSpPr>
+          <p:cNvPr id="15" name="Freeform 14"/>
+          <p:cNvSpPr/>
+          <p:nvPr/>
+        </p:nvSpPr>
+        <p:spPr>
+          <a:xfrm>
+            <a:off x="6228630" y="4494997"/>
+            <a:ext cx="612516" cy="427957"/>
+          </a:xfrm>
+          <a:custGeom>
+            <a:avLst/>
+            <a:gdLst>
+              <a:gd name="connsiteX0" fmla="*/ 0 w 1346662"/>
+              <a:gd name="connsiteY0" fmla="*/ 1887424 h 1906063"/>
+              <a:gd name="connsiteX1" fmla="*/ 473825 w 1346662"/>
+              <a:gd name="connsiteY1" fmla="*/ 1463475 h 1906063"/>
+              <a:gd name="connsiteX2" fmla="*/ 665018 w 1346662"/>
+              <a:gd name="connsiteY2" fmla="*/ 435 h 1906063"/>
+              <a:gd name="connsiteX3" fmla="*/ 964276 w 1346662"/>
+              <a:gd name="connsiteY3" fmla="*/ 1621417 h 1906063"/>
+              <a:gd name="connsiteX4" fmla="*/ 1346662 w 1346662"/>
+              <a:gd name="connsiteY4" fmla="*/ 1895737 h 1906063"/>
+            </a:gdLst>
+            <a:ahLst/>
+            <a:cxnLst>
+              <a:cxn ang="0">
+                <a:pos x="connsiteX0" y="connsiteY0"/>
+              </a:cxn>
+              <a:cxn ang="0">
+                <a:pos x="connsiteX1" y="connsiteY1"/>
+              </a:cxn>
+              <a:cxn ang="0">
+                <a:pos x="connsiteX2" y="connsiteY2"/>
+              </a:cxn>
+              <a:cxn ang="0">
+                <a:pos x="connsiteX3" y="connsiteY3"/>
+              </a:cxn>
+              <a:cxn ang="0">
+                <a:pos x="connsiteX4" y="connsiteY4"/>
+              </a:cxn>
+            </a:cxnLst>
+            <a:rect l="l" t="t" r="r" b="b"/>
+            <a:pathLst>
+              <a:path w="1346662" h="1906063">
+                <a:moveTo>
+                  <a:pt x="0" y="1887424"/>
+                </a:moveTo>
+                <a:cubicBezTo>
+                  <a:pt x="181494" y="1832698"/>
+                  <a:pt x="362989" y="1777973"/>
+                  <a:pt x="473825" y="1463475"/>
+                </a:cubicBezTo>
+                <a:cubicBezTo>
+                  <a:pt x="584661" y="1148977"/>
+                  <a:pt x="583276" y="-25889"/>
+                  <a:pt x="665018" y="435"/>
+                </a:cubicBezTo>
+                <a:cubicBezTo>
+                  <a:pt x="746760" y="26759"/>
+                  <a:pt x="850669" y="1305533"/>
+                  <a:pt x="964276" y="1621417"/>
+                </a:cubicBezTo>
+                <a:cubicBezTo>
+                  <a:pt x="1077883" y="1937301"/>
+                  <a:pt x="1212272" y="1916519"/>
+                  <a:pt x="1346662" y="1895737"/>
+                </a:cubicBezTo>
+              </a:path>
+            </a:pathLst>
+          </a:custGeom>
+          <a:gradFill>
+            <a:gsLst>
+              <a:gs pos="0">
+                <a:srgbClr val="00B050"/>
+              </a:gs>
+              <a:gs pos="100000">
+                <a:schemeClr val="accent1">
+                  <a:lumMod val="45000"/>
+                  <a:lumOff val="55000"/>
+                </a:schemeClr>
+              </a:gs>
+              <a:gs pos="100000">
+                <a:schemeClr val="accent1">
+                  <a:lumMod val="45000"/>
+                  <a:lumOff val="55000"/>
+                </a:schemeClr>
+              </a:gs>
+              <a:gs pos="100000">
+                <a:schemeClr val="accent1">
+                  <a:lumMod val="30000"/>
+                  <a:lumOff val="70000"/>
+                </a:schemeClr>
+              </a:gs>
+            </a:gsLst>
+            <a:lin ang="5400000" scaled="1"/>
+          </a:gradFill>
+        </p:spPr>
+        <p:style>
+          <a:lnRef idx="2">
+            <a:schemeClr val="accent1">
+              <a:shade val="50000"/>
+            </a:schemeClr>
+          </a:lnRef>
+          <a:fillRef idx="1">
+            <a:schemeClr val="accent1"/>
+          </a:fillRef>
+          <a:effectRef idx="0">
+            <a:schemeClr val="accent1"/>
+          </a:effectRef>
+          <a:fontRef idx="minor">
+            <a:schemeClr val="lt1"/>
+          </a:fontRef>
+        </p:style>
+        <p:txBody>
+          <a:bodyPr rtlCol="0" anchor="ctr"/>
+          <a:lstStyle/>
+          <a:p>
+            <a:pPr algn="ctr"/>
+            <a:endParaRPr lang="en-GB"/>
+          </a:p>
+        </p:txBody>
+      </p:sp>
+      <p:cxnSp>
+        <p:nvCxnSpPr>
+          <p:cNvPr id="17" name="Straight Arrow Connector 16"/>
+          <p:cNvCxnSpPr/>
+          <p:nvPr/>
+        </p:nvCxnSpPr>
+        <p:spPr>
+          <a:xfrm flipV="1">
+            <a:off x="1309838" y="899595"/>
+            <a:ext cx="0" cy="4023360"/>
+          </a:xfrm>
+          <a:prstGeom prst="straightConnector1">
+            <a:avLst/>
+          </a:prstGeom>
+          <a:ln w="60325">
+            <a:tailEnd type="triangle"/>
+          </a:ln>
+        </p:spPr>
+        <p:style>
+          <a:lnRef idx="1">
+            <a:schemeClr val="accent1"/>
+          </a:lnRef>
+          <a:fillRef idx="0">
+            <a:schemeClr val="accent1"/>
+          </a:fillRef>
+          <a:effectRef idx="0">
+            <a:schemeClr val="accent1"/>
+          </a:effectRef>
+          <a:fontRef idx="minor">
+            <a:schemeClr val="tx1"/>
+          </a:fontRef>
+        </p:style>
+      </p:cxnSp>
+      <p:cxnSp>
+        <p:nvCxnSpPr>
+          <p:cNvPr id="18" name="Straight Arrow Connector 17"/>
+          <p:cNvCxnSpPr/>
+          <p:nvPr/>
+        </p:nvCxnSpPr>
+        <p:spPr>
+          <a:xfrm>
+            <a:off x="1309838" y="4922955"/>
+            <a:ext cx="5899484" cy="0"/>
+          </a:xfrm>
+          <a:prstGeom prst="straightConnector1">
+            <a:avLst/>
+          </a:prstGeom>
+          <a:ln w="60325">
+            <a:tailEnd type="triangle"/>
+          </a:ln>
+        </p:spPr>
+        <p:style>
+          <a:lnRef idx="1">
+            <a:schemeClr val="accent1"/>
+          </a:lnRef>
+          <a:fillRef idx="0">
+            <a:schemeClr val="accent1"/>
+          </a:fillRef>
+          <a:effectRef idx="0">
+            <a:schemeClr val="accent1"/>
+          </a:effectRef>
+          <a:fontRef idx="minor">
+            <a:schemeClr val="tx1"/>
+          </a:fontRef>
+        </p:style>
+      </p:cxnSp>
+      <p:sp>
+        <p:nvSpPr>
+          <p:cNvPr id="20" name="TextBox 19"/>
+          <p:cNvSpPr txBox="1"/>
+          <p:nvPr/>
+        </p:nvSpPr>
+        <p:spPr>
+          <a:xfrm>
+            <a:off x="2296564" y="5102151"/>
+            <a:ext cx="3322467" cy="646331"/>
           </a:xfrm>
           <a:prstGeom prst="rect">
             <a:avLst/>
           </a:prstGeom>
           <a:noFill/>
-          <a:extLst>
-            <a:ext uri="{909E8E84-426E-40DD-AFC4-6F175D3DCCD1}">
-              <a14:hiddenFill xmlns:a14="http://schemas.microsoft.com/office/drawing/2010/main">
-                <a:solidFill>
-                  <a:srgbClr val="FFFFFF"/>
-                </a:solidFill>
-              </a14:hiddenFill>
-            </a:ext>
-          </a:extLst>
-        </p:spPr>
-      </p:pic>
+        </p:spPr>
+        <p:txBody>
+          <a:bodyPr wrap="square" rtlCol="0">
+            <a:spAutoFit/>
+          </a:bodyPr>
+          <a:lstStyle/>
+          <a:p>
+            <a:pPr algn="ctr"/>
+            <a:r>
+              <a:rPr lang="en-GB" dirty="0" smtClean="0"/>
+              <a:t>Frequency </a:t>
+            </a:r>
+            <a:r>
+              <a:rPr lang="el-GR" dirty="0"/>
+              <a:t>ν</a:t>
+            </a:r>
+            <a:endParaRPr lang="en-GB" dirty="0"/>
+          </a:p>
+          <a:p>
+            <a:pPr algn="ctr"/>
+            <a:endParaRPr lang="en-GB" dirty="0"/>
+          </a:p>
+        </p:txBody>
+      </p:sp>
+      <p:sp>
+        <p:nvSpPr>
+          <p:cNvPr id="21" name="TextBox 20"/>
+          <p:cNvSpPr txBox="1"/>
+          <p:nvPr/>
+        </p:nvSpPr>
+        <p:spPr>
+          <a:xfrm>
+            <a:off x="-946631" y="1088092"/>
+            <a:ext cx="3322467" cy="369332"/>
+          </a:xfrm>
+          <a:prstGeom prst="rect">
+            <a:avLst/>
+          </a:prstGeom>
+          <a:noFill/>
+        </p:spPr>
+        <p:txBody>
+          <a:bodyPr wrap="square" rtlCol="0">
+            <a:spAutoFit/>
+          </a:bodyPr>
+          <a:lstStyle/>
+          <a:p>
+            <a:pPr algn="ctr"/>
+            <a:r>
+              <a:rPr lang="en-GB" dirty="0" smtClean="0"/>
+              <a:t>Intensity</a:t>
+            </a:r>
+            <a:endParaRPr lang="en-GB" dirty="0"/>
+          </a:p>
+        </p:txBody>
+      </p:sp>
+      <p:sp>
+        <p:nvSpPr>
+          <p:cNvPr id="22" name="TextBox 21"/>
+          <p:cNvSpPr txBox="1"/>
+          <p:nvPr/>
+        </p:nvSpPr>
+        <p:spPr>
+          <a:xfrm>
+            <a:off x="1918927" y="1214356"/>
+            <a:ext cx="3322467" cy="369332"/>
+          </a:xfrm>
+          <a:prstGeom prst="rect">
+            <a:avLst/>
+          </a:prstGeom>
+          <a:noFill/>
+        </p:spPr>
+        <p:txBody>
+          <a:bodyPr wrap="square" rtlCol="0">
+            <a:spAutoFit/>
+          </a:bodyPr>
+          <a:lstStyle/>
+          <a:p>
+            <a:pPr algn="ctr"/>
+            <a:r>
+              <a:rPr lang="en-GB" dirty="0" smtClean="0"/>
+              <a:t>FSR</a:t>
+            </a:r>
+            <a:endParaRPr lang="en-GB" dirty="0"/>
+          </a:p>
+        </p:txBody>
+      </p:sp>
+      <p:cxnSp>
+        <p:nvCxnSpPr>
+          <p:cNvPr id="24" name="Straight Arrow Connector 23"/>
+          <p:cNvCxnSpPr/>
+          <p:nvPr/>
+        </p:nvCxnSpPr>
+        <p:spPr>
+          <a:xfrm>
+            <a:off x="1918927" y="1607419"/>
+            <a:ext cx="3288340" cy="0"/>
+          </a:xfrm>
+          <a:prstGeom prst="straightConnector1">
+            <a:avLst/>
+          </a:prstGeom>
+          <a:ln w="22225">
+            <a:solidFill>
+              <a:schemeClr val="tx1"/>
+            </a:solidFill>
+            <a:headEnd type="triangle"/>
+            <a:tailEnd type="triangle"/>
+          </a:ln>
+        </p:spPr>
+        <p:style>
+          <a:lnRef idx="1">
+            <a:schemeClr val="accent1"/>
+          </a:lnRef>
+          <a:fillRef idx="0">
+            <a:schemeClr val="accent1"/>
+          </a:fillRef>
+          <a:effectRef idx="0">
+            <a:schemeClr val="accent1"/>
+          </a:effectRef>
+          <a:fontRef idx="minor">
+            <a:schemeClr val="tx1"/>
+          </a:fontRef>
+        </p:style>
+      </p:cxnSp>
+      <p:cxnSp>
+        <p:nvCxnSpPr>
+          <p:cNvPr id="26" name="Straight Arrow Connector 25"/>
+          <p:cNvCxnSpPr/>
+          <p:nvPr/>
+        </p:nvCxnSpPr>
+        <p:spPr>
+          <a:xfrm>
+            <a:off x="1612669" y="3397718"/>
+            <a:ext cx="206506" cy="0"/>
+          </a:xfrm>
+          <a:prstGeom prst="straightConnector1">
+            <a:avLst/>
+          </a:prstGeom>
+          <a:ln w="25400">
+            <a:solidFill>
+              <a:schemeClr val="tx1"/>
+            </a:solidFill>
+            <a:tailEnd type="triangle"/>
+          </a:ln>
+        </p:spPr>
+        <p:style>
+          <a:lnRef idx="1">
+            <a:schemeClr val="accent1"/>
+          </a:lnRef>
+          <a:fillRef idx="0">
+            <a:schemeClr val="accent1"/>
+          </a:fillRef>
+          <a:effectRef idx="0">
+            <a:schemeClr val="accent1"/>
+          </a:effectRef>
+          <a:fontRef idx="minor">
+            <a:schemeClr val="tx1"/>
+          </a:fontRef>
+        </p:style>
+      </p:cxnSp>
+      <p:cxnSp>
+        <p:nvCxnSpPr>
+          <p:cNvPr id="28" name="Straight Arrow Connector 27"/>
+          <p:cNvCxnSpPr/>
+          <p:nvPr/>
+        </p:nvCxnSpPr>
+        <p:spPr>
+          <a:xfrm flipH="1">
+            <a:off x="2040410" y="3397718"/>
+            <a:ext cx="184775" cy="0"/>
+          </a:xfrm>
+          <a:prstGeom prst="straightConnector1">
+            <a:avLst/>
+          </a:prstGeom>
+          <a:ln w="25400">
+            <a:solidFill>
+              <a:schemeClr val="tx1"/>
+            </a:solidFill>
+            <a:tailEnd type="triangle"/>
+          </a:ln>
+        </p:spPr>
+        <p:style>
+          <a:lnRef idx="1">
+            <a:schemeClr val="accent1"/>
+          </a:lnRef>
+          <a:fillRef idx="0">
+            <a:schemeClr val="accent1"/>
+          </a:fillRef>
+          <a:effectRef idx="0">
+            <a:schemeClr val="accent1"/>
+          </a:effectRef>
+          <a:fontRef idx="minor">
+            <a:schemeClr val="tx1"/>
+          </a:fontRef>
+        </p:style>
+      </p:cxnSp>
+      <p:sp>
+        <p:nvSpPr>
+          <p:cNvPr id="31" name="TextBox 30"/>
+          <p:cNvSpPr txBox="1"/>
+          <p:nvPr/>
+        </p:nvSpPr>
+        <p:spPr>
+          <a:xfrm>
+            <a:off x="1230138" y="2948752"/>
+            <a:ext cx="652622" cy="369332"/>
+          </a:xfrm>
+          <a:prstGeom prst="rect">
+            <a:avLst/>
+          </a:prstGeom>
+          <a:noFill/>
+        </p:spPr>
+        <p:txBody>
+          <a:bodyPr wrap="square" rtlCol="0">
+            <a:spAutoFit/>
+          </a:bodyPr>
+          <a:lstStyle/>
+          <a:p>
+            <a:pPr algn="ctr"/>
+            <a:r>
+              <a:rPr lang="el-GR" dirty="0" smtClean="0"/>
+              <a:t>δν</a:t>
+            </a:r>
+            <a:r>
+              <a:rPr lang="en-GB" baseline="-25000" dirty="0" smtClean="0"/>
+              <a:t>0</a:t>
+            </a:r>
+            <a:endParaRPr lang="en-GB" dirty="0"/>
+          </a:p>
+        </p:txBody>
+      </p:sp>
+      <p:cxnSp>
+        <p:nvCxnSpPr>
+          <p:cNvPr id="33" name="Straight Connector 32"/>
+          <p:cNvCxnSpPr/>
+          <p:nvPr/>
+        </p:nvCxnSpPr>
+        <p:spPr>
+          <a:xfrm>
+            <a:off x="1882760" y="957785"/>
+            <a:ext cx="83199" cy="3965169"/>
+          </a:xfrm>
+          <a:prstGeom prst="line">
+            <a:avLst/>
+          </a:prstGeom>
+          <a:ln w="15875">
+            <a:solidFill>
+              <a:schemeClr val="tx1"/>
+            </a:solidFill>
+            <a:prstDash val="sysDash"/>
+          </a:ln>
+        </p:spPr>
+        <p:style>
+          <a:lnRef idx="1">
+            <a:schemeClr val="accent1"/>
+          </a:lnRef>
+          <a:fillRef idx="0">
+            <a:schemeClr val="accent1"/>
+          </a:fillRef>
+          <a:effectRef idx="0">
+            <a:schemeClr val="accent1"/>
+          </a:effectRef>
+          <a:fontRef idx="minor">
+            <a:schemeClr val="tx1"/>
+          </a:fontRef>
+        </p:style>
+      </p:cxnSp>
+      <p:sp>
+        <p:nvSpPr>
+          <p:cNvPr id="35" name="Rectangle 34"/>
+          <p:cNvSpPr/>
+          <p:nvPr/>
+        </p:nvSpPr>
+        <p:spPr>
+          <a:xfrm>
+            <a:off x="1819175" y="4917485"/>
+            <a:ext cx="367408" cy="369332"/>
+          </a:xfrm>
+          <a:prstGeom prst="rect">
+            <a:avLst/>
+          </a:prstGeom>
+        </p:spPr>
+        <p:txBody>
+          <a:bodyPr wrap="none">
+            <a:spAutoFit/>
+          </a:bodyPr>
+          <a:lstStyle/>
+          <a:p>
+            <a:pPr algn="ctr"/>
+            <a:r>
+              <a:rPr lang="el-GR" dirty="0"/>
+              <a:t>ν</a:t>
+            </a:r>
+            <a:r>
+              <a:rPr lang="en-GB" baseline="-25000" dirty="0"/>
+              <a:t>0</a:t>
+            </a:r>
+            <a:endParaRPr lang="en-GB" dirty="0"/>
+          </a:p>
+        </p:txBody>
+      </p:sp>
+      <p:cxnSp>
+        <p:nvCxnSpPr>
+          <p:cNvPr id="37" name="Straight Connector 36"/>
+          <p:cNvCxnSpPr/>
+          <p:nvPr/>
+        </p:nvCxnSpPr>
+        <p:spPr>
+          <a:xfrm>
+            <a:off x="5277561" y="928690"/>
+            <a:ext cx="83199" cy="3965169"/>
+          </a:xfrm>
+          <a:prstGeom prst="line">
+            <a:avLst/>
+          </a:prstGeom>
+          <a:ln w="15875">
+            <a:solidFill>
+              <a:schemeClr val="tx1"/>
+            </a:solidFill>
+            <a:prstDash val="sysDash"/>
+          </a:ln>
+        </p:spPr>
+        <p:style>
+          <a:lnRef idx="1">
+            <a:schemeClr val="accent1"/>
+          </a:lnRef>
+          <a:fillRef idx="0">
+            <a:schemeClr val="accent1"/>
+          </a:fillRef>
+          <a:effectRef idx="0">
+            <a:schemeClr val="accent1"/>
+          </a:effectRef>
+          <a:fontRef idx="minor">
+            <a:schemeClr val="tx1"/>
+          </a:fontRef>
+        </p:style>
+      </p:cxnSp>
     </p:spTree>
     <p:extLst>
       <p:ext uri="{BB962C8B-B14F-4D97-AF65-F5344CB8AC3E}">
@@ -11033,6 +12194,3696 @@
   <p:clrMapOvr>
     <a:masterClrMapping/>
   </p:clrMapOvr>
+  <p:timing>
+    <p:tnLst>
+      <p:par>
+        <p:cTn id="1" dur="indefinite" restart="never" nodeType="tmRoot"/>
+      </p:par>
+    </p:tnLst>
+  </p:timing>
+</p:sld>
+</file>
+
+<file path=ppt/slides/slide8.xml><?xml version="1.0" encoding="utf-8"?>
+<p:sld xmlns:a="http://schemas.openxmlformats.org/drawingml/2006/main" xmlns:r="http://schemas.openxmlformats.org/officeDocument/2006/relationships" xmlns:p="http://schemas.openxmlformats.org/presentationml/2006/main">
+  <p:cSld>
+    <p:spTree>
+      <p:nvGrpSpPr>
+        <p:cNvPr id="1" name=""/>
+        <p:cNvGrpSpPr/>
+        <p:nvPr/>
+      </p:nvGrpSpPr>
+      <p:grpSpPr>
+        <a:xfrm>
+          <a:off x="0" y="0"/>
+          <a:ext cx="0" cy="0"/>
+          <a:chOff x="0" y="0"/>
+          <a:chExt cx="0" cy="0"/>
+        </a:xfrm>
+      </p:grpSpPr>
+      <p:sp>
+        <p:nvSpPr>
+          <p:cNvPr id="6" name="Rounded Rectangle 5"/>
+          <p:cNvSpPr/>
+          <p:nvPr/>
+        </p:nvSpPr>
+        <p:spPr>
+          <a:xfrm rot="10800000">
+            <a:off x="3898231" y="1155029"/>
+            <a:ext cx="776437" cy="2338941"/>
+          </a:xfrm>
+          <a:prstGeom prst="roundRect">
+            <a:avLst/>
+          </a:prstGeom>
+          <a:gradFill flip="none" rotWithShape="1">
+            <a:gsLst>
+              <a:gs pos="0">
+                <a:schemeClr val="accent3">
+                  <a:lumMod val="0"/>
+                  <a:lumOff val="100000"/>
+                </a:schemeClr>
+              </a:gs>
+              <a:gs pos="35000">
+                <a:schemeClr val="accent3">
+                  <a:lumMod val="0"/>
+                  <a:lumOff val="100000"/>
+                </a:schemeClr>
+              </a:gs>
+              <a:gs pos="100000">
+                <a:schemeClr val="accent3">
+                  <a:lumMod val="100000"/>
+                </a:schemeClr>
+              </a:gs>
+            </a:gsLst>
+            <a:lin ang="10800000" scaled="1"/>
+            <a:tileRect/>
+          </a:gradFill>
+          <a:ln>
+            <a:noFill/>
+          </a:ln>
+        </p:spPr>
+        <p:style>
+          <a:lnRef idx="2">
+            <a:schemeClr val="accent1">
+              <a:shade val="50000"/>
+            </a:schemeClr>
+          </a:lnRef>
+          <a:fillRef idx="1">
+            <a:schemeClr val="accent1"/>
+          </a:fillRef>
+          <a:effectRef idx="0">
+            <a:schemeClr val="accent1"/>
+          </a:effectRef>
+          <a:fontRef idx="minor">
+            <a:schemeClr val="lt1"/>
+          </a:fontRef>
+        </p:style>
+        <p:txBody>
+          <a:bodyPr rtlCol="0" anchor="ctr"/>
+          <a:lstStyle/>
+          <a:p>
+            <a:pPr algn="ctr"/>
+            <a:endParaRPr lang="en-GB"/>
+          </a:p>
+        </p:txBody>
+      </p:sp>
+      <p:sp>
+        <p:nvSpPr>
+          <p:cNvPr id="7" name="Rounded Rectangle 6"/>
+          <p:cNvSpPr/>
+          <p:nvPr/>
+        </p:nvSpPr>
+        <p:spPr>
+          <a:xfrm rot="10800000">
+            <a:off x="3408947" y="1155029"/>
+            <a:ext cx="776437" cy="2338941"/>
+          </a:xfrm>
+          <a:prstGeom prst="roundRect">
+            <a:avLst/>
+          </a:prstGeom>
+          <a:gradFill flip="none" rotWithShape="1">
+            <a:gsLst>
+              <a:gs pos="0">
+                <a:schemeClr val="accent3">
+                  <a:lumMod val="0"/>
+                  <a:lumOff val="100000"/>
+                </a:schemeClr>
+              </a:gs>
+              <a:gs pos="35000">
+                <a:schemeClr val="accent3">
+                  <a:lumMod val="0"/>
+                  <a:lumOff val="100000"/>
+                </a:schemeClr>
+              </a:gs>
+              <a:gs pos="100000">
+                <a:schemeClr val="accent3">
+                  <a:lumMod val="100000"/>
+                </a:schemeClr>
+              </a:gs>
+            </a:gsLst>
+            <a:lin ang="10800000" scaled="1"/>
+            <a:tileRect/>
+          </a:gradFill>
+          <a:ln>
+            <a:noFill/>
+          </a:ln>
+        </p:spPr>
+        <p:style>
+          <a:lnRef idx="2">
+            <a:schemeClr val="accent1">
+              <a:shade val="50000"/>
+            </a:schemeClr>
+          </a:lnRef>
+          <a:fillRef idx="1">
+            <a:schemeClr val="accent1"/>
+          </a:fillRef>
+          <a:effectRef idx="0">
+            <a:schemeClr val="accent1"/>
+          </a:effectRef>
+          <a:fontRef idx="minor">
+            <a:schemeClr val="lt1"/>
+          </a:fontRef>
+        </p:style>
+        <p:txBody>
+          <a:bodyPr rtlCol="0" anchor="ctr"/>
+          <a:lstStyle/>
+          <a:p>
+            <a:pPr algn="ctr"/>
+            <a:endParaRPr lang="en-GB"/>
+          </a:p>
+        </p:txBody>
+      </p:sp>
+      <p:sp>
+        <p:nvSpPr>
+          <p:cNvPr id="5" name="Rounded Rectangle 4"/>
+          <p:cNvSpPr/>
+          <p:nvPr/>
+        </p:nvSpPr>
+        <p:spPr>
+          <a:xfrm rot="10800000">
+            <a:off x="2927684" y="1155029"/>
+            <a:ext cx="776437" cy="2338941"/>
+          </a:xfrm>
+          <a:prstGeom prst="roundRect">
+            <a:avLst/>
+          </a:prstGeom>
+          <a:gradFill flip="none" rotWithShape="1">
+            <a:gsLst>
+              <a:gs pos="0">
+                <a:schemeClr val="accent3">
+                  <a:lumMod val="0"/>
+                  <a:lumOff val="100000"/>
+                </a:schemeClr>
+              </a:gs>
+              <a:gs pos="35000">
+                <a:schemeClr val="accent3">
+                  <a:lumMod val="0"/>
+                  <a:lumOff val="100000"/>
+                </a:schemeClr>
+              </a:gs>
+              <a:gs pos="100000">
+                <a:schemeClr val="accent3">
+                  <a:lumMod val="100000"/>
+                </a:schemeClr>
+              </a:gs>
+            </a:gsLst>
+            <a:lin ang="10800000" scaled="1"/>
+            <a:tileRect/>
+          </a:gradFill>
+          <a:ln>
+            <a:noFill/>
+          </a:ln>
+        </p:spPr>
+        <p:style>
+          <a:lnRef idx="2">
+            <a:schemeClr val="accent1">
+              <a:shade val="50000"/>
+            </a:schemeClr>
+          </a:lnRef>
+          <a:fillRef idx="1">
+            <a:schemeClr val="accent1"/>
+          </a:fillRef>
+          <a:effectRef idx="0">
+            <a:schemeClr val="accent1"/>
+          </a:effectRef>
+          <a:fontRef idx="minor">
+            <a:schemeClr val="lt1"/>
+          </a:fontRef>
+        </p:style>
+        <p:txBody>
+          <a:bodyPr rtlCol="0" anchor="ctr"/>
+          <a:lstStyle/>
+          <a:p>
+            <a:pPr algn="ctr"/>
+            <a:endParaRPr lang="en-GB"/>
+          </a:p>
+        </p:txBody>
+      </p:sp>
+      <p:sp>
+        <p:nvSpPr>
+          <p:cNvPr id="4" name="Rounded Rectangle 3"/>
+          <p:cNvSpPr/>
+          <p:nvPr/>
+        </p:nvSpPr>
+        <p:spPr>
+          <a:xfrm rot="10800000">
+            <a:off x="2438400" y="1155029"/>
+            <a:ext cx="776437" cy="2338941"/>
+          </a:xfrm>
+          <a:prstGeom prst="roundRect">
+            <a:avLst/>
+          </a:prstGeom>
+          <a:gradFill flip="none" rotWithShape="1">
+            <a:gsLst>
+              <a:gs pos="0">
+                <a:schemeClr val="accent3">
+                  <a:lumMod val="0"/>
+                  <a:lumOff val="100000"/>
+                </a:schemeClr>
+              </a:gs>
+              <a:gs pos="35000">
+                <a:schemeClr val="accent3">
+                  <a:lumMod val="0"/>
+                  <a:lumOff val="100000"/>
+                </a:schemeClr>
+              </a:gs>
+              <a:gs pos="100000">
+                <a:schemeClr val="accent3">
+                  <a:lumMod val="100000"/>
+                </a:schemeClr>
+              </a:gs>
+            </a:gsLst>
+            <a:lin ang="10800000" scaled="1"/>
+            <a:tileRect/>
+          </a:gradFill>
+          <a:ln>
+            <a:noFill/>
+          </a:ln>
+        </p:spPr>
+        <p:style>
+          <a:lnRef idx="2">
+            <a:schemeClr val="accent1">
+              <a:shade val="50000"/>
+            </a:schemeClr>
+          </a:lnRef>
+          <a:fillRef idx="1">
+            <a:schemeClr val="accent1"/>
+          </a:fillRef>
+          <a:effectRef idx="0">
+            <a:schemeClr val="accent1"/>
+          </a:effectRef>
+          <a:fontRef idx="minor">
+            <a:schemeClr val="lt1"/>
+          </a:fontRef>
+        </p:style>
+        <p:txBody>
+          <a:bodyPr rtlCol="0" anchor="ctr"/>
+          <a:lstStyle/>
+          <a:p>
+            <a:pPr algn="ctr"/>
+            <a:endParaRPr lang="en-GB"/>
+          </a:p>
+        </p:txBody>
+      </p:sp>
+      <p:sp>
+        <p:nvSpPr>
+          <p:cNvPr id="9" name="Oval 8"/>
+          <p:cNvSpPr/>
+          <p:nvPr/>
+        </p:nvSpPr>
+        <p:spPr>
+          <a:xfrm>
+            <a:off x="7392202" y="847898"/>
+            <a:ext cx="2632947" cy="2569067"/>
+          </a:xfrm>
+          <a:prstGeom prst="ellipse">
+            <a:avLst/>
+          </a:prstGeom>
+          <a:gradFill flip="none" rotWithShape="1">
+            <a:gsLst>
+              <a:gs pos="0">
+                <a:schemeClr val="bg2">
+                  <a:lumMod val="90000"/>
+                </a:schemeClr>
+              </a:gs>
+              <a:gs pos="23000">
+                <a:schemeClr val="bg1">
+                  <a:lumMod val="65000"/>
+                </a:schemeClr>
+              </a:gs>
+              <a:gs pos="69000">
+                <a:schemeClr val="accent3">
+                  <a:lumMod val="75000"/>
+                </a:schemeClr>
+              </a:gs>
+              <a:gs pos="97000">
+                <a:schemeClr val="accent3">
+                  <a:lumMod val="70000"/>
+                </a:schemeClr>
+              </a:gs>
+            </a:gsLst>
+            <a:path path="circle">
+              <a:fillToRect l="50000" t="50000" r="50000" b="50000"/>
+            </a:path>
+            <a:tileRect/>
+          </a:gradFill>
+          <a:ln>
+            <a:noFill/>
+          </a:ln>
+        </p:spPr>
+        <p:style>
+          <a:lnRef idx="2">
+            <a:schemeClr val="accent1">
+              <a:shade val="50000"/>
+            </a:schemeClr>
+          </a:lnRef>
+          <a:fillRef idx="1">
+            <a:schemeClr val="accent1"/>
+          </a:fillRef>
+          <a:effectRef idx="0">
+            <a:schemeClr val="accent1"/>
+          </a:effectRef>
+          <a:fontRef idx="minor">
+            <a:schemeClr val="lt1"/>
+          </a:fontRef>
+        </p:style>
+        <p:txBody>
+          <a:bodyPr rtlCol="0" anchor="ctr"/>
+          <a:lstStyle/>
+          <a:p>
+            <a:pPr algn="ctr"/>
+            <a:endParaRPr lang="en-GB"/>
+          </a:p>
+        </p:txBody>
+      </p:sp>
+      <p:cxnSp>
+        <p:nvCxnSpPr>
+          <p:cNvPr id="11" name="Straight Connector 10"/>
+          <p:cNvCxnSpPr/>
+          <p:nvPr/>
+        </p:nvCxnSpPr>
+        <p:spPr>
+          <a:xfrm>
+            <a:off x="7555831" y="2714324"/>
+            <a:ext cx="996215" cy="702641"/>
+          </a:xfrm>
+          <a:prstGeom prst="line">
+            <a:avLst/>
+          </a:prstGeom>
+          <a:ln w="47625"/>
+        </p:spPr>
+        <p:style>
+          <a:lnRef idx="1">
+            <a:schemeClr val="accent1"/>
+          </a:lnRef>
+          <a:fillRef idx="0">
+            <a:schemeClr val="accent1"/>
+          </a:fillRef>
+          <a:effectRef idx="0">
+            <a:schemeClr val="accent1"/>
+          </a:effectRef>
+          <a:fontRef idx="minor">
+            <a:schemeClr val="tx1"/>
+          </a:fontRef>
+        </p:style>
+      </p:cxnSp>
+      <p:cxnSp>
+        <p:nvCxnSpPr>
+          <p:cNvPr id="12" name="Straight Connector 11"/>
+          <p:cNvCxnSpPr/>
+          <p:nvPr/>
+        </p:nvCxnSpPr>
+        <p:spPr>
+          <a:xfrm flipV="1">
+            <a:off x="8506762" y="2324500"/>
+            <a:ext cx="1460198" cy="1083786"/>
+          </a:xfrm>
+          <a:prstGeom prst="line">
+            <a:avLst/>
+          </a:prstGeom>
+          <a:ln w="47625"/>
+        </p:spPr>
+        <p:style>
+          <a:lnRef idx="1">
+            <a:schemeClr val="accent1"/>
+          </a:lnRef>
+          <a:fillRef idx="0">
+            <a:schemeClr val="accent1"/>
+          </a:fillRef>
+          <a:effectRef idx="0">
+            <a:schemeClr val="accent1"/>
+          </a:effectRef>
+          <a:fontRef idx="minor">
+            <a:schemeClr val="tx1"/>
+          </a:fontRef>
+        </p:style>
+      </p:cxnSp>
+      <p:cxnSp>
+        <p:nvCxnSpPr>
+          <p:cNvPr id="15" name="Straight Arrow Connector 14"/>
+          <p:cNvCxnSpPr/>
+          <p:nvPr/>
+        </p:nvCxnSpPr>
+        <p:spPr>
+          <a:xfrm flipH="1" flipV="1">
+            <a:off x="9360131" y="1022465"/>
+            <a:ext cx="606830" cy="1371601"/>
+          </a:xfrm>
+          <a:prstGeom prst="straightConnector1">
+            <a:avLst/>
+          </a:prstGeom>
+          <a:ln w="38100">
+            <a:tailEnd type="triangle"/>
+          </a:ln>
+        </p:spPr>
+        <p:style>
+          <a:lnRef idx="1">
+            <a:schemeClr val="accent1"/>
+          </a:lnRef>
+          <a:fillRef idx="0">
+            <a:schemeClr val="accent1"/>
+          </a:fillRef>
+          <a:effectRef idx="0">
+            <a:schemeClr val="accent1"/>
+          </a:effectRef>
+          <a:fontRef idx="minor">
+            <a:schemeClr val="tx1"/>
+          </a:fontRef>
+        </p:style>
+      </p:cxnSp>
+      <p:cxnSp>
+        <p:nvCxnSpPr>
+          <p:cNvPr id="3" name="Straight Arrow Connector 2"/>
+          <p:cNvCxnSpPr/>
+          <p:nvPr/>
+        </p:nvCxnSpPr>
+        <p:spPr>
+          <a:xfrm flipH="1">
+            <a:off x="2693324" y="847898"/>
+            <a:ext cx="3142211" cy="1546167"/>
+          </a:xfrm>
+          <a:prstGeom prst="straightConnector1">
+            <a:avLst/>
+          </a:prstGeom>
+          <a:ln w="63500">
+            <a:solidFill>
+              <a:schemeClr val="bg2">
+                <a:lumMod val="10000"/>
+              </a:schemeClr>
+            </a:solidFill>
+            <a:tailEnd type="triangle"/>
+          </a:ln>
+        </p:spPr>
+        <p:style>
+          <a:lnRef idx="1">
+            <a:schemeClr val="accent1"/>
+          </a:lnRef>
+          <a:fillRef idx="0">
+            <a:schemeClr val="accent1"/>
+          </a:fillRef>
+          <a:effectRef idx="0">
+            <a:schemeClr val="accent1"/>
+          </a:effectRef>
+          <a:fontRef idx="minor">
+            <a:schemeClr val="tx1"/>
+          </a:fontRef>
+        </p:style>
+      </p:cxnSp>
+      <p:cxnSp>
+        <p:nvCxnSpPr>
+          <p:cNvPr id="13" name="Straight Arrow Connector 12"/>
+          <p:cNvCxnSpPr/>
+          <p:nvPr/>
+        </p:nvCxnSpPr>
+        <p:spPr>
+          <a:xfrm>
+            <a:off x="2733573" y="2394065"/>
+            <a:ext cx="2757947" cy="1099906"/>
+          </a:xfrm>
+          <a:prstGeom prst="straightConnector1">
+            <a:avLst/>
+          </a:prstGeom>
+          <a:ln w="38100">
+            <a:tailEnd type="triangle"/>
+          </a:ln>
+        </p:spPr>
+        <p:style>
+          <a:lnRef idx="1">
+            <a:schemeClr val="accent1"/>
+          </a:lnRef>
+          <a:fillRef idx="0">
+            <a:schemeClr val="accent1"/>
+          </a:fillRef>
+          <a:effectRef idx="0">
+            <a:schemeClr val="accent1"/>
+          </a:effectRef>
+          <a:fontRef idx="minor">
+            <a:schemeClr val="tx1"/>
+          </a:fontRef>
+        </p:style>
+      </p:cxnSp>
+      <p:cxnSp>
+        <p:nvCxnSpPr>
+          <p:cNvPr id="16" name="Straight Arrow Connector 15"/>
+          <p:cNvCxnSpPr/>
+          <p:nvPr/>
+        </p:nvCxnSpPr>
+        <p:spPr>
+          <a:xfrm>
+            <a:off x="3222857" y="2181175"/>
+            <a:ext cx="2260643" cy="838371"/>
+          </a:xfrm>
+          <a:prstGeom prst="straightConnector1">
+            <a:avLst/>
+          </a:prstGeom>
+          <a:ln w="38100">
+            <a:tailEnd type="triangle"/>
+          </a:ln>
+        </p:spPr>
+        <p:style>
+          <a:lnRef idx="1">
+            <a:schemeClr val="accent1"/>
+          </a:lnRef>
+          <a:fillRef idx="0">
+            <a:schemeClr val="accent1"/>
+          </a:fillRef>
+          <a:effectRef idx="0">
+            <a:schemeClr val="accent1"/>
+          </a:effectRef>
+          <a:fontRef idx="minor">
+            <a:schemeClr val="tx1"/>
+          </a:fontRef>
+        </p:style>
+      </p:cxnSp>
+      <p:cxnSp>
+        <p:nvCxnSpPr>
+          <p:cNvPr id="17" name="Straight Arrow Connector 16"/>
+          <p:cNvCxnSpPr/>
+          <p:nvPr/>
+        </p:nvCxnSpPr>
+        <p:spPr>
+          <a:xfrm>
+            <a:off x="3717320" y="1939218"/>
+            <a:ext cx="1774200" cy="653961"/>
+          </a:xfrm>
+          <a:prstGeom prst="straightConnector1">
+            <a:avLst/>
+          </a:prstGeom>
+          <a:ln w="38100">
+            <a:tailEnd type="triangle"/>
+          </a:ln>
+        </p:spPr>
+        <p:style>
+          <a:lnRef idx="1">
+            <a:schemeClr val="accent1"/>
+          </a:lnRef>
+          <a:fillRef idx="0">
+            <a:schemeClr val="accent1"/>
+          </a:fillRef>
+          <a:effectRef idx="0">
+            <a:schemeClr val="accent1"/>
+          </a:effectRef>
+          <a:fontRef idx="minor">
+            <a:schemeClr val="tx1"/>
+          </a:fontRef>
+        </p:style>
+      </p:cxnSp>
+      <p:cxnSp>
+        <p:nvCxnSpPr>
+          <p:cNvPr id="18" name="Straight Arrow Connector 17"/>
+          <p:cNvCxnSpPr/>
+          <p:nvPr/>
+        </p:nvCxnSpPr>
+        <p:spPr>
+          <a:xfrm>
+            <a:off x="4206604" y="1674064"/>
+            <a:ext cx="1284916" cy="492578"/>
+          </a:xfrm>
+          <a:prstGeom prst="straightConnector1">
+            <a:avLst/>
+          </a:prstGeom>
+          <a:ln w="38100">
+            <a:tailEnd type="triangle"/>
+          </a:ln>
+        </p:spPr>
+        <p:style>
+          <a:lnRef idx="1">
+            <a:schemeClr val="accent1"/>
+          </a:lnRef>
+          <a:fillRef idx="0">
+            <a:schemeClr val="accent1"/>
+          </a:fillRef>
+          <a:effectRef idx="0">
+            <a:schemeClr val="accent1"/>
+          </a:effectRef>
+          <a:fontRef idx="minor">
+            <a:schemeClr val="tx1"/>
+          </a:fontRef>
+        </p:style>
+      </p:cxnSp>
+      <p:cxnSp>
+        <p:nvCxnSpPr>
+          <p:cNvPr id="19" name="Straight Arrow Connector 18"/>
+          <p:cNvCxnSpPr/>
+          <p:nvPr/>
+        </p:nvCxnSpPr>
+        <p:spPr>
+          <a:xfrm>
+            <a:off x="4687868" y="1474950"/>
+            <a:ext cx="803652" cy="305560"/>
+          </a:xfrm>
+          <a:prstGeom prst="straightConnector1">
+            <a:avLst/>
+          </a:prstGeom>
+          <a:ln w="38100">
+            <a:tailEnd type="triangle"/>
+          </a:ln>
+        </p:spPr>
+        <p:style>
+          <a:lnRef idx="1">
+            <a:schemeClr val="accent1"/>
+          </a:lnRef>
+          <a:fillRef idx="0">
+            <a:schemeClr val="accent1"/>
+          </a:fillRef>
+          <a:effectRef idx="0">
+            <a:schemeClr val="accent1"/>
+          </a:effectRef>
+          <a:fontRef idx="minor">
+            <a:schemeClr val="tx1"/>
+          </a:fontRef>
+        </p:style>
+      </p:cxnSp>
+    </p:spTree>
+    <p:extLst>
+      <p:ext uri="{BB962C8B-B14F-4D97-AF65-F5344CB8AC3E}">
+        <p14:creationId xmlns:p14="http://schemas.microsoft.com/office/powerpoint/2010/main" val="588565366"/>
+      </p:ext>
+    </p:extLst>
+  </p:cSld>
+  <p:clrMapOvr>
+    <a:masterClrMapping/>
+  </p:clrMapOvr>
+  <p:timing>
+    <p:tnLst>
+      <p:par>
+        <p:cTn id="1" dur="indefinite" restart="never" nodeType="tmRoot"/>
+      </p:par>
+    </p:tnLst>
+  </p:timing>
+</p:sld>
+</file>
+
+<file path=ppt/slides/slide9.xml><?xml version="1.0" encoding="utf-8"?>
+<p:sld xmlns:a="http://schemas.openxmlformats.org/drawingml/2006/main" xmlns:r="http://schemas.openxmlformats.org/officeDocument/2006/relationships" xmlns:p="http://schemas.openxmlformats.org/presentationml/2006/main">
+  <p:cSld>
+    <p:spTree>
+      <p:nvGrpSpPr>
+        <p:cNvPr id="1" name=""/>
+        <p:cNvGrpSpPr/>
+        <p:nvPr/>
+      </p:nvGrpSpPr>
+      <p:grpSpPr>
+        <a:xfrm>
+          <a:off x="0" y="0"/>
+          <a:ext cx="0" cy="0"/>
+          <a:chOff x="0" y="0"/>
+          <a:chExt cx="0" cy="0"/>
+        </a:xfrm>
+      </p:grpSpPr>
+      <p:sp>
+        <p:nvSpPr>
+          <p:cNvPr id="4" name="Oval 3"/>
+          <p:cNvSpPr/>
+          <p:nvPr/>
+        </p:nvSpPr>
+        <p:spPr>
+          <a:xfrm>
+            <a:off x="7181270" y="1070978"/>
+            <a:ext cx="3133898" cy="2261936"/>
+          </a:xfrm>
+          <a:prstGeom prst="ellipse">
+            <a:avLst/>
+          </a:prstGeom>
+          <a:gradFill flip="none" rotWithShape="1">
+            <a:gsLst>
+              <a:gs pos="8000">
+                <a:schemeClr val="accent3">
+                  <a:lumMod val="89000"/>
+                  <a:alpha val="46000"/>
+                </a:schemeClr>
+              </a:gs>
+              <a:gs pos="62000">
+                <a:schemeClr val="accent3">
+                  <a:lumMod val="89000"/>
+                </a:schemeClr>
+              </a:gs>
+              <a:gs pos="40000">
+                <a:schemeClr val="accent3">
+                  <a:lumMod val="75000"/>
+                </a:schemeClr>
+              </a:gs>
+              <a:gs pos="56000">
+                <a:schemeClr val="accent3">
+                  <a:lumMod val="70000"/>
+                </a:schemeClr>
+              </a:gs>
+            </a:gsLst>
+            <a:path path="circle">
+              <a:fillToRect l="50000" t="50000" r="50000" b="50000"/>
+            </a:path>
+            <a:tileRect/>
+          </a:gradFill>
+          <a:ln>
+            <a:noFill/>
+          </a:ln>
+        </p:spPr>
+        <p:style>
+          <a:lnRef idx="2">
+            <a:schemeClr val="accent1">
+              <a:shade val="50000"/>
+            </a:schemeClr>
+          </a:lnRef>
+          <a:fillRef idx="1">
+            <a:schemeClr val="accent1"/>
+          </a:fillRef>
+          <a:effectRef idx="0">
+            <a:schemeClr val="accent1"/>
+          </a:effectRef>
+          <a:fontRef idx="minor">
+            <a:schemeClr val="lt1"/>
+          </a:fontRef>
+        </p:style>
+        <p:txBody>
+          <a:bodyPr rtlCol="0" anchor="ctr"/>
+          <a:lstStyle/>
+          <a:p>
+            <a:pPr algn="ctr"/>
+            <a:endParaRPr lang="en-GB"/>
+          </a:p>
+        </p:txBody>
+      </p:sp>
+      <p:sp>
+        <p:nvSpPr>
+          <p:cNvPr id="5" name="Oval 4"/>
+          <p:cNvSpPr/>
+          <p:nvPr/>
+        </p:nvSpPr>
+        <p:spPr>
+          <a:xfrm>
+            <a:off x="3576519" y="3493481"/>
+            <a:ext cx="269507" cy="259882"/>
+          </a:xfrm>
+          <a:prstGeom prst="ellipse">
+            <a:avLst/>
+          </a:prstGeom>
+          <a:solidFill>
+            <a:schemeClr val="bg1"/>
+          </a:solidFill>
+          <a:ln w="25400"/>
+        </p:spPr>
+        <p:style>
+          <a:lnRef idx="2">
+            <a:schemeClr val="accent1">
+              <a:shade val="50000"/>
+            </a:schemeClr>
+          </a:lnRef>
+          <a:fillRef idx="1">
+            <a:schemeClr val="accent1"/>
+          </a:fillRef>
+          <a:effectRef idx="0">
+            <a:schemeClr val="accent1"/>
+          </a:effectRef>
+          <a:fontRef idx="minor">
+            <a:schemeClr val="lt1"/>
+          </a:fontRef>
+        </p:style>
+        <p:txBody>
+          <a:bodyPr rtlCol="0" anchor="ctr"/>
+          <a:lstStyle/>
+          <a:p>
+            <a:pPr algn="ctr"/>
+            <a:endParaRPr lang="en-GB"/>
+          </a:p>
+        </p:txBody>
+      </p:sp>
+      <p:sp>
+        <p:nvSpPr>
+          <p:cNvPr id="6" name="Oval 5"/>
+          <p:cNvSpPr/>
+          <p:nvPr/>
+        </p:nvSpPr>
+        <p:spPr>
+          <a:xfrm>
+            <a:off x="3967075" y="3493481"/>
+            <a:ext cx="269507" cy="259882"/>
+          </a:xfrm>
+          <a:prstGeom prst="ellipse">
+            <a:avLst/>
+          </a:prstGeom>
+          <a:solidFill>
+            <a:schemeClr val="bg1"/>
+          </a:solidFill>
+          <a:ln w="25400"/>
+        </p:spPr>
+        <p:style>
+          <a:lnRef idx="2">
+            <a:schemeClr val="accent1">
+              <a:shade val="50000"/>
+            </a:schemeClr>
+          </a:lnRef>
+          <a:fillRef idx="1">
+            <a:schemeClr val="accent1"/>
+          </a:fillRef>
+          <a:effectRef idx="0">
+            <a:schemeClr val="accent1"/>
+          </a:effectRef>
+          <a:fontRef idx="minor">
+            <a:schemeClr val="lt1"/>
+          </a:fontRef>
+        </p:style>
+        <p:txBody>
+          <a:bodyPr rtlCol="0" anchor="ctr"/>
+          <a:lstStyle/>
+          <a:p>
+            <a:pPr algn="ctr"/>
+            <a:endParaRPr lang="en-GB"/>
+          </a:p>
+        </p:txBody>
+      </p:sp>
+      <p:sp>
+        <p:nvSpPr>
+          <p:cNvPr id="7" name="Oval 6"/>
+          <p:cNvSpPr/>
+          <p:nvPr/>
+        </p:nvSpPr>
+        <p:spPr>
+          <a:xfrm>
+            <a:off x="4371348" y="3493481"/>
+            <a:ext cx="269507" cy="259882"/>
+          </a:xfrm>
+          <a:prstGeom prst="ellipse">
+            <a:avLst/>
+          </a:prstGeom>
+          <a:solidFill>
+            <a:schemeClr val="bg1"/>
+          </a:solidFill>
+          <a:ln w="25400"/>
+        </p:spPr>
+        <p:style>
+          <a:lnRef idx="2">
+            <a:schemeClr val="accent1">
+              <a:shade val="50000"/>
+            </a:schemeClr>
+          </a:lnRef>
+          <a:fillRef idx="1">
+            <a:schemeClr val="accent1"/>
+          </a:fillRef>
+          <a:effectRef idx="0">
+            <a:schemeClr val="accent1"/>
+          </a:effectRef>
+          <a:fontRef idx="minor">
+            <a:schemeClr val="lt1"/>
+          </a:fontRef>
+        </p:style>
+        <p:txBody>
+          <a:bodyPr rtlCol="0" anchor="ctr"/>
+          <a:lstStyle/>
+          <a:p>
+            <a:pPr algn="ctr"/>
+            <a:endParaRPr lang="en-GB"/>
+          </a:p>
+        </p:txBody>
+      </p:sp>
+      <p:sp>
+        <p:nvSpPr>
+          <p:cNvPr id="8" name="Oval 7"/>
+          <p:cNvSpPr/>
+          <p:nvPr/>
+        </p:nvSpPr>
+        <p:spPr>
+          <a:xfrm>
+            <a:off x="4761904" y="3493481"/>
+            <a:ext cx="269507" cy="259882"/>
+          </a:xfrm>
+          <a:prstGeom prst="ellipse">
+            <a:avLst/>
+          </a:prstGeom>
+          <a:solidFill>
+            <a:schemeClr val="bg1"/>
+          </a:solidFill>
+          <a:ln w="25400"/>
+        </p:spPr>
+        <p:style>
+          <a:lnRef idx="2">
+            <a:schemeClr val="accent1">
+              <a:shade val="50000"/>
+            </a:schemeClr>
+          </a:lnRef>
+          <a:fillRef idx="1">
+            <a:schemeClr val="accent1"/>
+          </a:fillRef>
+          <a:effectRef idx="0">
+            <a:schemeClr val="accent1"/>
+          </a:effectRef>
+          <a:fontRef idx="minor">
+            <a:schemeClr val="lt1"/>
+          </a:fontRef>
+        </p:style>
+        <p:txBody>
+          <a:bodyPr rtlCol="0" anchor="ctr"/>
+          <a:lstStyle/>
+          <a:p>
+            <a:pPr algn="ctr"/>
+            <a:endParaRPr lang="en-GB"/>
+          </a:p>
+        </p:txBody>
+      </p:sp>
+      <p:sp>
+        <p:nvSpPr>
+          <p:cNvPr id="9" name="Oval 8"/>
+          <p:cNvSpPr/>
+          <p:nvPr/>
+        </p:nvSpPr>
+        <p:spPr>
+          <a:xfrm>
+            <a:off x="5129557" y="3493481"/>
+            <a:ext cx="269507" cy="259882"/>
+          </a:xfrm>
+          <a:prstGeom prst="ellipse">
+            <a:avLst/>
+          </a:prstGeom>
+          <a:solidFill>
+            <a:schemeClr val="bg1"/>
+          </a:solidFill>
+          <a:ln w="25400"/>
+        </p:spPr>
+        <p:style>
+          <a:lnRef idx="2">
+            <a:schemeClr val="accent1">
+              <a:shade val="50000"/>
+            </a:schemeClr>
+          </a:lnRef>
+          <a:fillRef idx="1">
+            <a:schemeClr val="accent1"/>
+          </a:fillRef>
+          <a:effectRef idx="0">
+            <a:schemeClr val="accent1"/>
+          </a:effectRef>
+          <a:fontRef idx="minor">
+            <a:schemeClr val="lt1"/>
+          </a:fontRef>
+        </p:style>
+        <p:txBody>
+          <a:bodyPr rtlCol="0" anchor="ctr"/>
+          <a:lstStyle/>
+          <a:p>
+            <a:pPr algn="ctr"/>
+            <a:endParaRPr lang="en-GB"/>
+          </a:p>
+        </p:txBody>
+      </p:sp>
+      <p:sp>
+        <p:nvSpPr>
+          <p:cNvPr id="10" name="Oval 9"/>
+          <p:cNvSpPr/>
+          <p:nvPr/>
+        </p:nvSpPr>
+        <p:spPr>
+          <a:xfrm>
+            <a:off x="5520113" y="3493481"/>
+            <a:ext cx="269507" cy="259882"/>
+          </a:xfrm>
+          <a:prstGeom prst="ellipse">
+            <a:avLst/>
+          </a:prstGeom>
+          <a:solidFill>
+            <a:schemeClr val="bg1"/>
+          </a:solidFill>
+          <a:ln w="25400"/>
+        </p:spPr>
+        <p:style>
+          <a:lnRef idx="2">
+            <a:schemeClr val="accent1">
+              <a:shade val="50000"/>
+            </a:schemeClr>
+          </a:lnRef>
+          <a:fillRef idx="1">
+            <a:schemeClr val="accent1"/>
+          </a:fillRef>
+          <a:effectRef idx="0">
+            <a:schemeClr val="accent1"/>
+          </a:effectRef>
+          <a:fontRef idx="minor">
+            <a:schemeClr val="lt1"/>
+          </a:fontRef>
+        </p:style>
+        <p:txBody>
+          <a:bodyPr rtlCol="0" anchor="ctr"/>
+          <a:lstStyle/>
+          <a:p>
+            <a:pPr algn="ctr"/>
+            <a:endParaRPr lang="en-GB"/>
+          </a:p>
+        </p:txBody>
+      </p:sp>
+      <p:sp>
+        <p:nvSpPr>
+          <p:cNvPr id="15" name="Oval 14"/>
+          <p:cNvSpPr/>
+          <p:nvPr/>
+        </p:nvSpPr>
+        <p:spPr>
+          <a:xfrm>
+            <a:off x="3185963" y="3828761"/>
+            <a:ext cx="269507" cy="259882"/>
+          </a:xfrm>
+          <a:prstGeom prst="ellipse">
+            <a:avLst/>
+          </a:prstGeom>
+          <a:solidFill>
+            <a:schemeClr val="bg1"/>
+          </a:solidFill>
+          <a:ln w="25400"/>
+        </p:spPr>
+        <p:style>
+          <a:lnRef idx="2">
+            <a:schemeClr val="accent1">
+              <a:shade val="50000"/>
+            </a:schemeClr>
+          </a:lnRef>
+          <a:fillRef idx="1">
+            <a:schemeClr val="accent1"/>
+          </a:fillRef>
+          <a:effectRef idx="0">
+            <a:schemeClr val="accent1"/>
+          </a:effectRef>
+          <a:fontRef idx="minor">
+            <a:schemeClr val="lt1"/>
+          </a:fontRef>
+        </p:style>
+        <p:txBody>
+          <a:bodyPr rtlCol="0" anchor="ctr"/>
+          <a:lstStyle/>
+          <a:p>
+            <a:pPr algn="ctr"/>
+            <a:endParaRPr lang="en-GB"/>
+          </a:p>
+        </p:txBody>
+      </p:sp>
+      <p:sp>
+        <p:nvSpPr>
+          <p:cNvPr id="16" name="Oval 15"/>
+          <p:cNvSpPr/>
+          <p:nvPr/>
+        </p:nvSpPr>
+        <p:spPr>
+          <a:xfrm>
+            <a:off x="3576519" y="3828761"/>
+            <a:ext cx="269507" cy="259882"/>
+          </a:xfrm>
+          <a:prstGeom prst="ellipse">
+            <a:avLst/>
+          </a:prstGeom>
+          <a:solidFill>
+            <a:schemeClr val="bg1"/>
+          </a:solidFill>
+          <a:ln w="25400"/>
+        </p:spPr>
+        <p:style>
+          <a:lnRef idx="2">
+            <a:schemeClr val="accent1">
+              <a:shade val="50000"/>
+            </a:schemeClr>
+          </a:lnRef>
+          <a:fillRef idx="1">
+            <a:schemeClr val="accent1"/>
+          </a:fillRef>
+          <a:effectRef idx="0">
+            <a:schemeClr val="accent1"/>
+          </a:effectRef>
+          <a:fontRef idx="minor">
+            <a:schemeClr val="lt1"/>
+          </a:fontRef>
+        </p:style>
+        <p:txBody>
+          <a:bodyPr rtlCol="0" anchor="ctr"/>
+          <a:lstStyle/>
+          <a:p>
+            <a:pPr algn="ctr"/>
+            <a:endParaRPr lang="en-GB"/>
+          </a:p>
+        </p:txBody>
+      </p:sp>
+      <p:sp>
+        <p:nvSpPr>
+          <p:cNvPr id="17" name="Oval 16"/>
+          <p:cNvSpPr/>
+          <p:nvPr/>
+        </p:nvSpPr>
+        <p:spPr>
+          <a:xfrm>
+            <a:off x="3980792" y="3828761"/>
+            <a:ext cx="269507" cy="259882"/>
+          </a:xfrm>
+          <a:prstGeom prst="ellipse">
+            <a:avLst/>
+          </a:prstGeom>
+          <a:solidFill>
+            <a:schemeClr val="bg1"/>
+          </a:solidFill>
+          <a:ln w="25400"/>
+        </p:spPr>
+        <p:style>
+          <a:lnRef idx="2">
+            <a:schemeClr val="accent1">
+              <a:shade val="50000"/>
+            </a:schemeClr>
+          </a:lnRef>
+          <a:fillRef idx="1">
+            <a:schemeClr val="accent1"/>
+          </a:fillRef>
+          <a:effectRef idx="0">
+            <a:schemeClr val="accent1"/>
+          </a:effectRef>
+          <a:fontRef idx="minor">
+            <a:schemeClr val="lt1"/>
+          </a:fontRef>
+        </p:style>
+        <p:txBody>
+          <a:bodyPr rtlCol="0" anchor="ctr"/>
+          <a:lstStyle/>
+          <a:p>
+            <a:pPr algn="ctr"/>
+            <a:endParaRPr lang="en-GB"/>
+          </a:p>
+        </p:txBody>
+      </p:sp>
+      <p:sp>
+        <p:nvSpPr>
+          <p:cNvPr id="18" name="Oval 17"/>
+          <p:cNvSpPr/>
+          <p:nvPr/>
+        </p:nvSpPr>
+        <p:spPr>
+          <a:xfrm>
+            <a:off x="4371348" y="3828761"/>
+            <a:ext cx="269507" cy="259882"/>
+          </a:xfrm>
+          <a:prstGeom prst="ellipse">
+            <a:avLst/>
+          </a:prstGeom>
+          <a:solidFill>
+            <a:schemeClr val="bg1"/>
+          </a:solidFill>
+          <a:ln w="25400"/>
+        </p:spPr>
+        <p:style>
+          <a:lnRef idx="2">
+            <a:schemeClr val="accent1">
+              <a:shade val="50000"/>
+            </a:schemeClr>
+          </a:lnRef>
+          <a:fillRef idx="1">
+            <a:schemeClr val="accent1"/>
+          </a:fillRef>
+          <a:effectRef idx="0">
+            <a:schemeClr val="accent1"/>
+          </a:effectRef>
+          <a:fontRef idx="minor">
+            <a:schemeClr val="lt1"/>
+          </a:fontRef>
+        </p:style>
+        <p:txBody>
+          <a:bodyPr rtlCol="0" anchor="ctr"/>
+          <a:lstStyle/>
+          <a:p>
+            <a:pPr algn="ctr"/>
+            <a:endParaRPr lang="en-GB"/>
+          </a:p>
+        </p:txBody>
+      </p:sp>
+      <p:sp>
+        <p:nvSpPr>
+          <p:cNvPr id="19" name="Oval 18"/>
+          <p:cNvSpPr/>
+          <p:nvPr/>
+        </p:nvSpPr>
+        <p:spPr>
+          <a:xfrm>
+            <a:off x="4761904" y="3828761"/>
+            <a:ext cx="269507" cy="259882"/>
+          </a:xfrm>
+          <a:prstGeom prst="ellipse">
+            <a:avLst/>
+          </a:prstGeom>
+          <a:solidFill>
+            <a:schemeClr val="bg1"/>
+          </a:solidFill>
+          <a:ln w="25400"/>
+        </p:spPr>
+        <p:style>
+          <a:lnRef idx="2">
+            <a:schemeClr val="accent1">
+              <a:shade val="50000"/>
+            </a:schemeClr>
+          </a:lnRef>
+          <a:fillRef idx="1">
+            <a:schemeClr val="accent1"/>
+          </a:fillRef>
+          <a:effectRef idx="0">
+            <a:schemeClr val="accent1"/>
+          </a:effectRef>
+          <a:fontRef idx="minor">
+            <a:schemeClr val="lt1"/>
+          </a:fontRef>
+        </p:style>
+        <p:txBody>
+          <a:bodyPr rtlCol="0" anchor="ctr"/>
+          <a:lstStyle/>
+          <a:p>
+            <a:pPr algn="ctr"/>
+            <a:endParaRPr lang="en-GB"/>
+          </a:p>
+        </p:txBody>
+      </p:sp>
+      <p:sp>
+        <p:nvSpPr>
+          <p:cNvPr id="20" name="Oval 19"/>
+          <p:cNvSpPr/>
+          <p:nvPr/>
+        </p:nvSpPr>
+        <p:spPr>
+          <a:xfrm>
+            <a:off x="5152460" y="3828761"/>
+            <a:ext cx="269507" cy="259882"/>
+          </a:xfrm>
+          <a:prstGeom prst="ellipse">
+            <a:avLst/>
+          </a:prstGeom>
+          <a:solidFill>
+            <a:schemeClr val="bg1"/>
+          </a:solidFill>
+          <a:ln w="25400"/>
+        </p:spPr>
+        <p:style>
+          <a:lnRef idx="2">
+            <a:schemeClr val="accent1">
+              <a:shade val="50000"/>
+            </a:schemeClr>
+          </a:lnRef>
+          <a:fillRef idx="1">
+            <a:schemeClr val="accent1"/>
+          </a:fillRef>
+          <a:effectRef idx="0">
+            <a:schemeClr val="accent1"/>
+          </a:effectRef>
+          <a:fontRef idx="minor">
+            <a:schemeClr val="lt1"/>
+          </a:fontRef>
+        </p:style>
+        <p:txBody>
+          <a:bodyPr rtlCol="0" anchor="ctr"/>
+          <a:lstStyle/>
+          <a:p>
+            <a:pPr algn="ctr"/>
+            <a:endParaRPr lang="en-GB"/>
+          </a:p>
+        </p:txBody>
+      </p:sp>
+      <p:sp>
+        <p:nvSpPr>
+          <p:cNvPr id="21" name="Oval 20"/>
+          <p:cNvSpPr/>
+          <p:nvPr/>
+        </p:nvSpPr>
+        <p:spPr>
+          <a:xfrm>
+            <a:off x="5512621" y="3828761"/>
+            <a:ext cx="269507" cy="259882"/>
+          </a:xfrm>
+          <a:prstGeom prst="ellipse">
+            <a:avLst/>
+          </a:prstGeom>
+          <a:solidFill>
+            <a:schemeClr val="bg1"/>
+          </a:solidFill>
+          <a:ln w="25400"/>
+        </p:spPr>
+        <p:style>
+          <a:lnRef idx="2">
+            <a:schemeClr val="accent1">
+              <a:shade val="50000"/>
+            </a:schemeClr>
+          </a:lnRef>
+          <a:fillRef idx="1">
+            <a:schemeClr val="accent1"/>
+          </a:fillRef>
+          <a:effectRef idx="0">
+            <a:schemeClr val="accent1"/>
+          </a:effectRef>
+          <a:fontRef idx="minor">
+            <a:schemeClr val="lt1"/>
+          </a:fontRef>
+        </p:style>
+        <p:txBody>
+          <a:bodyPr rtlCol="0" anchor="ctr"/>
+          <a:lstStyle/>
+          <a:p>
+            <a:pPr algn="ctr"/>
+            <a:endParaRPr lang="en-GB"/>
+          </a:p>
+        </p:txBody>
+      </p:sp>
+      <p:sp>
+        <p:nvSpPr>
+          <p:cNvPr id="22" name="Oval 21"/>
+          <p:cNvSpPr/>
+          <p:nvPr/>
+        </p:nvSpPr>
+        <p:spPr>
+          <a:xfrm>
+            <a:off x="5867300" y="3847230"/>
+            <a:ext cx="269507" cy="259882"/>
+          </a:xfrm>
+          <a:prstGeom prst="ellipse">
+            <a:avLst/>
+          </a:prstGeom>
+          <a:solidFill>
+            <a:schemeClr val="bg1"/>
+          </a:solidFill>
+          <a:ln w="25400"/>
+        </p:spPr>
+        <p:style>
+          <a:lnRef idx="2">
+            <a:schemeClr val="accent1">
+              <a:shade val="50000"/>
+            </a:schemeClr>
+          </a:lnRef>
+          <a:fillRef idx="1">
+            <a:schemeClr val="accent1"/>
+          </a:fillRef>
+          <a:effectRef idx="0">
+            <a:schemeClr val="accent1"/>
+          </a:effectRef>
+          <a:fontRef idx="minor">
+            <a:schemeClr val="lt1"/>
+          </a:fontRef>
+        </p:style>
+        <p:txBody>
+          <a:bodyPr rtlCol="0" anchor="ctr"/>
+          <a:lstStyle/>
+          <a:p>
+            <a:pPr algn="ctr"/>
+            <a:endParaRPr lang="en-GB"/>
+          </a:p>
+        </p:txBody>
+      </p:sp>
+      <p:sp>
+        <p:nvSpPr>
+          <p:cNvPr id="23" name="Oval 22"/>
+          <p:cNvSpPr/>
+          <p:nvPr/>
+        </p:nvSpPr>
+        <p:spPr>
+          <a:xfrm>
+            <a:off x="3057938" y="4225629"/>
+            <a:ext cx="269507" cy="259882"/>
+          </a:xfrm>
+          <a:prstGeom prst="ellipse">
+            <a:avLst/>
+          </a:prstGeom>
+          <a:solidFill>
+            <a:schemeClr val="bg1"/>
+          </a:solidFill>
+          <a:ln w="25400"/>
+        </p:spPr>
+        <p:style>
+          <a:lnRef idx="2">
+            <a:schemeClr val="accent1">
+              <a:shade val="50000"/>
+            </a:schemeClr>
+          </a:lnRef>
+          <a:fillRef idx="1">
+            <a:schemeClr val="accent1"/>
+          </a:fillRef>
+          <a:effectRef idx="0">
+            <a:schemeClr val="accent1"/>
+          </a:effectRef>
+          <a:fontRef idx="minor">
+            <a:schemeClr val="lt1"/>
+          </a:fontRef>
+        </p:style>
+        <p:txBody>
+          <a:bodyPr rtlCol="0" anchor="ctr"/>
+          <a:lstStyle/>
+          <a:p>
+            <a:pPr algn="ctr"/>
+            <a:endParaRPr lang="en-GB"/>
+          </a:p>
+        </p:txBody>
+      </p:sp>
+      <p:sp>
+        <p:nvSpPr>
+          <p:cNvPr id="24" name="Oval 23"/>
+          <p:cNvSpPr/>
+          <p:nvPr/>
+        </p:nvSpPr>
+        <p:spPr>
+          <a:xfrm>
+            <a:off x="3448494" y="4225629"/>
+            <a:ext cx="269507" cy="259882"/>
+          </a:xfrm>
+          <a:prstGeom prst="ellipse">
+            <a:avLst/>
+          </a:prstGeom>
+          <a:solidFill>
+            <a:schemeClr val="bg1"/>
+          </a:solidFill>
+          <a:ln w="25400"/>
+        </p:spPr>
+        <p:style>
+          <a:lnRef idx="2">
+            <a:schemeClr val="accent1">
+              <a:shade val="50000"/>
+            </a:schemeClr>
+          </a:lnRef>
+          <a:fillRef idx="1">
+            <a:schemeClr val="accent1"/>
+          </a:fillRef>
+          <a:effectRef idx="0">
+            <a:schemeClr val="accent1"/>
+          </a:effectRef>
+          <a:fontRef idx="minor">
+            <a:schemeClr val="lt1"/>
+          </a:fontRef>
+        </p:style>
+        <p:txBody>
+          <a:bodyPr rtlCol="0" anchor="ctr"/>
+          <a:lstStyle/>
+          <a:p>
+            <a:pPr algn="ctr"/>
+            <a:endParaRPr lang="en-GB"/>
+          </a:p>
+        </p:txBody>
+      </p:sp>
+      <p:sp>
+        <p:nvSpPr>
+          <p:cNvPr id="25" name="Oval 24"/>
+          <p:cNvSpPr/>
+          <p:nvPr/>
+        </p:nvSpPr>
+        <p:spPr>
+          <a:xfrm>
+            <a:off x="3852767" y="4225629"/>
+            <a:ext cx="269507" cy="259882"/>
+          </a:xfrm>
+          <a:prstGeom prst="ellipse">
+            <a:avLst/>
+          </a:prstGeom>
+          <a:solidFill>
+            <a:schemeClr val="bg1"/>
+          </a:solidFill>
+          <a:ln w="25400"/>
+        </p:spPr>
+        <p:style>
+          <a:lnRef idx="2">
+            <a:schemeClr val="accent1">
+              <a:shade val="50000"/>
+            </a:schemeClr>
+          </a:lnRef>
+          <a:fillRef idx="1">
+            <a:schemeClr val="accent1"/>
+          </a:fillRef>
+          <a:effectRef idx="0">
+            <a:schemeClr val="accent1"/>
+          </a:effectRef>
+          <a:fontRef idx="minor">
+            <a:schemeClr val="lt1"/>
+          </a:fontRef>
+        </p:style>
+        <p:txBody>
+          <a:bodyPr rtlCol="0" anchor="ctr"/>
+          <a:lstStyle/>
+          <a:p>
+            <a:pPr algn="ctr"/>
+            <a:endParaRPr lang="en-GB"/>
+          </a:p>
+        </p:txBody>
+      </p:sp>
+      <p:sp>
+        <p:nvSpPr>
+          <p:cNvPr id="28" name="Oval 27"/>
+          <p:cNvSpPr/>
+          <p:nvPr/>
+        </p:nvSpPr>
+        <p:spPr>
+          <a:xfrm>
+            <a:off x="5155417" y="4220182"/>
+            <a:ext cx="269507" cy="259882"/>
+          </a:xfrm>
+          <a:prstGeom prst="ellipse">
+            <a:avLst/>
+          </a:prstGeom>
+          <a:solidFill>
+            <a:schemeClr val="bg1"/>
+          </a:solidFill>
+          <a:ln w="25400"/>
+        </p:spPr>
+        <p:style>
+          <a:lnRef idx="2">
+            <a:schemeClr val="accent1">
+              <a:shade val="50000"/>
+            </a:schemeClr>
+          </a:lnRef>
+          <a:fillRef idx="1">
+            <a:schemeClr val="accent1"/>
+          </a:fillRef>
+          <a:effectRef idx="0">
+            <a:schemeClr val="accent1"/>
+          </a:effectRef>
+          <a:fontRef idx="minor">
+            <a:schemeClr val="lt1"/>
+          </a:fontRef>
+        </p:style>
+        <p:txBody>
+          <a:bodyPr rtlCol="0" anchor="ctr"/>
+          <a:lstStyle/>
+          <a:p>
+            <a:pPr algn="ctr"/>
+            <a:endParaRPr lang="en-GB"/>
+          </a:p>
+        </p:txBody>
+      </p:sp>
+      <p:sp>
+        <p:nvSpPr>
+          <p:cNvPr id="29" name="Oval 28"/>
+          <p:cNvSpPr/>
+          <p:nvPr/>
+        </p:nvSpPr>
+        <p:spPr>
+          <a:xfrm>
+            <a:off x="5512621" y="4231399"/>
+            <a:ext cx="269507" cy="259882"/>
+          </a:xfrm>
+          <a:prstGeom prst="ellipse">
+            <a:avLst/>
+          </a:prstGeom>
+          <a:solidFill>
+            <a:schemeClr val="bg1"/>
+          </a:solidFill>
+          <a:ln w="25400"/>
+        </p:spPr>
+        <p:style>
+          <a:lnRef idx="2">
+            <a:schemeClr val="accent1">
+              <a:shade val="50000"/>
+            </a:schemeClr>
+          </a:lnRef>
+          <a:fillRef idx="1">
+            <a:schemeClr val="accent1"/>
+          </a:fillRef>
+          <a:effectRef idx="0">
+            <a:schemeClr val="accent1"/>
+          </a:effectRef>
+          <a:fontRef idx="minor">
+            <a:schemeClr val="lt1"/>
+          </a:fontRef>
+        </p:style>
+        <p:txBody>
+          <a:bodyPr rtlCol="0" anchor="ctr"/>
+          <a:lstStyle/>
+          <a:p>
+            <a:pPr algn="ctr"/>
+            <a:endParaRPr lang="en-GB"/>
+          </a:p>
+        </p:txBody>
+      </p:sp>
+      <p:sp>
+        <p:nvSpPr>
+          <p:cNvPr id="30" name="Oval 29"/>
+          <p:cNvSpPr/>
+          <p:nvPr/>
+        </p:nvSpPr>
+        <p:spPr>
+          <a:xfrm>
+            <a:off x="5928115" y="4236870"/>
+            <a:ext cx="269507" cy="259882"/>
+          </a:xfrm>
+          <a:prstGeom prst="ellipse">
+            <a:avLst/>
+          </a:prstGeom>
+          <a:solidFill>
+            <a:schemeClr val="bg1"/>
+          </a:solidFill>
+          <a:ln w="25400"/>
+        </p:spPr>
+        <p:style>
+          <a:lnRef idx="2">
+            <a:schemeClr val="accent1">
+              <a:shade val="50000"/>
+            </a:schemeClr>
+          </a:lnRef>
+          <a:fillRef idx="1">
+            <a:schemeClr val="accent1"/>
+          </a:fillRef>
+          <a:effectRef idx="0">
+            <a:schemeClr val="accent1"/>
+          </a:effectRef>
+          <a:fontRef idx="minor">
+            <a:schemeClr val="lt1"/>
+          </a:fontRef>
+        </p:style>
+        <p:txBody>
+          <a:bodyPr rtlCol="0" anchor="ctr"/>
+          <a:lstStyle/>
+          <a:p>
+            <a:pPr algn="ctr"/>
+            <a:endParaRPr lang="en-GB"/>
+          </a:p>
+        </p:txBody>
+      </p:sp>
+      <p:sp>
+        <p:nvSpPr>
+          <p:cNvPr id="41" name="Oval 40"/>
+          <p:cNvSpPr/>
+          <p:nvPr/>
+        </p:nvSpPr>
+        <p:spPr>
+          <a:xfrm>
+            <a:off x="3637806" y="4584038"/>
+            <a:ext cx="269507" cy="259882"/>
+          </a:xfrm>
+          <a:prstGeom prst="ellipse">
+            <a:avLst/>
+          </a:prstGeom>
+          <a:solidFill>
+            <a:schemeClr val="bg1"/>
+          </a:solidFill>
+          <a:ln w="25400"/>
+        </p:spPr>
+        <p:style>
+          <a:lnRef idx="2">
+            <a:schemeClr val="accent1">
+              <a:shade val="50000"/>
+            </a:schemeClr>
+          </a:lnRef>
+          <a:fillRef idx="1">
+            <a:schemeClr val="accent1"/>
+          </a:fillRef>
+          <a:effectRef idx="0">
+            <a:schemeClr val="accent1"/>
+          </a:effectRef>
+          <a:fontRef idx="minor">
+            <a:schemeClr val="lt1"/>
+          </a:fontRef>
+        </p:style>
+        <p:txBody>
+          <a:bodyPr rtlCol="0" anchor="ctr"/>
+          <a:lstStyle/>
+          <a:p>
+            <a:pPr algn="ctr"/>
+            <a:endParaRPr lang="en-GB"/>
+          </a:p>
+        </p:txBody>
+      </p:sp>
+      <p:sp>
+        <p:nvSpPr>
+          <p:cNvPr id="42" name="Oval 41"/>
+          <p:cNvSpPr/>
+          <p:nvPr/>
+        </p:nvSpPr>
+        <p:spPr>
+          <a:xfrm>
+            <a:off x="4028362" y="4584038"/>
+            <a:ext cx="269507" cy="259882"/>
+          </a:xfrm>
+          <a:prstGeom prst="ellipse">
+            <a:avLst/>
+          </a:prstGeom>
+          <a:solidFill>
+            <a:schemeClr val="bg1"/>
+          </a:solidFill>
+          <a:ln w="25400"/>
+        </p:spPr>
+        <p:style>
+          <a:lnRef idx="2">
+            <a:schemeClr val="accent1">
+              <a:shade val="50000"/>
+            </a:schemeClr>
+          </a:lnRef>
+          <a:fillRef idx="1">
+            <a:schemeClr val="accent1"/>
+          </a:fillRef>
+          <a:effectRef idx="0">
+            <a:schemeClr val="accent1"/>
+          </a:effectRef>
+          <a:fontRef idx="minor">
+            <a:schemeClr val="lt1"/>
+          </a:fontRef>
+        </p:style>
+        <p:txBody>
+          <a:bodyPr rtlCol="0" anchor="ctr"/>
+          <a:lstStyle/>
+          <a:p>
+            <a:pPr algn="ctr"/>
+            <a:endParaRPr lang="en-GB"/>
+          </a:p>
+        </p:txBody>
+      </p:sp>
+      <p:sp>
+        <p:nvSpPr>
+          <p:cNvPr id="43" name="Oval 42"/>
+          <p:cNvSpPr/>
+          <p:nvPr/>
+        </p:nvSpPr>
+        <p:spPr>
+          <a:xfrm>
+            <a:off x="4432635" y="4584038"/>
+            <a:ext cx="269507" cy="259882"/>
+          </a:xfrm>
+          <a:prstGeom prst="ellipse">
+            <a:avLst/>
+          </a:prstGeom>
+          <a:solidFill>
+            <a:schemeClr val="bg1"/>
+          </a:solidFill>
+          <a:ln w="25400"/>
+        </p:spPr>
+        <p:style>
+          <a:lnRef idx="2">
+            <a:schemeClr val="accent1">
+              <a:shade val="50000"/>
+            </a:schemeClr>
+          </a:lnRef>
+          <a:fillRef idx="1">
+            <a:schemeClr val="accent1"/>
+          </a:fillRef>
+          <a:effectRef idx="0">
+            <a:schemeClr val="accent1"/>
+          </a:effectRef>
+          <a:fontRef idx="minor">
+            <a:schemeClr val="lt1"/>
+          </a:fontRef>
+        </p:style>
+        <p:txBody>
+          <a:bodyPr rtlCol="0" anchor="ctr"/>
+          <a:lstStyle/>
+          <a:p>
+            <a:pPr algn="ctr"/>
+            <a:endParaRPr lang="en-GB"/>
+          </a:p>
+        </p:txBody>
+      </p:sp>
+      <p:sp>
+        <p:nvSpPr>
+          <p:cNvPr id="44" name="Oval 43"/>
+          <p:cNvSpPr/>
+          <p:nvPr/>
+        </p:nvSpPr>
+        <p:spPr>
+          <a:xfrm>
+            <a:off x="4823191" y="4584038"/>
+            <a:ext cx="269507" cy="259882"/>
+          </a:xfrm>
+          <a:prstGeom prst="ellipse">
+            <a:avLst/>
+          </a:prstGeom>
+          <a:solidFill>
+            <a:schemeClr val="bg1"/>
+          </a:solidFill>
+          <a:ln w="25400"/>
+        </p:spPr>
+        <p:style>
+          <a:lnRef idx="2">
+            <a:schemeClr val="accent1">
+              <a:shade val="50000"/>
+            </a:schemeClr>
+          </a:lnRef>
+          <a:fillRef idx="1">
+            <a:schemeClr val="accent1"/>
+          </a:fillRef>
+          <a:effectRef idx="0">
+            <a:schemeClr val="accent1"/>
+          </a:effectRef>
+          <a:fontRef idx="minor">
+            <a:schemeClr val="lt1"/>
+          </a:fontRef>
+        </p:style>
+        <p:txBody>
+          <a:bodyPr rtlCol="0" anchor="ctr"/>
+          <a:lstStyle/>
+          <a:p>
+            <a:pPr algn="ctr"/>
+            <a:endParaRPr lang="en-GB"/>
+          </a:p>
+        </p:txBody>
+      </p:sp>
+      <p:sp>
+        <p:nvSpPr>
+          <p:cNvPr id="45" name="Oval 44"/>
+          <p:cNvSpPr/>
+          <p:nvPr/>
+        </p:nvSpPr>
+        <p:spPr>
+          <a:xfrm>
+            <a:off x="5190844" y="4584038"/>
+            <a:ext cx="269507" cy="259882"/>
+          </a:xfrm>
+          <a:prstGeom prst="ellipse">
+            <a:avLst/>
+          </a:prstGeom>
+          <a:solidFill>
+            <a:schemeClr val="bg1"/>
+          </a:solidFill>
+          <a:ln w="25400"/>
+        </p:spPr>
+        <p:style>
+          <a:lnRef idx="2">
+            <a:schemeClr val="accent1">
+              <a:shade val="50000"/>
+            </a:schemeClr>
+          </a:lnRef>
+          <a:fillRef idx="1">
+            <a:schemeClr val="accent1"/>
+          </a:fillRef>
+          <a:effectRef idx="0">
+            <a:schemeClr val="accent1"/>
+          </a:effectRef>
+          <a:fontRef idx="minor">
+            <a:schemeClr val="lt1"/>
+          </a:fontRef>
+        </p:style>
+        <p:txBody>
+          <a:bodyPr rtlCol="0" anchor="ctr"/>
+          <a:lstStyle/>
+          <a:p>
+            <a:pPr algn="ctr"/>
+            <a:endParaRPr lang="en-GB"/>
+          </a:p>
+        </p:txBody>
+      </p:sp>
+      <p:sp>
+        <p:nvSpPr>
+          <p:cNvPr id="46" name="Oval 45"/>
+          <p:cNvSpPr/>
+          <p:nvPr/>
+        </p:nvSpPr>
+        <p:spPr>
+          <a:xfrm>
+            <a:off x="5558497" y="4563983"/>
+            <a:ext cx="269507" cy="259882"/>
+          </a:xfrm>
+          <a:prstGeom prst="ellipse">
+            <a:avLst/>
+          </a:prstGeom>
+          <a:solidFill>
+            <a:schemeClr val="bg1"/>
+          </a:solidFill>
+          <a:ln w="25400"/>
+        </p:spPr>
+        <p:style>
+          <a:lnRef idx="2">
+            <a:schemeClr val="accent1">
+              <a:shade val="50000"/>
+            </a:schemeClr>
+          </a:lnRef>
+          <a:fillRef idx="1">
+            <a:schemeClr val="accent1"/>
+          </a:fillRef>
+          <a:effectRef idx="0">
+            <a:schemeClr val="accent1"/>
+          </a:effectRef>
+          <a:fontRef idx="minor">
+            <a:schemeClr val="lt1"/>
+          </a:fontRef>
+        </p:style>
+        <p:txBody>
+          <a:bodyPr rtlCol="0" anchor="ctr"/>
+          <a:lstStyle/>
+          <a:p>
+            <a:pPr algn="ctr"/>
+            <a:endParaRPr lang="en-GB"/>
+          </a:p>
+        </p:txBody>
+      </p:sp>
+      <p:sp>
+        <p:nvSpPr>
+          <p:cNvPr id="47" name="Oval 46"/>
+          <p:cNvSpPr/>
+          <p:nvPr/>
+        </p:nvSpPr>
+        <p:spPr>
+          <a:xfrm>
+            <a:off x="3291837" y="4587437"/>
+            <a:ext cx="269507" cy="259882"/>
+          </a:xfrm>
+          <a:prstGeom prst="ellipse">
+            <a:avLst/>
+          </a:prstGeom>
+          <a:solidFill>
+            <a:schemeClr val="bg1"/>
+          </a:solidFill>
+          <a:ln w="25400"/>
+        </p:spPr>
+        <p:style>
+          <a:lnRef idx="2">
+            <a:schemeClr val="accent1">
+              <a:shade val="50000"/>
+            </a:schemeClr>
+          </a:lnRef>
+          <a:fillRef idx="1">
+            <a:schemeClr val="accent1"/>
+          </a:fillRef>
+          <a:effectRef idx="0">
+            <a:schemeClr val="accent1"/>
+          </a:effectRef>
+          <a:fontRef idx="minor">
+            <a:schemeClr val="lt1"/>
+          </a:fontRef>
+        </p:style>
+        <p:txBody>
+          <a:bodyPr rtlCol="0" anchor="ctr"/>
+          <a:lstStyle/>
+          <a:p>
+            <a:pPr algn="ctr"/>
+            <a:endParaRPr lang="en-GB"/>
+          </a:p>
+        </p:txBody>
+      </p:sp>
+      <p:sp>
+        <p:nvSpPr>
+          <p:cNvPr id="48" name="Oval 47"/>
+          <p:cNvSpPr/>
+          <p:nvPr/>
+        </p:nvSpPr>
+        <p:spPr>
+          <a:xfrm>
+            <a:off x="3651523" y="4908536"/>
+            <a:ext cx="269507" cy="259882"/>
+          </a:xfrm>
+          <a:prstGeom prst="ellipse">
+            <a:avLst/>
+          </a:prstGeom>
+          <a:solidFill>
+            <a:schemeClr val="bg1"/>
+          </a:solidFill>
+          <a:ln w="25400"/>
+        </p:spPr>
+        <p:style>
+          <a:lnRef idx="2">
+            <a:schemeClr val="accent1">
+              <a:shade val="50000"/>
+            </a:schemeClr>
+          </a:lnRef>
+          <a:fillRef idx="1">
+            <a:schemeClr val="accent1"/>
+          </a:fillRef>
+          <a:effectRef idx="0">
+            <a:schemeClr val="accent1"/>
+          </a:effectRef>
+          <a:fontRef idx="minor">
+            <a:schemeClr val="lt1"/>
+          </a:fontRef>
+        </p:style>
+        <p:txBody>
+          <a:bodyPr rtlCol="0" anchor="ctr"/>
+          <a:lstStyle/>
+          <a:p>
+            <a:pPr algn="ctr"/>
+            <a:endParaRPr lang="en-GB"/>
+          </a:p>
+        </p:txBody>
+      </p:sp>
+      <p:sp>
+        <p:nvSpPr>
+          <p:cNvPr id="49" name="Oval 48"/>
+          <p:cNvSpPr/>
+          <p:nvPr/>
+        </p:nvSpPr>
+        <p:spPr>
+          <a:xfrm>
+            <a:off x="4042079" y="4919318"/>
+            <a:ext cx="269507" cy="259882"/>
+          </a:xfrm>
+          <a:prstGeom prst="ellipse">
+            <a:avLst/>
+          </a:prstGeom>
+          <a:solidFill>
+            <a:schemeClr val="bg1"/>
+          </a:solidFill>
+          <a:ln w="25400"/>
+        </p:spPr>
+        <p:style>
+          <a:lnRef idx="2">
+            <a:schemeClr val="accent1">
+              <a:shade val="50000"/>
+            </a:schemeClr>
+          </a:lnRef>
+          <a:fillRef idx="1">
+            <a:schemeClr val="accent1"/>
+          </a:fillRef>
+          <a:effectRef idx="0">
+            <a:schemeClr val="accent1"/>
+          </a:effectRef>
+          <a:fontRef idx="minor">
+            <a:schemeClr val="lt1"/>
+          </a:fontRef>
+        </p:style>
+        <p:txBody>
+          <a:bodyPr rtlCol="0" anchor="ctr"/>
+          <a:lstStyle/>
+          <a:p>
+            <a:pPr algn="ctr"/>
+            <a:endParaRPr lang="en-GB"/>
+          </a:p>
+        </p:txBody>
+      </p:sp>
+      <p:sp>
+        <p:nvSpPr>
+          <p:cNvPr id="50" name="Oval 49"/>
+          <p:cNvSpPr/>
+          <p:nvPr/>
+        </p:nvSpPr>
+        <p:spPr>
+          <a:xfrm>
+            <a:off x="4432635" y="4919318"/>
+            <a:ext cx="269507" cy="259882"/>
+          </a:xfrm>
+          <a:prstGeom prst="ellipse">
+            <a:avLst/>
+          </a:prstGeom>
+          <a:solidFill>
+            <a:schemeClr val="bg1"/>
+          </a:solidFill>
+          <a:ln w="25400"/>
+        </p:spPr>
+        <p:style>
+          <a:lnRef idx="2">
+            <a:schemeClr val="accent1">
+              <a:shade val="50000"/>
+            </a:schemeClr>
+          </a:lnRef>
+          <a:fillRef idx="1">
+            <a:schemeClr val="accent1"/>
+          </a:fillRef>
+          <a:effectRef idx="0">
+            <a:schemeClr val="accent1"/>
+          </a:effectRef>
+          <a:fontRef idx="minor">
+            <a:schemeClr val="lt1"/>
+          </a:fontRef>
+        </p:style>
+        <p:txBody>
+          <a:bodyPr rtlCol="0" anchor="ctr"/>
+          <a:lstStyle/>
+          <a:p>
+            <a:pPr algn="ctr"/>
+            <a:endParaRPr lang="en-GB"/>
+          </a:p>
+        </p:txBody>
+      </p:sp>
+      <p:sp>
+        <p:nvSpPr>
+          <p:cNvPr id="51" name="Oval 50"/>
+          <p:cNvSpPr/>
+          <p:nvPr/>
+        </p:nvSpPr>
+        <p:spPr>
+          <a:xfrm>
+            <a:off x="4823191" y="4919318"/>
+            <a:ext cx="269507" cy="259882"/>
+          </a:xfrm>
+          <a:prstGeom prst="ellipse">
+            <a:avLst/>
+          </a:prstGeom>
+          <a:solidFill>
+            <a:schemeClr val="bg1"/>
+          </a:solidFill>
+          <a:ln w="25400"/>
+        </p:spPr>
+        <p:style>
+          <a:lnRef idx="2">
+            <a:schemeClr val="accent1">
+              <a:shade val="50000"/>
+            </a:schemeClr>
+          </a:lnRef>
+          <a:fillRef idx="1">
+            <a:schemeClr val="accent1"/>
+          </a:fillRef>
+          <a:effectRef idx="0">
+            <a:schemeClr val="accent1"/>
+          </a:effectRef>
+          <a:fontRef idx="minor">
+            <a:schemeClr val="lt1"/>
+          </a:fontRef>
+        </p:style>
+        <p:txBody>
+          <a:bodyPr rtlCol="0" anchor="ctr"/>
+          <a:lstStyle/>
+          <a:p>
+            <a:pPr algn="ctr"/>
+            <a:endParaRPr lang="en-GB"/>
+          </a:p>
+        </p:txBody>
+      </p:sp>
+      <p:sp>
+        <p:nvSpPr>
+          <p:cNvPr id="52" name="Oval 51"/>
+          <p:cNvSpPr/>
+          <p:nvPr/>
+        </p:nvSpPr>
+        <p:spPr>
+          <a:xfrm>
+            <a:off x="5213747" y="4908536"/>
+            <a:ext cx="269507" cy="259882"/>
+          </a:xfrm>
+          <a:prstGeom prst="ellipse">
+            <a:avLst/>
+          </a:prstGeom>
+          <a:solidFill>
+            <a:schemeClr val="bg1"/>
+          </a:solidFill>
+          <a:ln w="25400"/>
+        </p:spPr>
+        <p:style>
+          <a:lnRef idx="2">
+            <a:schemeClr val="accent1">
+              <a:shade val="50000"/>
+            </a:schemeClr>
+          </a:lnRef>
+          <a:fillRef idx="1">
+            <a:schemeClr val="accent1"/>
+          </a:fillRef>
+          <a:effectRef idx="0">
+            <a:schemeClr val="accent1"/>
+          </a:effectRef>
+          <a:fontRef idx="minor">
+            <a:schemeClr val="lt1"/>
+          </a:fontRef>
+        </p:style>
+        <p:txBody>
+          <a:bodyPr rtlCol="0" anchor="ctr"/>
+          <a:lstStyle/>
+          <a:p>
+            <a:pPr algn="ctr"/>
+            <a:endParaRPr lang="en-GB"/>
+          </a:p>
+        </p:txBody>
+      </p:sp>
+      <p:sp>
+        <p:nvSpPr>
+          <p:cNvPr id="55" name="Oval 54"/>
+          <p:cNvSpPr/>
+          <p:nvPr/>
+        </p:nvSpPr>
+        <p:spPr>
+          <a:xfrm>
+            <a:off x="5578155" y="4881247"/>
+            <a:ext cx="269507" cy="259882"/>
+          </a:xfrm>
+          <a:prstGeom prst="ellipse">
+            <a:avLst/>
+          </a:prstGeom>
+          <a:solidFill>
+            <a:schemeClr val="bg1"/>
+          </a:solidFill>
+          <a:ln w="25400"/>
+        </p:spPr>
+        <p:style>
+          <a:lnRef idx="2">
+            <a:schemeClr val="accent1">
+              <a:shade val="50000"/>
+            </a:schemeClr>
+          </a:lnRef>
+          <a:fillRef idx="1">
+            <a:schemeClr val="accent1"/>
+          </a:fillRef>
+          <a:effectRef idx="0">
+            <a:schemeClr val="accent1"/>
+          </a:effectRef>
+          <a:fontRef idx="minor">
+            <a:schemeClr val="lt1"/>
+          </a:fontRef>
+        </p:style>
+        <p:txBody>
+          <a:bodyPr rtlCol="0" anchor="ctr"/>
+          <a:lstStyle/>
+          <a:p>
+            <a:pPr algn="ctr"/>
+            <a:endParaRPr lang="en-GB"/>
+          </a:p>
+        </p:txBody>
+      </p:sp>
+      <p:sp>
+        <p:nvSpPr>
+          <p:cNvPr id="56" name="Oval 55"/>
+          <p:cNvSpPr/>
+          <p:nvPr/>
+        </p:nvSpPr>
+        <p:spPr>
+          <a:xfrm>
+            <a:off x="7851889" y="1376507"/>
+            <a:ext cx="269507" cy="259882"/>
+          </a:xfrm>
+          <a:prstGeom prst="ellipse">
+            <a:avLst/>
+          </a:prstGeom>
+          <a:solidFill>
+            <a:schemeClr val="bg1"/>
+          </a:solidFill>
+          <a:ln w="25400"/>
+        </p:spPr>
+        <p:style>
+          <a:lnRef idx="2">
+            <a:schemeClr val="accent1">
+              <a:shade val="50000"/>
+            </a:schemeClr>
+          </a:lnRef>
+          <a:fillRef idx="1">
+            <a:schemeClr val="accent1"/>
+          </a:fillRef>
+          <a:effectRef idx="0">
+            <a:schemeClr val="accent1"/>
+          </a:effectRef>
+          <a:fontRef idx="minor">
+            <a:schemeClr val="lt1"/>
+          </a:fontRef>
+        </p:style>
+        <p:txBody>
+          <a:bodyPr rtlCol="0" anchor="ctr"/>
+          <a:lstStyle/>
+          <a:p>
+            <a:pPr algn="ctr"/>
+            <a:endParaRPr lang="en-GB"/>
+          </a:p>
+        </p:txBody>
+      </p:sp>
+      <p:sp>
+        <p:nvSpPr>
+          <p:cNvPr id="57" name="Oval 56"/>
+          <p:cNvSpPr/>
+          <p:nvPr/>
+        </p:nvSpPr>
+        <p:spPr>
+          <a:xfrm>
+            <a:off x="8256162" y="1376507"/>
+            <a:ext cx="269507" cy="259882"/>
+          </a:xfrm>
+          <a:prstGeom prst="ellipse">
+            <a:avLst/>
+          </a:prstGeom>
+          <a:solidFill>
+            <a:schemeClr val="bg1"/>
+          </a:solidFill>
+          <a:ln w="25400"/>
+        </p:spPr>
+        <p:style>
+          <a:lnRef idx="2">
+            <a:schemeClr val="accent1">
+              <a:shade val="50000"/>
+            </a:schemeClr>
+          </a:lnRef>
+          <a:fillRef idx="1">
+            <a:schemeClr val="accent1"/>
+          </a:fillRef>
+          <a:effectRef idx="0">
+            <a:schemeClr val="accent1"/>
+          </a:effectRef>
+          <a:fontRef idx="minor">
+            <a:schemeClr val="lt1"/>
+          </a:fontRef>
+        </p:style>
+        <p:txBody>
+          <a:bodyPr rtlCol="0" anchor="ctr"/>
+          <a:lstStyle/>
+          <a:p>
+            <a:pPr algn="ctr"/>
+            <a:endParaRPr lang="en-GB"/>
+          </a:p>
+        </p:txBody>
+      </p:sp>
+      <p:sp>
+        <p:nvSpPr>
+          <p:cNvPr id="58" name="Oval 57"/>
+          <p:cNvSpPr/>
+          <p:nvPr/>
+        </p:nvSpPr>
+        <p:spPr>
+          <a:xfrm>
+            <a:off x="8646717" y="1376507"/>
+            <a:ext cx="269507" cy="259882"/>
+          </a:xfrm>
+          <a:prstGeom prst="ellipse">
+            <a:avLst/>
+          </a:prstGeom>
+          <a:solidFill>
+            <a:schemeClr val="bg1"/>
+          </a:solidFill>
+          <a:ln w="25400"/>
+        </p:spPr>
+        <p:style>
+          <a:lnRef idx="2">
+            <a:schemeClr val="accent1">
+              <a:shade val="50000"/>
+            </a:schemeClr>
+          </a:lnRef>
+          <a:fillRef idx="1">
+            <a:schemeClr val="accent1"/>
+          </a:fillRef>
+          <a:effectRef idx="0">
+            <a:schemeClr val="accent1"/>
+          </a:effectRef>
+          <a:fontRef idx="minor">
+            <a:schemeClr val="lt1"/>
+          </a:fontRef>
+        </p:style>
+        <p:txBody>
+          <a:bodyPr rtlCol="0" anchor="ctr"/>
+          <a:lstStyle/>
+          <a:p>
+            <a:pPr algn="ctr"/>
+            <a:endParaRPr lang="en-GB"/>
+          </a:p>
+        </p:txBody>
+      </p:sp>
+      <p:sp>
+        <p:nvSpPr>
+          <p:cNvPr id="59" name="Oval 58"/>
+          <p:cNvSpPr/>
+          <p:nvPr/>
+        </p:nvSpPr>
+        <p:spPr>
+          <a:xfrm>
+            <a:off x="9025822" y="1376507"/>
+            <a:ext cx="269507" cy="259882"/>
+          </a:xfrm>
+          <a:prstGeom prst="ellipse">
+            <a:avLst/>
+          </a:prstGeom>
+          <a:solidFill>
+            <a:schemeClr val="bg1"/>
+          </a:solidFill>
+          <a:ln w="25400"/>
+        </p:spPr>
+        <p:style>
+          <a:lnRef idx="2">
+            <a:schemeClr val="accent1">
+              <a:shade val="50000"/>
+            </a:schemeClr>
+          </a:lnRef>
+          <a:fillRef idx="1">
+            <a:schemeClr val="accent1"/>
+          </a:fillRef>
+          <a:effectRef idx="0">
+            <a:schemeClr val="accent1"/>
+          </a:effectRef>
+          <a:fontRef idx="minor">
+            <a:schemeClr val="lt1"/>
+          </a:fontRef>
+        </p:style>
+        <p:txBody>
+          <a:bodyPr rtlCol="0" anchor="ctr"/>
+          <a:lstStyle/>
+          <a:p>
+            <a:pPr algn="ctr"/>
+            <a:endParaRPr lang="en-GB"/>
+          </a:p>
+        </p:txBody>
+      </p:sp>
+      <p:sp>
+        <p:nvSpPr>
+          <p:cNvPr id="60" name="Oval 59"/>
+          <p:cNvSpPr/>
+          <p:nvPr/>
+        </p:nvSpPr>
+        <p:spPr>
+          <a:xfrm>
+            <a:off x="9404927" y="1376507"/>
+            <a:ext cx="269507" cy="259882"/>
+          </a:xfrm>
+          <a:prstGeom prst="ellipse">
+            <a:avLst/>
+          </a:prstGeom>
+          <a:solidFill>
+            <a:schemeClr val="bg1"/>
+          </a:solidFill>
+          <a:ln w="25400"/>
+        </p:spPr>
+        <p:style>
+          <a:lnRef idx="2">
+            <a:schemeClr val="accent1">
+              <a:shade val="50000"/>
+            </a:schemeClr>
+          </a:lnRef>
+          <a:fillRef idx="1">
+            <a:schemeClr val="accent1"/>
+          </a:fillRef>
+          <a:effectRef idx="0">
+            <a:schemeClr val="accent1"/>
+          </a:effectRef>
+          <a:fontRef idx="minor">
+            <a:schemeClr val="lt1"/>
+          </a:fontRef>
+        </p:style>
+        <p:txBody>
+          <a:bodyPr rtlCol="0" anchor="ctr"/>
+          <a:lstStyle/>
+          <a:p>
+            <a:pPr algn="ctr"/>
+            <a:endParaRPr lang="en-GB"/>
+          </a:p>
+        </p:txBody>
+      </p:sp>
+      <p:sp>
+        <p:nvSpPr>
+          <p:cNvPr id="61" name="Oval 60"/>
+          <p:cNvSpPr/>
+          <p:nvPr/>
+        </p:nvSpPr>
+        <p:spPr>
+          <a:xfrm>
+            <a:off x="7683884" y="1736725"/>
+            <a:ext cx="269507" cy="259882"/>
+          </a:xfrm>
+          <a:prstGeom prst="ellipse">
+            <a:avLst/>
+          </a:prstGeom>
+          <a:solidFill>
+            <a:schemeClr val="bg1"/>
+          </a:solidFill>
+          <a:ln w="25400"/>
+        </p:spPr>
+        <p:style>
+          <a:lnRef idx="2">
+            <a:schemeClr val="accent1">
+              <a:shade val="50000"/>
+            </a:schemeClr>
+          </a:lnRef>
+          <a:fillRef idx="1">
+            <a:schemeClr val="accent1"/>
+          </a:fillRef>
+          <a:effectRef idx="0">
+            <a:schemeClr val="accent1"/>
+          </a:effectRef>
+          <a:fontRef idx="minor">
+            <a:schemeClr val="lt1"/>
+          </a:fontRef>
+        </p:style>
+        <p:txBody>
+          <a:bodyPr rtlCol="0" anchor="ctr"/>
+          <a:lstStyle/>
+          <a:p>
+            <a:pPr algn="ctr"/>
+            <a:endParaRPr lang="en-GB"/>
+          </a:p>
+        </p:txBody>
+      </p:sp>
+      <p:sp>
+        <p:nvSpPr>
+          <p:cNvPr id="62" name="Oval 61"/>
+          <p:cNvSpPr/>
+          <p:nvPr/>
+        </p:nvSpPr>
+        <p:spPr>
+          <a:xfrm>
+            <a:off x="8088157" y="1736725"/>
+            <a:ext cx="269507" cy="259882"/>
+          </a:xfrm>
+          <a:prstGeom prst="ellipse">
+            <a:avLst/>
+          </a:prstGeom>
+          <a:solidFill>
+            <a:schemeClr val="bg1"/>
+          </a:solidFill>
+          <a:ln w="25400"/>
+        </p:spPr>
+        <p:style>
+          <a:lnRef idx="2">
+            <a:schemeClr val="accent1">
+              <a:shade val="50000"/>
+            </a:schemeClr>
+          </a:lnRef>
+          <a:fillRef idx="1">
+            <a:schemeClr val="accent1"/>
+          </a:fillRef>
+          <a:effectRef idx="0">
+            <a:schemeClr val="accent1"/>
+          </a:effectRef>
+          <a:fontRef idx="minor">
+            <a:schemeClr val="lt1"/>
+          </a:fontRef>
+        </p:style>
+        <p:txBody>
+          <a:bodyPr rtlCol="0" anchor="ctr"/>
+          <a:lstStyle/>
+          <a:p>
+            <a:pPr algn="ctr"/>
+            <a:endParaRPr lang="en-GB"/>
+          </a:p>
+        </p:txBody>
+      </p:sp>
+      <p:sp>
+        <p:nvSpPr>
+          <p:cNvPr id="63" name="Oval 62"/>
+          <p:cNvSpPr/>
+          <p:nvPr/>
+        </p:nvSpPr>
+        <p:spPr>
+          <a:xfrm>
+            <a:off x="8478712" y="1736725"/>
+            <a:ext cx="269507" cy="259882"/>
+          </a:xfrm>
+          <a:prstGeom prst="ellipse">
+            <a:avLst/>
+          </a:prstGeom>
+          <a:solidFill>
+            <a:schemeClr val="bg1"/>
+          </a:solidFill>
+          <a:ln w="25400"/>
+        </p:spPr>
+        <p:style>
+          <a:lnRef idx="2">
+            <a:schemeClr val="accent1">
+              <a:shade val="50000"/>
+            </a:schemeClr>
+          </a:lnRef>
+          <a:fillRef idx="1">
+            <a:schemeClr val="accent1"/>
+          </a:fillRef>
+          <a:effectRef idx="0">
+            <a:schemeClr val="accent1"/>
+          </a:effectRef>
+          <a:fontRef idx="minor">
+            <a:schemeClr val="lt1"/>
+          </a:fontRef>
+        </p:style>
+        <p:txBody>
+          <a:bodyPr rtlCol="0" anchor="ctr"/>
+          <a:lstStyle/>
+          <a:p>
+            <a:pPr algn="ctr"/>
+            <a:endParaRPr lang="en-GB"/>
+          </a:p>
+        </p:txBody>
+      </p:sp>
+      <p:sp>
+        <p:nvSpPr>
+          <p:cNvPr id="64" name="Oval 63"/>
+          <p:cNvSpPr/>
+          <p:nvPr/>
+        </p:nvSpPr>
+        <p:spPr>
+          <a:xfrm>
+            <a:off x="8857817" y="1736725"/>
+            <a:ext cx="269507" cy="259882"/>
+          </a:xfrm>
+          <a:prstGeom prst="ellipse">
+            <a:avLst/>
+          </a:prstGeom>
+          <a:solidFill>
+            <a:schemeClr val="bg1"/>
+          </a:solidFill>
+          <a:ln w="25400"/>
+        </p:spPr>
+        <p:style>
+          <a:lnRef idx="2">
+            <a:schemeClr val="accent1">
+              <a:shade val="50000"/>
+            </a:schemeClr>
+          </a:lnRef>
+          <a:fillRef idx="1">
+            <a:schemeClr val="accent1"/>
+          </a:fillRef>
+          <a:effectRef idx="0">
+            <a:schemeClr val="accent1"/>
+          </a:effectRef>
+          <a:fontRef idx="minor">
+            <a:schemeClr val="lt1"/>
+          </a:fontRef>
+        </p:style>
+        <p:txBody>
+          <a:bodyPr rtlCol="0" anchor="ctr"/>
+          <a:lstStyle/>
+          <a:p>
+            <a:pPr algn="ctr"/>
+            <a:endParaRPr lang="en-GB"/>
+          </a:p>
+        </p:txBody>
+      </p:sp>
+      <p:sp>
+        <p:nvSpPr>
+          <p:cNvPr id="65" name="Oval 64"/>
+          <p:cNvSpPr/>
+          <p:nvPr/>
+        </p:nvSpPr>
+        <p:spPr>
+          <a:xfrm>
+            <a:off x="9236922" y="1736725"/>
+            <a:ext cx="269507" cy="259882"/>
+          </a:xfrm>
+          <a:prstGeom prst="ellipse">
+            <a:avLst/>
+          </a:prstGeom>
+          <a:solidFill>
+            <a:schemeClr val="bg1"/>
+          </a:solidFill>
+          <a:ln w="25400"/>
+        </p:spPr>
+        <p:style>
+          <a:lnRef idx="2">
+            <a:schemeClr val="accent1">
+              <a:shade val="50000"/>
+            </a:schemeClr>
+          </a:lnRef>
+          <a:fillRef idx="1">
+            <a:schemeClr val="accent1"/>
+          </a:fillRef>
+          <a:effectRef idx="0">
+            <a:schemeClr val="accent1"/>
+          </a:effectRef>
+          <a:fontRef idx="minor">
+            <a:schemeClr val="lt1"/>
+          </a:fontRef>
+        </p:style>
+        <p:txBody>
+          <a:bodyPr rtlCol="0" anchor="ctr"/>
+          <a:lstStyle/>
+          <a:p>
+            <a:pPr algn="ctr"/>
+            <a:endParaRPr lang="en-GB"/>
+          </a:p>
+        </p:txBody>
+      </p:sp>
+      <p:sp>
+        <p:nvSpPr>
+          <p:cNvPr id="66" name="Oval 65"/>
+          <p:cNvSpPr/>
+          <p:nvPr/>
+        </p:nvSpPr>
+        <p:spPr>
+          <a:xfrm>
+            <a:off x="9616027" y="1736725"/>
+            <a:ext cx="269507" cy="259882"/>
+          </a:xfrm>
+          <a:prstGeom prst="ellipse">
+            <a:avLst/>
+          </a:prstGeom>
+          <a:solidFill>
+            <a:schemeClr val="bg1"/>
+          </a:solidFill>
+          <a:ln w="25400"/>
+        </p:spPr>
+        <p:style>
+          <a:lnRef idx="2">
+            <a:schemeClr val="accent1">
+              <a:shade val="50000"/>
+            </a:schemeClr>
+          </a:lnRef>
+          <a:fillRef idx="1">
+            <a:schemeClr val="accent1"/>
+          </a:fillRef>
+          <a:effectRef idx="0">
+            <a:schemeClr val="accent1"/>
+          </a:effectRef>
+          <a:fontRef idx="minor">
+            <a:schemeClr val="lt1"/>
+          </a:fontRef>
+        </p:style>
+        <p:txBody>
+          <a:bodyPr rtlCol="0" anchor="ctr"/>
+          <a:lstStyle/>
+          <a:p>
+            <a:pPr algn="ctr"/>
+            <a:endParaRPr lang="en-GB"/>
+          </a:p>
+        </p:txBody>
+      </p:sp>
+      <p:sp>
+        <p:nvSpPr>
+          <p:cNvPr id="67" name="Oval 66"/>
+          <p:cNvSpPr/>
+          <p:nvPr/>
+        </p:nvSpPr>
+        <p:spPr>
+          <a:xfrm>
+            <a:off x="8192167" y="2096943"/>
+            <a:ext cx="269507" cy="259882"/>
+          </a:xfrm>
+          <a:prstGeom prst="ellipse">
+            <a:avLst/>
+          </a:prstGeom>
+          <a:solidFill>
+            <a:schemeClr val="bg1"/>
+          </a:solidFill>
+          <a:ln w="25400"/>
+        </p:spPr>
+        <p:style>
+          <a:lnRef idx="2">
+            <a:schemeClr val="accent1">
+              <a:shade val="50000"/>
+            </a:schemeClr>
+          </a:lnRef>
+          <a:fillRef idx="1">
+            <a:schemeClr val="accent1"/>
+          </a:fillRef>
+          <a:effectRef idx="0">
+            <a:schemeClr val="accent1"/>
+          </a:effectRef>
+          <a:fontRef idx="minor">
+            <a:schemeClr val="lt1"/>
+          </a:fontRef>
+        </p:style>
+        <p:txBody>
+          <a:bodyPr rtlCol="0" anchor="ctr"/>
+          <a:lstStyle/>
+          <a:p>
+            <a:pPr algn="ctr"/>
+            <a:endParaRPr lang="en-GB"/>
+          </a:p>
+        </p:txBody>
+      </p:sp>
+      <p:sp>
+        <p:nvSpPr>
+          <p:cNvPr id="68" name="Oval 67"/>
+          <p:cNvSpPr/>
+          <p:nvPr/>
+        </p:nvSpPr>
+        <p:spPr>
+          <a:xfrm>
+            <a:off x="9160575" y="2096943"/>
+            <a:ext cx="269507" cy="259882"/>
+          </a:xfrm>
+          <a:prstGeom prst="ellipse">
+            <a:avLst/>
+          </a:prstGeom>
+          <a:solidFill>
+            <a:schemeClr val="bg1"/>
+          </a:solidFill>
+          <a:ln w="25400"/>
+        </p:spPr>
+        <p:style>
+          <a:lnRef idx="2">
+            <a:schemeClr val="accent1">
+              <a:shade val="50000"/>
+            </a:schemeClr>
+          </a:lnRef>
+          <a:fillRef idx="1">
+            <a:schemeClr val="accent1"/>
+          </a:fillRef>
+          <a:effectRef idx="0">
+            <a:schemeClr val="accent1"/>
+          </a:effectRef>
+          <a:fontRef idx="minor">
+            <a:schemeClr val="lt1"/>
+          </a:fontRef>
+        </p:style>
+        <p:txBody>
+          <a:bodyPr rtlCol="0" anchor="ctr"/>
+          <a:lstStyle/>
+          <a:p>
+            <a:pPr algn="ctr"/>
+            <a:endParaRPr lang="en-GB"/>
+          </a:p>
+        </p:txBody>
+      </p:sp>
+      <p:sp>
+        <p:nvSpPr>
+          <p:cNvPr id="69" name="Oval 68"/>
+          <p:cNvSpPr/>
+          <p:nvPr/>
+        </p:nvSpPr>
+        <p:spPr>
+          <a:xfrm>
+            <a:off x="7683884" y="2457161"/>
+            <a:ext cx="269507" cy="259882"/>
+          </a:xfrm>
+          <a:prstGeom prst="ellipse">
+            <a:avLst/>
+          </a:prstGeom>
+          <a:solidFill>
+            <a:schemeClr val="bg1"/>
+          </a:solidFill>
+          <a:ln w="25400"/>
+        </p:spPr>
+        <p:style>
+          <a:lnRef idx="2">
+            <a:schemeClr val="accent1">
+              <a:shade val="50000"/>
+            </a:schemeClr>
+          </a:lnRef>
+          <a:fillRef idx="1">
+            <a:schemeClr val="accent1"/>
+          </a:fillRef>
+          <a:effectRef idx="0">
+            <a:schemeClr val="accent1"/>
+          </a:effectRef>
+          <a:fontRef idx="minor">
+            <a:schemeClr val="lt1"/>
+          </a:fontRef>
+        </p:style>
+        <p:txBody>
+          <a:bodyPr rtlCol="0" anchor="ctr"/>
+          <a:lstStyle/>
+          <a:p>
+            <a:pPr algn="ctr"/>
+            <a:endParaRPr lang="en-GB"/>
+          </a:p>
+        </p:txBody>
+      </p:sp>
+      <p:sp>
+        <p:nvSpPr>
+          <p:cNvPr id="70" name="Oval 69"/>
+          <p:cNvSpPr/>
+          <p:nvPr/>
+        </p:nvSpPr>
+        <p:spPr>
+          <a:xfrm>
+            <a:off x="8088157" y="2457161"/>
+            <a:ext cx="269507" cy="259882"/>
+          </a:xfrm>
+          <a:prstGeom prst="ellipse">
+            <a:avLst/>
+          </a:prstGeom>
+          <a:solidFill>
+            <a:schemeClr val="bg1"/>
+          </a:solidFill>
+          <a:ln w="25400"/>
+        </p:spPr>
+        <p:style>
+          <a:lnRef idx="2">
+            <a:schemeClr val="accent1">
+              <a:shade val="50000"/>
+            </a:schemeClr>
+          </a:lnRef>
+          <a:fillRef idx="1">
+            <a:schemeClr val="accent1"/>
+          </a:fillRef>
+          <a:effectRef idx="0">
+            <a:schemeClr val="accent1"/>
+          </a:effectRef>
+          <a:fontRef idx="minor">
+            <a:schemeClr val="lt1"/>
+          </a:fontRef>
+        </p:style>
+        <p:txBody>
+          <a:bodyPr rtlCol="0" anchor="ctr"/>
+          <a:lstStyle/>
+          <a:p>
+            <a:pPr algn="ctr"/>
+            <a:endParaRPr lang="en-GB"/>
+          </a:p>
+        </p:txBody>
+      </p:sp>
+      <p:sp>
+        <p:nvSpPr>
+          <p:cNvPr id="71" name="Oval 70"/>
+          <p:cNvSpPr/>
+          <p:nvPr/>
+        </p:nvSpPr>
+        <p:spPr>
+          <a:xfrm>
+            <a:off x="8478712" y="2457161"/>
+            <a:ext cx="269507" cy="259882"/>
+          </a:xfrm>
+          <a:prstGeom prst="ellipse">
+            <a:avLst/>
+          </a:prstGeom>
+          <a:solidFill>
+            <a:schemeClr val="bg1"/>
+          </a:solidFill>
+          <a:ln w="25400"/>
+        </p:spPr>
+        <p:style>
+          <a:lnRef idx="2">
+            <a:schemeClr val="accent1">
+              <a:shade val="50000"/>
+            </a:schemeClr>
+          </a:lnRef>
+          <a:fillRef idx="1">
+            <a:schemeClr val="accent1"/>
+          </a:fillRef>
+          <a:effectRef idx="0">
+            <a:schemeClr val="accent1"/>
+          </a:effectRef>
+          <a:fontRef idx="minor">
+            <a:schemeClr val="lt1"/>
+          </a:fontRef>
+        </p:style>
+        <p:txBody>
+          <a:bodyPr rtlCol="0" anchor="ctr"/>
+          <a:lstStyle/>
+          <a:p>
+            <a:pPr algn="ctr"/>
+            <a:endParaRPr lang="en-GB"/>
+          </a:p>
+        </p:txBody>
+      </p:sp>
+      <p:sp>
+        <p:nvSpPr>
+          <p:cNvPr id="72" name="Oval 71"/>
+          <p:cNvSpPr/>
+          <p:nvPr/>
+        </p:nvSpPr>
+        <p:spPr>
+          <a:xfrm>
+            <a:off x="8857817" y="2457161"/>
+            <a:ext cx="269507" cy="259882"/>
+          </a:xfrm>
+          <a:prstGeom prst="ellipse">
+            <a:avLst/>
+          </a:prstGeom>
+          <a:solidFill>
+            <a:schemeClr val="bg1"/>
+          </a:solidFill>
+          <a:ln w="25400"/>
+        </p:spPr>
+        <p:style>
+          <a:lnRef idx="2">
+            <a:schemeClr val="accent1">
+              <a:shade val="50000"/>
+            </a:schemeClr>
+          </a:lnRef>
+          <a:fillRef idx="1">
+            <a:schemeClr val="accent1"/>
+          </a:fillRef>
+          <a:effectRef idx="0">
+            <a:schemeClr val="accent1"/>
+          </a:effectRef>
+          <a:fontRef idx="minor">
+            <a:schemeClr val="lt1"/>
+          </a:fontRef>
+        </p:style>
+        <p:txBody>
+          <a:bodyPr rtlCol="0" anchor="ctr"/>
+          <a:lstStyle/>
+          <a:p>
+            <a:pPr algn="ctr"/>
+            <a:endParaRPr lang="en-GB"/>
+          </a:p>
+        </p:txBody>
+      </p:sp>
+      <p:sp>
+        <p:nvSpPr>
+          <p:cNvPr id="73" name="Oval 72"/>
+          <p:cNvSpPr/>
+          <p:nvPr/>
+        </p:nvSpPr>
+        <p:spPr>
+          <a:xfrm>
+            <a:off x="9236922" y="2457161"/>
+            <a:ext cx="269507" cy="259882"/>
+          </a:xfrm>
+          <a:prstGeom prst="ellipse">
+            <a:avLst/>
+          </a:prstGeom>
+          <a:solidFill>
+            <a:schemeClr val="bg1"/>
+          </a:solidFill>
+          <a:ln w="25400"/>
+        </p:spPr>
+        <p:style>
+          <a:lnRef idx="2">
+            <a:schemeClr val="accent1">
+              <a:shade val="50000"/>
+            </a:schemeClr>
+          </a:lnRef>
+          <a:fillRef idx="1">
+            <a:schemeClr val="accent1"/>
+          </a:fillRef>
+          <a:effectRef idx="0">
+            <a:schemeClr val="accent1"/>
+          </a:effectRef>
+          <a:fontRef idx="minor">
+            <a:schemeClr val="lt1"/>
+          </a:fontRef>
+        </p:style>
+        <p:txBody>
+          <a:bodyPr rtlCol="0" anchor="ctr"/>
+          <a:lstStyle/>
+          <a:p>
+            <a:pPr algn="ctr"/>
+            <a:endParaRPr lang="en-GB"/>
+          </a:p>
+        </p:txBody>
+      </p:sp>
+      <p:sp>
+        <p:nvSpPr>
+          <p:cNvPr id="74" name="Oval 73"/>
+          <p:cNvSpPr/>
+          <p:nvPr/>
+        </p:nvSpPr>
+        <p:spPr>
+          <a:xfrm>
+            <a:off x="9616027" y="2457161"/>
+            <a:ext cx="269507" cy="259882"/>
+          </a:xfrm>
+          <a:prstGeom prst="ellipse">
+            <a:avLst/>
+          </a:prstGeom>
+          <a:solidFill>
+            <a:schemeClr val="bg1"/>
+          </a:solidFill>
+          <a:ln w="25400"/>
+        </p:spPr>
+        <p:style>
+          <a:lnRef idx="2">
+            <a:schemeClr val="accent1">
+              <a:shade val="50000"/>
+            </a:schemeClr>
+          </a:lnRef>
+          <a:fillRef idx="1">
+            <a:schemeClr val="accent1"/>
+          </a:fillRef>
+          <a:effectRef idx="0">
+            <a:schemeClr val="accent1"/>
+          </a:effectRef>
+          <a:fontRef idx="minor">
+            <a:schemeClr val="lt1"/>
+          </a:fontRef>
+        </p:style>
+        <p:txBody>
+          <a:bodyPr rtlCol="0" anchor="ctr"/>
+          <a:lstStyle/>
+          <a:p>
+            <a:pPr algn="ctr"/>
+            <a:endParaRPr lang="en-GB"/>
+          </a:p>
+        </p:txBody>
+      </p:sp>
+      <p:sp>
+        <p:nvSpPr>
+          <p:cNvPr id="75" name="Oval 74"/>
+          <p:cNvSpPr/>
+          <p:nvPr/>
+        </p:nvSpPr>
+        <p:spPr>
+          <a:xfrm>
+            <a:off x="7818637" y="2817379"/>
+            <a:ext cx="269507" cy="259882"/>
+          </a:xfrm>
+          <a:prstGeom prst="ellipse">
+            <a:avLst/>
+          </a:prstGeom>
+          <a:solidFill>
+            <a:schemeClr val="bg1"/>
+          </a:solidFill>
+          <a:ln w="25400"/>
+        </p:spPr>
+        <p:style>
+          <a:lnRef idx="2">
+            <a:schemeClr val="accent1">
+              <a:shade val="50000"/>
+            </a:schemeClr>
+          </a:lnRef>
+          <a:fillRef idx="1">
+            <a:schemeClr val="accent1"/>
+          </a:fillRef>
+          <a:effectRef idx="0">
+            <a:schemeClr val="accent1"/>
+          </a:effectRef>
+          <a:fontRef idx="minor">
+            <a:schemeClr val="lt1"/>
+          </a:fontRef>
+        </p:style>
+        <p:txBody>
+          <a:bodyPr rtlCol="0" anchor="ctr"/>
+          <a:lstStyle/>
+          <a:p>
+            <a:pPr algn="ctr"/>
+            <a:endParaRPr lang="en-GB"/>
+          </a:p>
+        </p:txBody>
+      </p:sp>
+      <p:sp>
+        <p:nvSpPr>
+          <p:cNvPr id="76" name="Oval 75"/>
+          <p:cNvSpPr/>
+          <p:nvPr/>
+        </p:nvSpPr>
+        <p:spPr>
+          <a:xfrm>
+            <a:off x="8222910" y="2817379"/>
+            <a:ext cx="269507" cy="259882"/>
+          </a:xfrm>
+          <a:prstGeom prst="ellipse">
+            <a:avLst/>
+          </a:prstGeom>
+          <a:solidFill>
+            <a:schemeClr val="bg1"/>
+          </a:solidFill>
+          <a:ln w="25400"/>
+        </p:spPr>
+        <p:style>
+          <a:lnRef idx="2">
+            <a:schemeClr val="accent1">
+              <a:shade val="50000"/>
+            </a:schemeClr>
+          </a:lnRef>
+          <a:fillRef idx="1">
+            <a:schemeClr val="accent1"/>
+          </a:fillRef>
+          <a:effectRef idx="0">
+            <a:schemeClr val="accent1"/>
+          </a:effectRef>
+          <a:fontRef idx="minor">
+            <a:schemeClr val="lt1"/>
+          </a:fontRef>
+        </p:style>
+        <p:txBody>
+          <a:bodyPr rtlCol="0" anchor="ctr"/>
+          <a:lstStyle/>
+          <a:p>
+            <a:pPr algn="ctr"/>
+            <a:endParaRPr lang="en-GB"/>
+          </a:p>
+        </p:txBody>
+      </p:sp>
+      <p:sp>
+        <p:nvSpPr>
+          <p:cNvPr id="77" name="Oval 76"/>
+          <p:cNvSpPr/>
+          <p:nvPr/>
+        </p:nvSpPr>
+        <p:spPr>
+          <a:xfrm>
+            <a:off x="8613465" y="2817379"/>
+            <a:ext cx="269507" cy="259882"/>
+          </a:xfrm>
+          <a:prstGeom prst="ellipse">
+            <a:avLst/>
+          </a:prstGeom>
+          <a:solidFill>
+            <a:schemeClr val="bg1"/>
+          </a:solidFill>
+          <a:ln w="25400"/>
+        </p:spPr>
+        <p:style>
+          <a:lnRef idx="2">
+            <a:schemeClr val="accent1">
+              <a:shade val="50000"/>
+            </a:schemeClr>
+          </a:lnRef>
+          <a:fillRef idx="1">
+            <a:schemeClr val="accent1"/>
+          </a:fillRef>
+          <a:effectRef idx="0">
+            <a:schemeClr val="accent1"/>
+          </a:effectRef>
+          <a:fontRef idx="minor">
+            <a:schemeClr val="lt1"/>
+          </a:fontRef>
+        </p:style>
+        <p:txBody>
+          <a:bodyPr rtlCol="0" anchor="ctr"/>
+          <a:lstStyle/>
+          <a:p>
+            <a:pPr algn="ctr"/>
+            <a:endParaRPr lang="en-GB"/>
+          </a:p>
+        </p:txBody>
+      </p:sp>
+      <p:sp>
+        <p:nvSpPr>
+          <p:cNvPr id="78" name="Oval 77"/>
+          <p:cNvSpPr/>
+          <p:nvPr/>
+        </p:nvSpPr>
+        <p:spPr>
+          <a:xfrm>
+            <a:off x="8992570" y="2817379"/>
+            <a:ext cx="269507" cy="259882"/>
+          </a:xfrm>
+          <a:prstGeom prst="ellipse">
+            <a:avLst/>
+          </a:prstGeom>
+          <a:solidFill>
+            <a:schemeClr val="bg1"/>
+          </a:solidFill>
+          <a:ln w="25400"/>
+        </p:spPr>
+        <p:style>
+          <a:lnRef idx="2">
+            <a:schemeClr val="accent1">
+              <a:shade val="50000"/>
+            </a:schemeClr>
+          </a:lnRef>
+          <a:fillRef idx="1">
+            <a:schemeClr val="accent1"/>
+          </a:fillRef>
+          <a:effectRef idx="0">
+            <a:schemeClr val="accent1"/>
+          </a:effectRef>
+          <a:fontRef idx="minor">
+            <a:schemeClr val="lt1"/>
+          </a:fontRef>
+        </p:style>
+        <p:txBody>
+          <a:bodyPr rtlCol="0" anchor="ctr"/>
+          <a:lstStyle/>
+          <a:p>
+            <a:pPr algn="ctr"/>
+            <a:endParaRPr lang="en-GB"/>
+          </a:p>
+        </p:txBody>
+      </p:sp>
+      <p:sp>
+        <p:nvSpPr>
+          <p:cNvPr id="79" name="Oval 78"/>
+          <p:cNvSpPr/>
+          <p:nvPr/>
+        </p:nvSpPr>
+        <p:spPr>
+          <a:xfrm>
+            <a:off x="9371675" y="2817379"/>
+            <a:ext cx="269507" cy="259882"/>
+          </a:xfrm>
+          <a:prstGeom prst="ellipse">
+            <a:avLst/>
+          </a:prstGeom>
+          <a:solidFill>
+            <a:schemeClr val="bg1"/>
+          </a:solidFill>
+          <a:ln w="25400"/>
+        </p:spPr>
+        <p:style>
+          <a:lnRef idx="2">
+            <a:schemeClr val="accent1">
+              <a:shade val="50000"/>
+            </a:schemeClr>
+          </a:lnRef>
+          <a:fillRef idx="1">
+            <a:schemeClr val="accent1"/>
+          </a:fillRef>
+          <a:effectRef idx="0">
+            <a:schemeClr val="accent1"/>
+          </a:effectRef>
+          <a:fontRef idx="minor">
+            <a:schemeClr val="lt1"/>
+          </a:fontRef>
+        </p:style>
+        <p:txBody>
+          <a:bodyPr rtlCol="0" anchor="ctr"/>
+          <a:lstStyle/>
+          <a:p>
+            <a:pPr algn="ctr"/>
+            <a:endParaRPr lang="en-GB"/>
+          </a:p>
+        </p:txBody>
+      </p:sp>
+      <p:sp>
+        <p:nvSpPr>
+          <p:cNvPr id="80" name="Oval 79"/>
+          <p:cNvSpPr/>
+          <p:nvPr/>
+        </p:nvSpPr>
+        <p:spPr>
+          <a:xfrm>
+            <a:off x="9554725" y="2096943"/>
+            <a:ext cx="269507" cy="259882"/>
+          </a:xfrm>
+          <a:prstGeom prst="ellipse">
+            <a:avLst/>
+          </a:prstGeom>
+          <a:solidFill>
+            <a:schemeClr val="bg1"/>
+          </a:solidFill>
+          <a:ln w="25400"/>
+        </p:spPr>
+        <p:style>
+          <a:lnRef idx="2">
+            <a:schemeClr val="accent1">
+              <a:shade val="50000"/>
+            </a:schemeClr>
+          </a:lnRef>
+          <a:fillRef idx="1">
+            <a:schemeClr val="accent1"/>
+          </a:fillRef>
+          <a:effectRef idx="0">
+            <a:schemeClr val="accent1"/>
+          </a:effectRef>
+          <a:fontRef idx="minor">
+            <a:schemeClr val="lt1"/>
+          </a:fontRef>
+        </p:style>
+        <p:txBody>
+          <a:bodyPr rtlCol="0" anchor="ctr"/>
+          <a:lstStyle/>
+          <a:p>
+            <a:pPr algn="ctr"/>
+            <a:endParaRPr lang="en-GB"/>
+          </a:p>
+        </p:txBody>
+      </p:sp>
+      <p:sp>
+        <p:nvSpPr>
+          <p:cNvPr id="81" name="Oval 80"/>
+          <p:cNvSpPr/>
+          <p:nvPr/>
+        </p:nvSpPr>
+        <p:spPr>
+          <a:xfrm>
+            <a:off x="9948875" y="2096943"/>
+            <a:ext cx="269507" cy="259882"/>
+          </a:xfrm>
+          <a:prstGeom prst="ellipse">
+            <a:avLst/>
+          </a:prstGeom>
+          <a:solidFill>
+            <a:schemeClr val="bg1"/>
+          </a:solidFill>
+          <a:ln w="25400"/>
+        </p:spPr>
+        <p:style>
+          <a:lnRef idx="2">
+            <a:schemeClr val="accent1">
+              <a:shade val="50000"/>
+            </a:schemeClr>
+          </a:lnRef>
+          <a:fillRef idx="1">
+            <a:schemeClr val="accent1"/>
+          </a:fillRef>
+          <a:effectRef idx="0">
+            <a:schemeClr val="accent1"/>
+          </a:effectRef>
+          <a:fontRef idx="minor">
+            <a:schemeClr val="lt1"/>
+          </a:fontRef>
+        </p:style>
+        <p:txBody>
+          <a:bodyPr rtlCol="0" anchor="ctr"/>
+          <a:lstStyle/>
+          <a:p>
+            <a:pPr algn="ctr"/>
+            <a:endParaRPr lang="en-GB"/>
+          </a:p>
+        </p:txBody>
+      </p:sp>
+      <p:sp>
+        <p:nvSpPr>
+          <p:cNvPr id="82" name="Oval 81"/>
+          <p:cNvSpPr/>
+          <p:nvPr/>
+        </p:nvSpPr>
+        <p:spPr>
+          <a:xfrm>
+            <a:off x="7403867" y="2096943"/>
+            <a:ext cx="269507" cy="259882"/>
+          </a:xfrm>
+          <a:prstGeom prst="ellipse">
+            <a:avLst/>
+          </a:prstGeom>
+          <a:solidFill>
+            <a:schemeClr val="bg1"/>
+          </a:solidFill>
+          <a:ln w="25400"/>
+        </p:spPr>
+        <p:style>
+          <a:lnRef idx="2">
+            <a:schemeClr val="accent1">
+              <a:shade val="50000"/>
+            </a:schemeClr>
+          </a:lnRef>
+          <a:fillRef idx="1">
+            <a:schemeClr val="accent1"/>
+          </a:fillRef>
+          <a:effectRef idx="0">
+            <a:schemeClr val="accent1"/>
+          </a:effectRef>
+          <a:fontRef idx="minor">
+            <a:schemeClr val="lt1"/>
+          </a:fontRef>
+        </p:style>
+        <p:txBody>
+          <a:bodyPr rtlCol="0" anchor="ctr"/>
+          <a:lstStyle/>
+          <a:p>
+            <a:pPr algn="ctr"/>
+            <a:endParaRPr lang="en-GB"/>
+          </a:p>
+        </p:txBody>
+      </p:sp>
+      <p:sp>
+        <p:nvSpPr>
+          <p:cNvPr id="83" name="Oval 82"/>
+          <p:cNvSpPr/>
+          <p:nvPr/>
+        </p:nvSpPr>
+        <p:spPr>
+          <a:xfrm>
+            <a:off x="7798017" y="2096943"/>
+            <a:ext cx="269507" cy="259882"/>
+          </a:xfrm>
+          <a:prstGeom prst="ellipse">
+            <a:avLst/>
+          </a:prstGeom>
+          <a:solidFill>
+            <a:schemeClr val="bg1"/>
+          </a:solidFill>
+          <a:ln w="25400"/>
+        </p:spPr>
+        <p:style>
+          <a:lnRef idx="2">
+            <a:schemeClr val="accent1">
+              <a:shade val="50000"/>
+            </a:schemeClr>
+          </a:lnRef>
+          <a:fillRef idx="1">
+            <a:schemeClr val="accent1"/>
+          </a:fillRef>
+          <a:effectRef idx="0">
+            <a:schemeClr val="accent1"/>
+          </a:effectRef>
+          <a:fontRef idx="minor">
+            <a:schemeClr val="lt1"/>
+          </a:fontRef>
+        </p:style>
+        <p:txBody>
+          <a:bodyPr rtlCol="0" anchor="ctr"/>
+          <a:lstStyle/>
+          <a:p>
+            <a:pPr algn="ctr"/>
+            <a:endParaRPr lang="en-GB"/>
+          </a:p>
+        </p:txBody>
+      </p:sp>
+      <p:grpSp>
+        <p:nvGrpSpPr>
+          <p:cNvPr id="90" name="Group 89"/>
+          <p:cNvGrpSpPr/>
+          <p:nvPr/>
+        </p:nvGrpSpPr>
+        <p:grpSpPr>
+          <a:xfrm>
+            <a:off x="8531872" y="2096943"/>
+            <a:ext cx="237498" cy="310050"/>
+            <a:chOff x="2796781" y="923349"/>
+            <a:chExt cx="2030931" cy="1655542"/>
+          </a:xfrm>
+        </p:grpSpPr>
+        <p:cxnSp>
+          <p:nvCxnSpPr>
+            <p:cNvPr id="84" name="Straight Connector 83"/>
+            <p:cNvCxnSpPr/>
+            <p:nvPr/>
+          </p:nvCxnSpPr>
+          <p:spPr>
+            <a:xfrm>
+              <a:off x="2796781" y="1876250"/>
+              <a:ext cx="996215" cy="702641"/>
+            </a:xfrm>
+            <a:prstGeom prst="line">
+              <a:avLst/>
+            </a:prstGeom>
+            <a:ln w="47625"/>
+          </p:spPr>
+          <p:style>
+            <a:lnRef idx="1">
+              <a:schemeClr val="accent1"/>
+            </a:lnRef>
+            <a:fillRef idx="0">
+              <a:schemeClr val="accent1"/>
+            </a:fillRef>
+            <a:effectRef idx="0">
+              <a:schemeClr val="accent1"/>
+            </a:effectRef>
+            <a:fontRef idx="minor">
+              <a:schemeClr val="tx1"/>
+            </a:fontRef>
+          </p:style>
+        </p:cxnSp>
+        <p:cxnSp>
+          <p:nvCxnSpPr>
+            <p:cNvPr id="85" name="Straight Connector 84"/>
+            <p:cNvCxnSpPr/>
+            <p:nvPr/>
+          </p:nvCxnSpPr>
+          <p:spPr>
+            <a:xfrm flipV="1">
+              <a:off x="3747712" y="1850212"/>
+              <a:ext cx="1080000" cy="720000"/>
+            </a:xfrm>
+            <a:prstGeom prst="line">
+              <a:avLst/>
+            </a:prstGeom>
+            <a:ln w="47625"/>
+          </p:spPr>
+          <p:style>
+            <a:lnRef idx="1">
+              <a:schemeClr val="accent1"/>
+            </a:lnRef>
+            <a:fillRef idx="0">
+              <a:schemeClr val="accent1"/>
+            </a:fillRef>
+            <a:effectRef idx="0">
+              <a:schemeClr val="accent1"/>
+            </a:effectRef>
+            <a:fontRef idx="minor">
+              <a:schemeClr val="tx1"/>
+            </a:fontRef>
+          </p:style>
+        </p:cxnSp>
+        <p:cxnSp>
+          <p:nvCxnSpPr>
+            <p:cNvPr id="86" name="Straight Arrow Connector 85"/>
+            <p:cNvCxnSpPr/>
+            <p:nvPr/>
+          </p:nvCxnSpPr>
+          <p:spPr>
+            <a:xfrm flipH="1" flipV="1">
+              <a:off x="4731459" y="923349"/>
+              <a:ext cx="96253" cy="952901"/>
+            </a:xfrm>
+            <a:prstGeom prst="straightConnector1">
+              <a:avLst/>
+            </a:prstGeom>
+            <a:ln w="38100">
+              <a:tailEnd type="triangle"/>
+            </a:ln>
+          </p:spPr>
+          <p:style>
+            <a:lnRef idx="1">
+              <a:schemeClr val="accent1"/>
+            </a:lnRef>
+            <a:fillRef idx="0">
+              <a:schemeClr val="accent1"/>
+            </a:fillRef>
+            <a:effectRef idx="0">
+              <a:schemeClr val="accent1"/>
+            </a:effectRef>
+            <a:fontRef idx="minor">
+              <a:schemeClr val="tx1"/>
+            </a:fontRef>
+          </p:style>
+        </p:cxnSp>
+      </p:grpSp>
+      <p:grpSp>
+        <p:nvGrpSpPr>
+          <p:cNvPr id="91" name="Group 90"/>
+          <p:cNvGrpSpPr/>
+          <p:nvPr/>
+        </p:nvGrpSpPr>
+        <p:grpSpPr>
+          <a:xfrm flipH="1" flipV="1">
+            <a:off x="8898961" y="2007148"/>
+            <a:ext cx="225561" cy="327903"/>
+            <a:chOff x="2796781" y="923349"/>
+            <a:chExt cx="2030931" cy="1655542"/>
+          </a:xfrm>
+        </p:grpSpPr>
+        <p:cxnSp>
+          <p:nvCxnSpPr>
+            <p:cNvPr id="92" name="Straight Connector 91"/>
+            <p:cNvCxnSpPr/>
+            <p:nvPr/>
+          </p:nvCxnSpPr>
+          <p:spPr>
+            <a:xfrm>
+              <a:off x="2796781" y="1876250"/>
+              <a:ext cx="996215" cy="702641"/>
+            </a:xfrm>
+            <a:prstGeom prst="line">
+              <a:avLst/>
+            </a:prstGeom>
+            <a:ln w="47625"/>
+          </p:spPr>
+          <p:style>
+            <a:lnRef idx="1">
+              <a:schemeClr val="accent1"/>
+            </a:lnRef>
+            <a:fillRef idx="0">
+              <a:schemeClr val="accent1"/>
+            </a:fillRef>
+            <a:effectRef idx="0">
+              <a:schemeClr val="accent1"/>
+            </a:effectRef>
+            <a:fontRef idx="minor">
+              <a:schemeClr val="tx1"/>
+            </a:fontRef>
+          </p:style>
+        </p:cxnSp>
+        <p:cxnSp>
+          <p:nvCxnSpPr>
+            <p:cNvPr id="93" name="Straight Connector 92"/>
+            <p:cNvCxnSpPr/>
+            <p:nvPr/>
+          </p:nvCxnSpPr>
+          <p:spPr>
+            <a:xfrm flipV="1">
+              <a:off x="3747712" y="1850212"/>
+              <a:ext cx="1080000" cy="720000"/>
+            </a:xfrm>
+            <a:prstGeom prst="line">
+              <a:avLst/>
+            </a:prstGeom>
+            <a:ln w="47625"/>
+          </p:spPr>
+          <p:style>
+            <a:lnRef idx="1">
+              <a:schemeClr val="accent1"/>
+            </a:lnRef>
+            <a:fillRef idx="0">
+              <a:schemeClr val="accent1"/>
+            </a:fillRef>
+            <a:effectRef idx="0">
+              <a:schemeClr val="accent1"/>
+            </a:effectRef>
+            <a:fontRef idx="minor">
+              <a:schemeClr val="tx1"/>
+            </a:fontRef>
+          </p:style>
+        </p:cxnSp>
+        <p:cxnSp>
+          <p:nvCxnSpPr>
+            <p:cNvPr id="94" name="Straight Arrow Connector 93"/>
+            <p:cNvCxnSpPr/>
+            <p:nvPr/>
+          </p:nvCxnSpPr>
+          <p:spPr>
+            <a:xfrm flipH="1" flipV="1">
+              <a:off x="4731459" y="923349"/>
+              <a:ext cx="96253" cy="952901"/>
+            </a:xfrm>
+            <a:prstGeom prst="straightConnector1">
+              <a:avLst/>
+            </a:prstGeom>
+            <a:ln w="38100">
+              <a:tailEnd type="triangle"/>
+            </a:ln>
+          </p:spPr>
+          <p:style>
+            <a:lnRef idx="1">
+              <a:schemeClr val="accent1"/>
+            </a:lnRef>
+            <a:fillRef idx="0">
+              <a:schemeClr val="accent1"/>
+            </a:fillRef>
+            <a:effectRef idx="0">
+              <a:schemeClr val="accent1"/>
+            </a:effectRef>
+            <a:fontRef idx="minor">
+              <a:schemeClr val="tx1"/>
+            </a:fontRef>
+          </p:style>
+        </p:cxnSp>
+      </p:grpSp>
+    </p:spTree>
+    <p:extLst>
+      <p:ext uri="{BB962C8B-B14F-4D97-AF65-F5344CB8AC3E}">
+        <p14:creationId xmlns:p14="http://schemas.microsoft.com/office/powerpoint/2010/main" val="1309004209"/>
+      </p:ext>
+    </p:extLst>
+  </p:cSld>
+  <p:clrMapOvr>
+    <a:masterClrMapping/>
+  </p:clrMapOvr>
+  <p:timing>
+    <p:tnLst>
+      <p:par>
+        <p:cTn id="1" dur="indefinite" restart="never" nodeType="tmRoot"/>
+      </p:par>
+    </p:tnLst>
+  </p:timing>
 </p:sld>
 </file>
 

--- a/Figures1.pptx
+++ b/Figures1.pptx
@@ -14,6 +14,7 @@
     <p:sldId id="262" r:id="rId8"/>
     <p:sldId id="263" r:id="rId9"/>
     <p:sldId id="264" r:id="rId10"/>
+    <p:sldId id="265" r:id="rId11"/>
   </p:sldIdLst>
   <p:sldSz cx="12192000" cy="6858000"/>
   <p:notesSz cx="6858000" cy="9144000"/>
@@ -251,7 +252,7 @@
           <a:p>
             <a:fld id="{1F78AD8F-B685-49B2-BA03-F32BD517C0C3}" type="datetimeFigureOut">
               <a:rPr lang="en-GB" smtClean="0"/>
-              <a:t>18/04/2016</a:t>
+              <a:t>20/04/2016</a:t>
             </a:fld>
             <a:endParaRPr lang="en-GB"/>
           </a:p>
@@ -421,7 +422,7 @@
           <a:p>
             <a:fld id="{1F78AD8F-B685-49B2-BA03-F32BD517C0C3}" type="datetimeFigureOut">
               <a:rPr lang="en-GB" smtClean="0"/>
-              <a:t>18/04/2016</a:t>
+              <a:t>20/04/2016</a:t>
             </a:fld>
             <a:endParaRPr lang="en-GB"/>
           </a:p>
@@ -601,7 +602,7 @@
           <a:p>
             <a:fld id="{1F78AD8F-B685-49B2-BA03-F32BD517C0C3}" type="datetimeFigureOut">
               <a:rPr lang="en-GB" smtClean="0"/>
-              <a:t>18/04/2016</a:t>
+              <a:t>20/04/2016</a:t>
             </a:fld>
             <a:endParaRPr lang="en-GB"/>
           </a:p>
@@ -771,7 +772,7 @@
           <a:p>
             <a:fld id="{1F78AD8F-B685-49B2-BA03-F32BD517C0C3}" type="datetimeFigureOut">
               <a:rPr lang="en-GB" smtClean="0"/>
-              <a:t>18/04/2016</a:t>
+              <a:t>20/04/2016</a:t>
             </a:fld>
             <a:endParaRPr lang="en-GB"/>
           </a:p>
@@ -1017,7 +1018,7 @@
           <a:p>
             <a:fld id="{1F78AD8F-B685-49B2-BA03-F32BD517C0C3}" type="datetimeFigureOut">
               <a:rPr lang="en-GB" smtClean="0"/>
-              <a:t>18/04/2016</a:t>
+              <a:t>20/04/2016</a:t>
             </a:fld>
             <a:endParaRPr lang="en-GB"/>
           </a:p>
@@ -1249,7 +1250,7 @@
           <a:p>
             <a:fld id="{1F78AD8F-B685-49B2-BA03-F32BD517C0C3}" type="datetimeFigureOut">
               <a:rPr lang="en-GB" smtClean="0"/>
-              <a:t>18/04/2016</a:t>
+              <a:t>20/04/2016</a:t>
             </a:fld>
             <a:endParaRPr lang="en-GB"/>
           </a:p>
@@ -1616,7 +1617,7 @@
           <a:p>
             <a:fld id="{1F78AD8F-B685-49B2-BA03-F32BD517C0C3}" type="datetimeFigureOut">
               <a:rPr lang="en-GB" smtClean="0"/>
-              <a:t>18/04/2016</a:t>
+              <a:t>20/04/2016</a:t>
             </a:fld>
             <a:endParaRPr lang="en-GB"/>
           </a:p>
@@ -1734,7 +1735,7 @@
           <a:p>
             <a:fld id="{1F78AD8F-B685-49B2-BA03-F32BD517C0C3}" type="datetimeFigureOut">
               <a:rPr lang="en-GB" smtClean="0"/>
-              <a:t>18/04/2016</a:t>
+              <a:t>20/04/2016</a:t>
             </a:fld>
             <a:endParaRPr lang="en-GB"/>
           </a:p>
@@ -1829,7 +1830,7 @@
           <a:p>
             <a:fld id="{1F78AD8F-B685-49B2-BA03-F32BD517C0C3}" type="datetimeFigureOut">
               <a:rPr lang="en-GB" smtClean="0"/>
-              <a:t>18/04/2016</a:t>
+              <a:t>20/04/2016</a:t>
             </a:fld>
             <a:endParaRPr lang="en-GB"/>
           </a:p>
@@ -2106,7 +2107,7 @@
           <a:p>
             <a:fld id="{1F78AD8F-B685-49B2-BA03-F32BD517C0C3}" type="datetimeFigureOut">
               <a:rPr lang="en-GB" smtClean="0"/>
-              <a:t>18/04/2016</a:t>
+              <a:t>20/04/2016</a:t>
             </a:fld>
             <a:endParaRPr lang="en-GB"/>
           </a:p>
@@ -2359,7 +2360,7 @@
           <a:p>
             <a:fld id="{1F78AD8F-B685-49B2-BA03-F32BD517C0C3}" type="datetimeFigureOut">
               <a:rPr lang="en-GB" smtClean="0"/>
-              <a:t>18/04/2016</a:t>
+              <a:t>20/04/2016</a:t>
             </a:fld>
             <a:endParaRPr lang="en-GB"/>
           </a:p>
@@ -2572,7 +2573,7 @@
           <a:p>
             <a:fld id="{1F78AD8F-B685-49B2-BA03-F32BD517C0C3}" type="datetimeFigureOut">
               <a:rPr lang="en-GB" smtClean="0"/>
-              <a:t>18/04/2016</a:t>
+              <a:t>20/04/2016</a:t>
             </a:fld>
             <a:endParaRPr lang="en-GB"/>
           </a:p>
@@ -3019,6 +3020,635 @@
     <p:extLst>
       <p:ext uri="{BB962C8B-B14F-4D97-AF65-F5344CB8AC3E}">
         <p14:creationId xmlns:p14="http://schemas.microsoft.com/office/powerpoint/2010/main" val="1849601669"/>
+      </p:ext>
+    </p:extLst>
+  </p:cSld>
+  <p:clrMapOvr>
+    <a:masterClrMapping/>
+  </p:clrMapOvr>
+  <p:timing>
+    <p:tnLst>
+      <p:par>
+        <p:cTn id="1" dur="indefinite" restart="never" nodeType="tmRoot"/>
+      </p:par>
+    </p:tnLst>
+  </p:timing>
+</p:sld>
+</file>
+
+<file path=ppt/slides/slide10.xml><?xml version="1.0" encoding="utf-8"?>
+<p:sld xmlns:a="http://schemas.openxmlformats.org/drawingml/2006/main" xmlns:r="http://schemas.openxmlformats.org/officeDocument/2006/relationships" xmlns:p="http://schemas.openxmlformats.org/presentationml/2006/main">
+  <p:cSld>
+    <p:spTree>
+      <p:nvGrpSpPr>
+        <p:cNvPr id="1" name=""/>
+        <p:cNvGrpSpPr/>
+        <p:nvPr/>
+      </p:nvGrpSpPr>
+      <p:grpSpPr>
+        <a:xfrm>
+          <a:off x="0" y="0"/>
+          <a:ext cx="0" cy="0"/>
+          <a:chOff x="0" y="0"/>
+          <a:chExt cx="0" cy="0"/>
+        </a:xfrm>
+      </p:grpSpPr>
+      <p:sp>
+        <p:nvSpPr>
+          <p:cNvPr id="5" name="Oval 4"/>
+          <p:cNvSpPr/>
+          <p:nvPr/>
+        </p:nvSpPr>
+        <p:spPr>
+          <a:xfrm>
+            <a:off x="3574180" y="2331793"/>
+            <a:ext cx="2632947" cy="2569067"/>
+          </a:xfrm>
+          <a:prstGeom prst="ellipse">
+            <a:avLst/>
+          </a:prstGeom>
+          <a:gradFill flip="none" rotWithShape="1">
+            <a:gsLst>
+              <a:gs pos="0">
+                <a:schemeClr val="bg2">
+                  <a:lumMod val="90000"/>
+                </a:schemeClr>
+              </a:gs>
+              <a:gs pos="23000">
+                <a:schemeClr val="bg1">
+                  <a:lumMod val="65000"/>
+                </a:schemeClr>
+              </a:gs>
+              <a:gs pos="69000">
+                <a:schemeClr val="accent3">
+                  <a:lumMod val="75000"/>
+                </a:schemeClr>
+              </a:gs>
+              <a:gs pos="97000">
+                <a:schemeClr val="accent3">
+                  <a:lumMod val="70000"/>
+                </a:schemeClr>
+              </a:gs>
+            </a:gsLst>
+            <a:path path="circle">
+              <a:fillToRect l="50000" t="50000" r="50000" b="50000"/>
+            </a:path>
+            <a:tileRect/>
+          </a:gradFill>
+          <a:ln>
+            <a:noFill/>
+          </a:ln>
+        </p:spPr>
+        <p:style>
+          <a:lnRef idx="2">
+            <a:schemeClr val="accent1">
+              <a:shade val="50000"/>
+            </a:schemeClr>
+          </a:lnRef>
+          <a:fillRef idx="1">
+            <a:schemeClr val="accent1"/>
+          </a:fillRef>
+          <a:effectRef idx="0">
+            <a:schemeClr val="accent1"/>
+          </a:effectRef>
+          <a:fontRef idx="minor">
+            <a:schemeClr val="lt1"/>
+          </a:fontRef>
+        </p:style>
+        <p:txBody>
+          <a:bodyPr rtlCol="0" anchor="ctr"/>
+          <a:lstStyle/>
+          <a:p>
+            <a:pPr algn="ctr"/>
+            <a:endParaRPr lang="en-GB"/>
+          </a:p>
+        </p:txBody>
+      </p:sp>
+      <p:sp>
+        <p:nvSpPr>
+          <p:cNvPr id="6" name="Oval 5"/>
+          <p:cNvSpPr/>
+          <p:nvPr/>
+        </p:nvSpPr>
+        <p:spPr>
+          <a:xfrm>
+            <a:off x="4026784" y="2784981"/>
+            <a:ext cx="1732331" cy="1666703"/>
+          </a:xfrm>
+          <a:prstGeom prst="ellipse">
+            <a:avLst/>
+          </a:prstGeom>
+          <a:solidFill>
+            <a:schemeClr val="accent1">
+              <a:lumMod val="75000"/>
+            </a:schemeClr>
+          </a:solidFill>
+          <a:ln>
+            <a:noFill/>
+          </a:ln>
+          <a:effectLst>
+            <a:glow rad="228600">
+              <a:schemeClr val="accent1">
+                <a:satMod val="175000"/>
+                <a:alpha val="40000"/>
+              </a:schemeClr>
+            </a:glow>
+          </a:effectLst>
+        </p:spPr>
+        <p:style>
+          <a:lnRef idx="2">
+            <a:schemeClr val="accent1">
+              <a:shade val="50000"/>
+            </a:schemeClr>
+          </a:lnRef>
+          <a:fillRef idx="1">
+            <a:schemeClr val="accent1"/>
+          </a:fillRef>
+          <a:effectRef idx="0">
+            <a:schemeClr val="accent1"/>
+          </a:effectRef>
+          <a:fontRef idx="minor">
+            <a:schemeClr val="lt1"/>
+          </a:fontRef>
+        </p:style>
+        <p:txBody>
+          <a:bodyPr rtlCol="0" anchor="ctr"/>
+          <a:lstStyle/>
+          <a:p>
+            <a:pPr algn="ctr"/>
+            <a:endParaRPr lang="en-GB"/>
+          </a:p>
+        </p:txBody>
+      </p:sp>
+      <p:cxnSp>
+        <p:nvCxnSpPr>
+          <p:cNvPr id="9" name="Straight Arrow Connector 8"/>
+          <p:cNvCxnSpPr>
+            <a:endCxn id="5" idx="4"/>
+          </p:cNvCxnSpPr>
+          <p:nvPr/>
+        </p:nvCxnSpPr>
+        <p:spPr>
+          <a:xfrm>
+            <a:off x="3801979" y="3850105"/>
+            <a:ext cx="1088675" cy="1050755"/>
+          </a:xfrm>
+          <a:prstGeom prst="straightConnector1">
+            <a:avLst/>
+          </a:prstGeom>
+          <a:ln w="28575">
+            <a:solidFill>
+              <a:srgbClr val="7030A0"/>
+            </a:solidFill>
+            <a:tailEnd type="triangle"/>
+          </a:ln>
+        </p:spPr>
+        <p:style>
+          <a:lnRef idx="3">
+            <a:schemeClr val="accent5"/>
+          </a:lnRef>
+          <a:fillRef idx="0">
+            <a:schemeClr val="accent5"/>
+          </a:fillRef>
+          <a:effectRef idx="2">
+            <a:schemeClr val="accent5"/>
+          </a:effectRef>
+          <a:fontRef idx="minor">
+            <a:schemeClr val="tx1"/>
+          </a:fontRef>
+        </p:style>
+      </p:cxnSp>
+      <p:cxnSp>
+        <p:nvCxnSpPr>
+          <p:cNvPr id="10" name="Straight Arrow Connector 9"/>
+          <p:cNvCxnSpPr/>
+          <p:nvPr/>
+        </p:nvCxnSpPr>
+        <p:spPr>
+          <a:xfrm flipV="1">
+            <a:off x="4890653" y="3737811"/>
+            <a:ext cx="1316474" cy="1163049"/>
+          </a:xfrm>
+          <a:prstGeom prst="straightConnector1">
+            <a:avLst/>
+          </a:prstGeom>
+          <a:ln w="28575">
+            <a:solidFill>
+              <a:srgbClr val="7030A0"/>
+            </a:solidFill>
+            <a:tailEnd type="triangle"/>
+          </a:ln>
+        </p:spPr>
+        <p:style>
+          <a:lnRef idx="3">
+            <a:schemeClr val="accent5"/>
+          </a:lnRef>
+          <a:fillRef idx="0">
+            <a:schemeClr val="accent5"/>
+          </a:fillRef>
+          <a:effectRef idx="2">
+            <a:schemeClr val="accent5"/>
+          </a:effectRef>
+          <a:fontRef idx="minor">
+            <a:schemeClr val="tx1"/>
+          </a:fontRef>
+        </p:style>
+      </p:cxnSp>
+      <p:cxnSp>
+        <p:nvCxnSpPr>
+          <p:cNvPr id="12" name="Straight Arrow Connector 11"/>
+          <p:cNvCxnSpPr/>
+          <p:nvPr/>
+        </p:nvCxnSpPr>
+        <p:spPr>
+          <a:xfrm flipH="1" flipV="1">
+            <a:off x="5197642" y="2486526"/>
+            <a:ext cx="1009485" cy="1251286"/>
+          </a:xfrm>
+          <a:prstGeom prst="straightConnector1">
+            <a:avLst/>
+          </a:prstGeom>
+          <a:ln w="28575">
+            <a:solidFill>
+              <a:srgbClr val="7030A0"/>
+            </a:solidFill>
+            <a:tailEnd type="triangle"/>
+          </a:ln>
+        </p:spPr>
+        <p:style>
+          <a:lnRef idx="3">
+            <a:schemeClr val="accent5"/>
+          </a:lnRef>
+          <a:fillRef idx="0">
+            <a:schemeClr val="accent5"/>
+          </a:fillRef>
+          <a:effectRef idx="2">
+            <a:schemeClr val="accent5"/>
+          </a:effectRef>
+          <a:fontRef idx="minor">
+            <a:schemeClr val="tx1"/>
+          </a:fontRef>
+        </p:style>
+      </p:cxnSp>
+      <p:cxnSp>
+        <p:nvCxnSpPr>
+          <p:cNvPr id="15" name="Straight Connector 14"/>
+          <p:cNvCxnSpPr/>
+          <p:nvPr/>
+        </p:nvCxnSpPr>
+        <p:spPr>
+          <a:xfrm>
+            <a:off x="3801979" y="4900860"/>
+            <a:ext cx="2405148" cy="0"/>
+          </a:xfrm>
+          <a:prstGeom prst="line">
+            <a:avLst/>
+          </a:prstGeom>
+          <a:ln w="38100">
+            <a:prstDash val="sysDot"/>
+          </a:ln>
+        </p:spPr>
+        <p:style>
+          <a:lnRef idx="1">
+            <a:schemeClr val="accent1"/>
+          </a:lnRef>
+          <a:fillRef idx="0">
+            <a:schemeClr val="accent1"/>
+          </a:fillRef>
+          <a:effectRef idx="0">
+            <a:schemeClr val="accent1"/>
+          </a:effectRef>
+          <a:fontRef idx="minor">
+            <a:schemeClr val="tx1"/>
+          </a:fontRef>
+        </p:style>
+      </p:cxnSp>
+      <p:sp>
+        <p:nvSpPr>
+          <p:cNvPr id="16" name="Freeform 15"/>
+          <p:cNvSpPr/>
+          <p:nvPr/>
+        </p:nvSpPr>
+        <p:spPr>
+          <a:xfrm>
+            <a:off x="5205663" y="4628147"/>
+            <a:ext cx="208548" cy="272716"/>
+          </a:xfrm>
+          <a:custGeom>
+            <a:avLst/>
+            <a:gdLst>
+              <a:gd name="connsiteX0" fmla="*/ 0 w 208548"/>
+              <a:gd name="connsiteY0" fmla="*/ 0 h 272716"/>
+              <a:gd name="connsiteX1" fmla="*/ 160421 w 208548"/>
+              <a:gd name="connsiteY1" fmla="*/ 104274 h 272716"/>
+              <a:gd name="connsiteX2" fmla="*/ 208548 w 208548"/>
+              <a:gd name="connsiteY2" fmla="*/ 272716 h 272716"/>
+            </a:gdLst>
+            <a:ahLst/>
+            <a:cxnLst>
+              <a:cxn ang="0">
+                <a:pos x="connsiteX0" y="connsiteY0"/>
+              </a:cxn>
+              <a:cxn ang="0">
+                <a:pos x="connsiteX1" y="connsiteY1"/>
+              </a:cxn>
+              <a:cxn ang="0">
+                <a:pos x="connsiteX2" y="connsiteY2"/>
+              </a:cxn>
+            </a:cxnLst>
+            <a:rect l="l" t="t" r="r" b="b"/>
+            <a:pathLst>
+              <a:path w="208548" h="272716">
+                <a:moveTo>
+                  <a:pt x="0" y="0"/>
+                </a:moveTo>
+                <a:cubicBezTo>
+                  <a:pt x="62831" y="29410"/>
+                  <a:pt x="125663" y="58821"/>
+                  <a:pt x="160421" y="104274"/>
+                </a:cubicBezTo>
+                <a:cubicBezTo>
+                  <a:pt x="195179" y="149727"/>
+                  <a:pt x="201863" y="211221"/>
+                  <a:pt x="208548" y="272716"/>
+                </a:cubicBezTo>
+              </a:path>
+            </a:pathLst>
+          </a:custGeom>
+          <a:noFill/>
+          <a:ln w="28575">
+            <a:prstDash val="sysDot"/>
+          </a:ln>
+        </p:spPr>
+        <p:style>
+          <a:lnRef idx="2">
+            <a:schemeClr val="accent1">
+              <a:shade val="50000"/>
+            </a:schemeClr>
+          </a:lnRef>
+          <a:fillRef idx="1">
+            <a:schemeClr val="accent1"/>
+          </a:fillRef>
+          <a:effectRef idx="0">
+            <a:schemeClr val="accent1"/>
+          </a:effectRef>
+          <a:fontRef idx="minor">
+            <a:schemeClr val="lt1"/>
+          </a:fontRef>
+        </p:style>
+        <p:txBody>
+          <a:bodyPr rtlCol="0" anchor="ctr"/>
+          <a:lstStyle/>
+          <a:p>
+            <a:pPr algn="ctr"/>
+            <a:endParaRPr lang="en-GB"/>
+          </a:p>
+        </p:txBody>
+      </p:sp>
+      <p:sp>
+        <p:nvSpPr>
+          <p:cNvPr id="17" name="TextBox 16"/>
+          <p:cNvSpPr txBox="1"/>
+          <p:nvPr/>
+        </p:nvSpPr>
+        <p:spPr>
+          <a:xfrm>
+            <a:off x="5048158" y="4579839"/>
+            <a:ext cx="553453" cy="369332"/>
+          </a:xfrm>
+          <a:prstGeom prst="rect">
+            <a:avLst/>
+          </a:prstGeom>
+          <a:noFill/>
+        </p:spPr>
+        <p:txBody>
+          <a:bodyPr wrap="square" rtlCol="0">
+            <a:spAutoFit/>
+          </a:bodyPr>
+          <a:lstStyle/>
+          <a:p>
+            <a:r>
+              <a:rPr lang="el-GR" dirty="0" smtClean="0"/>
+              <a:t>θ</a:t>
+            </a:r>
+            <a:r>
+              <a:rPr lang="en-GB" baseline="-25000" dirty="0" smtClean="0"/>
+              <a:t>c</a:t>
+            </a:r>
+            <a:endParaRPr lang="en-GB" dirty="0"/>
+          </a:p>
+        </p:txBody>
+      </p:sp>
+      <p:cxnSp>
+        <p:nvCxnSpPr>
+          <p:cNvPr id="19" name="Straight Arrow Connector 18"/>
+          <p:cNvCxnSpPr>
+            <a:stCxn id="5" idx="2"/>
+          </p:cNvCxnSpPr>
+          <p:nvPr/>
+        </p:nvCxnSpPr>
+        <p:spPr>
+          <a:xfrm flipV="1">
+            <a:off x="3574180" y="3616326"/>
+            <a:ext cx="1316473" cy="1"/>
+          </a:xfrm>
+          <a:prstGeom prst="straightConnector1">
+            <a:avLst/>
+          </a:prstGeom>
+          <a:ln w="28575">
+            <a:headEnd type="triangle"/>
+            <a:tailEnd type="triangle"/>
+          </a:ln>
+        </p:spPr>
+        <p:style>
+          <a:lnRef idx="1">
+            <a:schemeClr val="accent6"/>
+          </a:lnRef>
+          <a:fillRef idx="0">
+            <a:schemeClr val="accent6"/>
+          </a:fillRef>
+          <a:effectRef idx="0">
+            <a:schemeClr val="accent6"/>
+          </a:effectRef>
+          <a:fontRef idx="minor">
+            <a:schemeClr val="tx1"/>
+          </a:fontRef>
+        </p:style>
+      </p:cxnSp>
+      <p:cxnSp>
+        <p:nvCxnSpPr>
+          <p:cNvPr id="20" name="Straight Arrow Connector 19"/>
+          <p:cNvCxnSpPr/>
+          <p:nvPr/>
+        </p:nvCxnSpPr>
+        <p:spPr>
+          <a:xfrm>
+            <a:off x="4154905" y="3200653"/>
+            <a:ext cx="735747" cy="430970"/>
+          </a:xfrm>
+          <a:prstGeom prst="straightConnector1">
+            <a:avLst/>
+          </a:prstGeom>
+          <a:ln w="28575">
+            <a:headEnd type="triangle"/>
+            <a:tailEnd type="triangle"/>
+          </a:ln>
+        </p:spPr>
+        <p:style>
+          <a:lnRef idx="1">
+            <a:schemeClr val="accent6"/>
+          </a:lnRef>
+          <a:fillRef idx="0">
+            <a:schemeClr val="accent6"/>
+          </a:fillRef>
+          <a:effectRef idx="0">
+            <a:schemeClr val="accent6"/>
+          </a:effectRef>
+          <a:fontRef idx="minor">
+            <a:schemeClr val="tx1"/>
+          </a:fontRef>
+        </p:style>
+      </p:cxnSp>
+      <p:sp>
+        <p:nvSpPr>
+          <p:cNvPr id="22" name="TextBox 21"/>
+          <p:cNvSpPr txBox="1"/>
+          <p:nvPr/>
+        </p:nvSpPr>
+        <p:spPr>
+          <a:xfrm>
+            <a:off x="4091464" y="3583312"/>
+            <a:ext cx="553453" cy="369332"/>
+          </a:xfrm>
+          <a:prstGeom prst="rect">
+            <a:avLst/>
+          </a:prstGeom>
+          <a:noFill/>
+        </p:spPr>
+        <p:txBody>
+          <a:bodyPr wrap="square" rtlCol="0">
+            <a:spAutoFit/>
+          </a:bodyPr>
+          <a:lstStyle/>
+          <a:p>
+            <a:r>
+              <a:rPr lang="en-GB" dirty="0" smtClean="0"/>
+              <a:t>R</a:t>
+            </a:r>
+            <a:endParaRPr lang="en-GB" dirty="0"/>
+          </a:p>
+        </p:txBody>
+      </p:sp>
+      <p:sp>
+        <p:nvSpPr>
+          <p:cNvPr id="23" name="TextBox 22"/>
+          <p:cNvSpPr txBox="1"/>
+          <p:nvPr/>
+        </p:nvSpPr>
+        <p:spPr>
+          <a:xfrm>
+            <a:off x="4417887" y="3077626"/>
+            <a:ext cx="553453" cy="369332"/>
+          </a:xfrm>
+          <a:prstGeom prst="rect">
+            <a:avLst/>
+          </a:prstGeom>
+          <a:noFill/>
+        </p:spPr>
+        <p:txBody>
+          <a:bodyPr wrap="square" rtlCol="0">
+            <a:spAutoFit/>
+          </a:bodyPr>
+          <a:lstStyle/>
+          <a:p>
+            <a:r>
+              <a:rPr lang="en-GB" dirty="0" err="1" smtClean="0"/>
+              <a:t>R</a:t>
+            </a:r>
+            <a:r>
+              <a:rPr lang="en-GB" baseline="-25000" dirty="0" err="1" smtClean="0"/>
+              <a:t>min</a:t>
+            </a:r>
+            <a:endParaRPr lang="en-GB" dirty="0"/>
+          </a:p>
+        </p:txBody>
+      </p:sp>
+      <p:cxnSp>
+        <p:nvCxnSpPr>
+          <p:cNvPr id="24" name="Straight Arrow Connector 23"/>
+          <p:cNvCxnSpPr/>
+          <p:nvPr/>
+        </p:nvCxnSpPr>
+        <p:spPr>
+          <a:xfrm>
+            <a:off x="4522778" y="3800991"/>
+            <a:ext cx="389749" cy="1115165"/>
+          </a:xfrm>
+          <a:prstGeom prst="straightConnector1">
+            <a:avLst/>
+          </a:prstGeom>
+          <a:ln w="28575">
+            <a:solidFill>
+              <a:srgbClr val="FF0000"/>
+            </a:solidFill>
+            <a:tailEnd type="triangle"/>
+          </a:ln>
+        </p:spPr>
+        <p:style>
+          <a:lnRef idx="3">
+            <a:schemeClr val="accent5"/>
+          </a:lnRef>
+          <a:fillRef idx="0">
+            <a:schemeClr val="accent5"/>
+          </a:fillRef>
+          <a:effectRef idx="2">
+            <a:schemeClr val="accent5"/>
+          </a:effectRef>
+          <a:fontRef idx="minor">
+            <a:schemeClr val="tx1"/>
+          </a:fontRef>
+        </p:style>
+      </p:cxnSp>
+      <p:cxnSp>
+        <p:nvCxnSpPr>
+          <p:cNvPr id="26" name="Straight Arrow Connector 25"/>
+          <p:cNvCxnSpPr/>
+          <p:nvPr/>
+        </p:nvCxnSpPr>
+        <p:spPr>
+          <a:xfrm>
+            <a:off x="4914171" y="4904373"/>
+            <a:ext cx="1098082" cy="269200"/>
+          </a:xfrm>
+          <a:prstGeom prst="straightConnector1">
+            <a:avLst/>
+          </a:prstGeom>
+          <a:ln w="28575">
+            <a:solidFill>
+              <a:srgbClr val="FF0000"/>
+            </a:solidFill>
+            <a:tailEnd type="triangle"/>
+          </a:ln>
+        </p:spPr>
+        <p:style>
+          <a:lnRef idx="3">
+            <a:schemeClr val="accent5"/>
+          </a:lnRef>
+          <a:fillRef idx="0">
+            <a:schemeClr val="accent5"/>
+          </a:fillRef>
+          <a:effectRef idx="2">
+            <a:schemeClr val="accent5"/>
+          </a:effectRef>
+          <a:fontRef idx="minor">
+            <a:schemeClr val="tx1"/>
+          </a:fontRef>
+        </p:style>
+      </p:cxnSp>
+    </p:spTree>
+    <p:extLst>
+      <p:ext uri="{BB962C8B-B14F-4D97-AF65-F5344CB8AC3E}">
+        <p14:creationId xmlns:p14="http://schemas.microsoft.com/office/powerpoint/2010/main" val="1142804906"/>
       </p:ext>
     </p:extLst>
   </p:cSld>

--- a/Figures1.pptx
+++ b/Figures1.pptx
@@ -15,6 +15,7 @@
     <p:sldId id="263" r:id="rId9"/>
     <p:sldId id="264" r:id="rId10"/>
     <p:sldId id="265" r:id="rId11"/>
+    <p:sldId id="266" r:id="rId12"/>
   </p:sldIdLst>
   <p:sldSz cx="12192000" cy="6858000"/>
   <p:notesSz cx="6858000" cy="9144000"/>
@@ -252,7 +253,7 @@
           <a:p>
             <a:fld id="{1F78AD8F-B685-49B2-BA03-F32BD517C0C3}" type="datetimeFigureOut">
               <a:rPr lang="en-GB" smtClean="0"/>
-              <a:t>20/04/2016</a:t>
+              <a:t>24/04/2016</a:t>
             </a:fld>
             <a:endParaRPr lang="en-GB"/>
           </a:p>
@@ -422,7 +423,7 @@
           <a:p>
             <a:fld id="{1F78AD8F-B685-49B2-BA03-F32BD517C0C3}" type="datetimeFigureOut">
               <a:rPr lang="en-GB" smtClean="0"/>
-              <a:t>20/04/2016</a:t>
+              <a:t>24/04/2016</a:t>
             </a:fld>
             <a:endParaRPr lang="en-GB"/>
           </a:p>
@@ -602,7 +603,7 @@
           <a:p>
             <a:fld id="{1F78AD8F-B685-49B2-BA03-F32BD517C0C3}" type="datetimeFigureOut">
               <a:rPr lang="en-GB" smtClean="0"/>
-              <a:t>20/04/2016</a:t>
+              <a:t>24/04/2016</a:t>
             </a:fld>
             <a:endParaRPr lang="en-GB"/>
           </a:p>
@@ -772,7 +773,7 @@
           <a:p>
             <a:fld id="{1F78AD8F-B685-49B2-BA03-F32BD517C0C3}" type="datetimeFigureOut">
               <a:rPr lang="en-GB" smtClean="0"/>
-              <a:t>20/04/2016</a:t>
+              <a:t>24/04/2016</a:t>
             </a:fld>
             <a:endParaRPr lang="en-GB"/>
           </a:p>
@@ -1018,7 +1019,7 @@
           <a:p>
             <a:fld id="{1F78AD8F-B685-49B2-BA03-F32BD517C0C3}" type="datetimeFigureOut">
               <a:rPr lang="en-GB" smtClean="0"/>
-              <a:t>20/04/2016</a:t>
+              <a:t>24/04/2016</a:t>
             </a:fld>
             <a:endParaRPr lang="en-GB"/>
           </a:p>
@@ -1250,7 +1251,7 @@
           <a:p>
             <a:fld id="{1F78AD8F-B685-49B2-BA03-F32BD517C0C3}" type="datetimeFigureOut">
               <a:rPr lang="en-GB" smtClean="0"/>
-              <a:t>20/04/2016</a:t>
+              <a:t>24/04/2016</a:t>
             </a:fld>
             <a:endParaRPr lang="en-GB"/>
           </a:p>
@@ -1617,7 +1618,7 @@
           <a:p>
             <a:fld id="{1F78AD8F-B685-49B2-BA03-F32BD517C0C3}" type="datetimeFigureOut">
               <a:rPr lang="en-GB" smtClean="0"/>
-              <a:t>20/04/2016</a:t>
+              <a:t>24/04/2016</a:t>
             </a:fld>
             <a:endParaRPr lang="en-GB"/>
           </a:p>
@@ -1735,7 +1736,7 @@
           <a:p>
             <a:fld id="{1F78AD8F-B685-49B2-BA03-F32BD517C0C3}" type="datetimeFigureOut">
               <a:rPr lang="en-GB" smtClean="0"/>
-              <a:t>20/04/2016</a:t>
+              <a:t>24/04/2016</a:t>
             </a:fld>
             <a:endParaRPr lang="en-GB"/>
           </a:p>
@@ -1830,7 +1831,7 @@
           <a:p>
             <a:fld id="{1F78AD8F-B685-49B2-BA03-F32BD517C0C3}" type="datetimeFigureOut">
               <a:rPr lang="en-GB" smtClean="0"/>
-              <a:t>20/04/2016</a:t>
+              <a:t>24/04/2016</a:t>
             </a:fld>
             <a:endParaRPr lang="en-GB"/>
           </a:p>
@@ -2107,7 +2108,7 @@
           <a:p>
             <a:fld id="{1F78AD8F-B685-49B2-BA03-F32BD517C0C3}" type="datetimeFigureOut">
               <a:rPr lang="en-GB" smtClean="0"/>
-              <a:t>20/04/2016</a:t>
+              <a:t>24/04/2016</a:t>
             </a:fld>
             <a:endParaRPr lang="en-GB"/>
           </a:p>
@@ -2360,7 +2361,7 @@
           <a:p>
             <a:fld id="{1F78AD8F-B685-49B2-BA03-F32BD517C0C3}" type="datetimeFigureOut">
               <a:rPr lang="en-GB" smtClean="0"/>
-              <a:t>20/04/2016</a:t>
+              <a:t>24/04/2016</a:t>
             </a:fld>
             <a:endParaRPr lang="en-GB"/>
           </a:p>
@@ -2573,7 +2574,7 @@
           <a:p>
             <a:fld id="{1F78AD8F-B685-49B2-BA03-F32BD517C0C3}" type="datetimeFigureOut">
               <a:rPr lang="en-GB" smtClean="0"/>
-              <a:t>20/04/2016</a:t>
+              <a:t>24/04/2016</a:t>
             </a:fld>
             <a:endParaRPr lang="en-GB"/>
           </a:p>
@@ -3649,6 +3650,548 @@
     <p:extLst>
       <p:ext uri="{BB962C8B-B14F-4D97-AF65-F5344CB8AC3E}">
         <p14:creationId xmlns:p14="http://schemas.microsoft.com/office/powerpoint/2010/main" val="1142804906"/>
+      </p:ext>
+    </p:extLst>
+  </p:cSld>
+  <p:clrMapOvr>
+    <a:masterClrMapping/>
+  </p:clrMapOvr>
+  <p:timing>
+    <p:tnLst>
+      <p:par>
+        <p:cTn id="1" dur="indefinite" restart="never" nodeType="tmRoot"/>
+      </p:par>
+    </p:tnLst>
+  </p:timing>
+</p:sld>
+</file>
+
+<file path=ppt/slides/slide11.xml><?xml version="1.0" encoding="utf-8"?>
+<p:sld xmlns:a="http://schemas.openxmlformats.org/drawingml/2006/main" xmlns:r="http://schemas.openxmlformats.org/officeDocument/2006/relationships" xmlns:p="http://schemas.openxmlformats.org/presentationml/2006/main">
+  <p:cSld>
+    <p:spTree>
+      <p:nvGrpSpPr>
+        <p:cNvPr id="1" name=""/>
+        <p:cNvGrpSpPr/>
+        <p:nvPr/>
+      </p:nvGrpSpPr>
+      <p:grpSpPr>
+        <a:xfrm>
+          <a:off x="0" y="0"/>
+          <a:ext cx="0" cy="0"/>
+          <a:chOff x="0" y="0"/>
+          <a:chExt cx="0" cy="0"/>
+        </a:xfrm>
+      </p:grpSpPr>
+      <p:grpSp>
+        <p:nvGrpSpPr>
+          <p:cNvPr id="25" name="Group 24"/>
+          <p:cNvGrpSpPr/>
+          <p:nvPr/>
+        </p:nvGrpSpPr>
+        <p:grpSpPr>
+          <a:xfrm>
+            <a:off x="225415" y="145769"/>
+            <a:ext cx="8205719" cy="5215503"/>
+            <a:chOff x="225415" y="145769"/>
+            <a:chExt cx="8205719" cy="5215503"/>
+          </a:xfrm>
+        </p:grpSpPr>
+        <p:sp>
+          <p:nvSpPr>
+            <p:cNvPr id="6" name="Flowchart: Magnetic Disk 5"/>
+            <p:cNvSpPr/>
+            <p:nvPr/>
+          </p:nvSpPr>
+          <p:spPr>
+            <a:xfrm>
+              <a:off x="1520792" y="4339682"/>
+              <a:ext cx="3792791" cy="1021590"/>
+            </a:xfrm>
+            <a:prstGeom prst="flowChartMagneticDisk">
+              <a:avLst/>
+            </a:prstGeom>
+            <a:scene3d>
+              <a:camera prst="perspectiveRelaxedModerately"/>
+              <a:lightRig rig="threePt" dir="t"/>
+            </a:scene3d>
+          </p:spPr>
+          <p:style>
+            <a:lnRef idx="2">
+              <a:schemeClr val="accent1">
+                <a:shade val="50000"/>
+              </a:schemeClr>
+            </a:lnRef>
+            <a:fillRef idx="1">
+              <a:schemeClr val="accent1"/>
+            </a:fillRef>
+            <a:effectRef idx="0">
+              <a:schemeClr val="accent1"/>
+            </a:effectRef>
+            <a:fontRef idx="minor">
+              <a:schemeClr val="lt1"/>
+            </a:fontRef>
+          </p:style>
+          <p:txBody>
+            <a:bodyPr rtlCol="0" anchor="ctr"/>
+            <a:lstStyle/>
+            <a:p>
+              <a:pPr algn="ctr"/>
+              <a:r>
+                <a:rPr lang="en-GB" dirty="0" smtClean="0">
+                  <a:solidFill>
+                    <a:schemeClr val="tx1"/>
+                  </a:solidFill>
+                </a:rPr>
+                <a:t>Sample</a:t>
+              </a:r>
+              <a:endParaRPr lang="en-GB" dirty="0">
+                <a:solidFill>
+                  <a:schemeClr val="tx1"/>
+                </a:solidFill>
+              </a:endParaRPr>
+            </a:p>
+          </p:txBody>
+        </p:sp>
+        <p:grpSp>
+          <p:nvGrpSpPr>
+            <p:cNvPr id="9" name="Group 8"/>
+            <p:cNvGrpSpPr/>
+            <p:nvPr/>
+          </p:nvGrpSpPr>
+          <p:grpSpPr>
+            <a:xfrm rot="20726285">
+              <a:off x="3849508" y="3343996"/>
+              <a:ext cx="4581626" cy="557334"/>
+              <a:chOff x="4446871" y="2743200"/>
+              <a:chExt cx="4581626" cy="395633"/>
+            </a:xfrm>
+          </p:grpSpPr>
+          <p:sp>
+            <p:nvSpPr>
+              <p:cNvPr id="7" name="Rectangle 6"/>
+              <p:cNvSpPr/>
+              <p:nvPr/>
+            </p:nvSpPr>
+            <p:spPr>
+              <a:xfrm>
+                <a:off x="4446872" y="2743200"/>
+                <a:ext cx="4581625" cy="259882"/>
+              </a:xfrm>
+              <a:prstGeom prst="rect">
+                <a:avLst/>
+              </a:prstGeom>
+              <a:ln/>
+            </p:spPr>
+            <p:style>
+              <a:lnRef idx="1">
+                <a:schemeClr val="accent3"/>
+              </a:lnRef>
+              <a:fillRef idx="3">
+                <a:schemeClr val="accent3"/>
+              </a:fillRef>
+              <a:effectRef idx="2">
+                <a:schemeClr val="accent3"/>
+              </a:effectRef>
+              <a:fontRef idx="minor">
+                <a:schemeClr val="lt1"/>
+              </a:fontRef>
+            </p:style>
+            <p:txBody>
+              <a:bodyPr rtlCol="0" anchor="ctr"/>
+              <a:lstStyle/>
+              <a:p>
+                <a:pPr algn="ctr"/>
+                <a:r>
+                  <a:rPr lang="en-GB" dirty="0" smtClean="0"/>
+                  <a:t>Cantilever</a:t>
+                </a:r>
+                <a:endParaRPr lang="en-GB" dirty="0"/>
+              </a:p>
+            </p:txBody>
+          </p:sp>
+          <p:sp>
+            <p:nvSpPr>
+              <p:cNvPr id="8" name="Isosceles Triangle 7"/>
+              <p:cNvSpPr/>
+              <p:nvPr/>
+            </p:nvSpPr>
+            <p:spPr>
+              <a:xfrm rot="10800000">
+                <a:off x="4446871" y="3003081"/>
+                <a:ext cx="200261" cy="135752"/>
+              </a:xfrm>
+              <a:prstGeom prst="triangle">
+                <a:avLst/>
+              </a:prstGeom>
+              <a:ln/>
+            </p:spPr>
+            <p:style>
+              <a:lnRef idx="1">
+                <a:schemeClr val="accent3"/>
+              </a:lnRef>
+              <a:fillRef idx="3">
+                <a:schemeClr val="accent3"/>
+              </a:fillRef>
+              <a:effectRef idx="2">
+                <a:schemeClr val="accent3"/>
+              </a:effectRef>
+              <a:fontRef idx="minor">
+                <a:schemeClr val="lt1"/>
+              </a:fontRef>
+            </p:style>
+            <p:txBody>
+              <a:bodyPr rtlCol="0" anchor="ctr"/>
+              <a:lstStyle/>
+              <a:p>
+                <a:pPr algn="ctr"/>
+                <a:endParaRPr lang="en-GB"/>
+              </a:p>
+            </p:txBody>
+          </p:sp>
+        </p:grpSp>
+        <p:cxnSp>
+          <p:nvCxnSpPr>
+            <p:cNvPr id="10" name="Straight Arrow Connector 9"/>
+            <p:cNvCxnSpPr/>
+            <p:nvPr/>
+          </p:nvCxnSpPr>
+          <p:spPr>
+            <a:xfrm flipV="1">
+              <a:off x="3945079" y="1884054"/>
+              <a:ext cx="1308565" cy="2014616"/>
+            </a:xfrm>
+            <a:prstGeom prst="straightConnector1">
+              <a:avLst/>
+            </a:prstGeom>
+            <a:ln w="38100">
+              <a:solidFill>
+                <a:srgbClr val="FF0000"/>
+              </a:solidFill>
+              <a:tailEnd type="triangle"/>
+            </a:ln>
+          </p:spPr>
+          <p:style>
+            <a:lnRef idx="3">
+              <a:schemeClr val="accent5"/>
+            </a:lnRef>
+            <a:fillRef idx="0">
+              <a:schemeClr val="accent5"/>
+            </a:fillRef>
+            <a:effectRef idx="2">
+              <a:schemeClr val="accent5"/>
+            </a:effectRef>
+            <a:fontRef idx="minor">
+              <a:schemeClr val="tx1"/>
+            </a:fontRef>
+          </p:style>
+        </p:cxnSp>
+        <p:cxnSp>
+          <p:nvCxnSpPr>
+            <p:cNvPr id="11" name="Straight Arrow Connector 10"/>
+            <p:cNvCxnSpPr/>
+            <p:nvPr/>
+          </p:nvCxnSpPr>
+          <p:spPr>
+            <a:xfrm>
+              <a:off x="1936865" y="2901142"/>
+              <a:ext cx="2008214" cy="997527"/>
+            </a:xfrm>
+            <a:prstGeom prst="straightConnector1">
+              <a:avLst/>
+            </a:prstGeom>
+            <a:ln w="38100">
+              <a:solidFill>
+                <a:srgbClr val="FF0000"/>
+              </a:solidFill>
+              <a:tailEnd type="triangle"/>
+            </a:ln>
+          </p:spPr>
+          <p:style>
+            <a:lnRef idx="3">
+              <a:schemeClr val="accent5"/>
+            </a:lnRef>
+            <a:fillRef idx="0">
+              <a:schemeClr val="accent5"/>
+            </a:fillRef>
+            <a:effectRef idx="2">
+              <a:schemeClr val="accent5"/>
+            </a:effectRef>
+            <a:fontRef idx="minor">
+              <a:schemeClr val="tx1"/>
+            </a:fontRef>
+          </p:style>
+        </p:cxnSp>
+        <p:grpSp>
+          <p:nvGrpSpPr>
+            <p:cNvPr id="20" name="Group 19"/>
+            <p:cNvGrpSpPr/>
+            <p:nvPr/>
+          </p:nvGrpSpPr>
+          <p:grpSpPr>
+            <a:xfrm>
+              <a:off x="5079077" y="571526"/>
+              <a:ext cx="1363286" cy="1284316"/>
+              <a:chOff x="4912822" y="640080"/>
+              <a:chExt cx="1363286" cy="1284316"/>
+            </a:xfrm>
+          </p:grpSpPr>
+          <p:sp>
+            <p:nvSpPr>
+              <p:cNvPr id="16" name="Rectangle 15"/>
+              <p:cNvSpPr/>
+              <p:nvPr/>
+            </p:nvSpPr>
+            <p:spPr>
+              <a:xfrm>
+                <a:off x="4912822" y="640080"/>
+                <a:ext cx="681643" cy="640080"/>
+              </a:xfrm>
+              <a:prstGeom prst="rect">
+                <a:avLst/>
+              </a:prstGeom>
+            </p:spPr>
+            <p:style>
+              <a:lnRef idx="2">
+                <a:schemeClr val="accent6"/>
+              </a:lnRef>
+              <a:fillRef idx="1">
+                <a:schemeClr val="lt1"/>
+              </a:fillRef>
+              <a:effectRef idx="0">
+                <a:schemeClr val="accent6"/>
+              </a:effectRef>
+              <a:fontRef idx="minor">
+                <a:schemeClr val="dk1"/>
+              </a:fontRef>
+            </p:style>
+            <p:txBody>
+              <a:bodyPr rtlCol="0" anchor="ctr"/>
+              <a:lstStyle/>
+              <a:p>
+                <a:pPr algn="ctr"/>
+                <a:endParaRPr lang="en-GB"/>
+              </a:p>
+            </p:txBody>
+          </p:sp>
+          <p:sp>
+            <p:nvSpPr>
+              <p:cNvPr id="17" name="Rectangle 16"/>
+              <p:cNvSpPr/>
+              <p:nvPr/>
+            </p:nvSpPr>
+            <p:spPr>
+              <a:xfrm>
+                <a:off x="5594465" y="644236"/>
+                <a:ext cx="681643" cy="640080"/>
+              </a:xfrm>
+              <a:prstGeom prst="rect">
+                <a:avLst/>
+              </a:prstGeom>
+            </p:spPr>
+            <p:style>
+              <a:lnRef idx="2">
+                <a:schemeClr val="accent6"/>
+              </a:lnRef>
+              <a:fillRef idx="1">
+                <a:schemeClr val="lt1"/>
+              </a:fillRef>
+              <a:effectRef idx="0">
+                <a:schemeClr val="accent6"/>
+              </a:effectRef>
+              <a:fontRef idx="minor">
+                <a:schemeClr val="dk1"/>
+              </a:fontRef>
+            </p:style>
+            <p:txBody>
+              <a:bodyPr rtlCol="0" anchor="ctr"/>
+              <a:lstStyle/>
+              <a:p>
+                <a:pPr algn="ctr"/>
+                <a:endParaRPr lang="en-GB"/>
+              </a:p>
+            </p:txBody>
+          </p:sp>
+          <p:sp>
+            <p:nvSpPr>
+              <p:cNvPr id="18" name="Rectangle 17"/>
+              <p:cNvSpPr/>
+              <p:nvPr/>
+            </p:nvSpPr>
+            <p:spPr>
+              <a:xfrm>
+                <a:off x="4912822" y="1284316"/>
+                <a:ext cx="681643" cy="640080"/>
+              </a:xfrm>
+              <a:prstGeom prst="rect">
+                <a:avLst/>
+              </a:prstGeom>
+            </p:spPr>
+            <p:style>
+              <a:lnRef idx="2">
+                <a:schemeClr val="accent6"/>
+              </a:lnRef>
+              <a:fillRef idx="1">
+                <a:schemeClr val="lt1"/>
+              </a:fillRef>
+              <a:effectRef idx="0">
+                <a:schemeClr val="accent6"/>
+              </a:effectRef>
+              <a:fontRef idx="minor">
+                <a:schemeClr val="dk1"/>
+              </a:fontRef>
+            </p:style>
+            <p:txBody>
+              <a:bodyPr rtlCol="0" anchor="ctr"/>
+              <a:lstStyle/>
+              <a:p>
+                <a:pPr algn="ctr"/>
+                <a:endParaRPr lang="en-GB"/>
+              </a:p>
+            </p:txBody>
+          </p:sp>
+          <p:sp>
+            <p:nvSpPr>
+              <p:cNvPr id="19" name="Rectangle 18"/>
+              <p:cNvSpPr/>
+              <p:nvPr/>
+            </p:nvSpPr>
+            <p:spPr>
+              <a:xfrm>
+                <a:off x="5594465" y="1280160"/>
+                <a:ext cx="681643" cy="640080"/>
+              </a:xfrm>
+              <a:prstGeom prst="rect">
+                <a:avLst/>
+              </a:prstGeom>
+            </p:spPr>
+            <p:style>
+              <a:lnRef idx="2">
+                <a:schemeClr val="accent6"/>
+              </a:lnRef>
+              <a:fillRef idx="1">
+                <a:schemeClr val="lt1"/>
+              </a:fillRef>
+              <a:effectRef idx="0">
+                <a:schemeClr val="accent6"/>
+              </a:effectRef>
+              <a:fontRef idx="minor">
+                <a:schemeClr val="dk1"/>
+              </a:fontRef>
+            </p:style>
+            <p:txBody>
+              <a:bodyPr rtlCol="0" anchor="ctr"/>
+              <a:lstStyle/>
+              <a:p>
+                <a:pPr algn="ctr"/>
+                <a:endParaRPr lang="en-GB"/>
+              </a:p>
+            </p:txBody>
+          </p:sp>
+        </p:grpSp>
+        <p:sp>
+          <p:nvSpPr>
+            <p:cNvPr id="21" name="TextBox 20"/>
+            <p:cNvSpPr txBox="1"/>
+            <p:nvPr/>
+          </p:nvSpPr>
+          <p:spPr>
+            <a:xfrm>
+              <a:off x="4383229" y="145769"/>
+              <a:ext cx="3114851" cy="369332"/>
+            </a:xfrm>
+            <a:prstGeom prst="rect">
+              <a:avLst/>
+            </a:prstGeom>
+            <a:noFill/>
+          </p:spPr>
+          <p:txBody>
+            <a:bodyPr wrap="square" rtlCol="0">
+              <a:spAutoFit/>
+            </a:bodyPr>
+            <a:lstStyle/>
+            <a:p>
+              <a:r>
+                <a:rPr lang="en-GB" dirty="0" smtClean="0"/>
+                <a:t>Four Quadrant Photodetector</a:t>
+              </a:r>
+              <a:endParaRPr lang="en-GB" dirty="0"/>
+            </a:p>
+          </p:txBody>
+        </p:sp>
+        <p:sp>
+          <p:nvSpPr>
+            <p:cNvPr id="23" name="Can 22"/>
+            <p:cNvSpPr/>
+            <p:nvPr/>
+          </p:nvSpPr>
+          <p:spPr>
+            <a:xfrm rot="7275205">
+              <a:off x="785577" y="1513336"/>
+              <a:ext cx="614626" cy="1734949"/>
+            </a:xfrm>
+            <a:prstGeom prst="can">
+              <a:avLst/>
+            </a:prstGeom>
+          </p:spPr>
+          <p:style>
+            <a:lnRef idx="1">
+              <a:schemeClr val="accent1"/>
+            </a:lnRef>
+            <a:fillRef idx="3">
+              <a:schemeClr val="accent1"/>
+            </a:fillRef>
+            <a:effectRef idx="2">
+              <a:schemeClr val="accent1"/>
+            </a:effectRef>
+            <a:fontRef idx="minor">
+              <a:schemeClr val="lt1"/>
+            </a:fontRef>
+          </p:style>
+          <p:txBody>
+            <a:bodyPr rtlCol="0" anchor="ctr"/>
+            <a:lstStyle/>
+            <a:p>
+              <a:pPr algn="ctr"/>
+              <a:endParaRPr lang="en-GB" dirty="0"/>
+            </a:p>
+          </p:txBody>
+        </p:sp>
+        <p:sp>
+          <p:nvSpPr>
+            <p:cNvPr id="24" name="TextBox 23"/>
+            <p:cNvSpPr txBox="1"/>
+            <p:nvPr/>
+          </p:nvSpPr>
+          <p:spPr>
+            <a:xfrm>
+              <a:off x="988646" y="1655054"/>
+              <a:ext cx="3114851" cy="369332"/>
+            </a:xfrm>
+            <a:prstGeom prst="rect">
+              <a:avLst/>
+            </a:prstGeom>
+            <a:noFill/>
+          </p:spPr>
+          <p:txBody>
+            <a:bodyPr wrap="square" rtlCol="0">
+              <a:spAutoFit/>
+            </a:bodyPr>
+            <a:lstStyle/>
+            <a:p>
+              <a:r>
+                <a:rPr lang="en-GB" dirty="0" smtClean="0"/>
+                <a:t>Laser</a:t>
+              </a:r>
+              <a:endParaRPr lang="en-GB" dirty="0"/>
+            </a:p>
+          </p:txBody>
+        </p:sp>
+      </p:grpSp>
+    </p:spTree>
+    <p:extLst>
+      <p:ext uri="{BB962C8B-B14F-4D97-AF65-F5344CB8AC3E}">
+        <p14:creationId xmlns:p14="http://schemas.microsoft.com/office/powerpoint/2010/main" val="2885398346"/>
       </p:ext>
     </p:extLst>
   </p:cSld>

--- a/Figures1.pptx
+++ b/Figures1.pptx
@@ -16,6 +16,7 @@
     <p:sldId id="264" r:id="rId10"/>
     <p:sldId id="265" r:id="rId11"/>
     <p:sldId id="266" r:id="rId12"/>
+    <p:sldId id="267" r:id="rId13"/>
   </p:sldIdLst>
   <p:sldSz cx="12192000" cy="6858000"/>
   <p:notesSz cx="6858000" cy="9144000"/>
@@ -253,7 +254,7 @@
           <a:p>
             <a:fld id="{1F78AD8F-B685-49B2-BA03-F32BD517C0C3}" type="datetimeFigureOut">
               <a:rPr lang="en-GB" smtClean="0"/>
-              <a:t>24/04/2016</a:t>
+              <a:t>25/04/2016</a:t>
             </a:fld>
             <a:endParaRPr lang="en-GB"/>
           </a:p>
@@ -423,7 +424,7 @@
           <a:p>
             <a:fld id="{1F78AD8F-B685-49B2-BA03-F32BD517C0C3}" type="datetimeFigureOut">
               <a:rPr lang="en-GB" smtClean="0"/>
-              <a:t>24/04/2016</a:t>
+              <a:t>25/04/2016</a:t>
             </a:fld>
             <a:endParaRPr lang="en-GB"/>
           </a:p>
@@ -603,7 +604,7 @@
           <a:p>
             <a:fld id="{1F78AD8F-B685-49B2-BA03-F32BD517C0C3}" type="datetimeFigureOut">
               <a:rPr lang="en-GB" smtClean="0"/>
-              <a:t>24/04/2016</a:t>
+              <a:t>25/04/2016</a:t>
             </a:fld>
             <a:endParaRPr lang="en-GB"/>
           </a:p>
@@ -773,7 +774,7 @@
           <a:p>
             <a:fld id="{1F78AD8F-B685-49B2-BA03-F32BD517C0C3}" type="datetimeFigureOut">
               <a:rPr lang="en-GB" smtClean="0"/>
-              <a:t>24/04/2016</a:t>
+              <a:t>25/04/2016</a:t>
             </a:fld>
             <a:endParaRPr lang="en-GB"/>
           </a:p>
@@ -1019,7 +1020,7 @@
           <a:p>
             <a:fld id="{1F78AD8F-B685-49B2-BA03-F32BD517C0C3}" type="datetimeFigureOut">
               <a:rPr lang="en-GB" smtClean="0"/>
-              <a:t>24/04/2016</a:t>
+              <a:t>25/04/2016</a:t>
             </a:fld>
             <a:endParaRPr lang="en-GB"/>
           </a:p>
@@ -1251,7 +1252,7 @@
           <a:p>
             <a:fld id="{1F78AD8F-B685-49B2-BA03-F32BD517C0C3}" type="datetimeFigureOut">
               <a:rPr lang="en-GB" smtClean="0"/>
-              <a:t>24/04/2016</a:t>
+              <a:t>25/04/2016</a:t>
             </a:fld>
             <a:endParaRPr lang="en-GB"/>
           </a:p>
@@ -1618,7 +1619,7 @@
           <a:p>
             <a:fld id="{1F78AD8F-B685-49B2-BA03-F32BD517C0C3}" type="datetimeFigureOut">
               <a:rPr lang="en-GB" smtClean="0"/>
-              <a:t>24/04/2016</a:t>
+              <a:t>25/04/2016</a:t>
             </a:fld>
             <a:endParaRPr lang="en-GB"/>
           </a:p>
@@ -1736,7 +1737,7 @@
           <a:p>
             <a:fld id="{1F78AD8F-B685-49B2-BA03-F32BD517C0C3}" type="datetimeFigureOut">
               <a:rPr lang="en-GB" smtClean="0"/>
-              <a:t>24/04/2016</a:t>
+              <a:t>25/04/2016</a:t>
             </a:fld>
             <a:endParaRPr lang="en-GB"/>
           </a:p>
@@ -1831,7 +1832,7 @@
           <a:p>
             <a:fld id="{1F78AD8F-B685-49B2-BA03-F32BD517C0C3}" type="datetimeFigureOut">
               <a:rPr lang="en-GB" smtClean="0"/>
-              <a:t>24/04/2016</a:t>
+              <a:t>25/04/2016</a:t>
             </a:fld>
             <a:endParaRPr lang="en-GB"/>
           </a:p>
@@ -2108,7 +2109,7 @@
           <a:p>
             <a:fld id="{1F78AD8F-B685-49B2-BA03-F32BD517C0C3}" type="datetimeFigureOut">
               <a:rPr lang="en-GB" smtClean="0"/>
-              <a:t>24/04/2016</a:t>
+              <a:t>25/04/2016</a:t>
             </a:fld>
             <a:endParaRPr lang="en-GB"/>
           </a:p>
@@ -2361,7 +2362,7 @@
           <a:p>
             <a:fld id="{1F78AD8F-B685-49B2-BA03-F32BD517C0C3}" type="datetimeFigureOut">
               <a:rPr lang="en-GB" smtClean="0"/>
-              <a:t>24/04/2016</a:t>
+              <a:t>25/04/2016</a:t>
             </a:fld>
             <a:endParaRPr lang="en-GB"/>
           </a:p>
@@ -2574,7 +2575,7 @@
           <a:p>
             <a:fld id="{1F78AD8F-B685-49B2-BA03-F32BD517C0C3}" type="datetimeFigureOut">
               <a:rPr lang="en-GB" smtClean="0"/>
-              <a:t>24/04/2016</a:t>
+              <a:t>25/04/2016</a:t>
             </a:fld>
             <a:endParaRPr lang="en-GB"/>
           </a:p>
@@ -4208,6 +4209,43 @@
 </p:sld>
 </file>
 
+<file path=ppt/slides/slide12.xml><?xml version="1.0" encoding="utf-8"?>
+<p:sld xmlns:a="http://schemas.openxmlformats.org/drawingml/2006/main" xmlns:r="http://schemas.openxmlformats.org/officeDocument/2006/relationships" xmlns:p="http://schemas.openxmlformats.org/presentationml/2006/main">
+  <p:cSld>
+    <p:spTree>
+      <p:nvGrpSpPr>
+        <p:cNvPr id="1" name=""/>
+        <p:cNvGrpSpPr/>
+        <p:nvPr/>
+      </p:nvGrpSpPr>
+      <p:grpSpPr>
+        <a:xfrm>
+          <a:off x="0" y="0"/>
+          <a:ext cx="0" cy="0"/>
+          <a:chOff x="0" y="0"/>
+          <a:chExt cx="0" cy="0"/>
+        </a:xfrm>
+      </p:grpSpPr>
+    </p:spTree>
+    <p:extLst>
+      <p:ext uri="{BB962C8B-B14F-4D97-AF65-F5344CB8AC3E}">
+        <p14:creationId xmlns:p14="http://schemas.microsoft.com/office/powerpoint/2010/main" val="3306298837"/>
+      </p:ext>
+    </p:extLst>
+  </p:cSld>
+  <p:clrMapOvr>
+    <a:masterClrMapping/>
+  </p:clrMapOvr>
+  <p:timing>
+    <p:tnLst>
+      <p:par>
+        <p:cTn id="1" dur="indefinite" restart="never" nodeType="tmRoot"/>
+      </p:par>
+    </p:tnLst>
+  </p:timing>
+</p:sld>
+</file>
+
 <file path=ppt/slides/slide2.xml><?xml version="1.0" encoding="utf-8"?>
 <p:sld xmlns:a="http://schemas.openxmlformats.org/drawingml/2006/main" xmlns:r="http://schemas.openxmlformats.org/officeDocument/2006/relationships" xmlns:p="http://schemas.openxmlformats.org/presentationml/2006/main">
   <p:cSld>

--- a/Figures1.pptx
+++ b/Figures1.pptx
@@ -17,6 +17,8 @@
     <p:sldId id="265" r:id="rId11"/>
     <p:sldId id="266" r:id="rId12"/>
     <p:sldId id="267" r:id="rId13"/>
+    <p:sldId id="268" r:id="rId14"/>
+    <p:sldId id="269" r:id="rId15"/>
   </p:sldIdLst>
   <p:sldSz cx="12192000" cy="6858000"/>
   <p:notesSz cx="6858000" cy="9144000"/>
@@ -254,7 +256,7 @@
           <a:p>
             <a:fld id="{1F78AD8F-B685-49B2-BA03-F32BD517C0C3}" type="datetimeFigureOut">
               <a:rPr lang="en-GB" smtClean="0"/>
-              <a:t>25/04/2016</a:t>
+              <a:t>08/05/2016</a:t>
             </a:fld>
             <a:endParaRPr lang="en-GB"/>
           </a:p>
@@ -424,7 +426,7 @@
           <a:p>
             <a:fld id="{1F78AD8F-B685-49B2-BA03-F32BD517C0C3}" type="datetimeFigureOut">
               <a:rPr lang="en-GB" smtClean="0"/>
-              <a:t>25/04/2016</a:t>
+              <a:t>08/05/2016</a:t>
             </a:fld>
             <a:endParaRPr lang="en-GB"/>
           </a:p>
@@ -604,7 +606,7 @@
           <a:p>
             <a:fld id="{1F78AD8F-B685-49B2-BA03-F32BD517C0C3}" type="datetimeFigureOut">
               <a:rPr lang="en-GB" smtClean="0"/>
-              <a:t>25/04/2016</a:t>
+              <a:t>08/05/2016</a:t>
             </a:fld>
             <a:endParaRPr lang="en-GB"/>
           </a:p>
@@ -774,7 +776,7 @@
           <a:p>
             <a:fld id="{1F78AD8F-B685-49B2-BA03-F32BD517C0C3}" type="datetimeFigureOut">
               <a:rPr lang="en-GB" smtClean="0"/>
-              <a:t>25/04/2016</a:t>
+              <a:t>08/05/2016</a:t>
             </a:fld>
             <a:endParaRPr lang="en-GB"/>
           </a:p>
@@ -1020,7 +1022,7 @@
           <a:p>
             <a:fld id="{1F78AD8F-B685-49B2-BA03-F32BD517C0C3}" type="datetimeFigureOut">
               <a:rPr lang="en-GB" smtClean="0"/>
-              <a:t>25/04/2016</a:t>
+              <a:t>08/05/2016</a:t>
             </a:fld>
             <a:endParaRPr lang="en-GB"/>
           </a:p>
@@ -1252,7 +1254,7 @@
           <a:p>
             <a:fld id="{1F78AD8F-B685-49B2-BA03-F32BD517C0C3}" type="datetimeFigureOut">
               <a:rPr lang="en-GB" smtClean="0"/>
-              <a:t>25/04/2016</a:t>
+              <a:t>08/05/2016</a:t>
             </a:fld>
             <a:endParaRPr lang="en-GB"/>
           </a:p>
@@ -1619,7 +1621,7 @@
           <a:p>
             <a:fld id="{1F78AD8F-B685-49B2-BA03-F32BD517C0C3}" type="datetimeFigureOut">
               <a:rPr lang="en-GB" smtClean="0"/>
-              <a:t>25/04/2016</a:t>
+              <a:t>08/05/2016</a:t>
             </a:fld>
             <a:endParaRPr lang="en-GB"/>
           </a:p>
@@ -1737,7 +1739,7 @@
           <a:p>
             <a:fld id="{1F78AD8F-B685-49B2-BA03-F32BD517C0C3}" type="datetimeFigureOut">
               <a:rPr lang="en-GB" smtClean="0"/>
-              <a:t>25/04/2016</a:t>
+              <a:t>08/05/2016</a:t>
             </a:fld>
             <a:endParaRPr lang="en-GB"/>
           </a:p>
@@ -1832,7 +1834,7 @@
           <a:p>
             <a:fld id="{1F78AD8F-B685-49B2-BA03-F32BD517C0C3}" type="datetimeFigureOut">
               <a:rPr lang="en-GB" smtClean="0"/>
-              <a:t>25/04/2016</a:t>
+              <a:t>08/05/2016</a:t>
             </a:fld>
             <a:endParaRPr lang="en-GB"/>
           </a:p>
@@ -2109,7 +2111,7 @@
           <a:p>
             <a:fld id="{1F78AD8F-B685-49B2-BA03-F32BD517C0C3}" type="datetimeFigureOut">
               <a:rPr lang="en-GB" smtClean="0"/>
-              <a:t>25/04/2016</a:t>
+              <a:t>08/05/2016</a:t>
             </a:fld>
             <a:endParaRPr lang="en-GB"/>
           </a:p>
@@ -2362,7 +2364,7 @@
           <a:p>
             <a:fld id="{1F78AD8F-B685-49B2-BA03-F32BD517C0C3}" type="datetimeFigureOut">
               <a:rPr lang="en-GB" smtClean="0"/>
-              <a:t>25/04/2016</a:t>
+              <a:t>08/05/2016</a:t>
             </a:fld>
             <a:endParaRPr lang="en-GB"/>
           </a:p>
@@ -2575,7 +2577,7 @@
           <a:p>
             <a:fld id="{1F78AD8F-B685-49B2-BA03-F32BD517C0C3}" type="datetimeFigureOut">
               <a:rPr lang="en-GB" smtClean="0"/>
-              <a:t>25/04/2016</a:t>
+              <a:t>08/05/2016</a:t>
             </a:fld>
             <a:endParaRPr lang="en-GB"/>
           </a:p>
@@ -4226,10 +4228,2158 @@
           <a:chExt cx="0" cy="0"/>
         </a:xfrm>
       </p:grpSpPr>
+      <p:sp>
+        <p:nvSpPr>
+          <p:cNvPr id="3" name="Oval 2"/>
+          <p:cNvSpPr/>
+          <p:nvPr/>
+        </p:nvSpPr>
+        <p:spPr>
+          <a:xfrm>
+            <a:off x="3315793" y="1479418"/>
+            <a:ext cx="1115877" cy="209897"/>
+          </a:xfrm>
+          <a:prstGeom prst="ellipse">
+            <a:avLst/>
+          </a:prstGeom>
+          <a:solidFill>
+            <a:srgbClr val="B2B2B2"/>
+          </a:solidFill>
+          <a:scene3d>
+            <a:camera prst="orthographicFront"/>
+            <a:lightRig rig="threePt" dir="t"/>
+          </a:scene3d>
+          <a:sp3d>
+            <a:bevelT prst="slope"/>
+          </a:sp3d>
+        </p:spPr>
+        <p:style>
+          <a:lnRef idx="2">
+            <a:schemeClr val="accent1">
+              <a:shade val="50000"/>
+            </a:schemeClr>
+          </a:lnRef>
+          <a:fillRef idx="1">
+            <a:schemeClr val="accent1"/>
+          </a:fillRef>
+          <a:effectRef idx="0">
+            <a:schemeClr val="accent1"/>
+          </a:effectRef>
+          <a:fontRef idx="minor">
+            <a:schemeClr val="lt1"/>
+          </a:fontRef>
+        </p:style>
+        <p:txBody>
+          <a:bodyPr rtlCol="0" anchor="ctr"/>
+          <a:lstStyle/>
+          <a:p>
+            <a:pPr algn="ctr"/>
+            <a:endParaRPr lang="en-GB"/>
+          </a:p>
+        </p:txBody>
+      </p:sp>
+      <p:sp>
+        <p:nvSpPr>
+          <p:cNvPr id="4" name="Oval 3"/>
+          <p:cNvSpPr/>
+          <p:nvPr/>
+        </p:nvSpPr>
+        <p:spPr>
+          <a:xfrm>
+            <a:off x="3036822" y="2433233"/>
+            <a:ext cx="1674661" cy="198894"/>
+          </a:xfrm>
+          <a:prstGeom prst="ellipse">
+            <a:avLst/>
+          </a:prstGeom>
+          <a:solidFill>
+            <a:schemeClr val="bg1">
+              <a:lumMod val="65000"/>
+            </a:schemeClr>
+          </a:solidFill>
+          <a:effectLst>
+            <a:glow rad="63500">
+              <a:schemeClr val="accent3">
+                <a:satMod val="175000"/>
+                <a:alpha val="40000"/>
+              </a:schemeClr>
+            </a:glow>
+            <a:softEdge rad="31750"/>
+          </a:effectLst>
+          <a:scene3d>
+            <a:camera prst="orthographicFront"/>
+            <a:lightRig rig="threePt" dir="t"/>
+          </a:scene3d>
+          <a:sp3d>
+            <a:bevelT prst="relaxedInset"/>
+          </a:sp3d>
+        </p:spPr>
+        <p:style>
+          <a:lnRef idx="2">
+            <a:schemeClr val="accent1">
+              <a:shade val="50000"/>
+            </a:schemeClr>
+          </a:lnRef>
+          <a:fillRef idx="1">
+            <a:schemeClr val="accent1"/>
+          </a:fillRef>
+          <a:effectRef idx="0">
+            <a:schemeClr val="accent1"/>
+          </a:effectRef>
+          <a:fontRef idx="minor">
+            <a:schemeClr val="lt1"/>
+          </a:fontRef>
+        </p:style>
+        <p:txBody>
+          <a:bodyPr rtlCol="0" anchor="ctr"/>
+          <a:lstStyle/>
+          <a:p>
+            <a:pPr algn="ctr"/>
+            <a:endParaRPr lang="en-GB"/>
+          </a:p>
+        </p:txBody>
+      </p:sp>
+      <p:sp>
+        <p:nvSpPr>
+          <p:cNvPr id="5" name="Rectangle 4"/>
+          <p:cNvSpPr/>
+          <p:nvPr/>
+        </p:nvSpPr>
+        <p:spPr>
+          <a:xfrm>
+            <a:off x="2534397" y="2500838"/>
+            <a:ext cx="781396" cy="63684"/>
+          </a:xfrm>
+          <a:prstGeom prst="rect">
+            <a:avLst/>
+          </a:prstGeom>
+        </p:spPr>
+        <p:style>
+          <a:lnRef idx="3">
+            <a:schemeClr val="lt1"/>
+          </a:lnRef>
+          <a:fillRef idx="1">
+            <a:schemeClr val="accent6"/>
+          </a:fillRef>
+          <a:effectRef idx="1">
+            <a:schemeClr val="accent6"/>
+          </a:effectRef>
+          <a:fontRef idx="minor">
+            <a:schemeClr val="lt1"/>
+          </a:fontRef>
+        </p:style>
+        <p:txBody>
+          <a:bodyPr rtlCol="0" anchor="ctr"/>
+          <a:lstStyle/>
+          <a:p>
+            <a:pPr algn="ctr"/>
+            <a:endParaRPr lang="en-GB"/>
+          </a:p>
+        </p:txBody>
+      </p:sp>
+      <p:sp>
+        <p:nvSpPr>
+          <p:cNvPr id="6" name="Rectangle 5"/>
+          <p:cNvSpPr/>
+          <p:nvPr/>
+        </p:nvSpPr>
+        <p:spPr>
+          <a:xfrm>
+            <a:off x="4432512" y="2500838"/>
+            <a:ext cx="781396" cy="63684"/>
+          </a:xfrm>
+          <a:prstGeom prst="rect">
+            <a:avLst/>
+          </a:prstGeom>
+        </p:spPr>
+        <p:style>
+          <a:lnRef idx="3">
+            <a:schemeClr val="lt1"/>
+          </a:lnRef>
+          <a:fillRef idx="1">
+            <a:schemeClr val="accent6"/>
+          </a:fillRef>
+          <a:effectRef idx="1">
+            <a:schemeClr val="accent6"/>
+          </a:effectRef>
+          <a:fontRef idx="minor">
+            <a:schemeClr val="lt1"/>
+          </a:fontRef>
+        </p:style>
+        <p:txBody>
+          <a:bodyPr rtlCol="0" anchor="ctr"/>
+          <a:lstStyle/>
+          <a:p>
+            <a:pPr algn="ctr"/>
+            <a:endParaRPr lang="en-GB"/>
+          </a:p>
+        </p:txBody>
+      </p:sp>
+      <p:sp>
+        <p:nvSpPr>
+          <p:cNvPr id="7" name="Rectangle 6"/>
+          <p:cNvSpPr/>
+          <p:nvPr/>
+        </p:nvSpPr>
+        <p:spPr>
+          <a:xfrm>
+            <a:off x="3318754" y="3376045"/>
+            <a:ext cx="1113904" cy="198428"/>
+          </a:xfrm>
+          <a:prstGeom prst="rect">
+            <a:avLst/>
+          </a:prstGeom>
+        </p:spPr>
+        <p:style>
+          <a:lnRef idx="0">
+            <a:schemeClr val="accent5"/>
+          </a:lnRef>
+          <a:fillRef idx="3">
+            <a:schemeClr val="accent5"/>
+          </a:fillRef>
+          <a:effectRef idx="3">
+            <a:schemeClr val="accent5"/>
+          </a:effectRef>
+          <a:fontRef idx="minor">
+            <a:schemeClr val="lt1"/>
+          </a:fontRef>
+        </p:style>
+        <p:txBody>
+          <a:bodyPr rtlCol="0" anchor="ctr"/>
+          <a:lstStyle/>
+          <a:p>
+            <a:pPr algn="ctr"/>
+            <a:endParaRPr lang="en-GB"/>
+          </a:p>
+        </p:txBody>
+      </p:sp>
+      <p:cxnSp>
+        <p:nvCxnSpPr>
+          <p:cNvPr id="9" name="Straight Arrow Connector 8"/>
+          <p:cNvCxnSpPr>
+            <a:endCxn id="3" idx="2"/>
+          </p:cNvCxnSpPr>
+          <p:nvPr/>
+        </p:nvCxnSpPr>
+        <p:spPr>
+          <a:xfrm flipH="1">
+            <a:off x="3315793" y="1193800"/>
+            <a:ext cx="557937" cy="390567"/>
+          </a:xfrm>
+          <a:prstGeom prst="straightConnector1">
+            <a:avLst/>
+          </a:prstGeom>
+          <a:ln w="38100">
+            <a:tailEnd type="triangle"/>
+          </a:ln>
+        </p:spPr>
+        <p:style>
+          <a:lnRef idx="1">
+            <a:schemeClr val="accent1"/>
+          </a:lnRef>
+          <a:fillRef idx="0">
+            <a:schemeClr val="accent1"/>
+          </a:fillRef>
+          <a:effectRef idx="0">
+            <a:schemeClr val="accent1"/>
+          </a:effectRef>
+          <a:fontRef idx="minor">
+            <a:schemeClr val="tx1"/>
+          </a:fontRef>
+        </p:style>
+      </p:cxnSp>
+      <p:cxnSp>
+        <p:nvCxnSpPr>
+          <p:cNvPr id="10" name="Straight Arrow Connector 9"/>
+          <p:cNvCxnSpPr>
+            <a:endCxn id="3" idx="6"/>
+          </p:cNvCxnSpPr>
+          <p:nvPr/>
+        </p:nvCxnSpPr>
+        <p:spPr>
+          <a:xfrm>
+            <a:off x="3873730" y="1193800"/>
+            <a:ext cx="557940" cy="390567"/>
+          </a:xfrm>
+          <a:prstGeom prst="straightConnector1">
+            <a:avLst/>
+          </a:prstGeom>
+          <a:ln w="38100">
+            <a:tailEnd type="triangle"/>
+          </a:ln>
+        </p:spPr>
+        <p:style>
+          <a:lnRef idx="1">
+            <a:schemeClr val="accent1"/>
+          </a:lnRef>
+          <a:fillRef idx="0">
+            <a:schemeClr val="accent1"/>
+          </a:fillRef>
+          <a:effectRef idx="0">
+            <a:schemeClr val="accent1"/>
+          </a:effectRef>
+          <a:fontRef idx="minor">
+            <a:schemeClr val="tx1"/>
+          </a:fontRef>
+        </p:style>
+      </p:cxnSp>
+      <p:cxnSp>
+        <p:nvCxnSpPr>
+          <p:cNvPr id="15" name="Straight Arrow Connector 14"/>
+          <p:cNvCxnSpPr/>
+          <p:nvPr/>
+        </p:nvCxnSpPr>
+        <p:spPr>
+          <a:xfrm flipH="1">
+            <a:off x="3636881" y="1211186"/>
+            <a:ext cx="258017" cy="389228"/>
+          </a:xfrm>
+          <a:prstGeom prst="straightConnector1">
+            <a:avLst/>
+          </a:prstGeom>
+          <a:ln w="38100">
+            <a:solidFill>
+              <a:srgbClr val="FF0000"/>
+            </a:solidFill>
+            <a:tailEnd type="triangle"/>
+          </a:ln>
+        </p:spPr>
+        <p:style>
+          <a:lnRef idx="1">
+            <a:schemeClr val="accent1"/>
+          </a:lnRef>
+          <a:fillRef idx="0">
+            <a:schemeClr val="accent1"/>
+          </a:fillRef>
+          <a:effectRef idx="0">
+            <a:schemeClr val="accent1"/>
+          </a:effectRef>
+          <a:fontRef idx="minor">
+            <a:schemeClr val="tx1"/>
+          </a:fontRef>
+        </p:style>
+      </p:cxnSp>
+      <p:cxnSp>
+        <p:nvCxnSpPr>
+          <p:cNvPr id="16" name="Straight Arrow Connector 15"/>
+          <p:cNvCxnSpPr/>
+          <p:nvPr/>
+        </p:nvCxnSpPr>
+        <p:spPr>
+          <a:xfrm>
+            <a:off x="3873516" y="1243166"/>
+            <a:ext cx="215899" cy="341200"/>
+          </a:xfrm>
+          <a:prstGeom prst="straightConnector1">
+            <a:avLst/>
+          </a:prstGeom>
+          <a:ln w="38100">
+            <a:solidFill>
+              <a:srgbClr val="FF0000"/>
+            </a:solidFill>
+            <a:tailEnd type="triangle"/>
+          </a:ln>
+        </p:spPr>
+        <p:style>
+          <a:lnRef idx="1">
+            <a:schemeClr val="accent1"/>
+          </a:lnRef>
+          <a:fillRef idx="0">
+            <a:schemeClr val="accent1"/>
+          </a:fillRef>
+          <a:effectRef idx="0">
+            <a:schemeClr val="accent1"/>
+          </a:effectRef>
+          <a:fontRef idx="minor">
+            <a:schemeClr val="tx1"/>
+          </a:fontRef>
+        </p:style>
+      </p:cxnSp>
+      <p:cxnSp>
+        <p:nvCxnSpPr>
+          <p:cNvPr id="21" name="Straight Arrow Connector 20"/>
+          <p:cNvCxnSpPr/>
+          <p:nvPr/>
+        </p:nvCxnSpPr>
+        <p:spPr>
+          <a:xfrm>
+            <a:off x="3400457" y="1565758"/>
+            <a:ext cx="1143303" cy="762526"/>
+          </a:xfrm>
+          <a:prstGeom prst="straightConnector1">
+            <a:avLst/>
+          </a:prstGeom>
+          <a:ln w="38100">
+            <a:tailEnd type="triangle"/>
+          </a:ln>
+        </p:spPr>
+        <p:style>
+          <a:lnRef idx="1">
+            <a:schemeClr val="accent1"/>
+          </a:lnRef>
+          <a:fillRef idx="0">
+            <a:schemeClr val="accent1"/>
+          </a:fillRef>
+          <a:effectRef idx="0">
+            <a:schemeClr val="accent1"/>
+          </a:effectRef>
+          <a:fontRef idx="minor">
+            <a:schemeClr val="tx1"/>
+          </a:fontRef>
+        </p:style>
+      </p:cxnSp>
+      <p:cxnSp>
+        <p:nvCxnSpPr>
+          <p:cNvPr id="22" name="Straight Arrow Connector 21"/>
+          <p:cNvCxnSpPr/>
+          <p:nvPr/>
+        </p:nvCxnSpPr>
+        <p:spPr>
+          <a:xfrm flipH="1">
+            <a:off x="3183656" y="1565757"/>
+            <a:ext cx="1205680" cy="762527"/>
+          </a:xfrm>
+          <a:prstGeom prst="straightConnector1">
+            <a:avLst/>
+          </a:prstGeom>
+          <a:ln w="38100">
+            <a:tailEnd type="triangle"/>
+          </a:ln>
+        </p:spPr>
+        <p:style>
+          <a:lnRef idx="1">
+            <a:schemeClr val="accent1"/>
+          </a:lnRef>
+          <a:fillRef idx="0">
+            <a:schemeClr val="accent1"/>
+          </a:fillRef>
+          <a:effectRef idx="0">
+            <a:schemeClr val="accent1"/>
+          </a:effectRef>
+          <a:fontRef idx="minor">
+            <a:schemeClr val="tx1"/>
+          </a:fontRef>
+        </p:style>
+      </p:cxnSp>
+      <p:cxnSp>
+        <p:nvCxnSpPr>
+          <p:cNvPr id="28" name="Straight Arrow Connector 27"/>
+          <p:cNvCxnSpPr/>
+          <p:nvPr/>
+        </p:nvCxnSpPr>
+        <p:spPr>
+          <a:xfrm>
+            <a:off x="3664307" y="1539305"/>
+            <a:ext cx="551679" cy="1025217"/>
+          </a:xfrm>
+          <a:prstGeom prst="straightConnector1">
+            <a:avLst/>
+          </a:prstGeom>
+          <a:ln w="38100">
+            <a:solidFill>
+              <a:srgbClr val="FF0000"/>
+            </a:solidFill>
+            <a:tailEnd type="triangle"/>
+          </a:ln>
+        </p:spPr>
+        <p:style>
+          <a:lnRef idx="1">
+            <a:schemeClr val="accent1"/>
+          </a:lnRef>
+          <a:fillRef idx="0">
+            <a:schemeClr val="accent1"/>
+          </a:fillRef>
+          <a:effectRef idx="0">
+            <a:schemeClr val="accent1"/>
+          </a:effectRef>
+          <a:fontRef idx="minor">
+            <a:schemeClr val="tx1"/>
+          </a:fontRef>
+        </p:style>
+      </p:cxnSp>
+      <p:cxnSp>
+        <p:nvCxnSpPr>
+          <p:cNvPr id="30" name="Straight Arrow Connector 29"/>
+          <p:cNvCxnSpPr/>
+          <p:nvPr/>
+        </p:nvCxnSpPr>
+        <p:spPr>
+          <a:xfrm flipH="1">
+            <a:off x="3552217" y="1565756"/>
+            <a:ext cx="522074" cy="966924"/>
+          </a:xfrm>
+          <a:prstGeom prst="straightConnector1">
+            <a:avLst/>
+          </a:prstGeom>
+          <a:ln w="38100">
+            <a:solidFill>
+              <a:srgbClr val="FF0000"/>
+            </a:solidFill>
+            <a:tailEnd type="triangle"/>
+          </a:ln>
+        </p:spPr>
+        <p:style>
+          <a:lnRef idx="1">
+            <a:schemeClr val="accent1"/>
+          </a:lnRef>
+          <a:fillRef idx="0">
+            <a:schemeClr val="accent1"/>
+          </a:fillRef>
+          <a:effectRef idx="0">
+            <a:schemeClr val="accent1"/>
+          </a:effectRef>
+          <a:fontRef idx="minor">
+            <a:schemeClr val="tx1"/>
+          </a:fontRef>
+        </p:style>
+      </p:cxnSp>
+      <p:cxnSp>
+        <p:nvCxnSpPr>
+          <p:cNvPr id="34" name="Straight Arrow Connector 33"/>
+          <p:cNvCxnSpPr/>
+          <p:nvPr/>
+        </p:nvCxnSpPr>
+        <p:spPr>
+          <a:xfrm>
+            <a:off x="3868945" y="601133"/>
+            <a:ext cx="25951" cy="3675589"/>
+          </a:xfrm>
+          <a:prstGeom prst="straightConnector1">
+            <a:avLst/>
+          </a:prstGeom>
+          <a:ln w="38100">
+            <a:solidFill>
+              <a:schemeClr val="tx1"/>
+            </a:solidFill>
+            <a:prstDash val="sysDash"/>
+            <a:tailEnd type="triangle"/>
+          </a:ln>
+        </p:spPr>
+        <p:style>
+          <a:lnRef idx="1">
+            <a:schemeClr val="accent1"/>
+          </a:lnRef>
+          <a:fillRef idx="0">
+            <a:schemeClr val="accent1"/>
+          </a:fillRef>
+          <a:effectRef idx="0">
+            <a:schemeClr val="accent1"/>
+          </a:effectRef>
+          <a:fontRef idx="minor">
+            <a:schemeClr val="tx1"/>
+          </a:fontRef>
+        </p:style>
+      </p:cxnSp>
+      <p:cxnSp>
+        <p:nvCxnSpPr>
+          <p:cNvPr id="36" name="Straight Arrow Connector 35"/>
+          <p:cNvCxnSpPr>
+            <a:endCxn id="7" idx="0"/>
+          </p:cNvCxnSpPr>
+          <p:nvPr/>
+        </p:nvCxnSpPr>
+        <p:spPr>
+          <a:xfrm>
+            <a:off x="3583481" y="2532680"/>
+            <a:ext cx="292225" cy="843365"/>
+          </a:xfrm>
+          <a:prstGeom prst="straightConnector1">
+            <a:avLst/>
+          </a:prstGeom>
+          <a:ln w="38100">
+            <a:solidFill>
+              <a:srgbClr val="FF0000"/>
+            </a:solidFill>
+            <a:tailEnd type="triangle"/>
+          </a:ln>
+        </p:spPr>
+        <p:style>
+          <a:lnRef idx="1">
+            <a:schemeClr val="accent1"/>
+          </a:lnRef>
+          <a:fillRef idx="0">
+            <a:schemeClr val="accent1"/>
+          </a:fillRef>
+          <a:effectRef idx="0">
+            <a:schemeClr val="accent1"/>
+          </a:effectRef>
+          <a:fontRef idx="minor">
+            <a:schemeClr val="tx1"/>
+          </a:fontRef>
+        </p:style>
+      </p:cxnSp>
+      <p:cxnSp>
+        <p:nvCxnSpPr>
+          <p:cNvPr id="38" name="Straight Arrow Connector 37"/>
+          <p:cNvCxnSpPr>
+            <a:endCxn id="7" idx="0"/>
+          </p:cNvCxnSpPr>
+          <p:nvPr/>
+        </p:nvCxnSpPr>
+        <p:spPr>
+          <a:xfrm flipH="1">
+            <a:off x="3875706" y="2549256"/>
+            <a:ext cx="340280" cy="826789"/>
+          </a:xfrm>
+          <a:prstGeom prst="straightConnector1">
+            <a:avLst/>
+          </a:prstGeom>
+          <a:ln w="38100">
+            <a:solidFill>
+              <a:srgbClr val="FF0000"/>
+            </a:solidFill>
+            <a:tailEnd type="triangle"/>
+          </a:ln>
+        </p:spPr>
+        <p:style>
+          <a:lnRef idx="1">
+            <a:schemeClr val="accent1"/>
+          </a:lnRef>
+          <a:fillRef idx="0">
+            <a:schemeClr val="accent1"/>
+          </a:fillRef>
+          <a:effectRef idx="0">
+            <a:schemeClr val="accent1"/>
+          </a:effectRef>
+          <a:fontRef idx="minor">
+            <a:schemeClr val="tx1"/>
+          </a:fontRef>
+        </p:style>
+      </p:cxnSp>
+      <p:sp>
+        <p:nvSpPr>
+          <p:cNvPr id="41" name="TextBox 40"/>
+          <p:cNvSpPr txBox="1"/>
+          <p:nvPr/>
+        </p:nvSpPr>
+        <p:spPr>
+          <a:xfrm>
+            <a:off x="3315793" y="211667"/>
+            <a:ext cx="1307007" cy="369332"/>
+          </a:xfrm>
+          <a:prstGeom prst="rect">
+            <a:avLst/>
+          </a:prstGeom>
+          <a:noFill/>
+        </p:spPr>
+        <p:txBody>
+          <a:bodyPr wrap="square" rtlCol="0">
+            <a:spAutoFit/>
+          </a:bodyPr>
+          <a:lstStyle/>
+          <a:p>
+            <a:r>
+              <a:rPr lang="en-GB" dirty="0" smtClean="0"/>
+              <a:t>Optic Axis</a:t>
+            </a:r>
+            <a:endParaRPr lang="en-GB" dirty="0"/>
+          </a:p>
+        </p:txBody>
+      </p:sp>
+      <p:sp>
+        <p:nvSpPr>
+          <p:cNvPr id="42" name="TextBox 41"/>
+          <p:cNvSpPr txBox="1"/>
+          <p:nvPr/>
+        </p:nvSpPr>
+        <p:spPr>
+          <a:xfrm>
+            <a:off x="4484255" y="1354639"/>
+            <a:ext cx="2077412" cy="369332"/>
+          </a:xfrm>
+          <a:prstGeom prst="rect">
+            <a:avLst/>
+          </a:prstGeom>
+          <a:noFill/>
+        </p:spPr>
+        <p:txBody>
+          <a:bodyPr wrap="square" rtlCol="0">
+            <a:spAutoFit/>
+          </a:bodyPr>
+          <a:lstStyle/>
+          <a:p>
+            <a:r>
+              <a:rPr lang="en-GB" dirty="0" smtClean="0"/>
+              <a:t>C1 lens (spot size)</a:t>
+            </a:r>
+            <a:endParaRPr lang="en-GB" dirty="0"/>
+          </a:p>
+        </p:txBody>
+      </p:sp>
+      <p:sp>
+        <p:nvSpPr>
+          <p:cNvPr id="43" name="TextBox 42"/>
+          <p:cNvSpPr txBox="1"/>
+          <p:nvPr/>
+        </p:nvSpPr>
+        <p:spPr>
+          <a:xfrm>
+            <a:off x="428289" y="2585030"/>
+            <a:ext cx="3119566" cy="369332"/>
+          </a:xfrm>
+          <a:prstGeom prst="rect">
+            <a:avLst/>
+          </a:prstGeom>
+          <a:noFill/>
+        </p:spPr>
+        <p:txBody>
+          <a:bodyPr wrap="square" rtlCol="0">
+            <a:spAutoFit/>
+          </a:bodyPr>
+          <a:lstStyle/>
+          <a:p>
+            <a:r>
+              <a:rPr lang="en-GB" dirty="0" smtClean="0"/>
+              <a:t>C2 lens (intensity)  + aperture</a:t>
+            </a:r>
+            <a:endParaRPr lang="en-GB" dirty="0"/>
+          </a:p>
+        </p:txBody>
+      </p:sp>
+      <p:sp>
+        <p:nvSpPr>
+          <p:cNvPr id="44" name="TextBox 43"/>
+          <p:cNvSpPr txBox="1"/>
+          <p:nvPr/>
+        </p:nvSpPr>
+        <p:spPr>
+          <a:xfrm>
+            <a:off x="4526778" y="3290593"/>
+            <a:ext cx="3119566" cy="369332"/>
+          </a:xfrm>
+          <a:prstGeom prst="rect">
+            <a:avLst/>
+          </a:prstGeom>
+          <a:noFill/>
+        </p:spPr>
+        <p:txBody>
+          <a:bodyPr wrap="square" rtlCol="0">
+            <a:spAutoFit/>
+          </a:bodyPr>
+          <a:lstStyle/>
+          <a:p>
+            <a:r>
+              <a:rPr lang="en-GB" dirty="0" smtClean="0"/>
+              <a:t>Specimen</a:t>
+            </a:r>
+            <a:endParaRPr lang="en-GB" dirty="0"/>
+          </a:p>
+        </p:txBody>
+      </p:sp>
     </p:spTree>
     <p:extLst>
       <p:ext uri="{BB962C8B-B14F-4D97-AF65-F5344CB8AC3E}">
         <p14:creationId xmlns:p14="http://schemas.microsoft.com/office/powerpoint/2010/main" val="3306298837"/>
+      </p:ext>
+    </p:extLst>
+  </p:cSld>
+  <p:clrMapOvr>
+    <a:masterClrMapping/>
+  </p:clrMapOvr>
+  <p:timing>
+    <p:tnLst>
+      <p:par>
+        <p:cTn id="1" dur="indefinite" restart="never" nodeType="tmRoot"/>
+      </p:par>
+    </p:tnLst>
+  </p:timing>
+</p:sld>
+</file>
+
+<file path=ppt/slides/slide13.xml><?xml version="1.0" encoding="utf-8"?>
+<p:sld xmlns:a="http://schemas.openxmlformats.org/drawingml/2006/main" xmlns:r="http://schemas.openxmlformats.org/officeDocument/2006/relationships" xmlns:p="http://schemas.openxmlformats.org/presentationml/2006/main">
+  <p:cSld>
+    <p:spTree>
+      <p:nvGrpSpPr>
+        <p:cNvPr id="1" name=""/>
+        <p:cNvGrpSpPr/>
+        <p:nvPr/>
+      </p:nvGrpSpPr>
+      <p:grpSpPr>
+        <a:xfrm>
+          <a:off x="0" y="0"/>
+          <a:ext cx="0" cy="0"/>
+          <a:chOff x="0" y="0"/>
+          <a:chExt cx="0" cy="0"/>
+        </a:xfrm>
+      </p:grpSpPr>
+      <p:sp>
+        <p:nvSpPr>
+          <p:cNvPr id="4" name="Rectangle 3"/>
+          <p:cNvSpPr/>
+          <p:nvPr/>
+        </p:nvSpPr>
+        <p:spPr>
+          <a:xfrm>
+            <a:off x="1625600" y="2734733"/>
+            <a:ext cx="4826000" cy="821267"/>
+          </a:xfrm>
+          <a:prstGeom prst="rect">
+            <a:avLst/>
+          </a:prstGeom>
+        </p:spPr>
+        <p:style>
+          <a:lnRef idx="1">
+            <a:schemeClr val="accent3"/>
+          </a:lnRef>
+          <a:fillRef idx="2">
+            <a:schemeClr val="accent3"/>
+          </a:fillRef>
+          <a:effectRef idx="1">
+            <a:schemeClr val="accent3"/>
+          </a:effectRef>
+          <a:fontRef idx="minor">
+            <a:schemeClr val="dk1"/>
+          </a:fontRef>
+        </p:style>
+        <p:txBody>
+          <a:bodyPr rtlCol="0" anchor="ctr"/>
+          <a:lstStyle/>
+          <a:p>
+            <a:pPr algn="ctr"/>
+            <a:r>
+              <a:rPr lang="en-GB" dirty="0" smtClean="0"/>
+              <a:t>Thin Sample</a:t>
+            </a:r>
+            <a:endParaRPr lang="en-GB" dirty="0"/>
+          </a:p>
+        </p:txBody>
+      </p:sp>
+      <p:sp>
+        <p:nvSpPr>
+          <p:cNvPr id="5" name="Down Arrow 4"/>
+          <p:cNvSpPr/>
+          <p:nvPr/>
+        </p:nvSpPr>
+        <p:spPr>
+          <a:xfrm>
+            <a:off x="3615267" y="948267"/>
+            <a:ext cx="423333" cy="1786466"/>
+          </a:xfrm>
+          <a:prstGeom prst="downArrow">
+            <a:avLst/>
+          </a:prstGeom>
+          <a:gradFill flip="none" rotWithShape="1">
+            <a:gsLst>
+              <a:gs pos="0">
+                <a:srgbClr val="7030A0"/>
+              </a:gs>
+              <a:gs pos="50000">
+                <a:schemeClr val="accent1">
+                  <a:tint val="44500"/>
+                  <a:satMod val="160000"/>
+                </a:schemeClr>
+              </a:gs>
+              <a:gs pos="100000">
+                <a:schemeClr val="accent1">
+                  <a:tint val="23500"/>
+                  <a:satMod val="160000"/>
+                </a:schemeClr>
+              </a:gs>
+            </a:gsLst>
+            <a:lin ang="16200000" scaled="1"/>
+            <a:tileRect/>
+          </a:gradFill>
+          <a:ln>
+            <a:solidFill>
+              <a:schemeClr val="accent1">
+                <a:lumMod val="60000"/>
+                <a:lumOff val="40000"/>
+              </a:schemeClr>
+            </a:solidFill>
+          </a:ln>
+          <a:effectLst>
+            <a:glow rad="228600">
+              <a:schemeClr val="accent1">
+                <a:satMod val="175000"/>
+                <a:alpha val="40000"/>
+              </a:schemeClr>
+            </a:glow>
+            <a:softEdge rad="12700"/>
+          </a:effectLst>
+        </p:spPr>
+        <p:style>
+          <a:lnRef idx="2">
+            <a:schemeClr val="accent1">
+              <a:shade val="50000"/>
+            </a:schemeClr>
+          </a:lnRef>
+          <a:fillRef idx="1">
+            <a:schemeClr val="accent1"/>
+          </a:fillRef>
+          <a:effectRef idx="0">
+            <a:schemeClr val="accent1"/>
+          </a:effectRef>
+          <a:fontRef idx="minor">
+            <a:schemeClr val="lt1"/>
+          </a:fontRef>
+        </p:style>
+        <p:txBody>
+          <a:bodyPr rtlCol="0" anchor="ctr"/>
+          <a:lstStyle/>
+          <a:p>
+            <a:pPr algn="ctr"/>
+            <a:endParaRPr lang="en-GB" dirty="0"/>
+          </a:p>
+        </p:txBody>
+      </p:sp>
+      <p:sp>
+        <p:nvSpPr>
+          <p:cNvPr id="6" name="Down Arrow 5"/>
+          <p:cNvSpPr/>
+          <p:nvPr/>
+        </p:nvSpPr>
+        <p:spPr>
+          <a:xfrm rot="14064521">
+            <a:off x="4617948" y="1414019"/>
+            <a:ext cx="238120" cy="1547278"/>
+          </a:xfrm>
+          <a:prstGeom prst="downArrow">
+            <a:avLst/>
+          </a:prstGeom>
+          <a:ln>
+            <a:solidFill>
+              <a:schemeClr val="accent1">
+                <a:lumMod val="60000"/>
+                <a:lumOff val="40000"/>
+              </a:schemeClr>
+            </a:solidFill>
+          </a:ln>
+          <a:effectLst>
+            <a:glow rad="228600">
+              <a:schemeClr val="accent1">
+                <a:satMod val="175000"/>
+                <a:alpha val="40000"/>
+              </a:schemeClr>
+            </a:glow>
+            <a:softEdge rad="12700"/>
+          </a:effectLst>
+        </p:spPr>
+        <p:style>
+          <a:lnRef idx="2">
+            <a:schemeClr val="accent1">
+              <a:shade val="50000"/>
+            </a:schemeClr>
+          </a:lnRef>
+          <a:fillRef idx="1">
+            <a:schemeClr val="accent1"/>
+          </a:fillRef>
+          <a:effectRef idx="0">
+            <a:schemeClr val="accent1"/>
+          </a:effectRef>
+          <a:fontRef idx="minor">
+            <a:schemeClr val="lt1"/>
+          </a:fontRef>
+        </p:style>
+        <p:txBody>
+          <a:bodyPr rtlCol="0" anchor="ctr"/>
+          <a:lstStyle/>
+          <a:p>
+            <a:pPr algn="ctr"/>
+            <a:endParaRPr lang="en-GB"/>
+          </a:p>
+        </p:txBody>
+      </p:sp>
+      <p:sp>
+        <p:nvSpPr>
+          <p:cNvPr id="7" name="Down Arrow 6"/>
+          <p:cNvSpPr/>
+          <p:nvPr/>
+        </p:nvSpPr>
+        <p:spPr>
+          <a:xfrm>
+            <a:off x="3615266" y="3627966"/>
+            <a:ext cx="423333" cy="1786466"/>
+          </a:xfrm>
+          <a:prstGeom prst="downArrow">
+            <a:avLst/>
+          </a:prstGeom>
+          <a:ln>
+            <a:solidFill>
+              <a:schemeClr val="accent1">
+                <a:lumMod val="60000"/>
+                <a:lumOff val="40000"/>
+              </a:schemeClr>
+            </a:solidFill>
+          </a:ln>
+          <a:effectLst>
+            <a:glow rad="228600">
+              <a:schemeClr val="accent1">
+                <a:satMod val="175000"/>
+                <a:alpha val="40000"/>
+              </a:schemeClr>
+            </a:glow>
+            <a:softEdge rad="12700"/>
+          </a:effectLst>
+        </p:spPr>
+        <p:style>
+          <a:lnRef idx="2">
+            <a:schemeClr val="accent1">
+              <a:shade val="50000"/>
+            </a:schemeClr>
+          </a:lnRef>
+          <a:fillRef idx="1">
+            <a:schemeClr val="accent1"/>
+          </a:fillRef>
+          <a:effectRef idx="0">
+            <a:schemeClr val="accent1"/>
+          </a:effectRef>
+          <a:fontRef idx="minor">
+            <a:schemeClr val="lt1"/>
+          </a:fontRef>
+        </p:style>
+        <p:txBody>
+          <a:bodyPr rtlCol="0" anchor="ctr"/>
+          <a:lstStyle/>
+          <a:p>
+            <a:pPr algn="ctr"/>
+            <a:endParaRPr lang="en-GB"/>
+          </a:p>
+        </p:txBody>
+      </p:sp>
+      <p:sp>
+        <p:nvSpPr>
+          <p:cNvPr id="8" name="Down Arrow 7"/>
+          <p:cNvSpPr/>
+          <p:nvPr/>
+        </p:nvSpPr>
+        <p:spPr>
+          <a:xfrm rot="19608613">
+            <a:off x="4069702" y="3461674"/>
+            <a:ext cx="423333" cy="1786466"/>
+          </a:xfrm>
+          <a:prstGeom prst="downArrow">
+            <a:avLst/>
+          </a:prstGeom>
+          <a:gradFill>
+            <a:gsLst>
+              <a:gs pos="0">
+                <a:schemeClr val="accent6">
+                  <a:lumMod val="60000"/>
+                  <a:lumOff val="40000"/>
+                </a:schemeClr>
+              </a:gs>
+              <a:gs pos="100000">
+                <a:schemeClr val="accent1">
+                  <a:lumMod val="30000"/>
+                  <a:lumOff val="70000"/>
+                </a:schemeClr>
+              </a:gs>
+            </a:gsLst>
+            <a:path path="shape">
+              <a:fillToRect l="50000" t="50000" r="50000" b="50000"/>
+            </a:path>
+          </a:gradFill>
+          <a:ln>
+            <a:solidFill>
+              <a:schemeClr val="accent1">
+                <a:lumMod val="60000"/>
+                <a:lumOff val="40000"/>
+              </a:schemeClr>
+            </a:solidFill>
+          </a:ln>
+          <a:effectLst>
+            <a:glow rad="228600">
+              <a:schemeClr val="accent1">
+                <a:satMod val="175000"/>
+                <a:alpha val="40000"/>
+              </a:schemeClr>
+            </a:glow>
+            <a:softEdge rad="12700"/>
+          </a:effectLst>
+        </p:spPr>
+        <p:style>
+          <a:lnRef idx="2">
+            <a:schemeClr val="accent1">
+              <a:shade val="50000"/>
+            </a:schemeClr>
+          </a:lnRef>
+          <a:fillRef idx="1">
+            <a:schemeClr val="accent1"/>
+          </a:fillRef>
+          <a:effectRef idx="0">
+            <a:schemeClr val="accent1"/>
+          </a:effectRef>
+          <a:fontRef idx="minor">
+            <a:schemeClr val="lt1"/>
+          </a:fontRef>
+        </p:style>
+        <p:txBody>
+          <a:bodyPr rtlCol="0" anchor="ctr"/>
+          <a:lstStyle/>
+          <a:p>
+            <a:pPr algn="ctr"/>
+            <a:endParaRPr lang="en-GB"/>
+          </a:p>
+        </p:txBody>
+      </p:sp>
+      <p:sp>
+        <p:nvSpPr>
+          <p:cNvPr id="9" name="Down Arrow 8"/>
+          <p:cNvSpPr/>
+          <p:nvPr/>
+        </p:nvSpPr>
+        <p:spPr>
+          <a:xfrm rot="17218879">
+            <a:off x="4525341" y="2998357"/>
+            <a:ext cx="423333" cy="1786466"/>
+          </a:xfrm>
+          <a:prstGeom prst="downArrow">
+            <a:avLst/>
+          </a:prstGeom>
+          <a:gradFill flip="none" rotWithShape="1">
+            <a:gsLst>
+              <a:gs pos="0">
+                <a:schemeClr val="accent2">
+                  <a:lumMod val="75000"/>
+                </a:schemeClr>
+              </a:gs>
+              <a:gs pos="100000">
+                <a:schemeClr val="accent1">
+                  <a:lumMod val="30000"/>
+                  <a:lumOff val="70000"/>
+                </a:schemeClr>
+              </a:gs>
+            </a:gsLst>
+            <a:path path="shape">
+              <a:fillToRect l="50000" t="50000" r="50000" b="50000"/>
+            </a:path>
+            <a:tileRect/>
+          </a:gradFill>
+          <a:ln>
+            <a:solidFill>
+              <a:srgbClr val="00B050"/>
+            </a:solidFill>
+          </a:ln>
+          <a:effectLst>
+            <a:glow rad="228600">
+              <a:schemeClr val="accent1">
+                <a:satMod val="175000"/>
+                <a:alpha val="40000"/>
+              </a:schemeClr>
+            </a:glow>
+            <a:softEdge rad="12700"/>
+          </a:effectLst>
+        </p:spPr>
+        <p:style>
+          <a:lnRef idx="2">
+            <a:schemeClr val="accent1">
+              <a:shade val="50000"/>
+            </a:schemeClr>
+          </a:lnRef>
+          <a:fillRef idx="1">
+            <a:schemeClr val="accent1"/>
+          </a:fillRef>
+          <a:effectRef idx="0">
+            <a:schemeClr val="accent1"/>
+          </a:effectRef>
+          <a:fontRef idx="minor">
+            <a:schemeClr val="lt1"/>
+          </a:fontRef>
+        </p:style>
+        <p:txBody>
+          <a:bodyPr rtlCol="0" anchor="ctr"/>
+          <a:lstStyle/>
+          <a:p>
+            <a:pPr algn="ctr"/>
+            <a:endParaRPr lang="en-GB"/>
+          </a:p>
+        </p:txBody>
+      </p:sp>
+      <p:sp>
+        <p:nvSpPr>
+          <p:cNvPr id="10" name="TextBox 9"/>
+          <p:cNvSpPr txBox="1"/>
+          <p:nvPr/>
+        </p:nvSpPr>
+        <p:spPr>
+          <a:xfrm>
+            <a:off x="3032534" y="472344"/>
+            <a:ext cx="2497667" cy="369332"/>
+          </a:xfrm>
+          <a:prstGeom prst="rect">
+            <a:avLst/>
+          </a:prstGeom>
+          <a:noFill/>
+        </p:spPr>
+        <p:txBody>
+          <a:bodyPr wrap="square" rtlCol="0">
+            <a:spAutoFit/>
+          </a:bodyPr>
+          <a:lstStyle/>
+          <a:p>
+            <a:r>
+              <a:rPr lang="en-GB" dirty="0" smtClean="0"/>
+              <a:t>Incident Beam</a:t>
+            </a:r>
+            <a:endParaRPr lang="en-GB" dirty="0"/>
+          </a:p>
+        </p:txBody>
+      </p:sp>
+      <p:sp>
+        <p:nvSpPr>
+          <p:cNvPr id="11" name="TextBox 10"/>
+          <p:cNvSpPr txBox="1"/>
+          <p:nvPr/>
+        </p:nvSpPr>
+        <p:spPr>
+          <a:xfrm>
+            <a:off x="4779433" y="1303488"/>
+            <a:ext cx="2497667" cy="369332"/>
+          </a:xfrm>
+          <a:prstGeom prst="rect">
+            <a:avLst/>
+          </a:prstGeom>
+          <a:noFill/>
+        </p:spPr>
+        <p:txBody>
+          <a:bodyPr wrap="square" rtlCol="0">
+            <a:spAutoFit/>
+          </a:bodyPr>
+          <a:lstStyle/>
+          <a:p>
+            <a:r>
+              <a:rPr lang="en-GB" dirty="0" smtClean="0"/>
+              <a:t>Backscattered Electrons</a:t>
+            </a:r>
+            <a:endParaRPr lang="en-GB" dirty="0"/>
+          </a:p>
+        </p:txBody>
+      </p:sp>
+      <p:sp>
+        <p:nvSpPr>
+          <p:cNvPr id="12" name="TextBox 11"/>
+          <p:cNvSpPr txBox="1"/>
+          <p:nvPr/>
+        </p:nvSpPr>
+        <p:spPr>
+          <a:xfrm>
+            <a:off x="5653115" y="3820681"/>
+            <a:ext cx="2497667" cy="646331"/>
+          </a:xfrm>
+          <a:prstGeom prst="rect">
+            <a:avLst/>
+          </a:prstGeom>
+          <a:noFill/>
+        </p:spPr>
+        <p:txBody>
+          <a:bodyPr wrap="square" rtlCol="0">
+            <a:spAutoFit/>
+          </a:bodyPr>
+          <a:lstStyle/>
+          <a:p>
+            <a:r>
+              <a:rPr lang="en-GB" dirty="0" smtClean="0"/>
+              <a:t>High-angle (Rutherford) scattering </a:t>
+            </a:r>
+            <a:endParaRPr lang="en-GB" dirty="0"/>
+          </a:p>
+        </p:txBody>
+      </p:sp>
+      <p:sp>
+        <p:nvSpPr>
+          <p:cNvPr id="13" name="TextBox 12"/>
+          <p:cNvSpPr txBox="1"/>
+          <p:nvPr/>
+        </p:nvSpPr>
+        <p:spPr>
+          <a:xfrm>
+            <a:off x="4947473" y="4725280"/>
+            <a:ext cx="2497667" cy="369332"/>
+          </a:xfrm>
+          <a:prstGeom prst="rect">
+            <a:avLst/>
+          </a:prstGeom>
+          <a:noFill/>
+        </p:spPr>
+        <p:txBody>
+          <a:bodyPr wrap="square" rtlCol="0">
+            <a:spAutoFit/>
+          </a:bodyPr>
+          <a:lstStyle/>
+          <a:p>
+            <a:r>
+              <a:rPr lang="en-GB" dirty="0" smtClean="0"/>
+              <a:t>Bragg-scattering</a:t>
+            </a:r>
+            <a:endParaRPr lang="en-GB" dirty="0"/>
+          </a:p>
+        </p:txBody>
+      </p:sp>
+      <p:sp>
+        <p:nvSpPr>
+          <p:cNvPr id="14" name="TextBox 13"/>
+          <p:cNvSpPr txBox="1"/>
+          <p:nvPr/>
+        </p:nvSpPr>
+        <p:spPr>
+          <a:xfrm>
+            <a:off x="3017215" y="5403997"/>
+            <a:ext cx="2497667" cy="369332"/>
+          </a:xfrm>
+          <a:prstGeom prst="rect">
+            <a:avLst/>
+          </a:prstGeom>
+          <a:noFill/>
+        </p:spPr>
+        <p:txBody>
+          <a:bodyPr wrap="square" rtlCol="0">
+            <a:spAutoFit/>
+          </a:bodyPr>
+          <a:lstStyle/>
+          <a:p>
+            <a:r>
+              <a:rPr lang="en-GB" dirty="0" smtClean="0"/>
+              <a:t>Direct Beam</a:t>
+            </a:r>
+            <a:endParaRPr lang="en-GB" dirty="0"/>
+          </a:p>
+        </p:txBody>
+      </p:sp>
+    </p:spTree>
+    <p:extLst>
+      <p:ext uri="{BB962C8B-B14F-4D97-AF65-F5344CB8AC3E}">
+        <p14:creationId xmlns:p14="http://schemas.microsoft.com/office/powerpoint/2010/main" val="3701598957"/>
+      </p:ext>
+    </p:extLst>
+  </p:cSld>
+  <p:clrMapOvr>
+    <a:masterClrMapping/>
+  </p:clrMapOvr>
+  <p:timing>
+    <p:tnLst>
+      <p:par>
+        <p:cTn id="1" dur="indefinite" restart="never" nodeType="tmRoot"/>
+      </p:par>
+    </p:tnLst>
+  </p:timing>
+</p:sld>
+</file>
+
+<file path=ppt/slides/slide14.xml><?xml version="1.0" encoding="utf-8"?>
+<p:sld xmlns:a="http://schemas.openxmlformats.org/drawingml/2006/main" xmlns:r="http://schemas.openxmlformats.org/officeDocument/2006/relationships" xmlns:p="http://schemas.openxmlformats.org/presentationml/2006/main">
+  <p:cSld>
+    <p:spTree>
+      <p:nvGrpSpPr>
+        <p:cNvPr id="1" name=""/>
+        <p:cNvGrpSpPr/>
+        <p:nvPr/>
+      </p:nvGrpSpPr>
+      <p:grpSpPr>
+        <a:xfrm>
+          <a:off x="0" y="0"/>
+          <a:ext cx="0" cy="0"/>
+          <a:chOff x="0" y="0"/>
+          <a:chExt cx="0" cy="0"/>
+        </a:xfrm>
+      </p:grpSpPr>
+      <p:sp>
+        <p:nvSpPr>
+          <p:cNvPr id="4" name="Rectangle 3"/>
+          <p:cNvSpPr/>
+          <p:nvPr/>
+        </p:nvSpPr>
+        <p:spPr>
+          <a:xfrm>
+            <a:off x="1346200" y="2764583"/>
+            <a:ext cx="4826000" cy="821267"/>
+          </a:xfrm>
+          <a:prstGeom prst="rect">
+            <a:avLst/>
+          </a:prstGeom>
+        </p:spPr>
+        <p:style>
+          <a:lnRef idx="1">
+            <a:schemeClr val="accent3"/>
+          </a:lnRef>
+          <a:fillRef idx="2">
+            <a:schemeClr val="accent3"/>
+          </a:fillRef>
+          <a:effectRef idx="1">
+            <a:schemeClr val="accent3"/>
+          </a:effectRef>
+          <a:fontRef idx="minor">
+            <a:schemeClr val="dk1"/>
+          </a:fontRef>
+        </p:style>
+        <p:txBody>
+          <a:bodyPr rtlCol="0" anchor="ctr"/>
+          <a:lstStyle/>
+          <a:p>
+            <a:pPr algn="just"/>
+            <a:endParaRPr lang="en-GB" dirty="0"/>
+          </a:p>
+        </p:txBody>
+      </p:sp>
+      <p:sp>
+        <p:nvSpPr>
+          <p:cNvPr id="5" name="Down Arrow 4"/>
+          <p:cNvSpPr/>
+          <p:nvPr/>
+        </p:nvSpPr>
+        <p:spPr>
+          <a:xfrm>
+            <a:off x="3606765" y="736600"/>
+            <a:ext cx="423333" cy="2536981"/>
+          </a:xfrm>
+          <a:prstGeom prst="downArrow">
+            <a:avLst/>
+          </a:prstGeom>
+          <a:gradFill flip="none" rotWithShape="1">
+            <a:gsLst>
+              <a:gs pos="0">
+                <a:srgbClr val="7030A0"/>
+              </a:gs>
+              <a:gs pos="50000">
+                <a:schemeClr val="accent1">
+                  <a:tint val="44500"/>
+                  <a:satMod val="160000"/>
+                </a:schemeClr>
+              </a:gs>
+              <a:gs pos="100000">
+                <a:schemeClr val="accent1">
+                  <a:tint val="23500"/>
+                  <a:satMod val="160000"/>
+                </a:schemeClr>
+              </a:gs>
+            </a:gsLst>
+            <a:lin ang="16200000" scaled="1"/>
+            <a:tileRect/>
+          </a:gradFill>
+          <a:ln>
+            <a:solidFill>
+              <a:schemeClr val="accent1">
+                <a:lumMod val="60000"/>
+                <a:lumOff val="40000"/>
+              </a:schemeClr>
+            </a:solidFill>
+          </a:ln>
+          <a:effectLst>
+            <a:glow rad="228600">
+              <a:schemeClr val="accent1">
+                <a:satMod val="175000"/>
+                <a:alpha val="40000"/>
+              </a:schemeClr>
+            </a:glow>
+            <a:softEdge rad="12700"/>
+          </a:effectLst>
+        </p:spPr>
+        <p:style>
+          <a:lnRef idx="2">
+            <a:schemeClr val="accent1">
+              <a:shade val="50000"/>
+            </a:schemeClr>
+          </a:lnRef>
+          <a:fillRef idx="1">
+            <a:schemeClr val="accent1"/>
+          </a:fillRef>
+          <a:effectRef idx="0">
+            <a:schemeClr val="accent1"/>
+          </a:effectRef>
+          <a:fontRef idx="minor">
+            <a:schemeClr val="lt1"/>
+          </a:fontRef>
+        </p:style>
+        <p:txBody>
+          <a:bodyPr rtlCol="0" anchor="ctr"/>
+          <a:lstStyle/>
+          <a:p>
+            <a:pPr algn="ctr"/>
+            <a:endParaRPr lang="en-GB" dirty="0"/>
+          </a:p>
+        </p:txBody>
+      </p:sp>
+      <p:sp>
+        <p:nvSpPr>
+          <p:cNvPr id="6" name="Down Arrow 5"/>
+          <p:cNvSpPr/>
+          <p:nvPr/>
+        </p:nvSpPr>
+        <p:spPr>
+          <a:xfrm rot="14064521">
+            <a:off x="4617948" y="1414019"/>
+            <a:ext cx="238120" cy="1547278"/>
+          </a:xfrm>
+          <a:prstGeom prst="downArrow">
+            <a:avLst/>
+          </a:prstGeom>
+          <a:ln>
+            <a:solidFill>
+              <a:schemeClr val="accent1">
+                <a:lumMod val="60000"/>
+                <a:lumOff val="40000"/>
+              </a:schemeClr>
+            </a:solidFill>
+          </a:ln>
+          <a:effectLst>
+            <a:glow rad="228600">
+              <a:schemeClr val="accent1">
+                <a:satMod val="175000"/>
+                <a:alpha val="40000"/>
+              </a:schemeClr>
+            </a:glow>
+            <a:softEdge rad="12700"/>
+          </a:effectLst>
+        </p:spPr>
+        <p:style>
+          <a:lnRef idx="2">
+            <a:schemeClr val="accent1">
+              <a:shade val="50000"/>
+            </a:schemeClr>
+          </a:lnRef>
+          <a:fillRef idx="1">
+            <a:schemeClr val="accent1"/>
+          </a:fillRef>
+          <a:effectRef idx="0">
+            <a:schemeClr val="accent1"/>
+          </a:effectRef>
+          <a:fontRef idx="minor">
+            <a:schemeClr val="lt1"/>
+          </a:fontRef>
+        </p:style>
+        <p:txBody>
+          <a:bodyPr rtlCol="0" anchor="ctr"/>
+          <a:lstStyle/>
+          <a:p>
+            <a:pPr algn="ctr"/>
+            <a:endParaRPr lang="en-GB"/>
+          </a:p>
+        </p:txBody>
+      </p:sp>
+      <p:sp>
+        <p:nvSpPr>
+          <p:cNvPr id="7" name="Down Arrow 6"/>
+          <p:cNvSpPr/>
+          <p:nvPr/>
+        </p:nvSpPr>
+        <p:spPr>
+          <a:xfrm rot="4350412">
+            <a:off x="2792815" y="2799569"/>
+            <a:ext cx="423333" cy="1786466"/>
+          </a:xfrm>
+          <a:prstGeom prst="downArrow">
+            <a:avLst/>
+          </a:prstGeom>
+          <a:ln>
+            <a:solidFill>
+              <a:schemeClr val="accent1">
+                <a:lumMod val="60000"/>
+                <a:lumOff val="40000"/>
+              </a:schemeClr>
+            </a:solidFill>
+          </a:ln>
+          <a:effectLst>
+            <a:glow rad="228600">
+              <a:schemeClr val="accent1">
+                <a:satMod val="175000"/>
+                <a:alpha val="40000"/>
+              </a:schemeClr>
+            </a:glow>
+            <a:softEdge rad="12700"/>
+          </a:effectLst>
+        </p:spPr>
+        <p:style>
+          <a:lnRef idx="2">
+            <a:schemeClr val="accent1">
+              <a:shade val="50000"/>
+            </a:schemeClr>
+          </a:lnRef>
+          <a:fillRef idx="1">
+            <a:schemeClr val="accent1"/>
+          </a:fillRef>
+          <a:effectRef idx="0">
+            <a:schemeClr val="accent1"/>
+          </a:effectRef>
+          <a:fontRef idx="minor">
+            <a:schemeClr val="lt1"/>
+          </a:fontRef>
+        </p:style>
+        <p:txBody>
+          <a:bodyPr rtlCol="0" anchor="ctr"/>
+          <a:lstStyle/>
+          <a:p>
+            <a:pPr algn="ctr"/>
+            <a:endParaRPr lang="en-GB"/>
+          </a:p>
+        </p:txBody>
+      </p:sp>
+      <p:sp>
+        <p:nvSpPr>
+          <p:cNvPr id="8" name="Down Arrow 7"/>
+          <p:cNvSpPr/>
+          <p:nvPr/>
+        </p:nvSpPr>
+        <p:spPr>
+          <a:xfrm rot="17412897">
+            <a:off x="4450416" y="2819367"/>
+            <a:ext cx="423333" cy="1786466"/>
+          </a:xfrm>
+          <a:prstGeom prst="downArrow">
+            <a:avLst/>
+          </a:prstGeom>
+          <a:gradFill>
+            <a:gsLst>
+              <a:gs pos="0">
+                <a:schemeClr val="accent6">
+                  <a:lumMod val="60000"/>
+                  <a:lumOff val="40000"/>
+                </a:schemeClr>
+              </a:gs>
+              <a:gs pos="100000">
+                <a:schemeClr val="accent1">
+                  <a:lumMod val="30000"/>
+                  <a:lumOff val="70000"/>
+                </a:schemeClr>
+              </a:gs>
+            </a:gsLst>
+            <a:path path="shape">
+              <a:fillToRect l="50000" t="50000" r="50000" b="50000"/>
+            </a:path>
+          </a:gradFill>
+          <a:ln>
+            <a:solidFill>
+              <a:schemeClr val="accent1">
+                <a:lumMod val="60000"/>
+                <a:lumOff val="40000"/>
+              </a:schemeClr>
+            </a:solidFill>
+          </a:ln>
+          <a:effectLst>
+            <a:glow rad="228600">
+              <a:schemeClr val="accent1">
+                <a:satMod val="175000"/>
+                <a:alpha val="40000"/>
+              </a:schemeClr>
+            </a:glow>
+            <a:softEdge rad="12700"/>
+          </a:effectLst>
+        </p:spPr>
+        <p:style>
+          <a:lnRef idx="2">
+            <a:schemeClr val="accent1">
+              <a:shade val="50000"/>
+            </a:schemeClr>
+          </a:lnRef>
+          <a:fillRef idx="1">
+            <a:schemeClr val="accent1"/>
+          </a:fillRef>
+          <a:effectRef idx="0">
+            <a:schemeClr val="accent1"/>
+          </a:effectRef>
+          <a:fontRef idx="minor">
+            <a:schemeClr val="lt1"/>
+          </a:fontRef>
+        </p:style>
+        <p:txBody>
+          <a:bodyPr rtlCol="0" anchor="ctr"/>
+          <a:lstStyle/>
+          <a:p>
+            <a:pPr algn="ctr"/>
+            <a:endParaRPr lang="en-GB"/>
+          </a:p>
+        </p:txBody>
+      </p:sp>
+      <p:sp>
+        <p:nvSpPr>
+          <p:cNvPr id="9" name="Down Arrow 8"/>
+          <p:cNvSpPr/>
+          <p:nvPr/>
+        </p:nvSpPr>
+        <p:spPr>
+          <a:xfrm rot="16200000">
+            <a:off x="4468642" y="2571973"/>
+            <a:ext cx="257514" cy="1540933"/>
+          </a:xfrm>
+          <a:prstGeom prst="downArrow">
+            <a:avLst/>
+          </a:prstGeom>
+          <a:gradFill flip="none" rotWithShape="1">
+            <a:gsLst>
+              <a:gs pos="0">
+                <a:schemeClr val="accent2">
+                  <a:lumMod val="75000"/>
+                </a:schemeClr>
+              </a:gs>
+              <a:gs pos="100000">
+                <a:schemeClr val="accent1">
+                  <a:lumMod val="30000"/>
+                  <a:lumOff val="70000"/>
+                </a:schemeClr>
+              </a:gs>
+            </a:gsLst>
+            <a:path path="shape">
+              <a:fillToRect l="50000" t="50000" r="50000" b="50000"/>
+            </a:path>
+            <a:tileRect/>
+          </a:gradFill>
+          <a:ln>
+            <a:solidFill>
+              <a:srgbClr val="00B050"/>
+            </a:solidFill>
+          </a:ln>
+          <a:effectLst>
+            <a:glow rad="228600">
+              <a:schemeClr val="accent1">
+                <a:satMod val="175000"/>
+                <a:alpha val="40000"/>
+              </a:schemeClr>
+            </a:glow>
+            <a:softEdge rad="12700"/>
+          </a:effectLst>
+        </p:spPr>
+        <p:style>
+          <a:lnRef idx="2">
+            <a:schemeClr val="accent1">
+              <a:shade val="50000"/>
+            </a:schemeClr>
+          </a:lnRef>
+          <a:fillRef idx="1">
+            <a:schemeClr val="accent1"/>
+          </a:fillRef>
+          <a:effectRef idx="0">
+            <a:schemeClr val="accent1"/>
+          </a:effectRef>
+          <a:fontRef idx="minor">
+            <a:schemeClr val="lt1"/>
+          </a:fontRef>
+        </p:style>
+        <p:txBody>
+          <a:bodyPr rtlCol="0" anchor="ctr"/>
+          <a:lstStyle/>
+          <a:p>
+            <a:pPr algn="ctr"/>
+            <a:endParaRPr lang="en-GB"/>
+          </a:p>
+        </p:txBody>
+      </p:sp>
+      <p:sp>
+        <p:nvSpPr>
+          <p:cNvPr id="10" name="TextBox 9"/>
+          <p:cNvSpPr txBox="1"/>
+          <p:nvPr/>
+        </p:nvSpPr>
+        <p:spPr>
+          <a:xfrm>
+            <a:off x="3155448" y="313494"/>
+            <a:ext cx="2497667" cy="369332"/>
+          </a:xfrm>
+          <a:prstGeom prst="rect">
+            <a:avLst/>
+          </a:prstGeom>
+          <a:noFill/>
+        </p:spPr>
+        <p:txBody>
+          <a:bodyPr wrap="square" rtlCol="0">
+            <a:spAutoFit/>
+          </a:bodyPr>
+          <a:lstStyle/>
+          <a:p>
+            <a:r>
+              <a:rPr lang="en-GB" dirty="0" smtClean="0"/>
+              <a:t>Incident Beam</a:t>
+            </a:r>
+            <a:endParaRPr lang="en-GB" dirty="0"/>
+          </a:p>
+        </p:txBody>
+      </p:sp>
+      <p:sp>
+        <p:nvSpPr>
+          <p:cNvPr id="11" name="TextBox 10"/>
+          <p:cNvSpPr txBox="1"/>
+          <p:nvPr/>
+        </p:nvSpPr>
+        <p:spPr>
+          <a:xfrm>
+            <a:off x="4779433" y="1303488"/>
+            <a:ext cx="2497667" cy="369332"/>
+          </a:xfrm>
+          <a:prstGeom prst="rect">
+            <a:avLst/>
+          </a:prstGeom>
+          <a:noFill/>
+        </p:spPr>
+        <p:txBody>
+          <a:bodyPr wrap="square" rtlCol="0">
+            <a:spAutoFit/>
+          </a:bodyPr>
+          <a:lstStyle/>
+          <a:p>
+            <a:r>
+              <a:rPr lang="en-GB" dirty="0" smtClean="0"/>
+              <a:t>Secondary Electrons</a:t>
+            </a:r>
+            <a:endParaRPr lang="en-GB" dirty="0"/>
+          </a:p>
+        </p:txBody>
+      </p:sp>
+      <p:sp>
+        <p:nvSpPr>
+          <p:cNvPr id="12" name="TextBox 11"/>
+          <p:cNvSpPr txBox="1"/>
+          <p:nvPr/>
+        </p:nvSpPr>
+        <p:spPr>
+          <a:xfrm>
+            <a:off x="5653115" y="3820681"/>
+            <a:ext cx="2497667" cy="369332"/>
+          </a:xfrm>
+          <a:prstGeom prst="rect">
+            <a:avLst/>
+          </a:prstGeom>
+          <a:noFill/>
+        </p:spPr>
+        <p:txBody>
+          <a:bodyPr wrap="square" rtlCol="0">
+            <a:spAutoFit/>
+          </a:bodyPr>
+          <a:lstStyle/>
+          <a:p>
+            <a:r>
+              <a:rPr lang="en-GB" dirty="0" smtClean="0"/>
+              <a:t>Characteristic X-rays</a:t>
+            </a:r>
+            <a:endParaRPr lang="en-GB" dirty="0"/>
+          </a:p>
+        </p:txBody>
+      </p:sp>
+      <p:sp>
+        <p:nvSpPr>
+          <p:cNvPr id="13" name="TextBox 12"/>
+          <p:cNvSpPr txBox="1"/>
+          <p:nvPr/>
+        </p:nvSpPr>
+        <p:spPr>
+          <a:xfrm>
+            <a:off x="3996230" y="2913051"/>
+            <a:ext cx="2497667" cy="369332"/>
+          </a:xfrm>
+          <a:prstGeom prst="rect">
+            <a:avLst/>
+          </a:prstGeom>
+          <a:noFill/>
+        </p:spPr>
+        <p:txBody>
+          <a:bodyPr wrap="square" rtlCol="0">
+            <a:spAutoFit/>
+          </a:bodyPr>
+          <a:lstStyle/>
+          <a:p>
+            <a:r>
+              <a:rPr lang="en-GB" dirty="0" smtClean="0"/>
+              <a:t>Phonons + </a:t>
+            </a:r>
+            <a:r>
+              <a:rPr lang="en-GB" dirty="0" err="1" smtClean="0"/>
+              <a:t>Plasmons</a:t>
+            </a:r>
+            <a:endParaRPr lang="en-GB" dirty="0"/>
+          </a:p>
+        </p:txBody>
+      </p:sp>
+      <p:sp>
+        <p:nvSpPr>
+          <p:cNvPr id="14" name="TextBox 13"/>
+          <p:cNvSpPr txBox="1"/>
+          <p:nvPr/>
+        </p:nvSpPr>
+        <p:spPr>
+          <a:xfrm>
+            <a:off x="1253065" y="4104846"/>
+            <a:ext cx="2497667" cy="369332"/>
+          </a:xfrm>
+          <a:prstGeom prst="rect">
+            <a:avLst/>
+          </a:prstGeom>
+          <a:noFill/>
+        </p:spPr>
+        <p:txBody>
+          <a:bodyPr wrap="square" rtlCol="0">
+            <a:spAutoFit/>
+          </a:bodyPr>
+          <a:lstStyle/>
+          <a:p>
+            <a:r>
+              <a:rPr lang="en-GB" dirty="0" err="1" smtClean="0"/>
+              <a:t>Brehmsstrahlung</a:t>
+            </a:r>
+            <a:r>
+              <a:rPr lang="en-GB" dirty="0" smtClean="0"/>
+              <a:t> X-rays</a:t>
+            </a:r>
+            <a:endParaRPr lang="en-GB" dirty="0"/>
+          </a:p>
+        </p:txBody>
+      </p:sp>
+      <p:sp>
+        <p:nvSpPr>
+          <p:cNvPr id="15" name="Down Arrow 14"/>
+          <p:cNvSpPr/>
+          <p:nvPr/>
+        </p:nvSpPr>
+        <p:spPr>
+          <a:xfrm rot="18896348" flipV="1">
+            <a:off x="2182564" y="1524477"/>
+            <a:ext cx="324200" cy="1572293"/>
+          </a:xfrm>
+          <a:prstGeom prst="downArrow">
+            <a:avLst/>
+          </a:prstGeom>
+          <a:gradFill>
+            <a:gsLst>
+              <a:gs pos="0">
+                <a:schemeClr val="tx2">
+                  <a:lumMod val="75000"/>
+                </a:schemeClr>
+              </a:gs>
+              <a:gs pos="68000">
+                <a:schemeClr val="accent3">
+                  <a:lumMod val="105000"/>
+                  <a:satMod val="103000"/>
+                  <a:tint val="73000"/>
+                </a:schemeClr>
+              </a:gs>
+              <a:gs pos="100000">
+                <a:schemeClr val="accent3">
+                  <a:lumMod val="105000"/>
+                  <a:satMod val="109000"/>
+                  <a:tint val="81000"/>
+                </a:schemeClr>
+              </a:gs>
+            </a:gsLst>
+            <a:lin ang="5400000" scaled="0"/>
+          </a:gradFill>
+          <a:ln>
+            <a:solidFill>
+              <a:schemeClr val="accent1">
+                <a:lumMod val="60000"/>
+                <a:lumOff val="40000"/>
+              </a:schemeClr>
+            </a:solidFill>
+          </a:ln>
+          <a:effectLst>
+            <a:glow rad="228600">
+              <a:schemeClr val="accent1">
+                <a:satMod val="175000"/>
+                <a:alpha val="40000"/>
+              </a:schemeClr>
+            </a:glow>
+            <a:softEdge rad="12700"/>
+          </a:effectLst>
+        </p:spPr>
+        <p:style>
+          <a:lnRef idx="2">
+            <a:schemeClr val="accent1">
+              <a:shade val="50000"/>
+            </a:schemeClr>
+          </a:lnRef>
+          <a:fillRef idx="1">
+            <a:schemeClr val="accent1"/>
+          </a:fillRef>
+          <a:effectRef idx="0">
+            <a:schemeClr val="accent1"/>
+          </a:effectRef>
+          <a:fontRef idx="minor">
+            <a:schemeClr val="lt1"/>
+          </a:fontRef>
+        </p:style>
+        <p:txBody>
+          <a:bodyPr rtlCol="0" anchor="ctr"/>
+          <a:lstStyle/>
+          <a:p>
+            <a:pPr algn="ctr"/>
+            <a:endParaRPr lang="en-GB"/>
+          </a:p>
+        </p:txBody>
+      </p:sp>
+      <p:sp>
+        <p:nvSpPr>
+          <p:cNvPr id="16" name="TextBox 15"/>
+          <p:cNvSpPr txBox="1"/>
+          <p:nvPr/>
+        </p:nvSpPr>
+        <p:spPr>
+          <a:xfrm>
+            <a:off x="969617" y="1118821"/>
+            <a:ext cx="2497667" cy="369332"/>
+          </a:xfrm>
+          <a:prstGeom prst="rect">
+            <a:avLst/>
+          </a:prstGeom>
+          <a:noFill/>
+        </p:spPr>
+        <p:txBody>
+          <a:bodyPr wrap="square" rtlCol="0">
+            <a:spAutoFit/>
+          </a:bodyPr>
+          <a:lstStyle/>
+          <a:p>
+            <a:r>
+              <a:rPr lang="en-GB" dirty="0" smtClean="0"/>
+              <a:t>Cathodoluminescence</a:t>
+            </a:r>
+            <a:endParaRPr lang="en-GB" dirty="0"/>
+          </a:p>
+        </p:txBody>
+      </p:sp>
+      <p:sp>
+        <p:nvSpPr>
+          <p:cNvPr id="18" name="TextBox 17"/>
+          <p:cNvSpPr txBox="1"/>
+          <p:nvPr/>
+        </p:nvSpPr>
+        <p:spPr>
+          <a:xfrm>
+            <a:off x="1569399" y="2853095"/>
+            <a:ext cx="2497667" cy="369332"/>
+          </a:xfrm>
+          <a:prstGeom prst="rect">
+            <a:avLst/>
+          </a:prstGeom>
+          <a:noFill/>
+        </p:spPr>
+        <p:txBody>
+          <a:bodyPr wrap="square" rtlCol="0">
+            <a:spAutoFit/>
+          </a:bodyPr>
+          <a:lstStyle/>
+          <a:p>
+            <a:r>
+              <a:rPr lang="en-GB" dirty="0" smtClean="0"/>
+              <a:t>Electron-hole pairs</a:t>
+            </a:r>
+            <a:endParaRPr lang="en-GB" dirty="0"/>
+          </a:p>
+        </p:txBody>
+      </p:sp>
+      <p:sp>
+        <p:nvSpPr>
+          <p:cNvPr id="19" name="Down Arrow 18"/>
+          <p:cNvSpPr/>
+          <p:nvPr/>
+        </p:nvSpPr>
+        <p:spPr>
+          <a:xfrm rot="16200000" flipV="1">
+            <a:off x="2859481" y="2570939"/>
+            <a:ext cx="261504" cy="1566330"/>
+          </a:xfrm>
+          <a:prstGeom prst="downArrow">
+            <a:avLst/>
+          </a:prstGeom>
+          <a:gradFill flip="none" rotWithShape="1">
+            <a:gsLst>
+              <a:gs pos="0">
+                <a:schemeClr val="accent2">
+                  <a:lumMod val="75000"/>
+                </a:schemeClr>
+              </a:gs>
+              <a:gs pos="100000">
+                <a:schemeClr val="accent1">
+                  <a:lumMod val="30000"/>
+                  <a:lumOff val="70000"/>
+                </a:schemeClr>
+              </a:gs>
+            </a:gsLst>
+            <a:path path="shape">
+              <a:fillToRect l="50000" t="50000" r="50000" b="50000"/>
+            </a:path>
+            <a:tileRect/>
+          </a:gradFill>
+          <a:ln>
+            <a:solidFill>
+              <a:srgbClr val="00B050"/>
+            </a:solidFill>
+          </a:ln>
+          <a:effectLst>
+            <a:glow rad="228600">
+              <a:schemeClr val="accent1">
+                <a:satMod val="175000"/>
+                <a:alpha val="40000"/>
+              </a:schemeClr>
+            </a:glow>
+            <a:softEdge rad="12700"/>
+          </a:effectLst>
+        </p:spPr>
+        <p:style>
+          <a:lnRef idx="2">
+            <a:schemeClr val="accent1">
+              <a:shade val="50000"/>
+            </a:schemeClr>
+          </a:lnRef>
+          <a:fillRef idx="1">
+            <a:schemeClr val="accent1"/>
+          </a:fillRef>
+          <a:effectRef idx="0">
+            <a:schemeClr val="accent1"/>
+          </a:effectRef>
+          <a:fontRef idx="minor">
+            <a:schemeClr val="lt1"/>
+          </a:fontRef>
+        </p:style>
+        <p:txBody>
+          <a:bodyPr rtlCol="0" anchor="ctr"/>
+          <a:lstStyle/>
+          <a:p>
+            <a:pPr algn="ctr"/>
+            <a:endParaRPr lang="en-GB"/>
+          </a:p>
+        </p:txBody>
+      </p:sp>
+      <p:sp>
+        <p:nvSpPr>
+          <p:cNvPr id="20" name="Down Arrow 19"/>
+          <p:cNvSpPr/>
+          <p:nvPr/>
+        </p:nvSpPr>
+        <p:spPr>
+          <a:xfrm>
+            <a:off x="3615266" y="3627966"/>
+            <a:ext cx="423333" cy="1786466"/>
+          </a:xfrm>
+          <a:prstGeom prst="downArrow">
+            <a:avLst/>
+          </a:prstGeom>
+          <a:noFill/>
+          <a:ln>
+            <a:solidFill>
+              <a:schemeClr val="accent1">
+                <a:lumMod val="60000"/>
+                <a:lumOff val="40000"/>
+              </a:schemeClr>
+            </a:solidFill>
+          </a:ln>
+          <a:effectLst>
+            <a:softEdge rad="12700"/>
+          </a:effectLst>
+        </p:spPr>
+        <p:style>
+          <a:lnRef idx="2">
+            <a:schemeClr val="accent1">
+              <a:shade val="50000"/>
+            </a:schemeClr>
+          </a:lnRef>
+          <a:fillRef idx="1">
+            <a:schemeClr val="accent1"/>
+          </a:fillRef>
+          <a:effectRef idx="0">
+            <a:schemeClr val="accent1"/>
+          </a:effectRef>
+          <a:fontRef idx="minor">
+            <a:schemeClr val="lt1"/>
+          </a:fontRef>
+        </p:style>
+        <p:txBody>
+          <a:bodyPr rtlCol="0" anchor="ctr"/>
+          <a:lstStyle/>
+          <a:p>
+            <a:pPr algn="ctr"/>
+            <a:endParaRPr lang="en-GB"/>
+          </a:p>
+        </p:txBody>
+      </p:sp>
+    </p:spTree>
+    <p:extLst>
+      <p:ext uri="{BB962C8B-B14F-4D97-AF65-F5344CB8AC3E}">
+        <p14:creationId xmlns:p14="http://schemas.microsoft.com/office/powerpoint/2010/main" val="4137573612"/>
       </p:ext>
     </p:extLst>
   </p:cSld>

--- a/Figures1.pptx
+++ b/Figures1.pptx
@@ -19,6 +19,7 @@
     <p:sldId id="267" r:id="rId13"/>
     <p:sldId id="268" r:id="rId14"/>
     <p:sldId id="269" r:id="rId15"/>
+    <p:sldId id="270" r:id="rId16"/>
   </p:sldIdLst>
   <p:sldSz cx="12192000" cy="6858000"/>
   <p:notesSz cx="6858000" cy="9144000"/>
@@ -256,7 +257,7 @@
           <a:p>
             <a:fld id="{1F78AD8F-B685-49B2-BA03-F32BD517C0C3}" type="datetimeFigureOut">
               <a:rPr lang="en-GB" smtClean="0"/>
-              <a:t>08/05/2016</a:t>
+              <a:t>25/05/2016</a:t>
             </a:fld>
             <a:endParaRPr lang="en-GB"/>
           </a:p>
@@ -426,7 +427,7 @@
           <a:p>
             <a:fld id="{1F78AD8F-B685-49B2-BA03-F32BD517C0C3}" type="datetimeFigureOut">
               <a:rPr lang="en-GB" smtClean="0"/>
-              <a:t>08/05/2016</a:t>
+              <a:t>25/05/2016</a:t>
             </a:fld>
             <a:endParaRPr lang="en-GB"/>
           </a:p>
@@ -606,7 +607,7 @@
           <a:p>
             <a:fld id="{1F78AD8F-B685-49B2-BA03-F32BD517C0C3}" type="datetimeFigureOut">
               <a:rPr lang="en-GB" smtClean="0"/>
-              <a:t>08/05/2016</a:t>
+              <a:t>25/05/2016</a:t>
             </a:fld>
             <a:endParaRPr lang="en-GB"/>
           </a:p>
@@ -776,7 +777,7 @@
           <a:p>
             <a:fld id="{1F78AD8F-B685-49B2-BA03-F32BD517C0C3}" type="datetimeFigureOut">
               <a:rPr lang="en-GB" smtClean="0"/>
-              <a:t>08/05/2016</a:t>
+              <a:t>25/05/2016</a:t>
             </a:fld>
             <a:endParaRPr lang="en-GB"/>
           </a:p>
@@ -1022,7 +1023,7 @@
           <a:p>
             <a:fld id="{1F78AD8F-B685-49B2-BA03-F32BD517C0C3}" type="datetimeFigureOut">
               <a:rPr lang="en-GB" smtClean="0"/>
-              <a:t>08/05/2016</a:t>
+              <a:t>25/05/2016</a:t>
             </a:fld>
             <a:endParaRPr lang="en-GB"/>
           </a:p>
@@ -1254,7 +1255,7 @@
           <a:p>
             <a:fld id="{1F78AD8F-B685-49B2-BA03-F32BD517C0C3}" type="datetimeFigureOut">
               <a:rPr lang="en-GB" smtClean="0"/>
-              <a:t>08/05/2016</a:t>
+              <a:t>25/05/2016</a:t>
             </a:fld>
             <a:endParaRPr lang="en-GB"/>
           </a:p>
@@ -1621,7 +1622,7 @@
           <a:p>
             <a:fld id="{1F78AD8F-B685-49B2-BA03-F32BD517C0C3}" type="datetimeFigureOut">
               <a:rPr lang="en-GB" smtClean="0"/>
-              <a:t>08/05/2016</a:t>
+              <a:t>25/05/2016</a:t>
             </a:fld>
             <a:endParaRPr lang="en-GB"/>
           </a:p>
@@ -1739,7 +1740,7 @@
           <a:p>
             <a:fld id="{1F78AD8F-B685-49B2-BA03-F32BD517C0C3}" type="datetimeFigureOut">
               <a:rPr lang="en-GB" smtClean="0"/>
-              <a:t>08/05/2016</a:t>
+              <a:t>25/05/2016</a:t>
             </a:fld>
             <a:endParaRPr lang="en-GB"/>
           </a:p>
@@ -1834,7 +1835,7 @@
           <a:p>
             <a:fld id="{1F78AD8F-B685-49B2-BA03-F32BD517C0C3}" type="datetimeFigureOut">
               <a:rPr lang="en-GB" smtClean="0"/>
-              <a:t>08/05/2016</a:t>
+              <a:t>25/05/2016</a:t>
             </a:fld>
             <a:endParaRPr lang="en-GB"/>
           </a:p>
@@ -2111,7 +2112,7 @@
           <a:p>
             <a:fld id="{1F78AD8F-B685-49B2-BA03-F32BD517C0C3}" type="datetimeFigureOut">
               <a:rPr lang="en-GB" smtClean="0"/>
-              <a:t>08/05/2016</a:t>
+              <a:t>25/05/2016</a:t>
             </a:fld>
             <a:endParaRPr lang="en-GB"/>
           </a:p>
@@ -2364,7 +2365,7 @@
           <a:p>
             <a:fld id="{1F78AD8F-B685-49B2-BA03-F32BD517C0C3}" type="datetimeFigureOut">
               <a:rPr lang="en-GB" smtClean="0"/>
-              <a:t>08/05/2016</a:t>
+              <a:t>25/05/2016</a:t>
             </a:fld>
             <a:endParaRPr lang="en-GB"/>
           </a:p>
@@ -2577,7 +2578,7 @@
           <a:p>
             <a:fld id="{1F78AD8F-B685-49B2-BA03-F32BD517C0C3}" type="datetimeFigureOut">
               <a:rPr lang="en-GB" smtClean="0"/>
-              <a:t>08/05/2016</a:t>
+              <a:t>25/05/2016</a:t>
             </a:fld>
             <a:endParaRPr lang="en-GB"/>
           </a:p>
@@ -6396,6 +6397,317 @@
 </p:sld>
 </file>
 
+<file path=ppt/slides/slide15.xml><?xml version="1.0" encoding="utf-8"?>
+<p:sld xmlns:a="http://schemas.openxmlformats.org/drawingml/2006/main" xmlns:r="http://schemas.openxmlformats.org/officeDocument/2006/relationships" xmlns:p="http://schemas.openxmlformats.org/presentationml/2006/main">
+  <p:cSld>
+    <p:spTree>
+      <p:nvGrpSpPr>
+        <p:cNvPr id="1" name=""/>
+        <p:cNvGrpSpPr/>
+        <p:nvPr/>
+      </p:nvGrpSpPr>
+      <p:grpSpPr>
+        <a:xfrm>
+          <a:off x="0" y="0"/>
+          <a:ext cx="0" cy="0"/>
+          <a:chOff x="0" y="0"/>
+          <a:chExt cx="0" cy="0"/>
+        </a:xfrm>
+      </p:grpSpPr>
+      <p:grpSp>
+        <p:nvGrpSpPr>
+          <p:cNvPr id="7" name="Group 6"/>
+          <p:cNvGrpSpPr/>
+          <p:nvPr/>
+        </p:nvGrpSpPr>
+        <p:grpSpPr>
+          <a:xfrm>
+            <a:off x="5860472" y="1462880"/>
+            <a:ext cx="5949142" cy="984328"/>
+            <a:chOff x="6553200" y="964277"/>
+            <a:chExt cx="6162502" cy="980901"/>
+          </a:xfrm>
+        </p:grpSpPr>
+        <p:pic>
+          <p:nvPicPr>
+            <p:cNvPr id="5" name="Picture 4"/>
+            <p:cNvPicPr>
+              <a:picLocks noChangeAspect="1"/>
+            </p:cNvPicPr>
+            <p:nvPr/>
+          </p:nvPicPr>
+          <p:blipFill rotWithShape="1">
+            <a:blip r:embed="rId2" cstate="print">
+              <a:extLst>
+                <a:ext uri="{28A0092B-C50C-407E-A947-70E740481C1C}">
+                  <a14:useLocalDpi xmlns:a14="http://schemas.microsoft.com/office/drawing/2010/main" val="0"/>
+                </a:ext>
+              </a:extLst>
+            </a:blip>
+            <a:srcRect t="49936" b="32657"/>
+            <a:stretch/>
+          </p:blipFill>
+          <p:spPr>
+            <a:xfrm>
+              <a:off x="6553200" y="964277"/>
+              <a:ext cx="6162502" cy="980901"/>
+            </a:xfrm>
+            <a:prstGeom prst="rect">
+              <a:avLst/>
+            </a:prstGeom>
+          </p:spPr>
+        </p:pic>
+        <p:sp>
+          <p:nvSpPr>
+            <p:cNvPr id="6" name="Oval 5"/>
+            <p:cNvSpPr/>
+            <p:nvPr/>
+          </p:nvSpPr>
+          <p:spPr>
+            <a:xfrm>
+              <a:off x="6553200" y="1067977"/>
+              <a:ext cx="241069" cy="320249"/>
+            </a:xfrm>
+            <a:prstGeom prst="ellipse">
+              <a:avLst/>
+            </a:prstGeom>
+            <a:solidFill>
+              <a:schemeClr val="bg1"/>
+            </a:solidFill>
+            <a:ln>
+              <a:noFill/>
+            </a:ln>
+          </p:spPr>
+          <p:style>
+            <a:lnRef idx="2">
+              <a:schemeClr val="accent1">
+                <a:shade val="50000"/>
+              </a:schemeClr>
+            </a:lnRef>
+            <a:fillRef idx="1">
+              <a:schemeClr val="accent1"/>
+            </a:fillRef>
+            <a:effectRef idx="0">
+              <a:schemeClr val="accent1"/>
+            </a:effectRef>
+            <a:fontRef idx="minor">
+              <a:schemeClr val="lt1"/>
+            </a:fontRef>
+          </p:style>
+          <p:txBody>
+            <a:bodyPr rtlCol="0" anchor="ctr"/>
+            <a:lstStyle/>
+            <a:p>
+              <a:pPr algn="ctr"/>
+              <a:endParaRPr lang="en-GB"/>
+            </a:p>
+          </p:txBody>
+        </p:sp>
+      </p:grpSp>
+      <p:grpSp>
+        <p:nvGrpSpPr>
+          <p:cNvPr id="9" name="Group 8"/>
+          <p:cNvGrpSpPr/>
+          <p:nvPr/>
+        </p:nvGrpSpPr>
+        <p:grpSpPr>
+          <a:xfrm>
+            <a:off x="74815" y="1163782"/>
+            <a:ext cx="5029200" cy="2477192"/>
+            <a:chOff x="116378" y="963859"/>
+            <a:chExt cx="6162502" cy="2876621"/>
+          </a:xfrm>
+        </p:grpSpPr>
+        <p:pic>
+          <p:nvPicPr>
+            <p:cNvPr id="4" name="Picture 3"/>
+            <p:cNvPicPr>
+              <a:picLocks noChangeAspect="1"/>
+            </p:cNvPicPr>
+            <p:nvPr/>
+          </p:nvPicPr>
+          <p:blipFill rotWithShape="1">
+            <a:blip r:embed="rId2" cstate="print">
+              <a:extLst>
+                <a:ext uri="{28A0092B-C50C-407E-A947-70E740481C1C}">
+                  <a14:useLocalDpi xmlns:a14="http://schemas.microsoft.com/office/drawing/2010/main" val="0"/>
+                </a:ext>
+              </a:extLst>
+            </a:blip>
+            <a:srcRect b="50801"/>
+            <a:stretch/>
+          </p:blipFill>
+          <p:spPr>
+            <a:xfrm>
+              <a:off x="116378" y="1067977"/>
+              <a:ext cx="6162502" cy="2772503"/>
+            </a:xfrm>
+            <a:prstGeom prst="rect">
+              <a:avLst/>
+            </a:prstGeom>
+          </p:spPr>
+        </p:pic>
+        <p:sp>
+          <p:nvSpPr>
+            <p:cNvPr id="8" name="Oval 7"/>
+            <p:cNvSpPr/>
+            <p:nvPr/>
+          </p:nvSpPr>
+          <p:spPr>
+            <a:xfrm>
+              <a:off x="116378" y="963859"/>
+              <a:ext cx="241069" cy="320249"/>
+            </a:xfrm>
+            <a:prstGeom prst="ellipse">
+              <a:avLst/>
+            </a:prstGeom>
+            <a:solidFill>
+              <a:schemeClr val="bg1"/>
+            </a:solidFill>
+            <a:ln>
+              <a:noFill/>
+            </a:ln>
+          </p:spPr>
+          <p:style>
+            <a:lnRef idx="2">
+              <a:schemeClr val="accent1">
+                <a:shade val="50000"/>
+              </a:schemeClr>
+            </a:lnRef>
+            <a:fillRef idx="1">
+              <a:schemeClr val="accent1"/>
+            </a:fillRef>
+            <a:effectRef idx="0">
+              <a:schemeClr val="accent1"/>
+            </a:effectRef>
+            <a:fontRef idx="minor">
+              <a:schemeClr val="lt1"/>
+            </a:fontRef>
+          </p:style>
+          <p:txBody>
+            <a:bodyPr rtlCol="0" anchor="ctr"/>
+            <a:lstStyle/>
+            <a:p>
+              <a:pPr algn="ctr"/>
+              <a:endParaRPr lang="en-GB"/>
+            </a:p>
+          </p:txBody>
+        </p:sp>
+      </p:grpSp>
+      <p:sp>
+        <p:nvSpPr>
+          <p:cNvPr id="10" name="Rectangle 9"/>
+          <p:cNvSpPr/>
+          <p:nvPr/>
+        </p:nvSpPr>
+        <p:spPr>
+          <a:xfrm>
+            <a:off x="1388225" y="1911927"/>
+            <a:ext cx="2527070" cy="535281"/>
+          </a:xfrm>
+          <a:prstGeom prst="rect">
+            <a:avLst/>
+          </a:prstGeom>
+          <a:noFill/>
+          <a:ln w="57150">
+            <a:solidFill>
+              <a:srgbClr val="FF0000"/>
+            </a:solidFill>
+          </a:ln>
+        </p:spPr>
+        <p:style>
+          <a:lnRef idx="2">
+            <a:schemeClr val="accent1">
+              <a:shade val="50000"/>
+            </a:schemeClr>
+          </a:lnRef>
+          <a:fillRef idx="1">
+            <a:schemeClr val="accent1"/>
+          </a:fillRef>
+          <a:effectRef idx="0">
+            <a:schemeClr val="accent1"/>
+          </a:effectRef>
+          <a:fontRef idx="minor">
+            <a:schemeClr val="lt1"/>
+          </a:fontRef>
+        </p:style>
+        <p:txBody>
+          <a:bodyPr rtlCol="0" anchor="ctr"/>
+          <a:lstStyle/>
+          <a:p>
+            <a:pPr algn="ctr"/>
+            <a:endParaRPr lang="en-GB"/>
+          </a:p>
+        </p:txBody>
+      </p:sp>
+      <p:sp>
+        <p:nvSpPr>
+          <p:cNvPr id="23" name="Right Arrow 22"/>
+          <p:cNvSpPr/>
+          <p:nvPr/>
+        </p:nvSpPr>
+        <p:spPr>
+          <a:xfrm>
+            <a:off x="5104015" y="2078182"/>
+            <a:ext cx="623454" cy="266007"/>
+          </a:xfrm>
+          <a:prstGeom prst="rightArrow">
+            <a:avLst/>
+          </a:prstGeom>
+          <a:solidFill>
+            <a:srgbClr val="FF0000"/>
+          </a:solidFill>
+          <a:ln>
+            <a:solidFill>
+              <a:srgbClr val="FF0000"/>
+            </a:solidFill>
+          </a:ln>
+        </p:spPr>
+        <p:style>
+          <a:lnRef idx="2">
+            <a:schemeClr val="accent1">
+              <a:shade val="50000"/>
+            </a:schemeClr>
+          </a:lnRef>
+          <a:fillRef idx="1">
+            <a:schemeClr val="accent1"/>
+          </a:fillRef>
+          <a:effectRef idx="0">
+            <a:schemeClr val="accent1"/>
+          </a:effectRef>
+          <a:fontRef idx="minor">
+            <a:schemeClr val="lt1"/>
+          </a:fontRef>
+        </p:style>
+        <p:txBody>
+          <a:bodyPr rtlCol="0" anchor="ctr"/>
+          <a:lstStyle/>
+          <a:p>
+            <a:pPr algn="ctr"/>
+            <a:endParaRPr lang="en-GB"/>
+          </a:p>
+        </p:txBody>
+      </p:sp>
+    </p:spTree>
+    <p:extLst>
+      <p:ext uri="{BB962C8B-B14F-4D97-AF65-F5344CB8AC3E}">
+        <p14:creationId xmlns:p14="http://schemas.microsoft.com/office/powerpoint/2010/main" val="987728597"/>
+      </p:ext>
+    </p:extLst>
+  </p:cSld>
+  <p:clrMapOvr>
+    <a:masterClrMapping/>
+  </p:clrMapOvr>
+  <p:timing>
+    <p:tnLst>
+      <p:par>
+        <p:cTn id="1" dur="indefinite" restart="never" nodeType="tmRoot"/>
+      </p:par>
+    </p:tnLst>
+  </p:timing>
+</p:sld>
+</file>
+
 <file path=ppt/slides/slide2.xml><?xml version="1.0" encoding="utf-8"?>
 <p:sld xmlns:a="http://schemas.openxmlformats.org/drawingml/2006/main" xmlns:r="http://schemas.openxmlformats.org/officeDocument/2006/relationships" xmlns:p="http://schemas.openxmlformats.org/presentationml/2006/main">
   <p:cSld>

--- a/Figures1.pptx
+++ b/Figures1.pptx
@@ -20,6 +20,7 @@
     <p:sldId id="268" r:id="rId14"/>
     <p:sldId id="269" r:id="rId15"/>
     <p:sldId id="270" r:id="rId16"/>
+    <p:sldId id="271" r:id="rId17"/>
   </p:sldIdLst>
   <p:sldSz cx="12192000" cy="6858000"/>
   <p:notesSz cx="6858000" cy="9144000"/>
@@ -6708,6 +6709,208 @@
 </p:sld>
 </file>
 
+<file path=ppt/slides/slide16.xml><?xml version="1.0" encoding="utf-8"?>
+<p:sld xmlns:a="http://schemas.openxmlformats.org/drawingml/2006/main" xmlns:r="http://schemas.openxmlformats.org/officeDocument/2006/relationships" xmlns:p="http://schemas.openxmlformats.org/presentationml/2006/main">
+  <p:cSld>
+    <p:spTree>
+      <p:nvGrpSpPr>
+        <p:cNvPr id="1" name=""/>
+        <p:cNvGrpSpPr/>
+        <p:nvPr/>
+      </p:nvGrpSpPr>
+      <p:grpSpPr>
+        <a:xfrm>
+          <a:off x="0" y="0"/>
+          <a:ext cx="0" cy="0"/>
+          <a:chOff x="0" y="0"/>
+          <a:chExt cx="0" cy="0"/>
+        </a:xfrm>
+      </p:grpSpPr>
+      <p:grpSp>
+        <p:nvGrpSpPr>
+          <p:cNvPr id="7" name="Group 6"/>
+          <p:cNvGrpSpPr/>
+          <p:nvPr/>
+        </p:nvGrpSpPr>
+        <p:grpSpPr>
+          <a:xfrm>
+            <a:off x="473825" y="482136"/>
+            <a:ext cx="5270271" cy="2709949"/>
+            <a:chOff x="548640" y="656704"/>
+            <a:chExt cx="6874626" cy="3915296"/>
+          </a:xfrm>
+        </p:grpSpPr>
+        <p:pic>
+          <p:nvPicPr>
+            <p:cNvPr id="4" name="Picture 3"/>
+            <p:cNvPicPr>
+              <a:picLocks noChangeAspect="1"/>
+            </p:cNvPicPr>
+            <p:nvPr/>
+          </p:nvPicPr>
+          <p:blipFill rotWithShape="1">
+            <a:blip r:embed="rId2">
+              <a:extLst>
+                <a:ext uri="{28A0092B-C50C-407E-A947-70E740481C1C}">
+                  <a14:useLocalDpi xmlns:a14="http://schemas.microsoft.com/office/drawing/2010/main" val="0"/>
+                </a:ext>
+              </a:extLst>
+            </a:blip>
+            <a:srcRect l="4816" t="3279" r="1375" b="3705"/>
+            <a:stretch/>
+          </p:blipFill>
+          <p:spPr>
+            <a:xfrm>
+              <a:off x="548640" y="839585"/>
+              <a:ext cx="6874626" cy="3632662"/>
+            </a:xfrm>
+            <a:prstGeom prst="rect">
+              <a:avLst/>
+            </a:prstGeom>
+          </p:spPr>
+        </p:pic>
+        <p:sp>
+          <p:nvSpPr>
+            <p:cNvPr id="5" name="Rectangle 4"/>
+            <p:cNvSpPr/>
+            <p:nvPr/>
+          </p:nvSpPr>
+          <p:spPr>
+            <a:xfrm>
+              <a:off x="4513811" y="656705"/>
+              <a:ext cx="191193" cy="3915295"/>
+            </a:xfrm>
+            <a:prstGeom prst="rect">
+              <a:avLst/>
+            </a:prstGeom>
+            <a:solidFill>
+              <a:schemeClr val="bg1"/>
+            </a:solidFill>
+            <a:ln>
+              <a:noFill/>
+            </a:ln>
+          </p:spPr>
+          <p:style>
+            <a:lnRef idx="2">
+              <a:schemeClr val="accent1">
+                <a:shade val="50000"/>
+              </a:schemeClr>
+            </a:lnRef>
+            <a:fillRef idx="1">
+              <a:schemeClr val="accent1"/>
+            </a:fillRef>
+            <a:effectRef idx="0">
+              <a:schemeClr val="accent1"/>
+            </a:effectRef>
+            <a:fontRef idx="minor">
+              <a:schemeClr val="lt1"/>
+            </a:fontRef>
+          </p:style>
+          <p:txBody>
+            <a:bodyPr rtlCol="0" anchor="ctr"/>
+            <a:lstStyle/>
+            <a:p>
+              <a:pPr algn="ctr"/>
+              <a:endParaRPr lang="en-GB"/>
+            </a:p>
+          </p:txBody>
+        </p:sp>
+        <p:sp>
+          <p:nvSpPr>
+            <p:cNvPr id="6" name="Rectangle 5"/>
+            <p:cNvSpPr/>
+            <p:nvPr/>
+          </p:nvSpPr>
+          <p:spPr>
+            <a:xfrm>
+              <a:off x="3794760" y="656704"/>
+              <a:ext cx="191193" cy="3915295"/>
+            </a:xfrm>
+            <a:prstGeom prst="rect">
+              <a:avLst/>
+            </a:prstGeom>
+            <a:solidFill>
+              <a:schemeClr val="bg1"/>
+            </a:solidFill>
+            <a:ln>
+              <a:noFill/>
+            </a:ln>
+          </p:spPr>
+          <p:style>
+            <a:lnRef idx="2">
+              <a:schemeClr val="accent1">
+                <a:shade val="50000"/>
+              </a:schemeClr>
+            </a:lnRef>
+            <a:fillRef idx="1">
+              <a:schemeClr val="accent1"/>
+            </a:fillRef>
+            <a:effectRef idx="0">
+              <a:schemeClr val="accent1"/>
+            </a:effectRef>
+            <a:fontRef idx="minor">
+              <a:schemeClr val="lt1"/>
+            </a:fontRef>
+          </p:style>
+          <p:txBody>
+            <a:bodyPr rtlCol="0" anchor="ctr"/>
+            <a:lstStyle/>
+            <a:p>
+              <a:pPr algn="ctr"/>
+              <a:endParaRPr lang="en-GB"/>
+            </a:p>
+          </p:txBody>
+        </p:sp>
+      </p:grpSp>
+      <p:pic>
+        <p:nvPicPr>
+          <p:cNvPr id="9" name="Picture 8"/>
+          <p:cNvPicPr>
+            <a:picLocks noChangeAspect="1"/>
+          </p:cNvPicPr>
+          <p:nvPr/>
+        </p:nvPicPr>
+        <p:blipFill rotWithShape="1">
+          <a:blip r:embed="rId3" cstate="print">
+            <a:extLst>
+              <a:ext uri="{28A0092B-C50C-407E-A947-70E740481C1C}">
+                <a14:useLocalDpi xmlns:a14="http://schemas.microsoft.com/office/drawing/2010/main" val="0"/>
+              </a:ext>
+            </a:extLst>
+          </a:blip>
+          <a:srcRect r="47078"/>
+          <a:stretch/>
+        </p:blipFill>
+        <p:spPr>
+          <a:xfrm>
+            <a:off x="6148765" y="608716"/>
+            <a:ext cx="5270271" cy="3873839"/>
+          </a:xfrm>
+          <a:prstGeom prst="rect">
+            <a:avLst/>
+          </a:prstGeom>
+        </p:spPr>
+      </p:pic>
+    </p:spTree>
+    <p:extLst>
+      <p:ext uri="{BB962C8B-B14F-4D97-AF65-F5344CB8AC3E}">
+        <p14:creationId xmlns:p14="http://schemas.microsoft.com/office/powerpoint/2010/main" val="2499939470"/>
+      </p:ext>
+    </p:extLst>
+  </p:cSld>
+  <p:clrMapOvr>
+    <a:masterClrMapping/>
+  </p:clrMapOvr>
+  <p:timing>
+    <p:tnLst>
+      <p:par>
+        <p:cTn id="1" dur="indefinite" restart="never" nodeType="tmRoot"/>
+      </p:par>
+    </p:tnLst>
+  </p:timing>
+</p:sld>
+</file>
+
 <file path=ppt/slides/slide2.xml><?xml version="1.0" encoding="utf-8"?>
 <p:sld xmlns:a="http://schemas.openxmlformats.org/drawingml/2006/main" xmlns:r="http://schemas.openxmlformats.org/officeDocument/2006/relationships" xmlns:p="http://schemas.openxmlformats.org/presentationml/2006/main">
   <p:cSld>
@@ -6804,6 +7007,13 @@
   <p:clrMapOvr>
     <a:masterClrMapping/>
   </p:clrMapOvr>
+  <p:timing>
+    <p:tnLst>
+      <p:par>
+        <p:cTn id="1" dur="indefinite" restart="never" nodeType="tmRoot"/>
+      </p:par>
+    </p:tnLst>
+  </p:timing>
 </p:sld>
 </file>
 

--- a/Figures1.pptx
+++ b/Figures1.pptx
@@ -21,6 +21,12 @@
     <p:sldId id="269" r:id="rId15"/>
     <p:sldId id="270" r:id="rId16"/>
     <p:sldId id="271" r:id="rId17"/>
+    <p:sldId id="272" r:id="rId18"/>
+    <p:sldId id="273" r:id="rId19"/>
+    <p:sldId id="274" r:id="rId20"/>
+    <p:sldId id="275" r:id="rId21"/>
+    <p:sldId id="276" r:id="rId22"/>
+    <p:sldId id="277" r:id="rId23"/>
   </p:sldIdLst>
   <p:sldSz cx="12192000" cy="6858000"/>
   <p:notesSz cx="6858000" cy="9144000"/>
@@ -258,7 +264,7 @@
           <a:p>
             <a:fld id="{1F78AD8F-B685-49B2-BA03-F32BD517C0C3}" type="datetimeFigureOut">
               <a:rPr lang="en-GB" smtClean="0"/>
-              <a:t>25/05/2016</a:t>
+              <a:t>04/06/2016</a:t>
             </a:fld>
             <a:endParaRPr lang="en-GB"/>
           </a:p>
@@ -428,7 +434,7 @@
           <a:p>
             <a:fld id="{1F78AD8F-B685-49B2-BA03-F32BD517C0C3}" type="datetimeFigureOut">
               <a:rPr lang="en-GB" smtClean="0"/>
-              <a:t>25/05/2016</a:t>
+              <a:t>04/06/2016</a:t>
             </a:fld>
             <a:endParaRPr lang="en-GB"/>
           </a:p>
@@ -608,7 +614,7 @@
           <a:p>
             <a:fld id="{1F78AD8F-B685-49B2-BA03-F32BD517C0C3}" type="datetimeFigureOut">
               <a:rPr lang="en-GB" smtClean="0"/>
-              <a:t>25/05/2016</a:t>
+              <a:t>04/06/2016</a:t>
             </a:fld>
             <a:endParaRPr lang="en-GB"/>
           </a:p>
@@ -778,7 +784,7 @@
           <a:p>
             <a:fld id="{1F78AD8F-B685-49B2-BA03-F32BD517C0C3}" type="datetimeFigureOut">
               <a:rPr lang="en-GB" smtClean="0"/>
-              <a:t>25/05/2016</a:t>
+              <a:t>04/06/2016</a:t>
             </a:fld>
             <a:endParaRPr lang="en-GB"/>
           </a:p>
@@ -1024,7 +1030,7 @@
           <a:p>
             <a:fld id="{1F78AD8F-B685-49B2-BA03-F32BD517C0C3}" type="datetimeFigureOut">
               <a:rPr lang="en-GB" smtClean="0"/>
-              <a:t>25/05/2016</a:t>
+              <a:t>04/06/2016</a:t>
             </a:fld>
             <a:endParaRPr lang="en-GB"/>
           </a:p>
@@ -1256,7 +1262,7 @@
           <a:p>
             <a:fld id="{1F78AD8F-B685-49B2-BA03-F32BD517C0C3}" type="datetimeFigureOut">
               <a:rPr lang="en-GB" smtClean="0"/>
-              <a:t>25/05/2016</a:t>
+              <a:t>04/06/2016</a:t>
             </a:fld>
             <a:endParaRPr lang="en-GB"/>
           </a:p>
@@ -1623,7 +1629,7 @@
           <a:p>
             <a:fld id="{1F78AD8F-B685-49B2-BA03-F32BD517C0C3}" type="datetimeFigureOut">
               <a:rPr lang="en-GB" smtClean="0"/>
-              <a:t>25/05/2016</a:t>
+              <a:t>04/06/2016</a:t>
             </a:fld>
             <a:endParaRPr lang="en-GB"/>
           </a:p>
@@ -1741,7 +1747,7 @@
           <a:p>
             <a:fld id="{1F78AD8F-B685-49B2-BA03-F32BD517C0C3}" type="datetimeFigureOut">
               <a:rPr lang="en-GB" smtClean="0"/>
-              <a:t>25/05/2016</a:t>
+              <a:t>04/06/2016</a:t>
             </a:fld>
             <a:endParaRPr lang="en-GB"/>
           </a:p>
@@ -1836,7 +1842,7 @@
           <a:p>
             <a:fld id="{1F78AD8F-B685-49B2-BA03-F32BD517C0C3}" type="datetimeFigureOut">
               <a:rPr lang="en-GB" smtClean="0"/>
-              <a:t>25/05/2016</a:t>
+              <a:t>04/06/2016</a:t>
             </a:fld>
             <a:endParaRPr lang="en-GB"/>
           </a:p>
@@ -2113,7 +2119,7 @@
           <a:p>
             <a:fld id="{1F78AD8F-B685-49B2-BA03-F32BD517C0C3}" type="datetimeFigureOut">
               <a:rPr lang="en-GB" smtClean="0"/>
-              <a:t>25/05/2016</a:t>
+              <a:t>04/06/2016</a:t>
             </a:fld>
             <a:endParaRPr lang="en-GB"/>
           </a:p>
@@ -2366,7 +2372,7 @@
           <a:p>
             <a:fld id="{1F78AD8F-B685-49B2-BA03-F32BD517C0C3}" type="datetimeFigureOut">
               <a:rPr lang="en-GB" smtClean="0"/>
-              <a:t>25/05/2016</a:t>
+              <a:t>04/06/2016</a:t>
             </a:fld>
             <a:endParaRPr lang="en-GB"/>
           </a:p>
@@ -2579,7 +2585,7 @@
           <a:p>
             <a:fld id="{1F78AD8F-B685-49B2-BA03-F32BD517C0C3}" type="datetimeFigureOut">
               <a:rPr lang="en-GB" smtClean="0"/>
-              <a:t>25/05/2016</a:t>
+              <a:t>04/06/2016</a:t>
             </a:fld>
             <a:endParaRPr lang="en-GB"/>
           </a:p>
@@ -6911,6 +6917,229 @@
 </p:sld>
 </file>
 
+<file path=ppt/slides/slide17.xml><?xml version="1.0" encoding="utf-8"?>
+<p:sld xmlns:a="http://schemas.openxmlformats.org/drawingml/2006/main" xmlns:r="http://schemas.openxmlformats.org/officeDocument/2006/relationships" xmlns:p="http://schemas.openxmlformats.org/presentationml/2006/main">
+  <p:cSld>
+    <p:spTree>
+      <p:nvGrpSpPr>
+        <p:cNvPr id="1" name=""/>
+        <p:cNvGrpSpPr/>
+        <p:nvPr/>
+      </p:nvGrpSpPr>
+      <p:grpSpPr>
+        <a:xfrm>
+          <a:off x="0" y="0"/>
+          <a:ext cx="0" cy="0"/>
+          <a:chOff x="0" y="0"/>
+          <a:chExt cx="0" cy="0"/>
+        </a:xfrm>
+      </p:grpSpPr>
+      <p:sp>
+        <p:nvSpPr>
+          <p:cNvPr id="2" name="Title 1"/>
+          <p:cNvSpPr>
+            <a:spLocks noGrp="1"/>
+          </p:cNvSpPr>
+          <p:nvPr>
+            <p:ph type="title"/>
+          </p:nvPr>
+        </p:nvSpPr>
+        <p:spPr/>
+        <p:txBody>
+          <a:bodyPr/>
+          <a:lstStyle/>
+          <a:p>
+            <a:endParaRPr lang="en-GB"/>
+          </a:p>
+        </p:txBody>
+      </p:sp>
+      <p:pic>
+        <p:nvPicPr>
+          <p:cNvPr id="4" name="Picture 3"/>
+          <p:cNvPicPr>
+            <a:picLocks noChangeAspect="1"/>
+          </p:cNvPicPr>
+          <p:nvPr/>
+        </p:nvPicPr>
+        <p:blipFill>
+          <a:blip r:embed="rId2"/>
+          <a:stretch>
+            <a:fillRect/>
+          </a:stretch>
+        </p:blipFill>
+        <p:spPr>
+          <a:xfrm>
+            <a:off x="1471210" y="1252605"/>
+            <a:ext cx="6905625" cy="5048250"/>
+          </a:xfrm>
+          <a:prstGeom prst="rect">
+            <a:avLst/>
+          </a:prstGeom>
+        </p:spPr>
+      </p:pic>
+    </p:spTree>
+    <p:extLst>
+      <p:ext uri="{BB962C8B-B14F-4D97-AF65-F5344CB8AC3E}">
+        <p14:creationId xmlns:p14="http://schemas.microsoft.com/office/powerpoint/2010/main" val="2182088152"/>
+      </p:ext>
+    </p:extLst>
+  </p:cSld>
+  <p:clrMapOvr>
+    <a:masterClrMapping/>
+  </p:clrMapOvr>
+</p:sld>
+</file>
+
+<file path=ppt/slides/slide18.xml><?xml version="1.0" encoding="utf-8"?>
+<p:sld xmlns:a="http://schemas.openxmlformats.org/drawingml/2006/main" xmlns:r="http://schemas.openxmlformats.org/officeDocument/2006/relationships" xmlns:p="http://schemas.openxmlformats.org/presentationml/2006/main">
+  <p:cSld>
+    <p:spTree>
+      <p:nvGrpSpPr>
+        <p:cNvPr id="1" name=""/>
+        <p:cNvGrpSpPr/>
+        <p:nvPr/>
+      </p:nvGrpSpPr>
+      <p:grpSpPr>
+        <a:xfrm>
+          <a:off x="0" y="0"/>
+          <a:ext cx="0" cy="0"/>
+          <a:chOff x="0" y="0"/>
+          <a:chExt cx="0" cy="0"/>
+        </a:xfrm>
+      </p:grpSpPr>
+      <p:sp>
+        <p:nvSpPr>
+          <p:cNvPr id="2" name="Title 1"/>
+          <p:cNvSpPr>
+            <a:spLocks noGrp="1"/>
+          </p:cNvSpPr>
+          <p:nvPr>
+            <p:ph type="title"/>
+          </p:nvPr>
+        </p:nvSpPr>
+        <p:spPr/>
+        <p:txBody>
+          <a:bodyPr/>
+          <a:lstStyle/>
+          <a:p>
+            <a:endParaRPr lang="en-GB"/>
+          </a:p>
+        </p:txBody>
+      </p:sp>
+      <p:pic>
+        <p:nvPicPr>
+          <p:cNvPr id="4" name="Content Placeholder 3"/>
+          <p:cNvPicPr>
+            <a:picLocks noGrp="1" noChangeAspect="1"/>
+          </p:cNvPicPr>
+          <p:nvPr>
+            <p:ph idx="1"/>
+          </p:nvPr>
+        </p:nvPicPr>
+        <p:blipFill>
+          <a:blip r:embed="rId2"/>
+          <a:stretch>
+            <a:fillRect/>
+          </a:stretch>
+        </p:blipFill>
+        <p:spPr>
+          <a:xfrm>
+            <a:off x="1809885" y="1825625"/>
+            <a:ext cx="8572229" cy="4351338"/>
+          </a:xfrm>
+          <a:prstGeom prst="rect">
+            <a:avLst/>
+          </a:prstGeom>
+        </p:spPr>
+      </p:pic>
+    </p:spTree>
+    <p:extLst>
+      <p:ext uri="{BB962C8B-B14F-4D97-AF65-F5344CB8AC3E}">
+        <p14:creationId xmlns:p14="http://schemas.microsoft.com/office/powerpoint/2010/main" val="1056075620"/>
+      </p:ext>
+    </p:extLst>
+  </p:cSld>
+  <p:clrMapOvr>
+    <a:masterClrMapping/>
+  </p:clrMapOvr>
+</p:sld>
+</file>
+
+<file path=ppt/slides/slide19.xml><?xml version="1.0" encoding="utf-8"?>
+<p:sld xmlns:a="http://schemas.openxmlformats.org/drawingml/2006/main" xmlns:r="http://schemas.openxmlformats.org/officeDocument/2006/relationships" xmlns:p="http://schemas.openxmlformats.org/presentationml/2006/main">
+  <p:cSld>
+    <p:spTree>
+      <p:nvGrpSpPr>
+        <p:cNvPr id="1" name=""/>
+        <p:cNvGrpSpPr/>
+        <p:nvPr/>
+      </p:nvGrpSpPr>
+      <p:grpSpPr>
+        <a:xfrm>
+          <a:off x="0" y="0"/>
+          <a:ext cx="0" cy="0"/>
+          <a:chOff x="0" y="0"/>
+          <a:chExt cx="0" cy="0"/>
+        </a:xfrm>
+      </p:grpSpPr>
+      <p:sp>
+        <p:nvSpPr>
+          <p:cNvPr id="2" name="Title 1"/>
+          <p:cNvSpPr>
+            <a:spLocks noGrp="1"/>
+          </p:cNvSpPr>
+          <p:nvPr>
+            <p:ph type="title"/>
+          </p:nvPr>
+        </p:nvSpPr>
+        <p:spPr/>
+        <p:txBody>
+          <a:bodyPr/>
+          <a:lstStyle/>
+          <a:p>
+            <a:endParaRPr lang="en-GB"/>
+          </a:p>
+        </p:txBody>
+      </p:sp>
+      <p:pic>
+        <p:nvPicPr>
+          <p:cNvPr id="4" name="Content Placeholder 3"/>
+          <p:cNvPicPr>
+            <a:picLocks noGrp="1" noChangeAspect="1"/>
+          </p:cNvPicPr>
+          <p:nvPr>
+            <p:ph idx="1"/>
+          </p:nvPr>
+        </p:nvPicPr>
+        <p:blipFill>
+          <a:blip r:embed="rId2"/>
+          <a:stretch>
+            <a:fillRect/>
+          </a:stretch>
+        </p:blipFill>
+        <p:spPr>
+          <a:xfrm>
+            <a:off x="1621842" y="1825625"/>
+            <a:ext cx="8948316" cy="4351338"/>
+          </a:xfrm>
+          <a:prstGeom prst="rect">
+            <a:avLst/>
+          </a:prstGeom>
+        </p:spPr>
+      </p:pic>
+    </p:spTree>
+    <p:extLst>
+      <p:ext uri="{BB962C8B-B14F-4D97-AF65-F5344CB8AC3E}">
+        <p14:creationId xmlns:p14="http://schemas.microsoft.com/office/powerpoint/2010/main" val="1615026248"/>
+      </p:ext>
+    </p:extLst>
+  </p:cSld>
+  <p:clrMapOvr>
+    <a:masterClrMapping/>
+  </p:clrMapOvr>
+</p:sld>
+</file>
+
 <file path=ppt/slides/slide2.xml><?xml version="1.0" encoding="utf-8"?>
 <p:sld xmlns:a="http://schemas.openxmlformats.org/drawingml/2006/main" xmlns:r="http://schemas.openxmlformats.org/officeDocument/2006/relationships" xmlns:p="http://schemas.openxmlformats.org/presentationml/2006/main">
   <p:cSld>
@@ -7014,6 +7243,499 @@
       </p:par>
     </p:tnLst>
   </p:timing>
+</p:sld>
+</file>
+
+<file path=ppt/slides/slide20.xml><?xml version="1.0" encoding="utf-8"?>
+<p:sld xmlns:a="http://schemas.openxmlformats.org/drawingml/2006/main" xmlns:r="http://schemas.openxmlformats.org/officeDocument/2006/relationships" xmlns:p="http://schemas.openxmlformats.org/presentationml/2006/main">
+  <p:cSld>
+    <p:spTree>
+      <p:nvGrpSpPr>
+        <p:cNvPr id="1" name=""/>
+        <p:cNvGrpSpPr/>
+        <p:nvPr/>
+      </p:nvGrpSpPr>
+      <p:grpSpPr>
+        <a:xfrm>
+          <a:off x="0" y="0"/>
+          <a:ext cx="0" cy="0"/>
+          <a:chOff x="0" y="0"/>
+          <a:chExt cx="0" cy="0"/>
+        </a:xfrm>
+      </p:grpSpPr>
+      <p:pic>
+        <p:nvPicPr>
+          <p:cNvPr id="1026" name="Picture 2" descr="normal.img-001.jpg"/>
+          <p:cNvPicPr>
+            <a:picLocks noGrp="1" noChangeAspect="1" noChangeArrowheads="1"/>
+          </p:cNvPicPr>
+          <p:nvPr>
+            <p:ph idx="1"/>
+          </p:nvPr>
+        </p:nvPicPr>
+        <p:blipFill rotWithShape="1">
+          <a:blip r:embed="rId2">
+            <a:extLst>
+              <a:ext uri="{28A0092B-C50C-407E-A947-70E740481C1C}">
+                <a14:useLocalDpi xmlns:a14="http://schemas.microsoft.com/office/drawing/2010/main" val="0"/>
+              </a:ext>
+            </a:extLst>
+          </a:blip>
+          <a:srcRect l="1400" t="3175" r="41382" b="36151"/>
+          <a:stretch/>
+        </p:blipFill>
+        <p:spPr bwMode="auto">
+          <a:xfrm>
+            <a:off x="6722773" y="3683358"/>
+            <a:ext cx="3477296" cy="2640169"/>
+          </a:xfrm>
+          <a:prstGeom prst="rect">
+            <a:avLst/>
+          </a:prstGeom>
+          <a:noFill/>
+          <a:extLst>
+            <a:ext uri="{909E8E84-426E-40DD-AFC4-6F175D3DCCD1}">
+              <a14:hiddenFill xmlns:a14="http://schemas.microsoft.com/office/drawing/2010/main">
+                <a:solidFill>
+                  <a:srgbClr val="FFFFFF"/>
+                </a:solidFill>
+              </a14:hiddenFill>
+            </a:ext>
+          </a:extLst>
+        </p:spPr>
+      </p:pic>
+      <p:sp>
+        <p:nvSpPr>
+          <p:cNvPr id="4" name="TextBox 3"/>
+          <p:cNvSpPr txBox="1"/>
+          <p:nvPr/>
+        </p:nvSpPr>
+        <p:spPr>
+          <a:xfrm>
+            <a:off x="3090930" y="3683358"/>
+            <a:ext cx="540913" cy="460084"/>
+          </a:xfrm>
+          <a:prstGeom prst="rect">
+            <a:avLst/>
+          </a:prstGeom>
+          <a:solidFill>
+            <a:schemeClr val="bg1"/>
+          </a:solidFill>
+        </p:spPr>
+        <p:txBody>
+          <a:bodyPr wrap="square" rtlCol="0">
+            <a:spAutoFit/>
+          </a:bodyPr>
+          <a:lstStyle/>
+          <a:p>
+            <a:endParaRPr lang="en-GB" dirty="0"/>
+          </a:p>
+        </p:txBody>
+      </p:sp>
+      <p:pic>
+        <p:nvPicPr>
+          <p:cNvPr id="6" name="Content Placeholder 3"/>
+          <p:cNvPicPr>
+            <a:picLocks noChangeAspect="1"/>
+          </p:cNvPicPr>
+          <p:nvPr/>
+        </p:nvPicPr>
+        <p:blipFill>
+          <a:blip r:embed="rId3"/>
+          <a:stretch>
+            <a:fillRect/>
+          </a:stretch>
+        </p:blipFill>
+        <p:spPr>
+          <a:xfrm>
+            <a:off x="1311052" y="3562989"/>
+            <a:ext cx="5147215" cy="2502960"/>
+          </a:xfrm>
+          <a:prstGeom prst="rect">
+            <a:avLst/>
+          </a:prstGeom>
+        </p:spPr>
+      </p:pic>
+      <p:pic>
+        <p:nvPicPr>
+          <p:cNvPr id="7" name="Content Placeholder 3"/>
+          <p:cNvPicPr>
+            <a:picLocks noChangeAspect="1"/>
+          </p:cNvPicPr>
+          <p:nvPr/>
+        </p:nvPicPr>
+        <p:blipFill>
+          <a:blip r:embed="rId4"/>
+          <a:stretch>
+            <a:fillRect/>
+          </a:stretch>
+        </p:blipFill>
+        <p:spPr>
+          <a:xfrm>
+            <a:off x="1578905" y="1079192"/>
+            <a:ext cx="4366463" cy="2216455"/>
+          </a:xfrm>
+          <a:prstGeom prst="rect">
+            <a:avLst/>
+          </a:prstGeom>
+        </p:spPr>
+      </p:pic>
+      <p:pic>
+        <p:nvPicPr>
+          <p:cNvPr id="8" name="Picture 7"/>
+          <p:cNvPicPr>
+            <a:picLocks noChangeAspect="1"/>
+          </p:cNvPicPr>
+          <p:nvPr/>
+        </p:nvPicPr>
+        <p:blipFill>
+          <a:blip r:embed="rId5"/>
+          <a:stretch>
+            <a:fillRect/>
+          </a:stretch>
+        </p:blipFill>
+        <p:spPr>
+          <a:xfrm>
+            <a:off x="6458267" y="855090"/>
+            <a:ext cx="3621875" cy="2647715"/>
+          </a:xfrm>
+          <a:prstGeom prst="rect">
+            <a:avLst/>
+          </a:prstGeom>
+        </p:spPr>
+      </p:pic>
+      <p:sp>
+        <p:nvSpPr>
+          <p:cNvPr id="5" name="TextBox 4"/>
+          <p:cNvSpPr txBox="1"/>
+          <p:nvPr/>
+        </p:nvSpPr>
+        <p:spPr>
+          <a:xfrm>
+            <a:off x="1063750" y="764501"/>
+            <a:ext cx="785611" cy="461665"/>
+          </a:xfrm>
+          <a:prstGeom prst="rect">
+            <a:avLst/>
+          </a:prstGeom>
+          <a:noFill/>
+        </p:spPr>
+        <p:txBody>
+          <a:bodyPr wrap="square" rtlCol="0">
+            <a:spAutoFit/>
+          </a:bodyPr>
+          <a:lstStyle/>
+          <a:p>
+            <a:r>
+              <a:rPr lang="en-GB" sz="2400" b="1" dirty="0" smtClean="0"/>
+              <a:t>a)</a:t>
+            </a:r>
+            <a:endParaRPr lang="en-GB" sz="2400" b="1" dirty="0"/>
+          </a:p>
+        </p:txBody>
+      </p:sp>
+      <p:sp>
+        <p:nvSpPr>
+          <p:cNvPr id="10" name="TextBox 9"/>
+          <p:cNvSpPr txBox="1"/>
+          <p:nvPr/>
+        </p:nvSpPr>
+        <p:spPr>
+          <a:xfrm>
+            <a:off x="6329967" y="764500"/>
+            <a:ext cx="785611" cy="461665"/>
+          </a:xfrm>
+          <a:prstGeom prst="rect">
+            <a:avLst/>
+          </a:prstGeom>
+          <a:noFill/>
+        </p:spPr>
+        <p:txBody>
+          <a:bodyPr wrap="square" rtlCol="0">
+            <a:spAutoFit/>
+          </a:bodyPr>
+          <a:lstStyle/>
+          <a:p>
+            <a:r>
+              <a:rPr lang="en-GB" sz="2400" b="1" dirty="0" smtClean="0"/>
+              <a:t>b)</a:t>
+            </a:r>
+            <a:endParaRPr lang="en-GB" sz="2400" b="1" dirty="0"/>
+          </a:p>
+        </p:txBody>
+      </p:sp>
+      <p:sp>
+        <p:nvSpPr>
+          <p:cNvPr id="11" name="TextBox 10"/>
+          <p:cNvSpPr txBox="1"/>
+          <p:nvPr/>
+        </p:nvSpPr>
+        <p:spPr>
+          <a:xfrm>
+            <a:off x="1031553" y="3671348"/>
+            <a:ext cx="785611" cy="461665"/>
+          </a:xfrm>
+          <a:prstGeom prst="rect">
+            <a:avLst/>
+          </a:prstGeom>
+          <a:noFill/>
+        </p:spPr>
+        <p:txBody>
+          <a:bodyPr wrap="square" rtlCol="0">
+            <a:spAutoFit/>
+          </a:bodyPr>
+          <a:lstStyle/>
+          <a:p>
+            <a:r>
+              <a:rPr lang="en-GB" sz="2400" b="1" dirty="0" smtClean="0"/>
+              <a:t>c)</a:t>
+            </a:r>
+            <a:endParaRPr lang="en-GB" sz="2400" b="1" dirty="0"/>
+          </a:p>
+        </p:txBody>
+      </p:sp>
+      <p:sp>
+        <p:nvSpPr>
+          <p:cNvPr id="12" name="TextBox 11"/>
+          <p:cNvSpPr txBox="1"/>
+          <p:nvPr/>
+        </p:nvSpPr>
+        <p:spPr>
+          <a:xfrm>
+            <a:off x="6722772" y="3562989"/>
+            <a:ext cx="785611" cy="461665"/>
+          </a:xfrm>
+          <a:prstGeom prst="rect">
+            <a:avLst/>
+          </a:prstGeom>
+          <a:solidFill>
+            <a:schemeClr val="bg1"/>
+          </a:solidFill>
+        </p:spPr>
+        <p:txBody>
+          <a:bodyPr wrap="square" rtlCol="0">
+            <a:spAutoFit/>
+          </a:bodyPr>
+          <a:lstStyle/>
+          <a:p>
+            <a:r>
+              <a:rPr lang="en-GB" sz="2400" b="1" dirty="0" smtClean="0"/>
+              <a:t>d)</a:t>
+            </a:r>
+            <a:endParaRPr lang="en-GB" sz="2400" b="1" dirty="0"/>
+          </a:p>
+        </p:txBody>
+      </p:sp>
+    </p:spTree>
+    <p:extLst>
+      <p:ext uri="{BB962C8B-B14F-4D97-AF65-F5344CB8AC3E}">
+        <p14:creationId xmlns:p14="http://schemas.microsoft.com/office/powerpoint/2010/main" val="93022463"/>
+      </p:ext>
+    </p:extLst>
+  </p:cSld>
+  <p:clrMapOvr>
+    <a:masterClrMapping/>
+  </p:clrMapOvr>
+</p:sld>
+</file>
+
+<file path=ppt/slides/slide21.xml><?xml version="1.0" encoding="utf-8"?>
+<p:sld xmlns:a="http://schemas.openxmlformats.org/drawingml/2006/main" xmlns:r="http://schemas.openxmlformats.org/officeDocument/2006/relationships" xmlns:p="http://schemas.openxmlformats.org/presentationml/2006/main">
+  <p:cSld>
+    <p:spTree>
+      <p:nvGrpSpPr>
+        <p:cNvPr id="1" name=""/>
+        <p:cNvGrpSpPr/>
+        <p:nvPr/>
+      </p:nvGrpSpPr>
+      <p:grpSpPr>
+        <a:xfrm>
+          <a:off x="0" y="0"/>
+          <a:ext cx="0" cy="0"/>
+          <a:chOff x="0" y="0"/>
+          <a:chExt cx="0" cy="0"/>
+        </a:xfrm>
+      </p:grpSpPr>
+      <p:sp>
+        <p:nvSpPr>
+          <p:cNvPr id="2" name="Title 1"/>
+          <p:cNvSpPr>
+            <a:spLocks noGrp="1"/>
+          </p:cNvSpPr>
+          <p:nvPr>
+            <p:ph type="title"/>
+          </p:nvPr>
+        </p:nvSpPr>
+        <p:spPr/>
+        <p:txBody>
+          <a:bodyPr/>
+          <a:lstStyle/>
+          <a:p>
+            <a:endParaRPr lang="en-GB"/>
+          </a:p>
+        </p:txBody>
+      </p:sp>
+      <p:pic>
+        <p:nvPicPr>
+          <p:cNvPr id="4" name="Content Placeholder 3"/>
+          <p:cNvPicPr>
+            <a:picLocks noGrp="1" noChangeAspect="1"/>
+          </p:cNvPicPr>
+          <p:nvPr>
+            <p:ph idx="1"/>
+          </p:nvPr>
+        </p:nvPicPr>
+        <p:blipFill>
+          <a:blip r:embed="rId2">
+            <a:extLst>
+              <a:ext uri="{28A0092B-C50C-407E-A947-70E740481C1C}">
+                <a14:useLocalDpi xmlns:a14="http://schemas.microsoft.com/office/drawing/2010/main" val="0"/>
+              </a:ext>
+            </a:extLst>
+          </a:blip>
+          <a:stretch>
+            <a:fillRect/>
+          </a:stretch>
+        </p:blipFill>
+        <p:spPr>
+          <a:xfrm>
+            <a:off x="1409112" y="1027906"/>
+            <a:ext cx="9064684" cy="4351338"/>
+          </a:xfrm>
+        </p:spPr>
+      </p:pic>
+    </p:spTree>
+    <p:extLst>
+      <p:ext uri="{BB962C8B-B14F-4D97-AF65-F5344CB8AC3E}">
+        <p14:creationId xmlns:p14="http://schemas.microsoft.com/office/powerpoint/2010/main" val="636555650"/>
+      </p:ext>
+    </p:extLst>
+  </p:cSld>
+  <p:clrMapOvr>
+    <a:masterClrMapping/>
+  </p:clrMapOvr>
+</p:sld>
+</file>
+
+<file path=ppt/slides/slide22.xml><?xml version="1.0" encoding="utf-8"?>
+<p:sld xmlns:a="http://schemas.openxmlformats.org/drawingml/2006/main" xmlns:r="http://schemas.openxmlformats.org/officeDocument/2006/relationships" xmlns:p="http://schemas.openxmlformats.org/presentationml/2006/main">
+  <p:cSld>
+    <p:spTree>
+      <p:nvGrpSpPr>
+        <p:cNvPr id="1" name=""/>
+        <p:cNvGrpSpPr/>
+        <p:nvPr/>
+      </p:nvGrpSpPr>
+      <p:grpSpPr>
+        <a:xfrm>
+          <a:off x="0" y="0"/>
+          <a:ext cx="0" cy="0"/>
+          <a:chOff x="0" y="0"/>
+          <a:chExt cx="0" cy="0"/>
+        </a:xfrm>
+      </p:grpSpPr>
+      <p:sp>
+        <p:nvSpPr>
+          <p:cNvPr id="2" name="Title 1"/>
+          <p:cNvSpPr>
+            <a:spLocks noGrp="1"/>
+          </p:cNvSpPr>
+          <p:nvPr>
+            <p:ph type="title"/>
+          </p:nvPr>
+        </p:nvSpPr>
+        <p:spPr/>
+        <p:txBody>
+          <a:bodyPr/>
+          <a:lstStyle/>
+          <a:p>
+            <a:endParaRPr lang="en-GB"/>
+          </a:p>
+        </p:txBody>
+      </p:sp>
+      <p:grpSp>
+        <p:nvGrpSpPr>
+          <p:cNvPr id="6" name="Group 5"/>
+          <p:cNvGrpSpPr/>
+          <p:nvPr/>
+        </p:nvGrpSpPr>
+        <p:grpSpPr>
+          <a:xfrm>
+            <a:off x="175187" y="1841679"/>
+            <a:ext cx="11630447" cy="3444856"/>
+            <a:chOff x="561554" y="1352282"/>
+            <a:chExt cx="11630447" cy="3444856"/>
+          </a:xfrm>
+        </p:grpSpPr>
+        <p:pic>
+          <p:nvPicPr>
+            <p:cNvPr id="4" name="Picture 3"/>
+            <p:cNvPicPr>
+              <a:picLocks noChangeAspect="1"/>
+            </p:cNvPicPr>
+            <p:nvPr/>
+          </p:nvPicPr>
+          <p:blipFill rotWithShape="1">
+            <a:blip r:embed="rId2">
+              <a:extLst>
+                <a:ext uri="{28A0092B-C50C-407E-A947-70E740481C1C}">
+                  <a14:useLocalDpi xmlns:a14="http://schemas.microsoft.com/office/drawing/2010/main" val="0"/>
+                </a:ext>
+              </a:extLst>
+            </a:blip>
+            <a:srcRect t="46385" r="53050"/>
+            <a:stretch/>
+          </p:blipFill>
+          <p:spPr>
+            <a:xfrm>
+              <a:off x="8786593" y="1352282"/>
+              <a:ext cx="3405408" cy="3444856"/>
+            </a:xfrm>
+            <a:prstGeom prst="rect">
+              <a:avLst/>
+            </a:prstGeom>
+          </p:spPr>
+        </p:pic>
+        <p:pic>
+          <p:nvPicPr>
+            <p:cNvPr id="5" name="Picture 4"/>
+            <p:cNvPicPr>
+              <a:picLocks noChangeAspect="1"/>
+            </p:cNvPicPr>
+            <p:nvPr/>
+          </p:nvPicPr>
+          <p:blipFill rotWithShape="1">
+            <a:blip r:embed="rId2">
+              <a:extLst>
+                <a:ext uri="{28A0092B-C50C-407E-A947-70E740481C1C}">
+                  <a14:useLocalDpi xmlns:a14="http://schemas.microsoft.com/office/drawing/2010/main" val="0"/>
+                </a:ext>
+              </a:extLst>
+            </a:blip>
+            <a:srcRect b="54620"/>
+            <a:stretch/>
+          </p:blipFill>
+          <p:spPr>
+            <a:xfrm>
+              <a:off x="561554" y="1511344"/>
+              <a:ext cx="7741847" cy="3112171"/>
+            </a:xfrm>
+            <a:prstGeom prst="rect">
+              <a:avLst/>
+            </a:prstGeom>
+          </p:spPr>
+        </p:pic>
+      </p:grpSp>
+    </p:spTree>
+    <p:extLst>
+      <p:ext uri="{BB962C8B-B14F-4D97-AF65-F5344CB8AC3E}">
+        <p14:creationId xmlns:p14="http://schemas.microsoft.com/office/powerpoint/2010/main" val="2398991267"/>
+      </p:ext>
+    </p:extLst>
+  </p:cSld>
+  <p:clrMapOvr>
+    <a:masterClrMapping/>
+  </p:clrMapOvr>
 </p:sld>
 </file>
 

--- a/Figures1.pptx
+++ b/Figures1.pptx
@@ -27,6 +27,8 @@
     <p:sldId id="275" r:id="rId21"/>
     <p:sldId id="276" r:id="rId22"/>
     <p:sldId id="277" r:id="rId23"/>
+    <p:sldId id="278" r:id="rId24"/>
+    <p:sldId id="279" r:id="rId25"/>
   </p:sldIdLst>
   <p:sldSz cx="12192000" cy="6858000"/>
   <p:notesSz cx="6858000" cy="9144000"/>
@@ -264,7 +266,7 @@
           <a:p>
             <a:fld id="{1F78AD8F-B685-49B2-BA03-F32BD517C0C3}" type="datetimeFigureOut">
               <a:rPr lang="en-GB" smtClean="0"/>
-              <a:t>04/06/2016</a:t>
+              <a:t>11/07/2016</a:t>
             </a:fld>
             <a:endParaRPr lang="en-GB"/>
           </a:p>
@@ -434,7 +436,7 @@
           <a:p>
             <a:fld id="{1F78AD8F-B685-49B2-BA03-F32BD517C0C3}" type="datetimeFigureOut">
               <a:rPr lang="en-GB" smtClean="0"/>
-              <a:t>04/06/2016</a:t>
+              <a:t>11/07/2016</a:t>
             </a:fld>
             <a:endParaRPr lang="en-GB"/>
           </a:p>
@@ -614,7 +616,7 @@
           <a:p>
             <a:fld id="{1F78AD8F-B685-49B2-BA03-F32BD517C0C3}" type="datetimeFigureOut">
               <a:rPr lang="en-GB" smtClean="0"/>
-              <a:t>04/06/2016</a:t>
+              <a:t>11/07/2016</a:t>
             </a:fld>
             <a:endParaRPr lang="en-GB"/>
           </a:p>
@@ -784,7 +786,7 @@
           <a:p>
             <a:fld id="{1F78AD8F-B685-49B2-BA03-F32BD517C0C3}" type="datetimeFigureOut">
               <a:rPr lang="en-GB" smtClean="0"/>
-              <a:t>04/06/2016</a:t>
+              <a:t>11/07/2016</a:t>
             </a:fld>
             <a:endParaRPr lang="en-GB"/>
           </a:p>
@@ -1030,7 +1032,7 @@
           <a:p>
             <a:fld id="{1F78AD8F-B685-49B2-BA03-F32BD517C0C3}" type="datetimeFigureOut">
               <a:rPr lang="en-GB" smtClean="0"/>
-              <a:t>04/06/2016</a:t>
+              <a:t>11/07/2016</a:t>
             </a:fld>
             <a:endParaRPr lang="en-GB"/>
           </a:p>
@@ -1262,7 +1264,7 @@
           <a:p>
             <a:fld id="{1F78AD8F-B685-49B2-BA03-F32BD517C0C3}" type="datetimeFigureOut">
               <a:rPr lang="en-GB" smtClean="0"/>
-              <a:t>04/06/2016</a:t>
+              <a:t>11/07/2016</a:t>
             </a:fld>
             <a:endParaRPr lang="en-GB"/>
           </a:p>
@@ -1629,7 +1631,7 @@
           <a:p>
             <a:fld id="{1F78AD8F-B685-49B2-BA03-F32BD517C0C3}" type="datetimeFigureOut">
               <a:rPr lang="en-GB" smtClean="0"/>
-              <a:t>04/06/2016</a:t>
+              <a:t>11/07/2016</a:t>
             </a:fld>
             <a:endParaRPr lang="en-GB"/>
           </a:p>
@@ -1747,7 +1749,7 @@
           <a:p>
             <a:fld id="{1F78AD8F-B685-49B2-BA03-F32BD517C0C3}" type="datetimeFigureOut">
               <a:rPr lang="en-GB" smtClean="0"/>
-              <a:t>04/06/2016</a:t>
+              <a:t>11/07/2016</a:t>
             </a:fld>
             <a:endParaRPr lang="en-GB"/>
           </a:p>
@@ -1842,7 +1844,7 @@
           <a:p>
             <a:fld id="{1F78AD8F-B685-49B2-BA03-F32BD517C0C3}" type="datetimeFigureOut">
               <a:rPr lang="en-GB" smtClean="0"/>
-              <a:t>04/06/2016</a:t>
+              <a:t>11/07/2016</a:t>
             </a:fld>
             <a:endParaRPr lang="en-GB"/>
           </a:p>
@@ -2119,7 +2121,7 @@
           <a:p>
             <a:fld id="{1F78AD8F-B685-49B2-BA03-F32BD517C0C3}" type="datetimeFigureOut">
               <a:rPr lang="en-GB" smtClean="0"/>
-              <a:t>04/06/2016</a:t>
+              <a:t>11/07/2016</a:t>
             </a:fld>
             <a:endParaRPr lang="en-GB"/>
           </a:p>
@@ -2372,7 +2374,7 @@
           <a:p>
             <a:fld id="{1F78AD8F-B685-49B2-BA03-F32BD517C0C3}" type="datetimeFigureOut">
               <a:rPr lang="en-GB" smtClean="0"/>
-              <a:t>04/06/2016</a:t>
+              <a:t>11/07/2016</a:t>
             </a:fld>
             <a:endParaRPr lang="en-GB"/>
           </a:p>
@@ -2585,7 +2587,7 @@
           <a:p>
             <a:fld id="{1F78AD8F-B685-49B2-BA03-F32BD517C0C3}" type="datetimeFigureOut">
               <a:rPr lang="en-GB" smtClean="0"/>
-              <a:t>04/06/2016</a:t>
+              <a:t>11/07/2016</a:t>
             </a:fld>
             <a:endParaRPr lang="en-GB"/>
           </a:p>
@@ -7736,6 +7738,1117 @@
   <p:clrMapOvr>
     <a:masterClrMapping/>
   </p:clrMapOvr>
+  <p:timing>
+    <p:tnLst>
+      <p:par>
+        <p:cTn id="1" dur="indefinite" restart="never" nodeType="tmRoot"/>
+      </p:par>
+    </p:tnLst>
+  </p:timing>
+</p:sld>
+</file>
+
+<file path=ppt/slides/slide23.xml><?xml version="1.0" encoding="utf-8"?>
+<p:sld xmlns:a="http://schemas.openxmlformats.org/drawingml/2006/main" xmlns:r="http://schemas.openxmlformats.org/officeDocument/2006/relationships" xmlns:p="http://schemas.openxmlformats.org/presentationml/2006/main">
+  <p:cSld>
+    <p:spTree>
+      <p:nvGrpSpPr>
+        <p:cNvPr id="1" name=""/>
+        <p:cNvGrpSpPr/>
+        <p:nvPr/>
+      </p:nvGrpSpPr>
+      <p:grpSpPr>
+        <a:xfrm>
+          <a:off x="0" y="0"/>
+          <a:ext cx="0" cy="0"/>
+          <a:chOff x="0" y="0"/>
+          <a:chExt cx="0" cy="0"/>
+        </a:xfrm>
+      </p:grpSpPr>
+      <p:sp>
+        <p:nvSpPr>
+          <p:cNvPr id="20" name="Rectangle 19"/>
+          <p:cNvSpPr/>
+          <p:nvPr/>
+        </p:nvSpPr>
+        <p:spPr>
+          <a:xfrm>
+            <a:off x="926462" y="1270860"/>
+            <a:ext cx="760476" cy="3652094"/>
+          </a:xfrm>
+          <a:prstGeom prst="rect">
+            <a:avLst/>
+          </a:prstGeom>
+        </p:spPr>
+        <p:style>
+          <a:lnRef idx="0">
+            <a:schemeClr val="accent5"/>
+          </a:lnRef>
+          <a:fillRef idx="3">
+            <a:schemeClr val="accent5"/>
+          </a:fillRef>
+          <a:effectRef idx="3">
+            <a:schemeClr val="accent5"/>
+          </a:effectRef>
+          <a:fontRef idx="minor">
+            <a:schemeClr val="lt1"/>
+          </a:fontRef>
+        </p:style>
+        <p:txBody>
+          <a:bodyPr rtlCol="0" anchor="ctr"/>
+          <a:lstStyle/>
+          <a:p>
+            <a:pPr algn="ctr"/>
+            <a:endParaRPr lang="en-GB"/>
+          </a:p>
+        </p:txBody>
+      </p:sp>
+      <p:cxnSp>
+        <p:nvCxnSpPr>
+          <p:cNvPr id="4" name="Straight Arrow Connector 3"/>
+          <p:cNvCxnSpPr/>
+          <p:nvPr/>
+        </p:nvCxnSpPr>
+        <p:spPr>
+          <a:xfrm flipV="1">
+            <a:off x="905332" y="899595"/>
+            <a:ext cx="0" cy="4023360"/>
+          </a:xfrm>
+          <a:prstGeom prst="straightConnector1">
+            <a:avLst/>
+          </a:prstGeom>
+          <a:ln w="60325">
+            <a:tailEnd type="triangle"/>
+          </a:ln>
+        </p:spPr>
+        <p:style>
+          <a:lnRef idx="1">
+            <a:schemeClr val="accent1"/>
+          </a:lnRef>
+          <a:fillRef idx="0">
+            <a:schemeClr val="accent1"/>
+          </a:fillRef>
+          <a:effectRef idx="0">
+            <a:schemeClr val="accent1"/>
+          </a:effectRef>
+          <a:fontRef idx="minor">
+            <a:schemeClr val="tx1"/>
+          </a:fontRef>
+        </p:style>
+      </p:cxnSp>
+      <p:cxnSp>
+        <p:nvCxnSpPr>
+          <p:cNvPr id="5" name="Straight Arrow Connector 4"/>
+          <p:cNvCxnSpPr/>
+          <p:nvPr/>
+        </p:nvCxnSpPr>
+        <p:spPr>
+          <a:xfrm>
+            <a:off x="905332" y="4922955"/>
+            <a:ext cx="6303990" cy="0"/>
+          </a:xfrm>
+          <a:prstGeom prst="straightConnector1">
+            <a:avLst/>
+          </a:prstGeom>
+          <a:ln w="60325">
+            <a:tailEnd type="triangle"/>
+          </a:ln>
+        </p:spPr>
+        <p:style>
+          <a:lnRef idx="1">
+            <a:schemeClr val="accent1"/>
+          </a:lnRef>
+          <a:fillRef idx="0">
+            <a:schemeClr val="accent1"/>
+          </a:fillRef>
+          <a:effectRef idx="0">
+            <a:schemeClr val="accent1"/>
+          </a:effectRef>
+          <a:fontRef idx="minor">
+            <a:schemeClr val="tx1"/>
+          </a:fontRef>
+        </p:style>
+      </p:cxnSp>
+      <p:sp>
+        <p:nvSpPr>
+          <p:cNvPr id="6" name="Rectangle 5"/>
+          <p:cNvSpPr/>
+          <p:nvPr/>
+        </p:nvSpPr>
+        <p:spPr>
+          <a:xfrm>
+            <a:off x="1859797" y="1270861"/>
+            <a:ext cx="743918" cy="3652094"/>
+          </a:xfrm>
+          <a:prstGeom prst="rect">
+            <a:avLst/>
+          </a:prstGeom>
+        </p:spPr>
+        <p:style>
+          <a:lnRef idx="0">
+            <a:schemeClr val="accent6"/>
+          </a:lnRef>
+          <a:fillRef idx="3">
+            <a:schemeClr val="accent6"/>
+          </a:fillRef>
+          <a:effectRef idx="3">
+            <a:schemeClr val="accent6"/>
+          </a:effectRef>
+          <a:fontRef idx="minor">
+            <a:schemeClr val="lt1"/>
+          </a:fontRef>
+        </p:style>
+        <p:txBody>
+          <a:bodyPr rtlCol="0" anchor="ctr"/>
+          <a:lstStyle/>
+          <a:p>
+            <a:pPr algn="ctr"/>
+            <a:endParaRPr lang="en-GB"/>
+          </a:p>
+        </p:txBody>
+      </p:sp>
+      <p:sp>
+        <p:nvSpPr>
+          <p:cNvPr id="7" name="Rectangle 6"/>
+          <p:cNvSpPr/>
+          <p:nvPr/>
+        </p:nvSpPr>
+        <p:spPr>
+          <a:xfrm>
+            <a:off x="2943154" y="1270861"/>
+            <a:ext cx="421037" cy="3652094"/>
+          </a:xfrm>
+          <a:prstGeom prst="rect">
+            <a:avLst/>
+          </a:prstGeom>
+        </p:spPr>
+        <p:style>
+          <a:lnRef idx="0">
+            <a:schemeClr val="accent5"/>
+          </a:lnRef>
+          <a:fillRef idx="3">
+            <a:schemeClr val="accent5"/>
+          </a:fillRef>
+          <a:effectRef idx="3">
+            <a:schemeClr val="accent5"/>
+          </a:effectRef>
+          <a:fontRef idx="minor">
+            <a:schemeClr val="lt1"/>
+          </a:fontRef>
+        </p:style>
+        <p:txBody>
+          <a:bodyPr rtlCol="0" anchor="ctr"/>
+          <a:lstStyle/>
+          <a:p>
+            <a:pPr algn="ctr"/>
+            <a:endParaRPr lang="en-GB"/>
+          </a:p>
+        </p:txBody>
+      </p:sp>
+      <p:sp>
+        <p:nvSpPr>
+          <p:cNvPr id="8" name="Rectangle 7"/>
+          <p:cNvSpPr/>
+          <p:nvPr/>
+        </p:nvSpPr>
+        <p:spPr>
+          <a:xfrm>
+            <a:off x="3703630" y="1270861"/>
+            <a:ext cx="743918" cy="3652094"/>
+          </a:xfrm>
+          <a:prstGeom prst="rect">
+            <a:avLst/>
+          </a:prstGeom>
+        </p:spPr>
+        <p:style>
+          <a:lnRef idx="0">
+            <a:schemeClr val="accent6"/>
+          </a:lnRef>
+          <a:fillRef idx="3">
+            <a:schemeClr val="accent6"/>
+          </a:fillRef>
+          <a:effectRef idx="3">
+            <a:schemeClr val="accent6"/>
+          </a:effectRef>
+          <a:fontRef idx="minor">
+            <a:schemeClr val="lt1"/>
+          </a:fontRef>
+        </p:style>
+        <p:txBody>
+          <a:bodyPr rtlCol="0" anchor="ctr"/>
+          <a:lstStyle/>
+          <a:p>
+            <a:pPr algn="ctr"/>
+            <a:endParaRPr lang="en-GB"/>
+          </a:p>
+        </p:txBody>
+      </p:sp>
+      <p:sp>
+        <p:nvSpPr>
+          <p:cNvPr id="9" name="Rectangle 8"/>
+          <p:cNvSpPr/>
+          <p:nvPr/>
+        </p:nvSpPr>
+        <p:spPr>
+          <a:xfrm>
+            <a:off x="4786987" y="1270861"/>
+            <a:ext cx="421037" cy="3652094"/>
+          </a:xfrm>
+          <a:prstGeom prst="rect">
+            <a:avLst/>
+          </a:prstGeom>
+        </p:spPr>
+        <p:style>
+          <a:lnRef idx="0">
+            <a:schemeClr val="accent5"/>
+          </a:lnRef>
+          <a:fillRef idx="3">
+            <a:schemeClr val="accent5"/>
+          </a:fillRef>
+          <a:effectRef idx="3">
+            <a:schemeClr val="accent5"/>
+          </a:effectRef>
+          <a:fontRef idx="minor">
+            <a:schemeClr val="lt1"/>
+          </a:fontRef>
+        </p:style>
+        <p:txBody>
+          <a:bodyPr rtlCol="0" anchor="ctr"/>
+          <a:lstStyle/>
+          <a:p>
+            <a:pPr algn="ctr"/>
+            <a:endParaRPr lang="en-GB"/>
+          </a:p>
+        </p:txBody>
+      </p:sp>
+      <p:sp>
+        <p:nvSpPr>
+          <p:cNvPr id="10" name="Rectangle 9"/>
+          <p:cNvSpPr/>
+          <p:nvPr/>
+        </p:nvSpPr>
+        <p:spPr>
+          <a:xfrm>
+            <a:off x="5464755" y="1270861"/>
+            <a:ext cx="743918" cy="3652094"/>
+          </a:xfrm>
+          <a:prstGeom prst="rect">
+            <a:avLst/>
+          </a:prstGeom>
+        </p:spPr>
+        <p:style>
+          <a:lnRef idx="0">
+            <a:schemeClr val="accent6"/>
+          </a:lnRef>
+          <a:fillRef idx="3">
+            <a:schemeClr val="accent6"/>
+          </a:fillRef>
+          <a:effectRef idx="3">
+            <a:schemeClr val="accent6"/>
+          </a:effectRef>
+          <a:fontRef idx="minor">
+            <a:schemeClr val="lt1"/>
+          </a:fontRef>
+        </p:style>
+        <p:txBody>
+          <a:bodyPr rtlCol="0" anchor="ctr"/>
+          <a:lstStyle/>
+          <a:p>
+            <a:pPr algn="ctr"/>
+            <a:endParaRPr lang="en-GB"/>
+          </a:p>
+        </p:txBody>
+      </p:sp>
+      <p:sp>
+        <p:nvSpPr>
+          <p:cNvPr id="11" name="Rectangle 10"/>
+          <p:cNvSpPr/>
+          <p:nvPr/>
+        </p:nvSpPr>
+        <p:spPr>
+          <a:xfrm>
+            <a:off x="6465404" y="1270861"/>
+            <a:ext cx="421037" cy="3652094"/>
+          </a:xfrm>
+          <a:prstGeom prst="rect">
+            <a:avLst/>
+          </a:prstGeom>
+        </p:spPr>
+        <p:style>
+          <a:lnRef idx="0">
+            <a:schemeClr val="accent5"/>
+          </a:lnRef>
+          <a:fillRef idx="3">
+            <a:schemeClr val="accent5"/>
+          </a:fillRef>
+          <a:effectRef idx="3">
+            <a:schemeClr val="accent5"/>
+          </a:effectRef>
+          <a:fontRef idx="minor">
+            <a:schemeClr val="lt1"/>
+          </a:fontRef>
+        </p:style>
+        <p:txBody>
+          <a:bodyPr rtlCol="0" anchor="ctr"/>
+          <a:lstStyle/>
+          <a:p>
+            <a:pPr algn="ctr"/>
+            <a:endParaRPr lang="en-GB"/>
+          </a:p>
+        </p:txBody>
+      </p:sp>
+      <p:cxnSp>
+        <p:nvCxnSpPr>
+          <p:cNvPr id="13" name="Straight Connector 12"/>
+          <p:cNvCxnSpPr/>
+          <p:nvPr/>
+        </p:nvCxnSpPr>
+        <p:spPr>
+          <a:xfrm>
+            <a:off x="905332" y="1311437"/>
+            <a:ext cx="828000" cy="0"/>
+          </a:xfrm>
+          <a:prstGeom prst="line">
+            <a:avLst/>
+          </a:prstGeom>
+          <a:ln w="76200"/>
+        </p:spPr>
+        <p:style>
+          <a:lnRef idx="3">
+            <a:schemeClr val="dk1"/>
+          </a:lnRef>
+          <a:fillRef idx="0">
+            <a:schemeClr val="dk1"/>
+          </a:fillRef>
+          <a:effectRef idx="2">
+            <a:schemeClr val="dk1"/>
+          </a:effectRef>
+          <a:fontRef idx="minor">
+            <a:schemeClr val="tx1"/>
+          </a:fontRef>
+        </p:style>
+      </p:cxnSp>
+      <p:cxnSp>
+        <p:nvCxnSpPr>
+          <p:cNvPr id="17" name="Straight Connector 16"/>
+          <p:cNvCxnSpPr/>
+          <p:nvPr/>
+        </p:nvCxnSpPr>
+        <p:spPr>
+          <a:xfrm>
+            <a:off x="1708067" y="1270860"/>
+            <a:ext cx="151730" cy="2819002"/>
+          </a:xfrm>
+          <a:prstGeom prst="line">
+            <a:avLst/>
+          </a:prstGeom>
+          <a:ln w="76200"/>
+        </p:spPr>
+        <p:style>
+          <a:lnRef idx="3">
+            <a:schemeClr val="dk1"/>
+          </a:lnRef>
+          <a:fillRef idx="0">
+            <a:schemeClr val="dk1"/>
+          </a:fillRef>
+          <a:effectRef idx="2">
+            <a:schemeClr val="dk1"/>
+          </a:effectRef>
+          <a:fontRef idx="minor">
+            <a:schemeClr val="tx1"/>
+          </a:fontRef>
+        </p:style>
+      </p:cxnSp>
+      <p:cxnSp>
+        <p:nvCxnSpPr>
+          <p:cNvPr id="23" name="Straight Connector 22"/>
+          <p:cNvCxnSpPr/>
+          <p:nvPr/>
+        </p:nvCxnSpPr>
+        <p:spPr>
+          <a:xfrm>
+            <a:off x="1817756" y="4089862"/>
+            <a:ext cx="828000" cy="0"/>
+          </a:xfrm>
+          <a:prstGeom prst="line">
+            <a:avLst/>
+          </a:prstGeom>
+          <a:ln w="76200"/>
+        </p:spPr>
+        <p:style>
+          <a:lnRef idx="3">
+            <a:schemeClr val="dk1"/>
+          </a:lnRef>
+          <a:fillRef idx="0">
+            <a:schemeClr val="dk1"/>
+          </a:fillRef>
+          <a:effectRef idx="2">
+            <a:schemeClr val="dk1"/>
+          </a:effectRef>
+          <a:fontRef idx="minor">
+            <a:schemeClr val="tx1"/>
+          </a:fontRef>
+        </p:style>
+      </p:cxnSp>
+      <p:cxnSp>
+        <p:nvCxnSpPr>
+          <p:cNvPr id="24" name="Straight Connector 23"/>
+          <p:cNvCxnSpPr/>
+          <p:nvPr/>
+        </p:nvCxnSpPr>
+        <p:spPr>
+          <a:xfrm flipH="1">
+            <a:off x="2624737" y="1270860"/>
+            <a:ext cx="318417" cy="2859579"/>
+          </a:xfrm>
+          <a:prstGeom prst="line">
+            <a:avLst/>
+          </a:prstGeom>
+          <a:ln w="76200"/>
+        </p:spPr>
+        <p:style>
+          <a:lnRef idx="3">
+            <a:schemeClr val="dk1"/>
+          </a:lnRef>
+          <a:fillRef idx="0">
+            <a:schemeClr val="dk1"/>
+          </a:fillRef>
+          <a:effectRef idx="2">
+            <a:schemeClr val="dk1"/>
+          </a:effectRef>
+          <a:fontRef idx="minor">
+            <a:schemeClr val="tx1"/>
+          </a:fontRef>
+        </p:style>
+      </p:cxnSp>
+      <p:cxnSp>
+        <p:nvCxnSpPr>
+          <p:cNvPr id="26" name="Straight Connector 25"/>
+          <p:cNvCxnSpPr/>
+          <p:nvPr/>
+        </p:nvCxnSpPr>
+        <p:spPr>
+          <a:xfrm>
+            <a:off x="2943154" y="1311437"/>
+            <a:ext cx="421037" cy="0"/>
+          </a:xfrm>
+          <a:prstGeom prst="line">
+            <a:avLst/>
+          </a:prstGeom>
+          <a:ln w="76200"/>
+        </p:spPr>
+        <p:style>
+          <a:lnRef idx="3">
+            <a:schemeClr val="dk1"/>
+          </a:lnRef>
+          <a:fillRef idx="0">
+            <a:schemeClr val="dk1"/>
+          </a:fillRef>
+          <a:effectRef idx="2">
+            <a:schemeClr val="dk1"/>
+          </a:effectRef>
+          <a:fontRef idx="minor">
+            <a:schemeClr val="tx1"/>
+          </a:fontRef>
+        </p:style>
+      </p:cxnSp>
+      <p:cxnSp>
+        <p:nvCxnSpPr>
+          <p:cNvPr id="29" name="Straight Connector 28"/>
+          <p:cNvCxnSpPr/>
+          <p:nvPr/>
+        </p:nvCxnSpPr>
+        <p:spPr>
+          <a:xfrm>
+            <a:off x="3344702" y="1270859"/>
+            <a:ext cx="358928" cy="2819003"/>
+          </a:xfrm>
+          <a:prstGeom prst="line">
+            <a:avLst/>
+          </a:prstGeom>
+          <a:ln w="76200"/>
+        </p:spPr>
+        <p:style>
+          <a:lnRef idx="3">
+            <a:schemeClr val="dk1"/>
+          </a:lnRef>
+          <a:fillRef idx="0">
+            <a:schemeClr val="dk1"/>
+          </a:fillRef>
+          <a:effectRef idx="2">
+            <a:schemeClr val="dk1"/>
+          </a:effectRef>
+          <a:fontRef idx="minor">
+            <a:schemeClr val="tx1"/>
+          </a:fontRef>
+        </p:style>
+      </p:cxnSp>
+      <p:cxnSp>
+        <p:nvCxnSpPr>
+          <p:cNvPr id="31" name="Straight Connector 30"/>
+          <p:cNvCxnSpPr/>
+          <p:nvPr/>
+        </p:nvCxnSpPr>
+        <p:spPr>
+          <a:xfrm>
+            <a:off x="3661589" y="4089862"/>
+            <a:ext cx="828000" cy="0"/>
+          </a:xfrm>
+          <a:prstGeom prst="line">
+            <a:avLst/>
+          </a:prstGeom>
+          <a:ln w="76200"/>
+        </p:spPr>
+        <p:style>
+          <a:lnRef idx="3">
+            <a:schemeClr val="dk1"/>
+          </a:lnRef>
+          <a:fillRef idx="0">
+            <a:schemeClr val="dk1"/>
+          </a:fillRef>
+          <a:effectRef idx="2">
+            <a:schemeClr val="dk1"/>
+          </a:effectRef>
+          <a:fontRef idx="minor">
+            <a:schemeClr val="tx1"/>
+          </a:fontRef>
+        </p:style>
+      </p:cxnSp>
+      <p:cxnSp>
+        <p:nvCxnSpPr>
+          <p:cNvPr id="33" name="Straight Connector 32"/>
+          <p:cNvCxnSpPr/>
+          <p:nvPr/>
+        </p:nvCxnSpPr>
+        <p:spPr>
+          <a:xfrm flipH="1">
+            <a:off x="4461965" y="1270860"/>
+            <a:ext cx="318417" cy="2859579"/>
+          </a:xfrm>
+          <a:prstGeom prst="line">
+            <a:avLst/>
+          </a:prstGeom>
+          <a:ln w="76200"/>
+        </p:spPr>
+        <p:style>
+          <a:lnRef idx="3">
+            <a:schemeClr val="dk1"/>
+          </a:lnRef>
+          <a:fillRef idx="0">
+            <a:schemeClr val="dk1"/>
+          </a:fillRef>
+          <a:effectRef idx="2">
+            <a:schemeClr val="dk1"/>
+          </a:effectRef>
+          <a:fontRef idx="minor">
+            <a:schemeClr val="tx1"/>
+          </a:fontRef>
+        </p:style>
+      </p:cxnSp>
+      <p:cxnSp>
+        <p:nvCxnSpPr>
+          <p:cNvPr id="34" name="Straight Connector 33"/>
+          <p:cNvCxnSpPr/>
+          <p:nvPr/>
+        </p:nvCxnSpPr>
+        <p:spPr>
+          <a:xfrm>
+            <a:off x="4780382" y="1311437"/>
+            <a:ext cx="421037" cy="0"/>
+          </a:xfrm>
+          <a:prstGeom prst="line">
+            <a:avLst/>
+          </a:prstGeom>
+          <a:ln w="76200"/>
+        </p:spPr>
+        <p:style>
+          <a:lnRef idx="3">
+            <a:schemeClr val="dk1"/>
+          </a:lnRef>
+          <a:fillRef idx="0">
+            <a:schemeClr val="dk1"/>
+          </a:fillRef>
+          <a:effectRef idx="2">
+            <a:schemeClr val="dk1"/>
+          </a:effectRef>
+          <a:fontRef idx="minor">
+            <a:schemeClr val="tx1"/>
+          </a:fontRef>
+        </p:style>
+      </p:cxnSp>
+      <p:cxnSp>
+        <p:nvCxnSpPr>
+          <p:cNvPr id="35" name="Straight Connector 34"/>
+          <p:cNvCxnSpPr/>
+          <p:nvPr/>
+        </p:nvCxnSpPr>
+        <p:spPr>
+          <a:xfrm>
+            <a:off x="5181930" y="1270859"/>
+            <a:ext cx="291301" cy="2819003"/>
+          </a:xfrm>
+          <a:prstGeom prst="line">
+            <a:avLst/>
+          </a:prstGeom>
+          <a:ln w="76200"/>
+        </p:spPr>
+        <p:style>
+          <a:lnRef idx="3">
+            <a:schemeClr val="dk1"/>
+          </a:lnRef>
+          <a:fillRef idx="0">
+            <a:schemeClr val="dk1"/>
+          </a:fillRef>
+          <a:effectRef idx="2">
+            <a:schemeClr val="dk1"/>
+          </a:effectRef>
+          <a:fontRef idx="minor">
+            <a:schemeClr val="tx1"/>
+          </a:fontRef>
+        </p:style>
+      </p:cxnSp>
+      <p:cxnSp>
+        <p:nvCxnSpPr>
+          <p:cNvPr id="36" name="Straight Connector 35"/>
+          <p:cNvCxnSpPr/>
+          <p:nvPr/>
+        </p:nvCxnSpPr>
+        <p:spPr>
+          <a:xfrm>
+            <a:off x="5447855" y="4049285"/>
+            <a:ext cx="828000" cy="0"/>
+          </a:xfrm>
+          <a:prstGeom prst="line">
+            <a:avLst/>
+          </a:prstGeom>
+          <a:ln w="76200"/>
+        </p:spPr>
+        <p:style>
+          <a:lnRef idx="3">
+            <a:schemeClr val="dk1"/>
+          </a:lnRef>
+          <a:fillRef idx="0">
+            <a:schemeClr val="dk1"/>
+          </a:fillRef>
+          <a:effectRef idx="2">
+            <a:schemeClr val="dk1"/>
+          </a:effectRef>
+          <a:fontRef idx="minor">
+            <a:schemeClr val="tx1"/>
+          </a:fontRef>
+        </p:style>
+      </p:cxnSp>
+      <p:cxnSp>
+        <p:nvCxnSpPr>
+          <p:cNvPr id="37" name="Straight Connector 36"/>
+          <p:cNvCxnSpPr/>
+          <p:nvPr/>
+        </p:nvCxnSpPr>
+        <p:spPr>
+          <a:xfrm flipH="1">
+            <a:off x="6254837" y="1270859"/>
+            <a:ext cx="254789" cy="2819003"/>
+          </a:xfrm>
+          <a:prstGeom prst="line">
+            <a:avLst/>
+          </a:prstGeom>
+          <a:ln w="76200"/>
+        </p:spPr>
+        <p:style>
+          <a:lnRef idx="3">
+            <a:schemeClr val="dk1"/>
+          </a:lnRef>
+          <a:fillRef idx="0">
+            <a:schemeClr val="dk1"/>
+          </a:fillRef>
+          <a:effectRef idx="2">
+            <a:schemeClr val="dk1"/>
+          </a:effectRef>
+          <a:fontRef idx="minor">
+            <a:schemeClr val="tx1"/>
+          </a:fontRef>
+        </p:style>
+      </p:cxnSp>
+      <p:cxnSp>
+        <p:nvCxnSpPr>
+          <p:cNvPr id="38" name="Straight Connector 37"/>
+          <p:cNvCxnSpPr/>
+          <p:nvPr/>
+        </p:nvCxnSpPr>
+        <p:spPr>
+          <a:xfrm>
+            <a:off x="6465404" y="1237607"/>
+            <a:ext cx="421037" cy="0"/>
+          </a:xfrm>
+          <a:prstGeom prst="line">
+            <a:avLst/>
+          </a:prstGeom>
+          <a:ln w="76200"/>
+        </p:spPr>
+        <p:style>
+          <a:lnRef idx="3">
+            <a:schemeClr val="dk1"/>
+          </a:lnRef>
+          <a:fillRef idx="0">
+            <a:schemeClr val="dk1"/>
+          </a:fillRef>
+          <a:effectRef idx="2">
+            <a:schemeClr val="dk1"/>
+          </a:effectRef>
+          <a:fontRef idx="minor">
+            <a:schemeClr val="tx1"/>
+          </a:fontRef>
+        </p:style>
+      </p:cxnSp>
+      <p:cxnSp>
+        <p:nvCxnSpPr>
+          <p:cNvPr id="39" name="Straight Connector 38"/>
+          <p:cNvCxnSpPr/>
+          <p:nvPr/>
+        </p:nvCxnSpPr>
+        <p:spPr>
+          <a:xfrm>
+            <a:off x="6850394" y="1230282"/>
+            <a:ext cx="358928" cy="2819003"/>
+          </a:xfrm>
+          <a:prstGeom prst="line">
+            <a:avLst/>
+          </a:prstGeom>
+          <a:ln w="76200"/>
+        </p:spPr>
+        <p:style>
+          <a:lnRef idx="3">
+            <a:schemeClr val="dk1"/>
+          </a:lnRef>
+          <a:fillRef idx="0">
+            <a:schemeClr val="dk1"/>
+          </a:fillRef>
+          <a:effectRef idx="2">
+            <a:schemeClr val="dk1"/>
+          </a:effectRef>
+          <a:fontRef idx="minor">
+            <a:schemeClr val="tx1"/>
+          </a:fontRef>
+        </p:style>
+      </p:cxnSp>
+      <p:sp>
+        <p:nvSpPr>
+          <p:cNvPr id="43" name="TextBox 42"/>
+          <p:cNvSpPr txBox="1"/>
+          <p:nvPr/>
+        </p:nvSpPr>
+        <p:spPr>
+          <a:xfrm>
+            <a:off x="-860671" y="2327564"/>
+            <a:ext cx="2177935" cy="461665"/>
+          </a:xfrm>
+          <a:prstGeom prst="rect">
+            <a:avLst/>
+          </a:prstGeom>
+          <a:noFill/>
+        </p:spPr>
+        <p:txBody>
+          <a:bodyPr wrap="square" rtlCol="0">
+            <a:spAutoFit/>
+          </a:bodyPr>
+          <a:lstStyle/>
+          <a:p>
+            <a:r>
+              <a:rPr lang="en-GB" sz="2400" dirty="0" smtClean="0"/>
+              <a:t>Temperature</a:t>
+            </a:r>
+            <a:endParaRPr lang="en-GB" sz="2400" dirty="0"/>
+          </a:p>
+        </p:txBody>
+      </p:sp>
+      <p:sp>
+        <p:nvSpPr>
+          <p:cNvPr id="44" name="TextBox 43"/>
+          <p:cNvSpPr txBox="1"/>
+          <p:nvPr/>
+        </p:nvSpPr>
+        <p:spPr>
+          <a:xfrm>
+            <a:off x="3157578" y="5108668"/>
+            <a:ext cx="2177935" cy="461665"/>
+          </a:xfrm>
+          <a:prstGeom prst="rect">
+            <a:avLst/>
+          </a:prstGeom>
+          <a:noFill/>
+        </p:spPr>
+        <p:txBody>
+          <a:bodyPr wrap="square" rtlCol="0">
+            <a:spAutoFit/>
+          </a:bodyPr>
+          <a:lstStyle/>
+          <a:p>
+            <a:r>
+              <a:rPr lang="en-GB" sz="2400" dirty="0" smtClean="0"/>
+              <a:t>Time</a:t>
+            </a:r>
+            <a:endParaRPr lang="en-GB" sz="2400" dirty="0"/>
+          </a:p>
+        </p:txBody>
+      </p:sp>
+      <p:sp>
+        <p:nvSpPr>
+          <p:cNvPr id="45" name="Rectangle 44"/>
+          <p:cNvSpPr/>
+          <p:nvPr/>
+        </p:nvSpPr>
+        <p:spPr>
+          <a:xfrm>
+            <a:off x="7417446" y="1237607"/>
+            <a:ext cx="743918" cy="383375"/>
+          </a:xfrm>
+          <a:prstGeom prst="rect">
+            <a:avLst/>
+          </a:prstGeom>
+        </p:spPr>
+        <p:style>
+          <a:lnRef idx="0">
+            <a:schemeClr val="accent6"/>
+          </a:lnRef>
+          <a:fillRef idx="3">
+            <a:schemeClr val="accent6"/>
+          </a:fillRef>
+          <a:effectRef idx="3">
+            <a:schemeClr val="accent6"/>
+          </a:effectRef>
+          <a:fontRef idx="minor">
+            <a:schemeClr val="lt1"/>
+          </a:fontRef>
+        </p:style>
+        <p:txBody>
+          <a:bodyPr rtlCol="0" anchor="ctr"/>
+          <a:lstStyle/>
+          <a:p>
+            <a:pPr algn="ctr"/>
+            <a:endParaRPr lang="en-GB"/>
+          </a:p>
+        </p:txBody>
+      </p:sp>
+      <p:sp>
+        <p:nvSpPr>
+          <p:cNvPr id="46" name="Rectangle 45"/>
+          <p:cNvSpPr/>
+          <p:nvPr/>
+        </p:nvSpPr>
+        <p:spPr>
+          <a:xfrm>
+            <a:off x="7409167" y="1838897"/>
+            <a:ext cx="760476" cy="363976"/>
+          </a:xfrm>
+          <a:prstGeom prst="rect">
+            <a:avLst/>
+          </a:prstGeom>
+        </p:spPr>
+        <p:style>
+          <a:lnRef idx="0">
+            <a:schemeClr val="accent5"/>
+          </a:lnRef>
+          <a:fillRef idx="3">
+            <a:schemeClr val="accent5"/>
+          </a:fillRef>
+          <a:effectRef idx="3">
+            <a:schemeClr val="accent5"/>
+          </a:effectRef>
+          <a:fontRef idx="minor">
+            <a:schemeClr val="lt1"/>
+          </a:fontRef>
+        </p:style>
+        <p:txBody>
+          <a:bodyPr rtlCol="0" anchor="ctr"/>
+          <a:lstStyle/>
+          <a:p>
+            <a:pPr algn="ctr"/>
+            <a:endParaRPr lang="en-GB"/>
+          </a:p>
+        </p:txBody>
+      </p:sp>
+      <p:sp>
+        <p:nvSpPr>
+          <p:cNvPr id="47" name="TextBox 46"/>
+          <p:cNvSpPr txBox="1"/>
+          <p:nvPr/>
+        </p:nvSpPr>
+        <p:spPr>
+          <a:xfrm>
+            <a:off x="8220284" y="1159317"/>
+            <a:ext cx="2177935" cy="461665"/>
+          </a:xfrm>
+          <a:prstGeom prst="rect">
+            <a:avLst/>
+          </a:prstGeom>
+          <a:noFill/>
+        </p:spPr>
+        <p:txBody>
+          <a:bodyPr wrap="square" rtlCol="0">
+            <a:spAutoFit/>
+          </a:bodyPr>
+          <a:lstStyle/>
+          <a:p>
+            <a:pPr algn="ctr"/>
+            <a:r>
+              <a:rPr lang="en-GB" sz="2400" dirty="0" err="1" smtClean="0"/>
+              <a:t>InGaN</a:t>
+            </a:r>
+            <a:r>
+              <a:rPr lang="en-GB" sz="2400" dirty="0" smtClean="0"/>
+              <a:t> Growth</a:t>
+            </a:r>
+            <a:endParaRPr lang="en-GB" sz="2400" dirty="0"/>
+          </a:p>
+        </p:txBody>
+      </p:sp>
+      <p:sp>
+        <p:nvSpPr>
+          <p:cNvPr id="48" name="TextBox 47"/>
+          <p:cNvSpPr txBox="1"/>
+          <p:nvPr/>
+        </p:nvSpPr>
+        <p:spPr>
+          <a:xfrm>
+            <a:off x="8214674" y="1790052"/>
+            <a:ext cx="2177935" cy="461665"/>
+          </a:xfrm>
+          <a:prstGeom prst="rect">
+            <a:avLst/>
+          </a:prstGeom>
+          <a:noFill/>
+        </p:spPr>
+        <p:txBody>
+          <a:bodyPr wrap="square" rtlCol="0">
+            <a:spAutoFit/>
+          </a:bodyPr>
+          <a:lstStyle/>
+          <a:p>
+            <a:pPr algn="ctr"/>
+            <a:r>
+              <a:rPr lang="en-GB" sz="2400" dirty="0" err="1" smtClean="0"/>
+              <a:t>GaN</a:t>
+            </a:r>
+            <a:r>
+              <a:rPr lang="en-GB" sz="2400" dirty="0" smtClean="0"/>
+              <a:t> Growth</a:t>
+            </a:r>
+            <a:endParaRPr lang="en-GB" sz="2400" dirty="0"/>
+          </a:p>
+        </p:txBody>
+      </p:sp>
+    </p:spTree>
+    <p:extLst>
+      <p:ext uri="{BB962C8B-B14F-4D97-AF65-F5344CB8AC3E}">
+        <p14:creationId xmlns:p14="http://schemas.microsoft.com/office/powerpoint/2010/main" val="1043890489"/>
+      </p:ext>
+    </p:extLst>
+  </p:cSld>
+  <p:clrMapOvr>
+    <a:masterClrMapping/>
+  </p:clrMapOvr>
+  <p:timing>
+    <p:tnLst>
+      <p:par>
+        <p:cTn id="1" dur="indefinite" restart="never" nodeType="tmRoot"/>
+      </p:par>
+    </p:tnLst>
+  </p:timing>
+</p:sld>
+</file>
+
+<file path=ppt/slides/slide24.xml><?xml version="1.0" encoding="utf-8"?>
+<p:sld xmlns:a="http://schemas.openxmlformats.org/drawingml/2006/main" xmlns:r="http://schemas.openxmlformats.org/officeDocument/2006/relationships" xmlns:p="http://schemas.openxmlformats.org/presentationml/2006/main">
+  <p:cSld>
+    <p:spTree>
+      <p:nvGrpSpPr>
+        <p:cNvPr id="1" name=""/>
+        <p:cNvGrpSpPr/>
+        <p:nvPr/>
+      </p:nvGrpSpPr>
+      <p:grpSpPr>
+        <a:xfrm>
+          <a:off x="0" y="0"/>
+          <a:ext cx="0" cy="0"/>
+          <a:chOff x="0" y="0"/>
+          <a:chExt cx="0" cy="0"/>
+        </a:xfrm>
+      </p:grpSpPr>
+      <p:pic>
+        <p:nvPicPr>
+          <p:cNvPr id="4" name="Picture 3"/>
+          <p:cNvPicPr>
+            <a:picLocks noChangeAspect="1"/>
+          </p:cNvPicPr>
+          <p:nvPr/>
+        </p:nvPicPr>
+        <p:blipFill rotWithShape="1">
+          <a:blip r:embed="rId2">
+            <a:extLst>
+              <a:ext uri="{28A0092B-C50C-407E-A947-70E740481C1C}">
+                <a14:useLocalDpi xmlns:a14="http://schemas.microsoft.com/office/drawing/2010/main" val="0"/>
+              </a:ext>
+            </a:extLst>
+          </a:blip>
+          <a:srcRect l="18876" t="8900" r="19080" b="12592"/>
+          <a:stretch/>
+        </p:blipFill>
+        <p:spPr>
+          <a:xfrm>
+            <a:off x="3998421" y="2385753"/>
+            <a:ext cx="1679172" cy="1612669"/>
+          </a:xfrm>
+          <a:prstGeom prst="rect">
+            <a:avLst/>
+          </a:prstGeom>
+        </p:spPr>
+      </p:pic>
+      <p:pic>
+        <p:nvPicPr>
+          <p:cNvPr id="5" name="Picture 4"/>
+          <p:cNvPicPr>
+            <a:picLocks noChangeAspect="1"/>
+          </p:cNvPicPr>
+          <p:nvPr/>
+        </p:nvPicPr>
+        <p:blipFill rotWithShape="1">
+          <a:blip r:embed="rId3">
+            <a:extLst>
+              <a:ext uri="{28A0092B-C50C-407E-A947-70E740481C1C}">
+                <a14:useLocalDpi xmlns:a14="http://schemas.microsoft.com/office/drawing/2010/main" val="0"/>
+              </a:ext>
+            </a:extLst>
+          </a:blip>
+          <a:srcRect l="11861" t="3121" r="25982" b="18139"/>
+          <a:stretch/>
+        </p:blipFill>
+        <p:spPr>
+          <a:xfrm>
+            <a:off x="2136371" y="2385753"/>
+            <a:ext cx="1670858" cy="1612669"/>
+          </a:xfrm>
+          <a:prstGeom prst="rect">
+            <a:avLst/>
+          </a:prstGeom>
+        </p:spPr>
+      </p:pic>
+    </p:spTree>
+    <p:extLst>
+      <p:ext uri="{BB962C8B-B14F-4D97-AF65-F5344CB8AC3E}">
+        <p14:creationId xmlns:p14="http://schemas.microsoft.com/office/powerpoint/2010/main" val="1468305122"/>
+      </p:ext>
+    </p:extLst>
+  </p:cSld>
+  <p:clrMapOvr>
+    <a:masterClrMapping/>
+  </p:clrMapOvr>
+  <p:timing>
+    <p:tnLst>
+      <p:par>
+        <p:cTn id="1" dur="indefinite" restart="never" nodeType="tmRoot"/>
+      </p:par>
+    </p:tnLst>
+  </p:timing>
 </p:sld>
 </file>
 

--- a/Figures1.pptx
+++ b/Figures1.pptx
@@ -266,7 +266,7 @@
           <a:p>
             <a:fld id="{1F78AD8F-B685-49B2-BA03-F32BD517C0C3}" type="datetimeFigureOut">
               <a:rPr lang="en-GB" smtClean="0"/>
-              <a:t>11/07/2016</a:t>
+              <a:t>22/08/2016</a:t>
             </a:fld>
             <a:endParaRPr lang="en-GB"/>
           </a:p>
@@ -436,7 +436,7 @@
           <a:p>
             <a:fld id="{1F78AD8F-B685-49B2-BA03-F32BD517C0C3}" type="datetimeFigureOut">
               <a:rPr lang="en-GB" smtClean="0"/>
-              <a:t>11/07/2016</a:t>
+              <a:t>22/08/2016</a:t>
             </a:fld>
             <a:endParaRPr lang="en-GB"/>
           </a:p>
@@ -616,7 +616,7 @@
           <a:p>
             <a:fld id="{1F78AD8F-B685-49B2-BA03-F32BD517C0C3}" type="datetimeFigureOut">
               <a:rPr lang="en-GB" smtClean="0"/>
-              <a:t>11/07/2016</a:t>
+              <a:t>22/08/2016</a:t>
             </a:fld>
             <a:endParaRPr lang="en-GB"/>
           </a:p>
@@ -786,7 +786,7 @@
           <a:p>
             <a:fld id="{1F78AD8F-B685-49B2-BA03-F32BD517C0C3}" type="datetimeFigureOut">
               <a:rPr lang="en-GB" smtClean="0"/>
-              <a:t>11/07/2016</a:t>
+              <a:t>22/08/2016</a:t>
             </a:fld>
             <a:endParaRPr lang="en-GB"/>
           </a:p>
@@ -1032,7 +1032,7 @@
           <a:p>
             <a:fld id="{1F78AD8F-B685-49B2-BA03-F32BD517C0C3}" type="datetimeFigureOut">
               <a:rPr lang="en-GB" smtClean="0"/>
-              <a:t>11/07/2016</a:t>
+              <a:t>22/08/2016</a:t>
             </a:fld>
             <a:endParaRPr lang="en-GB"/>
           </a:p>
@@ -1264,7 +1264,7 @@
           <a:p>
             <a:fld id="{1F78AD8F-B685-49B2-BA03-F32BD517C0C3}" type="datetimeFigureOut">
               <a:rPr lang="en-GB" smtClean="0"/>
-              <a:t>11/07/2016</a:t>
+              <a:t>22/08/2016</a:t>
             </a:fld>
             <a:endParaRPr lang="en-GB"/>
           </a:p>
@@ -1631,7 +1631,7 @@
           <a:p>
             <a:fld id="{1F78AD8F-B685-49B2-BA03-F32BD517C0C3}" type="datetimeFigureOut">
               <a:rPr lang="en-GB" smtClean="0"/>
-              <a:t>11/07/2016</a:t>
+              <a:t>22/08/2016</a:t>
             </a:fld>
             <a:endParaRPr lang="en-GB"/>
           </a:p>
@@ -1749,7 +1749,7 @@
           <a:p>
             <a:fld id="{1F78AD8F-B685-49B2-BA03-F32BD517C0C3}" type="datetimeFigureOut">
               <a:rPr lang="en-GB" smtClean="0"/>
-              <a:t>11/07/2016</a:t>
+              <a:t>22/08/2016</a:t>
             </a:fld>
             <a:endParaRPr lang="en-GB"/>
           </a:p>
@@ -1844,7 +1844,7 @@
           <a:p>
             <a:fld id="{1F78AD8F-B685-49B2-BA03-F32BD517C0C3}" type="datetimeFigureOut">
               <a:rPr lang="en-GB" smtClean="0"/>
-              <a:t>11/07/2016</a:t>
+              <a:t>22/08/2016</a:t>
             </a:fld>
             <a:endParaRPr lang="en-GB"/>
           </a:p>
@@ -2121,7 +2121,7 @@
           <a:p>
             <a:fld id="{1F78AD8F-B685-49B2-BA03-F32BD517C0C3}" type="datetimeFigureOut">
               <a:rPr lang="en-GB" smtClean="0"/>
-              <a:t>11/07/2016</a:t>
+              <a:t>22/08/2016</a:t>
             </a:fld>
             <a:endParaRPr lang="en-GB"/>
           </a:p>
@@ -2374,7 +2374,7 @@
           <a:p>
             <a:fld id="{1F78AD8F-B685-49B2-BA03-F32BD517C0C3}" type="datetimeFigureOut">
               <a:rPr lang="en-GB" smtClean="0"/>
-              <a:t>11/07/2016</a:t>
+              <a:t>22/08/2016</a:t>
             </a:fld>
             <a:endParaRPr lang="en-GB"/>
           </a:p>
@@ -2587,7 +2587,7 @@
           <a:p>
             <a:fld id="{1F78AD8F-B685-49B2-BA03-F32BD517C0C3}" type="datetimeFigureOut">
               <a:rPr lang="en-GB" smtClean="0"/>
-              <a:t>11/07/2016</a:t>
+              <a:t>22/08/2016</a:t>
             </a:fld>
             <a:endParaRPr lang="en-GB"/>
           </a:p>
@@ -6336,45 +6336,32 @@
       </p:sp>
       <p:sp>
         <p:nvSpPr>
-          <p:cNvPr id="20" name="Down Arrow 19"/>
+          <p:cNvPr id="21" name="Down Arrow 20"/>
           <p:cNvSpPr/>
           <p:nvPr/>
         </p:nvSpPr>
         <p:spPr>
-          <a:xfrm>
-            <a:off x="3615266" y="3627966"/>
+          <a:xfrm rot="19521301">
+            <a:off x="4097177" y="3372153"/>
             <a:ext cx="423333" cy="1786466"/>
           </a:xfrm>
           <a:prstGeom prst="downArrow">
             <a:avLst/>
           </a:prstGeom>
-          <a:noFill/>
-          <a:ln>
-            <a:solidFill>
-              <a:schemeClr val="accent1">
-                <a:lumMod val="60000"/>
-                <a:lumOff val="40000"/>
-              </a:schemeClr>
-            </a:solidFill>
-          </a:ln>
-          <a:effectLst>
-            <a:softEdge rad="12700"/>
-          </a:effectLst>
-        </p:spPr>
-        <p:style>
-          <a:lnRef idx="2">
-            <a:schemeClr val="accent1">
-              <a:shade val="50000"/>
-            </a:schemeClr>
-          </a:lnRef>
-          <a:fillRef idx="1">
-            <a:schemeClr val="accent1"/>
-          </a:fillRef>
-          <a:effectRef idx="0">
-            <a:schemeClr val="accent1"/>
-          </a:effectRef>
-          <a:fontRef idx="minor">
-            <a:schemeClr val="lt1"/>
+          <a:ln/>
+        </p:spPr>
+        <p:style>
+          <a:lnRef idx="1">
+            <a:schemeClr val="accent1"/>
+          </a:lnRef>
+          <a:fillRef idx="2">
+            <a:schemeClr val="accent1"/>
+          </a:fillRef>
+          <a:effectRef idx="1">
+            <a:schemeClr val="accent1"/>
+          </a:effectRef>
+          <a:fontRef idx="minor">
+            <a:schemeClr val="dk1"/>
           </a:fontRef>
         </p:style>
         <p:txBody>
@@ -6383,6 +6370,36 @@
           <a:p>
             <a:pPr algn="ctr"/>
             <a:endParaRPr lang="en-GB"/>
+          </a:p>
+        </p:txBody>
+      </p:sp>
+      <p:sp>
+        <p:nvSpPr>
+          <p:cNvPr id="22" name="TextBox 21"/>
+          <p:cNvSpPr txBox="1"/>
+          <p:nvPr/>
+        </p:nvSpPr>
+        <p:spPr>
+          <a:xfrm>
+            <a:off x="4779432" y="4816491"/>
+            <a:ext cx="2497667" cy="369332"/>
+          </a:xfrm>
+          <a:prstGeom prst="rect">
+            <a:avLst/>
+          </a:prstGeom>
+          <a:noFill/>
+        </p:spPr>
+        <p:txBody>
+          <a:bodyPr wrap="square" rtlCol="0">
+            <a:spAutoFit/>
+          </a:bodyPr>
+          <a:lstStyle/>
+          <a:p>
+            <a:r>
+              <a:rPr lang="en-GB" dirty="0" smtClean="0"/>
+              <a:t>Inelastic scattering</a:t>
+            </a:r>
+            <a:endParaRPr lang="en-GB" dirty="0"/>
           </a:p>
         </p:txBody>
       </p:sp>

--- a/Figures1.pptx
+++ b/Figures1.pptx
@@ -29,6 +29,10 @@
     <p:sldId id="277" r:id="rId23"/>
     <p:sldId id="278" r:id="rId24"/>
     <p:sldId id="279" r:id="rId25"/>
+    <p:sldId id="280" r:id="rId26"/>
+    <p:sldId id="281" r:id="rId27"/>
+    <p:sldId id="282" r:id="rId28"/>
+    <p:sldId id="283" r:id="rId29"/>
   </p:sldIdLst>
   <p:sldSz cx="12192000" cy="6858000"/>
   <p:notesSz cx="6858000" cy="9144000"/>
@@ -266,7 +270,7 @@
           <a:p>
             <a:fld id="{1F78AD8F-B685-49B2-BA03-F32BD517C0C3}" type="datetimeFigureOut">
               <a:rPr lang="en-GB" smtClean="0"/>
-              <a:t>22/08/2016</a:t>
+              <a:t>05/09/2016</a:t>
             </a:fld>
             <a:endParaRPr lang="en-GB"/>
           </a:p>
@@ -436,7 +440,7 @@
           <a:p>
             <a:fld id="{1F78AD8F-B685-49B2-BA03-F32BD517C0C3}" type="datetimeFigureOut">
               <a:rPr lang="en-GB" smtClean="0"/>
-              <a:t>22/08/2016</a:t>
+              <a:t>05/09/2016</a:t>
             </a:fld>
             <a:endParaRPr lang="en-GB"/>
           </a:p>
@@ -616,7 +620,7 @@
           <a:p>
             <a:fld id="{1F78AD8F-B685-49B2-BA03-F32BD517C0C3}" type="datetimeFigureOut">
               <a:rPr lang="en-GB" smtClean="0"/>
-              <a:t>22/08/2016</a:t>
+              <a:t>05/09/2016</a:t>
             </a:fld>
             <a:endParaRPr lang="en-GB"/>
           </a:p>
@@ -786,7 +790,7 @@
           <a:p>
             <a:fld id="{1F78AD8F-B685-49B2-BA03-F32BD517C0C3}" type="datetimeFigureOut">
               <a:rPr lang="en-GB" smtClean="0"/>
-              <a:t>22/08/2016</a:t>
+              <a:t>05/09/2016</a:t>
             </a:fld>
             <a:endParaRPr lang="en-GB"/>
           </a:p>
@@ -1032,7 +1036,7 @@
           <a:p>
             <a:fld id="{1F78AD8F-B685-49B2-BA03-F32BD517C0C3}" type="datetimeFigureOut">
               <a:rPr lang="en-GB" smtClean="0"/>
-              <a:t>22/08/2016</a:t>
+              <a:t>05/09/2016</a:t>
             </a:fld>
             <a:endParaRPr lang="en-GB"/>
           </a:p>
@@ -1264,7 +1268,7 @@
           <a:p>
             <a:fld id="{1F78AD8F-B685-49B2-BA03-F32BD517C0C3}" type="datetimeFigureOut">
               <a:rPr lang="en-GB" smtClean="0"/>
-              <a:t>22/08/2016</a:t>
+              <a:t>05/09/2016</a:t>
             </a:fld>
             <a:endParaRPr lang="en-GB"/>
           </a:p>
@@ -1631,7 +1635,7 @@
           <a:p>
             <a:fld id="{1F78AD8F-B685-49B2-BA03-F32BD517C0C3}" type="datetimeFigureOut">
               <a:rPr lang="en-GB" smtClean="0"/>
-              <a:t>22/08/2016</a:t>
+              <a:t>05/09/2016</a:t>
             </a:fld>
             <a:endParaRPr lang="en-GB"/>
           </a:p>
@@ -1749,7 +1753,7 @@
           <a:p>
             <a:fld id="{1F78AD8F-B685-49B2-BA03-F32BD517C0C3}" type="datetimeFigureOut">
               <a:rPr lang="en-GB" smtClean="0"/>
-              <a:t>22/08/2016</a:t>
+              <a:t>05/09/2016</a:t>
             </a:fld>
             <a:endParaRPr lang="en-GB"/>
           </a:p>
@@ -1844,7 +1848,7 @@
           <a:p>
             <a:fld id="{1F78AD8F-B685-49B2-BA03-F32BD517C0C3}" type="datetimeFigureOut">
               <a:rPr lang="en-GB" smtClean="0"/>
-              <a:t>22/08/2016</a:t>
+              <a:t>05/09/2016</a:t>
             </a:fld>
             <a:endParaRPr lang="en-GB"/>
           </a:p>
@@ -2121,7 +2125,7 @@
           <a:p>
             <a:fld id="{1F78AD8F-B685-49B2-BA03-F32BD517C0C3}" type="datetimeFigureOut">
               <a:rPr lang="en-GB" smtClean="0"/>
-              <a:t>22/08/2016</a:t>
+              <a:t>05/09/2016</a:t>
             </a:fld>
             <a:endParaRPr lang="en-GB"/>
           </a:p>
@@ -2374,7 +2378,7 @@
           <a:p>
             <a:fld id="{1F78AD8F-B685-49B2-BA03-F32BD517C0C3}" type="datetimeFigureOut">
               <a:rPr lang="en-GB" smtClean="0"/>
-              <a:t>22/08/2016</a:t>
+              <a:t>05/09/2016</a:t>
             </a:fld>
             <a:endParaRPr lang="en-GB"/>
           </a:p>
@@ -2587,7 +2591,7 @@
           <a:p>
             <a:fld id="{1F78AD8F-B685-49B2-BA03-F32BD517C0C3}" type="datetimeFigureOut">
               <a:rPr lang="en-GB" smtClean="0"/>
-              <a:t>22/08/2016</a:t>
+              <a:t>05/09/2016</a:t>
             </a:fld>
             <a:endParaRPr lang="en-GB"/>
           </a:p>
@@ -8849,10 +8853,2764 @@
           </a:prstGeom>
         </p:spPr>
       </p:pic>
+      <p:pic>
+        <p:nvPicPr>
+          <p:cNvPr id="6" name="Picture 5"/>
+          <p:cNvPicPr>
+            <a:picLocks noChangeAspect="1"/>
+          </p:cNvPicPr>
+          <p:nvPr/>
+        </p:nvPicPr>
+        <p:blipFill rotWithShape="1">
+          <a:blip r:embed="rId4">
+            <a:extLst>
+              <a:ext uri="{28A0092B-C50C-407E-A947-70E740481C1C}">
+                <a14:useLocalDpi xmlns:a14="http://schemas.microsoft.com/office/drawing/2010/main" val="0"/>
+              </a:ext>
+            </a:extLst>
+          </a:blip>
+          <a:srcRect l="6515" r="6439"/>
+          <a:stretch/>
+        </p:blipFill>
+        <p:spPr>
+          <a:xfrm>
+            <a:off x="5009360" y="3744883"/>
+            <a:ext cx="3183775" cy="2743200"/>
+          </a:xfrm>
+          <a:prstGeom prst="rect">
+            <a:avLst/>
+          </a:prstGeom>
+        </p:spPr>
+      </p:pic>
+      <p:pic>
+        <p:nvPicPr>
+          <p:cNvPr id="7" name="Content Placeholder 3"/>
+          <p:cNvPicPr>
+            <a:picLocks noGrp="1" noChangeAspect="1"/>
+          </p:cNvPicPr>
+          <p:nvPr>
+            <p:ph idx="1"/>
+          </p:nvPr>
+        </p:nvPicPr>
+        <p:blipFill rotWithShape="1">
+          <a:blip r:embed="rId5" cstate="print">
+            <a:extLst>
+              <a:ext uri="{28A0092B-C50C-407E-A947-70E740481C1C}">
+                <a14:useLocalDpi xmlns:a14="http://schemas.microsoft.com/office/drawing/2010/main" val="0"/>
+              </a:ext>
+            </a:extLst>
+          </a:blip>
+          <a:srcRect l="21542" r="20464"/>
+          <a:stretch/>
+        </p:blipFill>
+        <p:spPr>
+          <a:xfrm>
+            <a:off x="1413604" y="3670069"/>
+            <a:ext cx="3196745" cy="2743200"/>
+          </a:xfrm>
+        </p:spPr>
+      </p:pic>
     </p:spTree>
     <p:extLst>
       <p:ext uri="{BB962C8B-B14F-4D97-AF65-F5344CB8AC3E}">
         <p14:creationId xmlns:p14="http://schemas.microsoft.com/office/powerpoint/2010/main" val="1468305122"/>
+      </p:ext>
+    </p:extLst>
+  </p:cSld>
+  <p:clrMapOvr>
+    <a:masterClrMapping/>
+  </p:clrMapOvr>
+  <p:timing>
+    <p:tnLst>
+      <p:par>
+        <p:cTn id="1" dur="indefinite" restart="never" nodeType="tmRoot"/>
+      </p:par>
+    </p:tnLst>
+  </p:timing>
+</p:sld>
+</file>
+
+<file path=ppt/slides/slide25.xml><?xml version="1.0" encoding="utf-8"?>
+<p:sld xmlns:a="http://schemas.openxmlformats.org/drawingml/2006/main" xmlns:r="http://schemas.openxmlformats.org/officeDocument/2006/relationships" xmlns:p="http://schemas.openxmlformats.org/presentationml/2006/main">
+  <p:cSld>
+    <p:spTree>
+      <p:nvGrpSpPr>
+        <p:cNvPr id="1" name=""/>
+        <p:cNvGrpSpPr/>
+        <p:nvPr/>
+      </p:nvGrpSpPr>
+      <p:grpSpPr>
+        <a:xfrm>
+          <a:off x="0" y="0"/>
+          <a:ext cx="0" cy="0"/>
+          <a:chOff x="0" y="0"/>
+          <a:chExt cx="0" cy="0"/>
+        </a:xfrm>
+      </p:grpSpPr>
+      <p:pic>
+        <p:nvPicPr>
+          <p:cNvPr id="4" name="Content Placeholder 3"/>
+          <p:cNvPicPr>
+            <a:picLocks noGrp="1" noChangeAspect="1"/>
+          </p:cNvPicPr>
+          <p:nvPr>
+            <p:ph idx="1"/>
+          </p:nvPr>
+        </p:nvPicPr>
+        <p:blipFill rotWithShape="1">
+          <a:blip r:embed="rId2" cstate="print">
+            <a:extLst>
+              <a:ext uri="{28A0092B-C50C-407E-A947-70E740481C1C}">
+                <a14:useLocalDpi xmlns:a14="http://schemas.microsoft.com/office/drawing/2010/main" val="0"/>
+              </a:ext>
+            </a:extLst>
+          </a:blip>
+          <a:srcRect l="21542" r="20464"/>
+          <a:stretch/>
+        </p:blipFill>
+        <p:spPr>
+          <a:xfrm>
+            <a:off x="3250277" y="2066694"/>
+            <a:ext cx="5070764" cy="4351338"/>
+          </a:xfrm>
+        </p:spPr>
+      </p:pic>
+      <p:sp>
+        <p:nvSpPr>
+          <p:cNvPr id="5" name="Right Arrow 4"/>
+          <p:cNvSpPr/>
+          <p:nvPr/>
+        </p:nvSpPr>
+        <p:spPr>
+          <a:xfrm rot="10800000">
+            <a:off x="7597833" y="3782290"/>
+            <a:ext cx="374072" cy="216131"/>
+          </a:xfrm>
+          <a:prstGeom prst="rightArrow">
+            <a:avLst/>
+          </a:prstGeom>
+        </p:spPr>
+        <p:style>
+          <a:lnRef idx="2">
+            <a:schemeClr val="accent1">
+              <a:shade val="50000"/>
+            </a:schemeClr>
+          </a:lnRef>
+          <a:fillRef idx="1">
+            <a:schemeClr val="accent1"/>
+          </a:fillRef>
+          <a:effectRef idx="0">
+            <a:schemeClr val="accent1"/>
+          </a:effectRef>
+          <a:fontRef idx="minor">
+            <a:schemeClr val="lt1"/>
+          </a:fontRef>
+        </p:style>
+        <p:txBody>
+          <a:bodyPr rtlCol="0" anchor="ctr"/>
+          <a:lstStyle/>
+          <a:p>
+            <a:pPr algn="ctr"/>
+            <a:endParaRPr lang="en-GB"/>
+          </a:p>
+        </p:txBody>
+      </p:sp>
+      <p:sp>
+        <p:nvSpPr>
+          <p:cNvPr id="6" name="Right Arrow 5"/>
+          <p:cNvSpPr/>
+          <p:nvPr/>
+        </p:nvSpPr>
+        <p:spPr>
+          <a:xfrm rot="10800000">
+            <a:off x="7597833" y="4884030"/>
+            <a:ext cx="374072" cy="216131"/>
+          </a:xfrm>
+          <a:prstGeom prst="rightArrow">
+            <a:avLst/>
+          </a:prstGeom>
+        </p:spPr>
+        <p:style>
+          <a:lnRef idx="2">
+            <a:schemeClr val="accent1">
+              <a:shade val="50000"/>
+            </a:schemeClr>
+          </a:lnRef>
+          <a:fillRef idx="1">
+            <a:schemeClr val="accent1"/>
+          </a:fillRef>
+          <a:effectRef idx="0">
+            <a:schemeClr val="accent1"/>
+          </a:effectRef>
+          <a:fontRef idx="minor">
+            <a:schemeClr val="lt1"/>
+          </a:fontRef>
+        </p:style>
+        <p:txBody>
+          <a:bodyPr rtlCol="0" anchor="ctr"/>
+          <a:lstStyle/>
+          <a:p>
+            <a:pPr algn="ctr"/>
+            <a:endParaRPr lang="en-GB"/>
+          </a:p>
+        </p:txBody>
+      </p:sp>
+      <p:sp>
+        <p:nvSpPr>
+          <p:cNvPr id="7" name="Right Arrow 6"/>
+          <p:cNvSpPr/>
+          <p:nvPr/>
+        </p:nvSpPr>
+        <p:spPr>
+          <a:xfrm rot="10800000">
+            <a:off x="7597833" y="5260037"/>
+            <a:ext cx="374072" cy="216131"/>
+          </a:xfrm>
+          <a:prstGeom prst="rightArrow">
+            <a:avLst/>
+          </a:prstGeom>
+        </p:spPr>
+        <p:style>
+          <a:lnRef idx="2">
+            <a:schemeClr val="accent1">
+              <a:shade val="50000"/>
+            </a:schemeClr>
+          </a:lnRef>
+          <a:fillRef idx="1">
+            <a:schemeClr val="accent1"/>
+          </a:fillRef>
+          <a:effectRef idx="0">
+            <a:schemeClr val="accent1"/>
+          </a:effectRef>
+          <a:fontRef idx="minor">
+            <a:schemeClr val="lt1"/>
+          </a:fontRef>
+        </p:style>
+        <p:txBody>
+          <a:bodyPr rtlCol="0" anchor="ctr"/>
+          <a:lstStyle/>
+          <a:p>
+            <a:pPr algn="ctr"/>
+            <a:endParaRPr lang="en-GB"/>
+          </a:p>
+        </p:txBody>
+      </p:sp>
+    </p:spTree>
+    <p:extLst>
+      <p:ext uri="{BB962C8B-B14F-4D97-AF65-F5344CB8AC3E}">
+        <p14:creationId xmlns:p14="http://schemas.microsoft.com/office/powerpoint/2010/main" val="1622417539"/>
+      </p:ext>
+    </p:extLst>
+  </p:cSld>
+  <p:clrMapOvr>
+    <a:masterClrMapping/>
+  </p:clrMapOvr>
+  <p:timing>
+    <p:tnLst>
+      <p:par>
+        <p:cTn id="1" dur="indefinite" restart="never" nodeType="tmRoot"/>
+      </p:par>
+    </p:tnLst>
+  </p:timing>
+</p:sld>
+</file>
+
+<file path=ppt/slides/slide26.xml><?xml version="1.0" encoding="utf-8"?>
+<p:sld xmlns:a="http://schemas.openxmlformats.org/drawingml/2006/main" xmlns:r="http://schemas.openxmlformats.org/officeDocument/2006/relationships" xmlns:p="http://schemas.openxmlformats.org/presentationml/2006/main">
+  <p:cSld>
+    <p:spTree>
+      <p:nvGrpSpPr>
+        <p:cNvPr id="1" name=""/>
+        <p:cNvGrpSpPr/>
+        <p:nvPr/>
+      </p:nvGrpSpPr>
+      <p:grpSpPr>
+        <a:xfrm>
+          <a:off x="0" y="0"/>
+          <a:ext cx="0" cy="0"/>
+          <a:chOff x="0" y="0"/>
+          <a:chExt cx="0" cy="0"/>
+        </a:xfrm>
+      </p:grpSpPr>
+      <p:sp>
+        <p:nvSpPr>
+          <p:cNvPr id="12" name="Down Arrow 11"/>
+          <p:cNvSpPr/>
+          <p:nvPr/>
+        </p:nvSpPr>
+        <p:spPr>
+          <a:xfrm flipV="1">
+            <a:off x="5835153" y="1435701"/>
+            <a:ext cx="254064" cy="2061032"/>
+          </a:xfrm>
+          <a:prstGeom prst="downArrow">
+            <a:avLst/>
+          </a:prstGeom>
+        </p:spPr>
+        <p:style>
+          <a:lnRef idx="2">
+            <a:schemeClr val="dk1">
+              <a:shade val="50000"/>
+            </a:schemeClr>
+          </a:lnRef>
+          <a:fillRef idx="1">
+            <a:schemeClr val="dk1"/>
+          </a:fillRef>
+          <a:effectRef idx="0">
+            <a:schemeClr val="dk1"/>
+          </a:effectRef>
+          <a:fontRef idx="minor">
+            <a:schemeClr val="lt1"/>
+          </a:fontRef>
+        </p:style>
+        <p:txBody>
+          <a:bodyPr rtlCol="0" anchor="ctr"/>
+          <a:lstStyle/>
+          <a:p>
+            <a:pPr algn="ctr"/>
+            <a:endParaRPr lang="en-GB"/>
+          </a:p>
+        </p:txBody>
+      </p:sp>
+      <p:sp>
+        <p:nvSpPr>
+          <p:cNvPr id="14" name="Isosceles Triangle 13"/>
+          <p:cNvSpPr/>
+          <p:nvPr/>
+        </p:nvSpPr>
+        <p:spPr>
+          <a:xfrm rot="7505615">
+            <a:off x="6853332" y="1610487"/>
+            <a:ext cx="491180" cy="2469684"/>
+          </a:xfrm>
+          <a:prstGeom prst="triangle">
+            <a:avLst/>
+          </a:prstGeom>
+        </p:spPr>
+        <p:style>
+          <a:lnRef idx="3">
+            <a:schemeClr val="lt1"/>
+          </a:lnRef>
+          <a:fillRef idx="1">
+            <a:schemeClr val="accent6"/>
+          </a:fillRef>
+          <a:effectRef idx="1">
+            <a:schemeClr val="accent6"/>
+          </a:effectRef>
+          <a:fontRef idx="minor">
+            <a:schemeClr val="lt1"/>
+          </a:fontRef>
+        </p:style>
+        <p:txBody>
+          <a:bodyPr rtlCol="0" anchor="ctr"/>
+          <a:lstStyle/>
+          <a:p>
+            <a:pPr algn="ctr"/>
+            <a:endParaRPr lang="en-GB"/>
+          </a:p>
+        </p:txBody>
+      </p:sp>
+      <p:sp>
+        <p:nvSpPr>
+          <p:cNvPr id="15" name="Down Arrow 14"/>
+          <p:cNvSpPr/>
+          <p:nvPr/>
+        </p:nvSpPr>
+        <p:spPr>
+          <a:xfrm rot="2382795" flipV="1">
+            <a:off x="7142605" y="1425577"/>
+            <a:ext cx="205491" cy="1372537"/>
+          </a:xfrm>
+          <a:prstGeom prst="downArrow">
+            <a:avLst/>
+          </a:prstGeom>
+        </p:spPr>
+        <p:style>
+          <a:lnRef idx="2">
+            <a:schemeClr val="dk1">
+              <a:shade val="50000"/>
+            </a:schemeClr>
+          </a:lnRef>
+          <a:fillRef idx="1">
+            <a:schemeClr val="dk1"/>
+          </a:fillRef>
+          <a:effectRef idx="0">
+            <a:schemeClr val="dk1"/>
+          </a:effectRef>
+          <a:fontRef idx="minor">
+            <a:schemeClr val="lt1"/>
+          </a:fontRef>
+        </p:style>
+        <p:txBody>
+          <a:bodyPr rtlCol="0" anchor="ctr"/>
+          <a:lstStyle/>
+          <a:p>
+            <a:pPr algn="ctr"/>
+            <a:endParaRPr lang="en-GB"/>
+          </a:p>
+        </p:txBody>
+      </p:sp>
+      <p:sp>
+        <p:nvSpPr>
+          <p:cNvPr id="19" name="Rectangle 18"/>
+          <p:cNvSpPr/>
+          <p:nvPr/>
+        </p:nvSpPr>
+        <p:spPr>
+          <a:xfrm>
+            <a:off x="4233333" y="3496733"/>
+            <a:ext cx="4419600" cy="186267"/>
+          </a:xfrm>
+          <a:prstGeom prst="rect">
+            <a:avLst/>
+          </a:prstGeom>
+        </p:spPr>
+        <p:style>
+          <a:lnRef idx="2">
+            <a:schemeClr val="accent1">
+              <a:shade val="50000"/>
+            </a:schemeClr>
+          </a:lnRef>
+          <a:fillRef idx="1">
+            <a:schemeClr val="accent1"/>
+          </a:fillRef>
+          <a:effectRef idx="0">
+            <a:schemeClr val="accent1"/>
+          </a:effectRef>
+          <a:fontRef idx="minor">
+            <a:schemeClr val="lt1"/>
+          </a:fontRef>
+        </p:style>
+        <p:txBody>
+          <a:bodyPr rtlCol="0" anchor="ctr"/>
+          <a:lstStyle/>
+          <a:p>
+            <a:pPr algn="ctr"/>
+            <a:r>
+              <a:rPr lang="en-GB" dirty="0" smtClean="0"/>
+              <a:t>Flat Surface</a:t>
+            </a:r>
+            <a:endParaRPr lang="en-GB" dirty="0"/>
+          </a:p>
+        </p:txBody>
+      </p:sp>
+      <p:sp>
+        <p:nvSpPr>
+          <p:cNvPr id="20" name="TextBox 19"/>
+          <p:cNvSpPr txBox="1"/>
+          <p:nvPr/>
+        </p:nvSpPr>
+        <p:spPr>
+          <a:xfrm>
+            <a:off x="5007655" y="1084240"/>
+            <a:ext cx="2091267" cy="369332"/>
+          </a:xfrm>
+          <a:prstGeom prst="rect">
+            <a:avLst/>
+          </a:prstGeom>
+          <a:noFill/>
+        </p:spPr>
+        <p:txBody>
+          <a:bodyPr wrap="square" rtlCol="0">
+            <a:spAutoFit/>
+          </a:bodyPr>
+          <a:lstStyle/>
+          <a:p>
+            <a:r>
+              <a:rPr lang="en-GB" dirty="0" smtClean="0"/>
+              <a:t>‘Flat’ area vector (</a:t>
+            </a:r>
+            <a:r>
+              <a:rPr lang="en-GB" b="1" dirty="0" smtClean="0"/>
+              <a:t>F</a:t>
+            </a:r>
+            <a:r>
+              <a:rPr lang="en-GB" dirty="0" smtClean="0"/>
+              <a:t>)</a:t>
+            </a:r>
+            <a:endParaRPr lang="en-GB" dirty="0"/>
+          </a:p>
+        </p:txBody>
+      </p:sp>
+      <p:sp>
+        <p:nvSpPr>
+          <p:cNvPr id="21" name="TextBox 20"/>
+          <p:cNvSpPr txBox="1"/>
+          <p:nvPr/>
+        </p:nvSpPr>
+        <p:spPr>
+          <a:xfrm>
+            <a:off x="6909188" y="1251035"/>
+            <a:ext cx="3081479" cy="369332"/>
+          </a:xfrm>
+          <a:prstGeom prst="rect">
+            <a:avLst/>
+          </a:prstGeom>
+          <a:noFill/>
+        </p:spPr>
+        <p:txBody>
+          <a:bodyPr wrap="square" rtlCol="0">
+            <a:spAutoFit/>
+          </a:bodyPr>
+          <a:lstStyle/>
+          <a:p>
+            <a:r>
+              <a:rPr lang="en-GB" dirty="0" smtClean="0"/>
+              <a:t>Mesh triangle area vector (</a:t>
+            </a:r>
+            <a:r>
+              <a:rPr lang="en-GB" b="1" dirty="0"/>
+              <a:t>N</a:t>
+            </a:r>
+            <a:r>
+              <a:rPr lang="en-GB" dirty="0" smtClean="0"/>
+              <a:t>)</a:t>
+            </a:r>
+            <a:endParaRPr lang="en-GB" dirty="0"/>
+          </a:p>
+        </p:txBody>
+      </p:sp>
+      <p:cxnSp>
+        <p:nvCxnSpPr>
+          <p:cNvPr id="23" name="Straight Connector 22"/>
+          <p:cNvCxnSpPr/>
+          <p:nvPr/>
+        </p:nvCxnSpPr>
+        <p:spPr>
+          <a:xfrm flipH="1">
+            <a:off x="6053289" y="2641600"/>
+            <a:ext cx="743838" cy="855133"/>
+          </a:xfrm>
+          <a:prstGeom prst="line">
+            <a:avLst/>
+          </a:prstGeom>
+          <a:ln w="57150">
+            <a:prstDash val="sysDash"/>
+          </a:ln>
+        </p:spPr>
+        <p:style>
+          <a:lnRef idx="1">
+            <a:schemeClr val="accent1"/>
+          </a:lnRef>
+          <a:fillRef idx="0">
+            <a:schemeClr val="accent1"/>
+          </a:fillRef>
+          <a:effectRef idx="0">
+            <a:schemeClr val="accent1"/>
+          </a:effectRef>
+          <a:fontRef idx="minor">
+            <a:schemeClr val="tx1"/>
+          </a:fontRef>
+        </p:style>
+      </p:cxnSp>
+      <p:sp>
+        <p:nvSpPr>
+          <p:cNvPr id="26" name="TextBox 25"/>
+          <p:cNvSpPr txBox="1"/>
+          <p:nvPr/>
+        </p:nvSpPr>
+        <p:spPr>
+          <a:xfrm>
+            <a:off x="5964982" y="2703871"/>
+            <a:ext cx="382353" cy="584775"/>
+          </a:xfrm>
+          <a:prstGeom prst="rect">
+            <a:avLst/>
+          </a:prstGeom>
+          <a:noFill/>
+        </p:spPr>
+        <p:txBody>
+          <a:bodyPr wrap="square" rtlCol="0">
+            <a:spAutoFit/>
+          </a:bodyPr>
+          <a:lstStyle/>
+          <a:p>
+            <a:r>
+              <a:rPr lang="el-GR" sz="3200" dirty="0" smtClean="0"/>
+              <a:t>φ</a:t>
+            </a:r>
+            <a:endParaRPr lang="en-GB" sz="3200" dirty="0"/>
+          </a:p>
+        </p:txBody>
+      </p:sp>
+    </p:spTree>
+    <p:extLst>
+      <p:ext uri="{BB962C8B-B14F-4D97-AF65-F5344CB8AC3E}">
+        <p14:creationId xmlns:p14="http://schemas.microsoft.com/office/powerpoint/2010/main" val="1315581373"/>
+      </p:ext>
+    </p:extLst>
+  </p:cSld>
+  <p:clrMapOvr>
+    <a:masterClrMapping/>
+  </p:clrMapOvr>
+  <p:timing>
+    <p:tnLst>
+      <p:par>
+        <p:cTn id="1" dur="indefinite" restart="never" nodeType="tmRoot"/>
+      </p:par>
+    </p:tnLst>
+  </p:timing>
+</p:sld>
+</file>
+
+<file path=ppt/slides/slide27.xml><?xml version="1.0" encoding="utf-8"?>
+<p:sld xmlns:a="http://schemas.openxmlformats.org/drawingml/2006/main" xmlns:r="http://schemas.openxmlformats.org/officeDocument/2006/relationships" xmlns:p="http://schemas.openxmlformats.org/presentationml/2006/main">
+  <p:cSld>
+    <p:spTree>
+      <p:nvGrpSpPr>
+        <p:cNvPr id="1" name=""/>
+        <p:cNvGrpSpPr/>
+        <p:nvPr/>
+      </p:nvGrpSpPr>
+      <p:grpSpPr>
+        <a:xfrm>
+          <a:off x="0" y="0"/>
+          <a:ext cx="0" cy="0"/>
+          <a:chOff x="0" y="0"/>
+          <a:chExt cx="0" cy="0"/>
+        </a:xfrm>
+      </p:grpSpPr>
+      <p:sp>
+        <p:nvSpPr>
+          <p:cNvPr id="4" name="Isosceles Triangle 3"/>
+          <p:cNvSpPr/>
+          <p:nvPr/>
+        </p:nvSpPr>
+        <p:spPr>
+          <a:xfrm rot="7505615">
+            <a:off x="5396868" y="2367163"/>
+            <a:ext cx="2340760" cy="2469684"/>
+          </a:xfrm>
+          <a:prstGeom prst="triangle">
+            <a:avLst/>
+          </a:prstGeom>
+        </p:spPr>
+        <p:style>
+          <a:lnRef idx="3">
+            <a:schemeClr val="lt1"/>
+          </a:lnRef>
+          <a:fillRef idx="1">
+            <a:schemeClr val="accent6"/>
+          </a:fillRef>
+          <a:effectRef idx="1">
+            <a:schemeClr val="accent6"/>
+          </a:effectRef>
+          <a:fontRef idx="minor">
+            <a:schemeClr val="lt1"/>
+          </a:fontRef>
+        </p:style>
+        <p:txBody>
+          <a:bodyPr rtlCol="0" anchor="ctr"/>
+          <a:lstStyle/>
+          <a:p>
+            <a:pPr algn="ctr"/>
+            <a:endParaRPr lang="en-GB"/>
+          </a:p>
+        </p:txBody>
+      </p:sp>
+      <p:sp>
+        <p:nvSpPr>
+          <p:cNvPr id="5" name="Flowchart: Summing Junction 4"/>
+          <p:cNvSpPr/>
+          <p:nvPr/>
+        </p:nvSpPr>
+        <p:spPr>
+          <a:xfrm>
+            <a:off x="6084917" y="1759889"/>
+            <a:ext cx="324196" cy="349134"/>
+          </a:xfrm>
+          <a:prstGeom prst="flowChartSummingJunction">
+            <a:avLst/>
+          </a:prstGeom>
+        </p:spPr>
+        <p:style>
+          <a:lnRef idx="2">
+            <a:schemeClr val="accent1">
+              <a:shade val="50000"/>
+            </a:schemeClr>
+          </a:lnRef>
+          <a:fillRef idx="1">
+            <a:schemeClr val="accent1"/>
+          </a:fillRef>
+          <a:effectRef idx="0">
+            <a:schemeClr val="accent1"/>
+          </a:effectRef>
+          <a:fontRef idx="minor">
+            <a:schemeClr val="lt1"/>
+          </a:fontRef>
+        </p:style>
+        <p:txBody>
+          <a:bodyPr rtlCol="0" anchor="ctr"/>
+          <a:lstStyle/>
+          <a:p>
+            <a:pPr algn="ctr"/>
+            <a:endParaRPr lang="en-GB"/>
+          </a:p>
+        </p:txBody>
+      </p:sp>
+      <p:sp>
+        <p:nvSpPr>
+          <p:cNvPr id="6" name="Flowchart: Summing Junction 5"/>
+          <p:cNvSpPr/>
+          <p:nvPr/>
+        </p:nvSpPr>
+        <p:spPr>
+          <a:xfrm>
+            <a:off x="7392786" y="4115162"/>
+            <a:ext cx="324196" cy="349134"/>
+          </a:xfrm>
+          <a:prstGeom prst="flowChartSummingJunction">
+            <a:avLst/>
+          </a:prstGeom>
+        </p:spPr>
+        <p:style>
+          <a:lnRef idx="2">
+            <a:schemeClr val="accent1">
+              <a:shade val="50000"/>
+            </a:schemeClr>
+          </a:lnRef>
+          <a:fillRef idx="1">
+            <a:schemeClr val="accent1"/>
+          </a:fillRef>
+          <a:effectRef idx="0">
+            <a:schemeClr val="accent1"/>
+          </a:effectRef>
+          <a:fontRef idx="minor">
+            <a:schemeClr val="lt1"/>
+          </a:fontRef>
+        </p:style>
+        <p:txBody>
+          <a:bodyPr rtlCol="0" anchor="ctr"/>
+          <a:lstStyle/>
+          <a:p>
+            <a:pPr algn="ctr"/>
+            <a:endParaRPr lang="en-GB"/>
+          </a:p>
+        </p:txBody>
+      </p:sp>
+      <p:sp>
+        <p:nvSpPr>
+          <p:cNvPr id="7" name="Flowchart: Summing Junction 6"/>
+          <p:cNvSpPr/>
+          <p:nvPr/>
+        </p:nvSpPr>
+        <p:spPr>
+          <a:xfrm>
+            <a:off x="4793673" y="3643930"/>
+            <a:ext cx="324196" cy="349134"/>
+          </a:xfrm>
+          <a:prstGeom prst="flowChartSummingJunction">
+            <a:avLst/>
+          </a:prstGeom>
+        </p:spPr>
+        <p:style>
+          <a:lnRef idx="2">
+            <a:schemeClr val="accent1">
+              <a:shade val="50000"/>
+            </a:schemeClr>
+          </a:lnRef>
+          <a:fillRef idx="1">
+            <a:schemeClr val="accent1"/>
+          </a:fillRef>
+          <a:effectRef idx="0">
+            <a:schemeClr val="accent1"/>
+          </a:effectRef>
+          <a:fontRef idx="minor">
+            <a:schemeClr val="lt1"/>
+          </a:fontRef>
+        </p:style>
+        <p:txBody>
+          <a:bodyPr rtlCol="0" anchor="ctr"/>
+          <a:lstStyle/>
+          <a:p>
+            <a:pPr algn="ctr"/>
+            <a:endParaRPr lang="en-GB"/>
+          </a:p>
+        </p:txBody>
+      </p:sp>
+      <p:sp>
+        <p:nvSpPr>
+          <p:cNvPr id="8" name="TextBox 7"/>
+          <p:cNvSpPr txBox="1"/>
+          <p:nvPr/>
+        </p:nvSpPr>
+        <p:spPr>
+          <a:xfrm>
+            <a:off x="6372335" y="1585957"/>
+            <a:ext cx="967048" cy="369332"/>
+          </a:xfrm>
+          <a:prstGeom prst="rect">
+            <a:avLst/>
+          </a:prstGeom>
+          <a:noFill/>
+        </p:spPr>
+        <p:txBody>
+          <a:bodyPr wrap="square" rtlCol="0">
+            <a:spAutoFit/>
+          </a:bodyPr>
+          <a:lstStyle/>
+          <a:p>
+            <a:r>
+              <a:rPr lang="en-GB" dirty="0" smtClean="0"/>
+              <a:t>(x</a:t>
+            </a:r>
+            <a:r>
+              <a:rPr lang="en-GB" baseline="-25000" dirty="0" smtClean="0"/>
+              <a:t>1</a:t>
+            </a:r>
+            <a:r>
+              <a:rPr lang="en-GB" dirty="0" smtClean="0"/>
+              <a:t>,y</a:t>
+            </a:r>
+            <a:r>
+              <a:rPr lang="en-GB" baseline="-25000" dirty="0" smtClean="0"/>
+              <a:t>1</a:t>
+            </a:r>
+            <a:r>
+              <a:rPr lang="en-GB" dirty="0" smtClean="0"/>
+              <a:t>,z</a:t>
+            </a:r>
+            <a:r>
+              <a:rPr lang="en-GB" baseline="-25000" dirty="0" smtClean="0"/>
+              <a:t>1</a:t>
+            </a:r>
+            <a:r>
+              <a:rPr lang="en-GB" dirty="0" smtClean="0"/>
+              <a:t>)</a:t>
+            </a:r>
+            <a:endParaRPr lang="en-GB" dirty="0"/>
+          </a:p>
+        </p:txBody>
+      </p:sp>
+      <p:sp>
+        <p:nvSpPr>
+          <p:cNvPr id="9" name="TextBox 8"/>
+          <p:cNvSpPr txBox="1"/>
+          <p:nvPr/>
+        </p:nvSpPr>
+        <p:spPr>
+          <a:xfrm>
+            <a:off x="7392786" y="4497593"/>
+            <a:ext cx="967048" cy="369332"/>
+          </a:xfrm>
+          <a:prstGeom prst="rect">
+            <a:avLst/>
+          </a:prstGeom>
+          <a:noFill/>
+        </p:spPr>
+        <p:txBody>
+          <a:bodyPr wrap="square" rtlCol="0">
+            <a:spAutoFit/>
+          </a:bodyPr>
+          <a:lstStyle/>
+          <a:p>
+            <a:r>
+              <a:rPr lang="en-GB" dirty="0" smtClean="0"/>
+              <a:t>(x</a:t>
+            </a:r>
+            <a:r>
+              <a:rPr lang="en-GB" baseline="-25000" dirty="0" smtClean="0"/>
+              <a:t>2</a:t>
+            </a:r>
+            <a:r>
+              <a:rPr lang="en-GB" dirty="0" smtClean="0"/>
+              <a:t>,y</a:t>
+            </a:r>
+            <a:r>
+              <a:rPr lang="en-GB" baseline="-25000" dirty="0" smtClean="0"/>
+              <a:t>2</a:t>
+            </a:r>
+            <a:r>
+              <a:rPr lang="en-GB" dirty="0" smtClean="0"/>
+              <a:t>,z</a:t>
+            </a:r>
+            <a:r>
+              <a:rPr lang="en-GB" baseline="-25000" dirty="0" smtClean="0"/>
+              <a:t>2</a:t>
+            </a:r>
+            <a:r>
+              <a:rPr lang="en-GB" dirty="0" smtClean="0"/>
+              <a:t>)</a:t>
+            </a:r>
+            <a:endParaRPr lang="en-GB" dirty="0"/>
+          </a:p>
+        </p:txBody>
+      </p:sp>
+      <p:sp>
+        <p:nvSpPr>
+          <p:cNvPr id="10" name="TextBox 9"/>
+          <p:cNvSpPr txBox="1"/>
+          <p:nvPr/>
+        </p:nvSpPr>
+        <p:spPr>
+          <a:xfrm>
+            <a:off x="4355320" y="3997043"/>
+            <a:ext cx="967048" cy="369332"/>
+          </a:xfrm>
+          <a:prstGeom prst="rect">
+            <a:avLst/>
+          </a:prstGeom>
+          <a:noFill/>
+        </p:spPr>
+        <p:txBody>
+          <a:bodyPr wrap="square" rtlCol="0">
+            <a:spAutoFit/>
+          </a:bodyPr>
+          <a:lstStyle/>
+          <a:p>
+            <a:r>
+              <a:rPr lang="en-GB" dirty="0" smtClean="0"/>
+              <a:t>(x</a:t>
+            </a:r>
+            <a:r>
+              <a:rPr lang="en-GB" baseline="-25000" dirty="0" smtClean="0"/>
+              <a:t>3</a:t>
+            </a:r>
+            <a:r>
+              <a:rPr lang="en-GB" dirty="0" smtClean="0"/>
+              <a:t>,y</a:t>
+            </a:r>
+            <a:r>
+              <a:rPr lang="en-GB" baseline="-25000" dirty="0" smtClean="0"/>
+              <a:t>3</a:t>
+            </a:r>
+            <a:r>
+              <a:rPr lang="en-GB" dirty="0" smtClean="0"/>
+              <a:t>,z</a:t>
+            </a:r>
+            <a:r>
+              <a:rPr lang="en-GB" baseline="-25000" dirty="0" smtClean="0"/>
+              <a:t>3</a:t>
+            </a:r>
+            <a:r>
+              <a:rPr lang="en-GB" dirty="0" smtClean="0"/>
+              <a:t>)</a:t>
+            </a:r>
+            <a:endParaRPr lang="en-GB" dirty="0"/>
+          </a:p>
+        </p:txBody>
+      </p:sp>
+      <p:sp>
+        <p:nvSpPr>
+          <p:cNvPr id="11" name="Down Arrow 10"/>
+          <p:cNvSpPr/>
+          <p:nvPr/>
+        </p:nvSpPr>
+        <p:spPr>
+          <a:xfrm rot="9035543" flipV="1">
+            <a:off x="6809454" y="1951652"/>
+            <a:ext cx="176062" cy="2337107"/>
+          </a:xfrm>
+          <a:prstGeom prst="downArrow">
+            <a:avLst/>
+          </a:prstGeom>
+        </p:spPr>
+        <p:style>
+          <a:lnRef idx="2">
+            <a:schemeClr val="dk1">
+              <a:shade val="50000"/>
+            </a:schemeClr>
+          </a:lnRef>
+          <a:fillRef idx="1">
+            <a:schemeClr val="dk1"/>
+          </a:fillRef>
+          <a:effectRef idx="0">
+            <a:schemeClr val="dk1"/>
+          </a:effectRef>
+          <a:fontRef idx="minor">
+            <a:schemeClr val="lt1"/>
+          </a:fontRef>
+        </p:style>
+        <p:txBody>
+          <a:bodyPr rtlCol="0" anchor="ctr"/>
+          <a:lstStyle/>
+          <a:p>
+            <a:pPr algn="ctr"/>
+            <a:endParaRPr lang="en-GB"/>
+          </a:p>
+        </p:txBody>
+      </p:sp>
+      <p:sp>
+        <p:nvSpPr>
+          <p:cNvPr id="12" name="Down Arrow 11"/>
+          <p:cNvSpPr/>
+          <p:nvPr/>
+        </p:nvSpPr>
+        <p:spPr>
+          <a:xfrm rot="12962737" flipV="1">
+            <a:off x="5511222" y="1889360"/>
+            <a:ext cx="184969" cy="1981051"/>
+          </a:xfrm>
+          <a:prstGeom prst="downArrow">
+            <a:avLst/>
+          </a:prstGeom>
+        </p:spPr>
+        <p:style>
+          <a:lnRef idx="2">
+            <a:schemeClr val="dk1">
+              <a:shade val="50000"/>
+            </a:schemeClr>
+          </a:lnRef>
+          <a:fillRef idx="1">
+            <a:schemeClr val="dk1"/>
+          </a:fillRef>
+          <a:effectRef idx="0">
+            <a:schemeClr val="dk1"/>
+          </a:effectRef>
+          <a:fontRef idx="minor">
+            <a:schemeClr val="lt1"/>
+          </a:fontRef>
+        </p:style>
+        <p:txBody>
+          <a:bodyPr rtlCol="0" anchor="ctr"/>
+          <a:lstStyle/>
+          <a:p>
+            <a:pPr algn="ctr"/>
+            <a:endParaRPr lang="en-GB"/>
+          </a:p>
+        </p:txBody>
+      </p:sp>
+      <p:sp>
+        <p:nvSpPr>
+          <p:cNvPr id="13" name="TextBox 12"/>
+          <p:cNvSpPr txBox="1"/>
+          <p:nvPr/>
+        </p:nvSpPr>
+        <p:spPr>
+          <a:xfrm>
+            <a:off x="6790034" y="2642256"/>
+            <a:ext cx="967048" cy="369332"/>
+          </a:xfrm>
+          <a:prstGeom prst="rect">
+            <a:avLst/>
+          </a:prstGeom>
+          <a:noFill/>
+        </p:spPr>
+        <p:txBody>
+          <a:bodyPr wrap="square" rtlCol="0">
+            <a:spAutoFit/>
+          </a:bodyPr>
+          <a:lstStyle/>
+          <a:p>
+            <a:r>
+              <a:rPr lang="en-GB" b="1" dirty="0"/>
+              <a:t>A</a:t>
+            </a:r>
+          </a:p>
+        </p:txBody>
+      </p:sp>
+      <p:sp>
+        <p:nvSpPr>
+          <p:cNvPr id="14" name="TextBox 13"/>
+          <p:cNvSpPr txBox="1"/>
+          <p:nvPr/>
+        </p:nvSpPr>
+        <p:spPr>
+          <a:xfrm>
+            <a:off x="5113020" y="2660280"/>
+            <a:ext cx="967048" cy="369332"/>
+          </a:xfrm>
+          <a:prstGeom prst="rect">
+            <a:avLst/>
+          </a:prstGeom>
+          <a:noFill/>
+        </p:spPr>
+        <p:txBody>
+          <a:bodyPr wrap="square" rtlCol="0">
+            <a:spAutoFit/>
+          </a:bodyPr>
+          <a:lstStyle/>
+          <a:p>
+            <a:r>
+              <a:rPr lang="en-GB" b="1" dirty="0" smtClean="0"/>
+              <a:t>B</a:t>
+            </a:r>
+            <a:endParaRPr lang="en-GB" b="1" dirty="0"/>
+          </a:p>
+        </p:txBody>
+      </p:sp>
+      <p:sp>
+        <p:nvSpPr>
+          <p:cNvPr id="15" name="Down Arrow 14"/>
+          <p:cNvSpPr/>
+          <p:nvPr/>
+        </p:nvSpPr>
+        <p:spPr>
+          <a:xfrm flipV="1">
+            <a:off x="6060218" y="1421475"/>
+            <a:ext cx="368067" cy="1644033"/>
+          </a:xfrm>
+          <a:prstGeom prst="downArrow">
+            <a:avLst/>
+          </a:prstGeom>
+          <a:noFill/>
+        </p:spPr>
+        <p:style>
+          <a:lnRef idx="2">
+            <a:schemeClr val="dk1">
+              <a:shade val="50000"/>
+            </a:schemeClr>
+          </a:lnRef>
+          <a:fillRef idx="1">
+            <a:schemeClr val="dk1"/>
+          </a:fillRef>
+          <a:effectRef idx="0">
+            <a:schemeClr val="dk1"/>
+          </a:effectRef>
+          <a:fontRef idx="minor">
+            <a:schemeClr val="lt1"/>
+          </a:fontRef>
+        </p:style>
+        <p:txBody>
+          <a:bodyPr rtlCol="0" anchor="ctr"/>
+          <a:lstStyle/>
+          <a:p>
+            <a:pPr algn="ctr"/>
+            <a:endParaRPr lang="en-GB"/>
+          </a:p>
+        </p:txBody>
+      </p:sp>
+      <p:sp>
+        <p:nvSpPr>
+          <p:cNvPr id="16" name="TextBox 15"/>
+          <p:cNvSpPr txBox="1"/>
+          <p:nvPr/>
+        </p:nvSpPr>
+        <p:spPr>
+          <a:xfrm>
+            <a:off x="6053666" y="1027814"/>
+            <a:ext cx="967048" cy="369332"/>
+          </a:xfrm>
+          <a:prstGeom prst="rect">
+            <a:avLst/>
+          </a:prstGeom>
+          <a:noFill/>
+        </p:spPr>
+        <p:txBody>
+          <a:bodyPr wrap="square" rtlCol="0">
+            <a:spAutoFit/>
+          </a:bodyPr>
+          <a:lstStyle/>
+          <a:p>
+            <a:r>
+              <a:rPr lang="en-GB" b="1" dirty="0"/>
+              <a:t>N</a:t>
+            </a:r>
+          </a:p>
+        </p:txBody>
+      </p:sp>
+    </p:spTree>
+    <p:extLst>
+      <p:ext uri="{BB962C8B-B14F-4D97-AF65-F5344CB8AC3E}">
+        <p14:creationId xmlns:p14="http://schemas.microsoft.com/office/powerpoint/2010/main" val="4066355926"/>
+      </p:ext>
+    </p:extLst>
+  </p:cSld>
+  <p:clrMapOvr>
+    <a:masterClrMapping/>
+  </p:clrMapOvr>
+  <p:timing>
+    <p:tnLst>
+      <p:par>
+        <p:cTn id="1" dur="indefinite" restart="never" nodeType="tmRoot"/>
+      </p:par>
+    </p:tnLst>
+  </p:timing>
+</p:sld>
+</file>
+
+<file path=ppt/slides/slide28.xml><?xml version="1.0" encoding="utf-8"?>
+<p:sld xmlns:a="http://schemas.openxmlformats.org/drawingml/2006/main" xmlns:r="http://schemas.openxmlformats.org/officeDocument/2006/relationships" xmlns:p="http://schemas.openxmlformats.org/presentationml/2006/main">
+  <p:cSld>
+    <p:spTree>
+      <p:nvGrpSpPr>
+        <p:cNvPr id="1" name=""/>
+        <p:cNvGrpSpPr/>
+        <p:nvPr/>
+      </p:nvGrpSpPr>
+      <p:grpSpPr>
+        <a:xfrm>
+          <a:off x="0" y="0"/>
+          <a:ext cx="0" cy="0"/>
+          <a:chOff x="0" y="0"/>
+          <a:chExt cx="0" cy="0"/>
+        </a:xfrm>
+      </p:grpSpPr>
+      <p:grpSp>
+        <p:nvGrpSpPr>
+          <p:cNvPr id="17" name="Group 16"/>
+          <p:cNvGrpSpPr/>
+          <p:nvPr/>
+        </p:nvGrpSpPr>
+        <p:grpSpPr>
+          <a:xfrm>
+            <a:off x="1088961" y="802830"/>
+            <a:ext cx="2269376" cy="1774995"/>
+            <a:chOff x="5286893" y="1117986"/>
+            <a:chExt cx="2269376" cy="1774995"/>
+          </a:xfrm>
+        </p:grpSpPr>
+        <p:grpSp>
+          <p:nvGrpSpPr>
+            <p:cNvPr id="10" name="Group 9"/>
+            <p:cNvGrpSpPr/>
+            <p:nvPr/>
+          </p:nvGrpSpPr>
+          <p:grpSpPr>
+            <a:xfrm>
+              <a:off x="5286893" y="1296634"/>
+              <a:ext cx="2269376" cy="1596347"/>
+              <a:chOff x="5394959" y="1720583"/>
+              <a:chExt cx="2269376" cy="1596347"/>
+            </a:xfrm>
+          </p:grpSpPr>
+          <p:sp>
+            <p:nvSpPr>
+              <p:cNvPr id="7" name="Rectangle 6"/>
+              <p:cNvSpPr/>
+              <p:nvPr/>
+            </p:nvSpPr>
+            <p:spPr>
+              <a:xfrm>
+                <a:off x="5394960" y="2469031"/>
+                <a:ext cx="2269375" cy="847899"/>
+              </a:xfrm>
+              <a:prstGeom prst="rect">
+                <a:avLst/>
+              </a:prstGeom>
+            </p:spPr>
+            <p:style>
+              <a:lnRef idx="2">
+                <a:schemeClr val="accent3">
+                  <a:shade val="50000"/>
+                </a:schemeClr>
+              </a:lnRef>
+              <a:fillRef idx="1">
+                <a:schemeClr val="accent3"/>
+              </a:fillRef>
+              <a:effectRef idx="0">
+                <a:schemeClr val="accent3"/>
+              </a:effectRef>
+              <a:fontRef idx="minor">
+                <a:schemeClr val="lt1"/>
+              </a:fontRef>
+            </p:style>
+            <p:txBody>
+              <a:bodyPr rtlCol="0" anchor="ctr"/>
+              <a:lstStyle/>
+              <a:p>
+                <a:pPr algn="ctr"/>
+                <a:r>
+                  <a:rPr lang="en-GB" dirty="0" err="1" smtClean="0"/>
+                  <a:t>GaN</a:t>
+                </a:r>
+                <a:endParaRPr lang="en-GB" dirty="0"/>
+              </a:p>
+            </p:txBody>
+          </p:sp>
+          <p:sp>
+            <p:nvSpPr>
+              <p:cNvPr id="8" name="Rectangle 7"/>
+              <p:cNvSpPr/>
+              <p:nvPr/>
+            </p:nvSpPr>
+            <p:spPr>
+              <a:xfrm>
+                <a:off x="5394960" y="2094807"/>
+                <a:ext cx="2269375" cy="374224"/>
+              </a:xfrm>
+              <a:prstGeom prst="rect">
+                <a:avLst/>
+              </a:prstGeom>
+            </p:spPr>
+            <p:style>
+              <a:lnRef idx="1">
+                <a:schemeClr val="accent6"/>
+              </a:lnRef>
+              <a:fillRef idx="2">
+                <a:schemeClr val="accent6"/>
+              </a:fillRef>
+              <a:effectRef idx="1">
+                <a:schemeClr val="accent6"/>
+              </a:effectRef>
+              <a:fontRef idx="minor">
+                <a:schemeClr val="dk1"/>
+              </a:fontRef>
+            </p:style>
+            <p:txBody>
+              <a:bodyPr rtlCol="0" anchor="ctr"/>
+              <a:lstStyle/>
+              <a:p>
+                <a:pPr algn="ctr"/>
+                <a:r>
+                  <a:rPr lang="en-GB" dirty="0" smtClean="0"/>
+                  <a:t>SSL</a:t>
+                </a:r>
+                <a:endParaRPr lang="en-GB" dirty="0"/>
+              </a:p>
+            </p:txBody>
+          </p:sp>
+          <p:sp>
+            <p:nvSpPr>
+              <p:cNvPr id="9" name="Rectangle 8"/>
+              <p:cNvSpPr/>
+              <p:nvPr/>
+            </p:nvSpPr>
+            <p:spPr>
+              <a:xfrm>
+                <a:off x="5394959" y="1720583"/>
+                <a:ext cx="2269375" cy="374224"/>
+              </a:xfrm>
+              <a:prstGeom prst="rect">
+                <a:avLst/>
+              </a:prstGeom>
+            </p:spPr>
+            <p:style>
+              <a:lnRef idx="1">
+                <a:schemeClr val="accent1"/>
+              </a:lnRef>
+              <a:fillRef idx="3">
+                <a:schemeClr val="accent1"/>
+              </a:fillRef>
+              <a:effectRef idx="2">
+                <a:schemeClr val="accent1"/>
+              </a:effectRef>
+              <a:fontRef idx="minor">
+                <a:schemeClr val="lt1"/>
+              </a:fontRef>
+            </p:style>
+            <p:txBody>
+              <a:bodyPr rtlCol="0" anchor="ctr"/>
+              <a:lstStyle/>
+              <a:p>
+                <a:pPr algn="ctr"/>
+                <a:r>
+                  <a:rPr lang="en-GB" dirty="0" err="1" smtClean="0"/>
+                  <a:t>GaN</a:t>
+                </a:r>
+                <a:endParaRPr lang="en-GB" dirty="0"/>
+              </a:p>
+            </p:txBody>
+          </p:sp>
+        </p:grpSp>
+        <p:sp>
+          <p:nvSpPr>
+            <p:cNvPr id="11" name="Rectangle 10"/>
+            <p:cNvSpPr/>
+            <p:nvPr/>
+          </p:nvSpPr>
+          <p:spPr>
+            <a:xfrm>
+              <a:off x="5536276" y="1122218"/>
+              <a:ext cx="399011" cy="174416"/>
+            </a:xfrm>
+            <a:prstGeom prst="rect">
+              <a:avLst/>
+            </a:prstGeom>
+          </p:spPr>
+          <p:style>
+            <a:lnRef idx="1">
+              <a:schemeClr val="dk1"/>
+            </a:lnRef>
+            <a:fillRef idx="3">
+              <a:schemeClr val="dk1"/>
+            </a:fillRef>
+            <a:effectRef idx="2">
+              <a:schemeClr val="dk1"/>
+            </a:effectRef>
+            <a:fontRef idx="minor">
+              <a:schemeClr val="lt1"/>
+            </a:fontRef>
+          </p:style>
+          <p:txBody>
+            <a:bodyPr rtlCol="0" anchor="ctr"/>
+            <a:lstStyle/>
+            <a:p>
+              <a:pPr algn="ctr"/>
+              <a:endParaRPr lang="en-GB"/>
+            </a:p>
+          </p:txBody>
+        </p:sp>
+        <p:sp>
+          <p:nvSpPr>
+            <p:cNvPr id="12" name="Rectangle 11"/>
+            <p:cNvSpPr/>
+            <p:nvPr/>
+          </p:nvSpPr>
+          <p:spPr>
+            <a:xfrm>
+              <a:off x="6991003" y="1122218"/>
+              <a:ext cx="399011" cy="174416"/>
+            </a:xfrm>
+            <a:prstGeom prst="rect">
+              <a:avLst/>
+            </a:prstGeom>
+          </p:spPr>
+          <p:style>
+            <a:lnRef idx="1">
+              <a:schemeClr val="dk1"/>
+            </a:lnRef>
+            <a:fillRef idx="3">
+              <a:schemeClr val="dk1"/>
+            </a:fillRef>
+            <a:effectRef idx="2">
+              <a:schemeClr val="dk1"/>
+            </a:effectRef>
+            <a:fontRef idx="minor">
+              <a:schemeClr val="lt1"/>
+            </a:fontRef>
+          </p:style>
+          <p:txBody>
+            <a:bodyPr rtlCol="0" anchor="ctr"/>
+            <a:lstStyle/>
+            <a:p>
+              <a:pPr algn="ctr"/>
+              <a:endParaRPr lang="en-GB"/>
+            </a:p>
+          </p:txBody>
+        </p:sp>
+        <p:sp>
+          <p:nvSpPr>
+            <p:cNvPr id="13" name="Rectangle 12"/>
+            <p:cNvSpPr/>
+            <p:nvPr/>
+          </p:nvSpPr>
+          <p:spPr>
+            <a:xfrm>
+              <a:off x="6059979" y="1122218"/>
+              <a:ext cx="36000" cy="174416"/>
+            </a:xfrm>
+            <a:prstGeom prst="rect">
+              <a:avLst/>
+            </a:prstGeom>
+          </p:spPr>
+          <p:style>
+            <a:lnRef idx="1">
+              <a:schemeClr val="dk1"/>
+            </a:lnRef>
+            <a:fillRef idx="3">
+              <a:schemeClr val="dk1"/>
+            </a:fillRef>
+            <a:effectRef idx="2">
+              <a:schemeClr val="dk1"/>
+            </a:effectRef>
+            <a:fontRef idx="minor">
+              <a:schemeClr val="lt1"/>
+            </a:fontRef>
+          </p:style>
+          <p:txBody>
+            <a:bodyPr rtlCol="0" anchor="ctr"/>
+            <a:lstStyle/>
+            <a:p>
+              <a:pPr algn="ctr"/>
+              <a:endParaRPr lang="en-GB"/>
+            </a:p>
+          </p:txBody>
+        </p:sp>
+        <p:sp>
+          <p:nvSpPr>
+            <p:cNvPr id="14" name="Rectangle 13"/>
+            <p:cNvSpPr/>
+            <p:nvPr/>
+          </p:nvSpPr>
+          <p:spPr>
+            <a:xfrm>
+              <a:off x="6342610" y="1117986"/>
+              <a:ext cx="36000" cy="174416"/>
+            </a:xfrm>
+            <a:prstGeom prst="rect">
+              <a:avLst/>
+            </a:prstGeom>
+          </p:spPr>
+          <p:style>
+            <a:lnRef idx="1">
+              <a:schemeClr val="dk1"/>
+            </a:lnRef>
+            <a:fillRef idx="3">
+              <a:schemeClr val="dk1"/>
+            </a:fillRef>
+            <a:effectRef idx="2">
+              <a:schemeClr val="dk1"/>
+            </a:effectRef>
+            <a:fontRef idx="minor">
+              <a:schemeClr val="lt1"/>
+            </a:fontRef>
+          </p:style>
+          <p:txBody>
+            <a:bodyPr rtlCol="0" anchor="ctr"/>
+            <a:lstStyle/>
+            <a:p>
+              <a:pPr algn="ctr"/>
+              <a:endParaRPr lang="en-GB"/>
+            </a:p>
+          </p:txBody>
+        </p:sp>
+        <p:sp>
+          <p:nvSpPr>
+            <p:cNvPr id="15" name="Rectangle 14"/>
+            <p:cNvSpPr/>
+            <p:nvPr/>
+          </p:nvSpPr>
+          <p:spPr>
+            <a:xfrm>
+              <a:off x="6830243" y="1122218"/>
+              <a:ext cx="36000" cy="174416"/>
+            </a:xfrm>
+            <a:prstGeom prst="rect">
+              <a:avLst/>
+            </a:prstGeom>
+          </p:spPr>
+          <p:style>
+            <a:lnRef idx="1">
+              <a:schemeClr val="dk1"/>
+            </a:lnRef>
+            <a:fillRef idx="3">
+              <a:schemeClr val="dk1"/>
+            </a:fillRef>
+            <a:effectRef idx="2">
+              <a:schemeClr val="dk1"/>
+            </a:effectRef>
+            <a:fontRef idx="minor">
+              <a:schemeClr val="lt1"/>
+            </a:fontRef>
+          </p:style>
+          <p:txBody>
+            <a:bodyPr rtlCol="0" anchor="ctr"/>
+            <a:lstStyle/>
+            <a:p>
+              <a:pPr algn="ctr"/>
+              <a:endParaRPr lang="en-GB"/>
+            </a:p>
+          </p:txBody>
+        </p:sp>
+        <p:sp>
+          <p:nvSpPr>
+            <p:cNvPr id="16" name="Rectangle 15"/>
+            <p:cNvSpPr/>
+            <p:nvPr/>
+          </p:nvSpPr>
+          <p:spPr>
+            <a:xfrm>
+              <a:off x="6589244" y="1117986"/>
+              <a:ext cx="36000" cy="174416"/>
+            </a:xfrm>
+            <a:prstGeom prst="rect">
+              <a:avLst/>
+            </a:prstGeom>
+          </p:spPr>
+          <p:style>
+            <a:lnRef idx="1">
+              <a:schemeClr val="dk1"/>
+            </a:lnRef>
+            <a:fillRef idx="3">
+              <a:schemeClr val="dk1"/>
+            </a:fillRef>
+            <a:effectRef idx="2">
+              <a:schemeClr val="dk1"/>
+            </a:effectRef>
+            <a:fontRef idx="minor">
+              <a:schemeClr val="lt1"/>
+            </a:fontRef>
+          </p:style>
+          <p:txBody>
+            <a:bodyPr rtlCol="0" anchor="ctr"/>
+            <a:lstStyle/>
+            <a:p>
+              <a:pPr algn="ctr"/>
+              <a:endParaRPr lang="en-GB"/>
+            </a:p>
+          </p:txBody>
+        </p:sp>
+      </p:grpSp>
+      <p:grpSp>
+        <p:nvGrpSpPr>
+          <p:cNvPr id="34" name="Group 33"/>
+          <p:cNvGrpSpPr/>
+          <p:nvPr/>
+        </p:nvGrpSpPr>
+        <p:grpSpPr>
+          <a:xfrm>
+            <a:off x="5065221" y="806488"/>
+            <a:ext cx="2269376" cy="1774995"/>
+            <a:chOff x="9454341" y="1117986"/>
+            <a:chExt cx="2269376" cy="1774995"/>
+          </a:xfrm>
+        </p:grpSpPr>
+        <p:grpSp>
+          <p:nvGrpSpPr>
+            <p:cNvPr id="18" name="Group 17"/>
+            <p:cNvGrpSpPr/>
+            <p:nvPr/>
+          </p:nvGrpSpPr>
+          <p:grpSpPr>
+            <a:xfrm>
+              <a:off x="9454341" y="1117986"/>
+              <a:ext cx="2269376" cy="1774995"/>
+              <a:chOff x="5286893" y="1117986"/>
+              <a:chExt cx="2269376" cy="1774995"/>
+            </a:xfrm>
+          </p:grpSpPr>
+          <p:grpSp>
+            <p:nvGrpSpPr>
+              <p:cNvPr id="19" name="Group 18"/>
+              <p:cNvGrpSpPr/>
+              <p:nvPr/>
+            </p:nvGrpSpPr>
+            <p:grpSpPr>
+              <a:xfrm>
+                <a:off x="5286893" y="1296634"/>
+                <a:ext cx="2269376" cy="1596347"/>
+                <a:chOff x="5394959" y="1720583"/>
+                <a:chExt cx="2269376" cy="1596347"/>
+              </a:xfrm>
+            </p:grpSpPr>
+            <p:sp>
+              <p:nvSpPr>
+                <p:cNvPr id="26" name="Rectangle 25"/>
+                <p:cNvSpPr/>
+                <p:nvPr/>
+              </p:nvSpPr>
+              <p:spPr>
+                <a:xfrm>
+                  <a:off x="5394960" y="2469031"/>
+                  <a:ext cx="2269375" cy="847899"/>
+                </a:xfrm>
+                <a:prstGeom prst="rect">
+                  <a:avLst/>
+                </a:prstGeom>
+              </p:spPr>
+              <p:style>
+                <a:lnRef idx="2">
+                  <a:schemeClr val="accent3">
+                    <a:shade val="50000"/>
+                  </a:schemeClr>
+                </a:lnRef>
+                <a:fillRef idx="1">
+                  <a:schemeClr val="accent3"/>
+                </a:fillRef>
+                <a:effectRef idx="0">
+                  <a:schemeClr val="accent3"/>
+                </a:effectRef>
+                <a:fontRef idx="minor">
+                  <a:schemeClr val="lt1"/>
+                </a:fontRef>
+              </p:style>
+              <p:txBody>
+                <a:bodyPr rtlCol="0" anchor="ctr"/>
+                <a:lstStyle/>
+                <a:p>
+                  <a:pPr algn="ctr"/>
+                  <a:r>
+                    <a:rPr lang="en-GB" dirty="0" err="1" smtClean="0"/>
+                    <a:t>GaN</a:t>
+                  </a:r>
+                  <a:endParaRPr lang="en-GB" dirty="0"/>
+                </a:p>
+              </p:txBody>
+            </p:sp>
+            <p:sp>
+              <p:nvSpPr>
+                <p:cNvPr id="27" name="Rectangle 26"/>
+                <p:cNvSpPr/>
+                <p:nvPr/>
+              </p:nvSpPr>
+              <p:spPr>
+                <a:xfrm>
+                  <a:off x="5394960" y="2094807"/>
+                  <a:ext cx="2269375" cy="374224"/>
+                </a:xfrm>
+                <a:prstGeom prst="rect">
+                  <a:avLst/>
+                </a:prstGeom>
+              </p:spPr>
+              <p:style>
+                <a:lnRef idx="1">
+                  <a:schemeClr val="accent6"/>
+                </a:lnRef>
+                <a:fillRef idx="2">
+                  <a:schemeClr val="accent6"/>
+                </a:fillRef>
+                <a:effectRef idx="1">
+                  <a:schemeClr val="accent6"/>
+                </a:effectRef>
+                <a:fontRef idx="minor">
+                  <a:schemeClr val="dk1"/>
+                </a:fontRef>
+              </p:style>
+              <p:txBody>
+                <a:bodyPr rtlCol="0" anchor="ctr"/>
+                <a:lstStyle/>
+                <a:p>
+                  <a:pPr algn="ctr"/>
+                  <a:r>
+                    <a:rPr lang="en-GB" dirty="0" smtClean="0"/>
+                    <a:t>SSL</a:t>
+                  </a:r>
+                  <a:endParaRPr lang="en-GB" dirty="0"/>
+                </a:p>
+              </p:txBody>
+            </p:sp>
+            <p:sp>
+              <p:nvSpPr>
+                <p:cNvPr id="28" name="Rectangle 27"/>
+                <p:cNvSpPr/>
+                <p:nvPr/>
+              </p:nvSpPr>
+              <p:spPr>
+                <a:xfrm>
+                  <a:off x="5394959" y="1720583"/>
+                  <a:ext cx="2269375" cy="374224"/>
+                </a:xfrm>
+                <a:prstGeom prst="rect">
+                  <a:avLst/>
+                </a:prstGeom>
+              </p:spPr>
+              <p:style>
+                <a:lnRef idx="1">
+                  <a:schemeClr val="accent1"/>
+                </a:lnRef>
+                <a:fillRef idx="3">
+                  <a:schemeClr val="accent1"/>
+                </a:fillRef>
+                <a:effectRef idx="2">
+                  <a:schemeClr val="accent1"/>
+                </a:effectRef>
+                <a:fontRef idx="minor">
+                  <a:schemeClr val="lt1"/>
+                </a:fontRef>
+              </p:style>
+              <p:txBody>
+                <a:bodyPr rtlCol="0" anchor="ctr"/>
+                <a:lstStyle/>
+                <a:p>
+                  <a:pPr algn="ctr"/>
+                  <a:endParaRPr lang="en-GB" dirty="0"/>
+                </a:p>
+              </p:txBody>
+            </p:sp>
+          </p:grpSp>
+          <p:sp>
+            <p:nvSpPr>
+              <p:cNvPr id="20" name="Rectangle 19"/>
+              <p:cNvSpPr/>
+              <p:nvPr/>
+            </p:nvSpPr>
+            <p:spPr>
+              <a:xfrm>
+                <a:off x="5536276" y="1122218"/>
+                <a:ext cx="399011" cy="174416"/>
+              </a:xfrm>
+              <a:prstGeom prst="rect">
+                <a:avLst/>
+              </a:prstGeom>
+            </p:spPr>
+            <p:style>
+              <a:lnRef idx="1">
+                <a:schemeClr val="dk1"/>
+              </a:lnRef>
+              <a:fillRef idx="3">
+                <a:schemeClr val="dk1"/>
+              </a:fillRef>
+              <a:effectRef idx="2">
+                <a:schemeClr val="dk1"/>
+              </a:effectRef>
+              <a:fontRef idx="minor">
+                <a:schemeClr val="lt1"/>
+              </a:fontRef>
+            </p:style>
+            <p:txBody>
+              <a:bodyPr rtlCol="0" anchor="ctr"/>
+              <a:lstStyle/>
+              <a:p>
+                <a:pPr algn="ctr"/>
+                <a:endParaRPr lang="en-GB"/>
+              </a:p>
+            </p:txBody>
+          </p:sp>
+          <p:sp>
+            <p:nvSpPr>
+              <p:cNvPr id="21" name="Rectangle 20"/>
+              <p:cNvSpPr/>
+              <p:nvPr/>
+            </p:nvSpPr>
+            <p:spPr>
+              <a:xfrm>
+                <a:off x="6991003" y="1122218"/>
+                <a:ext cx="399011" cy="174416"/>
+              </a:xfrm>
+              <a:prstGeom prst="rect">
+                <a:avLst/>
+              </a:prstGeom>
+            </p:spPr>
+            <p:style>
+              <a:lnRef idx="1">
+                <a:schemeClr val="dk1"/>
+              </a:lnRef>
+              <a:fillRef idx="3">
+                <a:schemeClr val="dk1"/>
+              </a:fillRef>
+              <a:effectRef idx="2">
+                <a:schemeClr val="dk1"/>
+              </a:effectRef>
+              <a:fontRef idx="minor">
+                <a:schemeClr val="lt1"/>
+              </a:fontRef>
+            </p:style>
+            <p:txBody>
+              <a:bodyPr rtlCol="0" anchor="ctr"/>
+              <a:lstStyle/>
+              <a:p>
+                <a:pPr algn="ctr"/>
+                <a:endParaRPr lang="en-GB"/>
+              </a:p>
+            </p:txBody>
+          </p:sp>
+          <p:sp>
+            <p:nvSpPr>
+              <p:cNvPr id="22" name="Rectangle 21"/>
+              <p:cNvSpPr/>
+              <p:nvPr/>
+            </p:nvSpPr>
+            <p:spPr>
+              <a:xfrm>
+                <a:off x="6059979" y="1122218"/>
+                <a:ext cx="36000" cy="174416"/>
+              </a:xfrm>
+              <a:prstGeom prst="rect">
+                <a:avLst/>
+              </a:prstGeom>
+            </p:spPr>
+            <p:style>
+              <a:lnRef idx="1">
+                <a:schemeClr val="dk1"/>
+              </a:lnRef>
+              <a:fillRef idx="3">
+                <a:schemeClr val="dk1"/>
+              </a:fillRef>
+              <a:effectRef idx="2">
+                <a:schemeClr val="dk1"/>
+              </a:effectRef>
+              <a:fontRef idx="minor">
+                <a:schemeClr val="lt1"/>
+              </a:fontRef>
+            </p:style>
+            <p:txBody>
+              <a:bodyPr rtlCol="0" anchor="ctr"/>
+              <a:lstStyle/>
+              <a:p>
+                <a:pPr algn="ctr"/>
+                <a:endParaRPr lang="en-GB"/>
+              </a:p>
+            </p:txBody>
+          </p:sp>
+          <p:sp>
+            <p:nvSpPr>
+              <p:cNvPr id="23" name="Rectangle 22"/>
+              <p:cNvSpPr/>
+              <p:nvPr/>
+            </p:nvSpPr>
+            <p:spPr>
+              <a:xfrm>
+                <a:off x="6342610" y="1117986"/>
+                <a:ext cx="36000" cy="174416"/>
+              </a:xfrm>
+              <a:prstGeom prst="rect">
+                <a:avLst/>
+              </a:prstGeom>
+            </p:spPr>
+            <p:style>
+              <a:lnRef idx="1">
+                <a:schemeClr val="dk1"/>
+              </a:lnRef>
+              <a:fillRef idx="3">
+                <a:schemeClr val="dk1"/>
+              </a:fillRef>
+              <a:effectRef idx="2">
+                <a:schemeClr val="dk1"/>
+              </a:effectRef>
+              <a:fontRef idx="minor">
+                <a:schemeClr val="lt1"/>
+              </a:fontRef>
+            </p:style>
+            <p:txBody>
+              <a:bodyPr rtlCol="0" anchor="ctr"/>
+              <a:lstStyle/>
+              <a:p>
+                <a:pPr algn="ctr"/>
+                <a:endParaRPr lang="en-GB"/>
+              </a:p>
+            </p:txBody>
+          </p:sp>
+          <p:sp>
+            <p:nvSpPr>
+              <p:cNvPr id="24" name="Rectangle 23"/>
+              <p:cNvSpPr/>
+              <p:nvPr/>
+            </p:nvSpPr>
+            <p:spPr>
+              <a:xfrm>
+                <a:off x="6830243" y="1122218"/>
+                <a:ext cx="36000" cy="174416"/>
+              </a:xfrm>
+              <a:prstGeom prst="rect">
+                <a:avLst/>
+              </a:prstGeom>
+            </p:spPr>
+            <p:style>
+              <a:lnRef idx="1">
+                <a:schemeClr val="dk1"/>
+              </a:lnRef>
+              <a:fillRef idx="3">
+                <a:schemeClr val="dk1"/>
+              </a:fillRef>
+              <a:effectRef idx="2">
+                <a:schemeClr val="dk1"/>
+              </a:effectRef>
+              <a:fontRef idx="minor">
+                <a:schemeClr val="lt1"/>
+              </a:fontRef>
+            </p:style>
+            <p:txBody>
+              <a:bodyPr rtlCol="0" anchor="ctr"/>
+              <a:lstStyle/>
+              <a:p>
+                <a:pPr algn="ctr"/>
+                <a:endParaRPr lang="en-GB"/>
+              </a:p>
+            </p:txBody>
+          </p:sp>
+          <p:sp>
+            <p:nvSpPr>
+              <p:cNvPr id="25" name="Rectangle 24"/>
+              <p:cNvSpPr/>
+              <p:nvPr/>
+            </p:nvSpPr>
+            <p:spPr>
+              <a:xfrm>
+                <a:off x="6589244" y="1117986"/>
+                <a:ext cx="36000" cy="174416"/>
+              </a:xfrm>
+              <a:prstGeom prst="rect">
+                <a:avLst/>
+              </a:prstGeom>
+            </p:spPr>
+            <p:style>
+              <a:lnRef idx="1">
+                <a:schemeClr val="dk1"/>
+              </a:lnRef>
+              <a:fillRef idx="3">
+                <a:schemeClr val="dk1"/>
+              </a:fillRef>
+              <a:effectRef idx="2">
+                <a:schemeClr val="dk1"/>
+              </a:effectRef>
+              <a:fontRef idx="minor">
+                <a:schemeClr val="lt1"/>
+              </a:fontRef>
+            </p:style>
+            <p:txBody>
+              <a:bodyPr rtlCol="0" anchor="ctr"/>
+              <a:lstStyle/>
+              <a:p>
+                <a:pPr algn="ctr"/>
+                <a:endParaRPr lang="en-GB"/>
+              </a:p>
+            </p:txBody>
+          </p:sp>
+        </p:grpSp>
+        <p:sp>
+          <p:nvSpPr>
+            <p:cNvPr id="29" name="Rectangle 28"/>
+            <p:cNvSpPr/>
+            <p:nvPr/>
+          </p:nvSpPr>
+          <p:spPr>
+            <a:xfrm>
+              <a:off x="10111047" y="1122067"/>
+              <a:ext cx="108000" cy="576000"/>
+            </a:xfrm>
+            <a:prstGeom prst="rect">
+              <a:avLst/>
+            </a:prstGeom>
+            <a:solidFill>
+              <a:schemeClr val="bg1"/>
+            </a:solidFill>
+            <a:ln>
+              <a:noFill/>
+            </a:ln>
+          </p:spPr>
+          <p:style>
+            <a:lnRef idx="2">
+              <a:schemeClr val="accent1">
+                <a:shade val="50000"/>
+              </a:schemeClr>
+            </a:lnRef>
+            <a:fillRef idx="1">
+              <a:schemeClr val="accent1"/>
+            </a:fillRef>
+            <a:effectRef idx="0">
+              <a:schemeClr val="accent1"/>
+            </a:effectRef>
+            <a:fontRef idx="minor">
+              <a:schemeClr val="lt1"/>
+            </a:fontRef>
+          </p:style>
+          <p:txBody>
+            <a:bodyPr rtlCol="0" anchor="ctr"/>
+            <a:lstStyle/>
+            <a:p>
+              <a:pPr algn="ctr"/>
+              <a:endParaRPr lang="en-GB"/>
+            </a:p>
+          </p:txBody>
+        </p:sp>
+        <p:sp>
+          <p:nvSpPr>
+            <p:cNvPr id="30" name="Rectangle 29"/>
+            <p:cNvSpPr/>
+            <p:nvPr/>
+          </p:nvSpPr>
+          <p:spPr>
+            <a:xfrm>
+              <a:off x="10288361" y="1122067"/>
+              <a:ext cx="221695" cy="576000"/>
+            </a:xfrm>
+            <a:prstGeom prst="rect">
+              <a:avLst/>
+            </a:prstGeom>
+            <a:solidFill>
+              <a:schemeClr val="bg1"/>
+            </a:solidFill>
+            <a:ln>
+              <a:noFill/>
+            </a:ln>
+          </p:spPr>
+          <p:style>
+            <a:lnRef idx="2">
+              <a:schemeClr val="accent1">
+                <a:shade val="50000"/>
+              </a:schemeClr>
+            </a:lnRef>
+            <a:fillRef idx="1">
+              <a:schemeClr val="accent1"/>
+            </a:fillRef>
+            <a:effectRef idx="0">
+              <a:schemeClr val="accent1"/>
+            </a:effectRef>
+            <a:fontRef idx="minor">
+              <a:schemeClr val="lt1"/>
+            </a:fontRef>
+          </p:style>
+          <p:txBody>
+            <a:bodyPr rtlCol="0" anchor="ctr"/>
+            <a:lstStyle/>
+            <a:p>
+              <a:pPr algn="ctr"/>
+              <a:endParaRPr lang="en-GB"/>
+            </a:p>
+          </p:txBody>
+        </p:sp>
+        <p:sp>
+          <p:nvSpPr>
+            <p:cNvPr id="31" name="Rectangle 30"/>
+            <p:cNvSpPr/>
+            <p:nvPr/>
+          </p:nvSpPr>
+          <p:spPr>
+            <a:xfrm>
+              <a:off x="10565450" y="1122067"/>
+              <a:ext cx="180000" cy="576000"/>
+            </a:xfrm>
+            <a:prstGeom prst="rect">
+              <a:avLst/>
+            </a:prstGeom>
+            <a:solidFill>
+              <a:schemeClr val="bg1"/>
+            </a:solidFill>
+            <a:ln>
+              <a:noFill/>
+            </a:ln>
+          </p:spPr>
+          <p:style>
+            <a:lnRef idx="2">
+              <a:schemeClr val="accent1">
+                <a:shade val="50000"/>
+              </a:schemeClr>
+            </a:lnRef>
+            <a:fillRef idx="1">
+              <a:schemeClr val="accent1"/>
+            </a:fillRef>
+            <a:effectRef idx="0">
+              <a:schemeClr val="accent1"/>
+            </a:effectRef>
+            <a:fontRef idx="minor">
+              <a:schemeClr val="lt1"/>
+            </a:fontRef>
+          </p:style>
+          <p:txBody>
+            <a:bodyPr rtlCol="0" anchor="ctr"/>
+            <a:lstStyle/>
+            <a:p>
+              <a:pPr algn="ctr"/>
+              <a:endParaRPr lang="en-GB"/>
+            </a:p>
+          </p:txBody>
+        </p:sp>
+        <p:sp>
+          <p:nvSpPr>
+            <p:cNvPr id="32" name="Rectangle 31"/>
+            <p:cNvSpPr/>
+            <p:nvPr/>
+          </p:nvSpPr>
+          <p:spPr>
+            <a:xfrm>
+              <a:off x="10812197" y="1117986"/>
+              <a:ext cx="180000" cy="576000"/>
+            </a:xfrm>
+            <a:prstGeom prst="rect">
+              <a:avLst/>
+            </a:prstGeom>
+            <a:solidFill>
+              <a:schemeClr val="bg1"/>
+            </a:solidFill>
+            <a:ln>
+              <a:noFill/>
+            </a:ln>
+          </p:spPr>
+          <p:style>
+            <a:lnRef idx="2">
+              <a:schemeClr val="accent1">
+                <a:shade val="50000"/>
+              </a:schemeClr>
+            </a:lnRef>
+            <a:fillRef idx="1">
+              <a:schemeClr val="accent1"/>
+            </a:fillRef>
+            <a:effectRef idx="0">
+              <a:schemeClr val="accent1"/>
+            </a:effectRef>
+            <a:fontRef idx="minor">
+              <a:schemeClr val="lt1"/>
+            </a:fontRef>
+          </p:style>
+          <p:txBody>
+            <a:bodyPr rtlCol="0" anchor="ctr"/>
+            <a:lstStyle/>
+            <a:p>
+              <a:pPr algn="ctr"/>
+              <a:endParaRPr lang="en-GB"/>
+            </a:p>
+          </p:txBody>
+        </p:sp>
+        <p:sp>
+          <p:nvSpPr>
+            <p:cNvPr id="33" name="Rectangle 32"/>
+            <p:cNvSpPr/>
+            <p:nvPr/>
+          </p:nvSpPr>
+          <p:spPr>
+            <a:xfrm>
+              <a:off x="11050450" y="1122067"/>
+              <a:ext cx="108000" cy="576000"/>
+            </a:xfrm>
+            <a:prstGeom prst="rect">
+              <a:avLst/>
+            </a:prstGeom>
+            <a:solidFill>
+              <a:schemeClr val="bg1"/>
+            </a:solidFill>
+            <a:ln>
+              <a:noFill/>
+            </a:ln>
+          </p:spPr>
+          <p:style>
+            <a:lnRef idx="2">
+              <a:schemeClr val="accent1">
+                <a:shade val="50000"/>
+              </a:schemeClr>
+            </a:lnRef>
+            <a:fillRef idx="1">
+              <a:schemeClr val="accent1"/>
+            </a:fillRef>
+            <a:effectRef idx="0">
+              <a:schemeClr val="accent1"/>
+            </a:effectRef>
+            <a:fontRef idx="minor">
+              <a:schemeClr val="lt1"/>
+            </a:fontRef>
+          </p:style>
+          <p:txBody>
+            <a:bodyPr rtlCol="0" anchor="ctr"/>
+            <a:lstStyle/>
+            <a:p>
+              <a:pPr algn="ctr"/>
+              <a:endParaRPr lang="en-GB"/>
+            </a:p>
+          </p:txBody>
+        </p:sp>
+      </p:grpSp>
+      <p:grpSp>
+        <p:nvGrpSpPr>
+          <p:cNvPr id="36" name="Group 35"/>
+          <p:cNvGrpSpPr/>
+          <p:nvPr/>
+        </p:nvGrpSpPr>
+        <p:grpSpPr>
+          <a:xfrm>
+            <a:off x="9049792" y="968539"/>
+            <a:ext cx="2269376" cy="1609286"/>
+            <a:chOff x="9454341" y="1283695"/>
+            <a:chExt cx="2269376" cy="1609286"/>
+          </a:xfrm>
+        </p:grpSpPr>
+        <p:grpSp>
+          <p:nvGrpSpPr>
+            <p:cNvPr id="43" name="Group 42"/>
+            <p:cNvGrpSpPr/>
+            <p:nvPr/>
+          </p:nvGrpSpPr>
+          <p:grpSpPr>
+            <a:xfrm>
+              <a:off x="9454341" y="1296634"/>
+              <a:ext cx="2269376" cy="1596347"/>
+              <a:chOff x="5394959" y="1720583"/>
+              <a:chExt cx="2269376" cy="1596347"/>
+            </a:xfrm>
+          </p:grpSpPr>
+          <p:sp>
+            <p:nvSpPr>
+              <p:cNvPr id="50" name="Rectangle 49"/>
+              <p:cNvSpPr/>
+              <p:nvPr/>
+            </p:nvSpPr>
+            <p:spPr>
+              <a:xfrm>
+                <a:off x="5394960" y="2469031"/>
+                <a:ext cx="2269375" cy="847899"/>
+              </a:xfrm>
+              <a:prstGeom prst="rect">
+                <a:avLst/>
+              </a:prstGeom>
+            </p:spPr>
+            <p:style>
+              <a:lnRef idx="2">
+                <a:schemeClr val="accent3">
+                  <a:shade val="50000"/>
+                </a:schemeClr>
+              </a:lnRef>
+              <a:fillRef idx="1">
+                <a:schemeClr val="accent3"/>
+              </a:fillRef>
+              <a:effectRef idx="0">
+                <a:schemeClr val="accent3"/>
+              </a:effectRef>
+              <a:fontRef idx="minor">
+                <a:schemeClr val="lt1"/>
+              </a:fontRef>
+            </p:style>
+            <p:txBody>
+              <a:bodyPr rtlCol="0" anchor="ctr"/>
+              <a:lstStyle/>
+              <a:p>
+                <a:pPr algn="ctr"/>
+                <a:r>
+                  <a:rPr lang="en-GB" dirty="0" err="1" smtClean="0"/>
+                  <a:t>GaN</a:t>
+                </a:r>
+                <a:endParaRPr lang="en-GB" dirty="0"/>
+              </a:p>
+            </p:txBody>
+          </p:sp>
+          <p:sp>
+            <p:nvSpPr>
+              <p:cNvPr id="52" name="Rectangle 51"/>
+              <p:cNvSpPr/>
+              <p:nvPr/>
+            </p:nvSpPr>
+            <p:spPr>
+              <a:xfrm>
+                <a:off x="5394959" y="1720583"/>
+                <a:ext cx="2269375" cy="374224"/>
+              </a:xfrm>
+              <a:prstGeom prst="rect">
+                <a:avLst/>
+              </a:prstGeom>
+            </p:spPr>
+            <p:style>
+              <a:lnRef idx="1">
+                <a:schemeClr val="accent1"/>
+              </a:lnRef>
+              <a:fillRef idx="3">
+                <a:schemeClr val="accent1"/>
+              </a:fillRef>
+              <a:effectRef idx="2">
+                <a:schemeClr val="accent1"/>
+              </a:effectRef>
+              <a:fontRef idx="minor">
+                <a:schemeClr val="lt1"/>
+              </a:fontRef>
+            </p:style>
+            <p:txBody>
+              <a:bodyPr rtlCol="0" anchor="ctr"/>
+              <a:lstStyle/>
+              <a:p>
+                <a:pPr algn="ctr"/>
+                <a:endParaRPr lang="en-GB" dirty="0"/>
+              </a:p>
+            </p:txBody>
+          </p:sp>
+        </p:grpSp>
+        <p:sp>
+          <p:nvSpPr>
+            <p:cNvPr id="38" name="Rectangle 37"/>
+            <p:cNvSpPr/>
+            <p:nvPr/>
+          </p:nvSpPr>
+          <p:spPr>
+            <a:xfrm>
+              <a:off x="10025141" y="1290818"/>
+              <a:ext cx="108000" cy="360000"/>
+            </a:xfrm>
+            <a:prstGeom prst="rect">
+              <a:avLst/>
+            </a:prstGeom>
+            <a:solidFill>
+              <a:schemeClr val="bg1"/>
+            </a:solidFill>
+            <a:ln>
+              <a:noFill/>
+            </a:ln>
+          </p:spPr>
+          <p:style>
+            <a:lnRef idx="2">
+              <a:schemeClr val="accent1">
+                <a:shade val="50000"/>
+              </a:schemeClr>
+            </a:lnRef>
+            <a:fillRef idx="1">
+              <a:schemeClr val="accent1"/>
+            </a:fillRef>
+            <a:effectRef idx="0">
+              <a:schemeClr val="accent1"/>
+            </a:effectRef>
+            <a:fontRef idx="minor">
+              <a:schemeClr val="lt1"/>
+            </a:fontRef>
+          </p:style>
+          <p:txBody>
+            <a:bodyPr rtlCol="0" anchor="ctr"/>
+            <a:lstStyle/>
+            <a:p>
+              <a:pPr algn="ctr"/>
+              <a:endParaRPr lang="en-GB"/>
+            </a:p>
+          </p:txBody>
+        </p:sp>
+        <p:sp>
+          <p:nvSpPr>
+            <p:cNvPr id="39" name="Rectangle 38"/>
+            <p:cNvSpPr/>
+            <p:nvPr/>
+          </p:nvSpPr>
+          <p:spPr>
+            <a:xfrm>
+              <a:off x="10210912" y="1283695"/>
+              <a:ext cx="221695" cy="360000"/>
+            </a:xfrm>
+            <a:prstGeom prst="rect">
+              <a:avLst/>
+            </a:prstGeom>
+            <a:solidFill>
+              <a:schemeClr val="bg1"/>
+            </a:solidFill>
+            <a:ln>
+              <a:noFill/>
+            </a:ln>
+          </p:spPr>
+          <p:style>
+            <a:lnRef idx="2">
+              <a:schemeClr val="accent1">
+                <a:shade val="50000"/>
+              </a:schemeClr>
+            </a:lnRef>
+            <a:fillRef idx="1">
+              <a:schemeClr val="accent1"/>
+            </a:fillRef>
+            <a:effectRef idx="0">
+              <a:schemeClr val="accent1"/>
+            </a:effectRef>
+            <a:fontRef idx="minor">
+              <a:schemeClr val="lt1"/>
+            </a:fontRef>
+          </p:style>
+          <p:txBody>
+            <a:bodyPr rtlCol="0" anchor="ctr"/>
+            <a:lstStyle/>
+            <a:p>
+              <a:pPr algn="ctr"/>
+              <a:endParaRPr lang="en-GB"/>
+            </a:p>
+          </p:txBody>
+        </p:sp>
+        <p:sp>
+          <p:nvSpPr>
+            <p:cNvPr id="40" name="Rectangle 39"/>
+            <p:cNvSpPr/>
+            <p:nvPr/>
+          </p:nvSpPr>
+          <p:spPr>
+            <a:xfrm>
+              <a:off x="10498972" y="1286267"/>
+              <a:ext cx="180000" cy="360000"/>
+            </a:xfrm>
+            <a:prstGeom prst="rect">
+              <a:avLst/>
+            </a:prstGeom>
+            <a:solidFill>
+              <a:schemeClr val="bg1"/>
+            </a:solidFill>
+            <a:ln>
+              <a:noFill/>
+            </a:ln>
+          </p:spPr>
+          <p:style>
+            <a:lnRef idx="2">
+              <a:schemeClr val="accent1">
+                <a:shade val="50000"/>
+              </a:schemeClr>
+            </a:lnRef>
+            <a:fillRef idx="1">
+              <a:schemeClr val="accent1"/>
+            </a:fillRef>
+            <a:effectRef idx="0">
+              <a:schemeClr val="accent1"/>
+            </a:effectRef>
+            <a:fontRef idx="minor">
+              <a:schemeClr val="lt1"/>
+            </a:fontRef>
+          </p:style>
+          <p:txBody>
+            <a:bodyPr rtlCol="0" anchor="ctr"/>
+            <a:lstStyle/>
+            <a:p>
+              <a:pPr algn="ctr"/>
+              <a:endParaRPr lang="en-GB"/>
+            </a:p>
+          </p:txBody>
+        </p:sp>
+        <p:sp>
+          <p:nvSpPr>
+            <p:cNvPr id="41" name="Rectangle 40"/>
+            <p:cNvSpPr/>
+            <p:nvPr/>
+          </p:nvSpPr>
+          <p:spPr>
+            <a:xfrm>
+              <a:off x="10742936" y="1297069"/>
+              <a:ext cx="180000" cy="360000"/>
+            </a:xfrm>
+            <a:prstGeom prst="rect">
+              <a:avLst/>
+            </a:prstGeom>
+            <a:solidFill>
+              <a:schemeClr val="bg1"/>
+            </a:solidFill>
+            <a:ln>
+              <a:noFill/>
+            </a:ln>
+          </p:spPr>
+          <p:style>
+            <a:lnRef idx="2">
+              <a:schemeClr val="accent1">
+                <a:shade val="50000"/>
+              </a:schemeClr>
+            </a:lnRef>
+            <a:fillRef idx="1">
+              <a:schemeClr val="accent1"/>
+            </a:fillRef>
+            <a:effectRef idx="0">
+              <a:schemeClr val="accent1"/>
+            </a:effectRef>
+            <a:fontRef idx="minor">
+              <a:schemeClr val="lt1"/>
+            </a:fontRef>
+          </p:style>
+          <p:txBody>
+            <a:bodyPr rtlCol="0" anchor="ctr"/>
+            <a:lstStyle/>
+            <a:p>
+              <a:pPr algn="ctr"/>
+              <a:endParaRPr lang="en-GB"/>
+            </a:p>
+          </p:txBody>
+        </p:sp>
+        <p:sp>
+          <p:nvSpPr>
+            <p:cNvPr id="42" name="Rectangle 41"/>
+            <p:cNvSpPr/>
+            <p:nvPr/>
+          </p:nvSpPr>
+          <p:spPr>
+            <a:xfrm>
+              <a:off x="11007784" y="1283695"/>
+              <a:ext cx="108000" cy="360000"/>
+            </a:xfrm>
+            <a:prstGeom prst="rect">
+              <a:avLst/>
+            </a:prstGeom>
+            <a:solidFill>
+              <a:schemeClr val="bg1"/>
+            </a:solidFill>
+            <a:ln>
+              <a:noFill/>
+            </a:ln>
+          </p:spPr>
+          <p:style>
+            <a:lnRef idx="2">
+              <a:schemeClr val="accent1">
+                <a:shade val="50000"/>
+              </a:schemeClr>
+            </a:lnRef>
+            <a:fillRef idx="1">
+              <a:schemeClr val="accent1"/>
+            </a:fillRef>
+            <a:effectRef idx="0">
+              <a:schemeClr val="accent1"/>
+            </a:effectRef>
+            <a:fontRef idx="minor">
+              <a:schemeClr val="lt1"/>
+            </a:fontRef>
+          </p:style>
+          <p:txBody>
+            <a:bodyPr rtlCol="0" anchor="ctr"/>
+            <a:lstStyle/>
+            <a:p>
+              <a:pPr algn="ctr"/>
+              <a:endParaRPr lang="en-GB"/>
+            </a:p>
+          </p:txBody>
+        </p:sp>
+      </p:grpSp>
+      <p:sp>
+        <p:nvSpPr>
+          <p:cNvPr id="54" name="Rectangle 53"/>
+          <p:cNvSpPr/>
+          <p:nvPr/>
+        </p:nvSpPr>
+        <p:spPr>
+          <a:xfrm>
+            <a:off x="9254761" y="1355702"/>
+            <a:ext cx="148253" cy="374224"/>
+          </a:xfrm>
+          <a:prstGeom prst="rect">
+            <a:avLst/>
+          </a:prstGeom>
+        </p:spPr>
+        <p:style>
+          <a:lnRef idx="1">
+            <a:schemeClr val="accent6"/>
+          </a:lnRef>
+          <a:fillRef idx="2">
+            <a:schemeClr val="accent6"/>
+          </a:fillRef>
+          <a:effectRef idx="1">
+            <a:schemeClr val="accent6"/>
+          </a:effectRef>
+          <a:fontRef idx="minor">
+            <a:schemeClr val="dk1"/>
+          </a:fontRef>
+        </p:style>
+        <p:txBody>
+          <a:bodyPr rtlCol="0" anchor="ctr"/>
+          <a:lstStyle/>
+          <a:p>
+            <a:pPr algn="ctr"/>
+            <a:endParaRPr lang="en-GB" dirty="0"/>
+          </a:p>
+        </p:txBody>
+      </p:sp>
+      <p:sp>
+        <p:nvSpPr>
+          <p:cNvPr id="55" name="Rectangle 54"/>
+          <p:cNvSpPr/>
+          <p:nvPr/>
+        </p:nvSpPr>
+        <p:spPr>
+          <a:xfrm>
+            <a:off x="10969957" y="1355702"/>
+            <a:ext cx="148253" cy="374224"/>
+          </a:xfrm>
+          <a:prstGeom prst="rect">
+            <a:avLst/>
+          </a:prstGeom>
+        </p:spPr>
+        <p:style>
+          <a:lnRef idx="1">
+            <a:schemeClr val="accent6"/>
+          </a:lnRef>
+          <a:fillRef idx="2">
+            <a:schemeClr val="accent6"/>
+          </a:fillRef>
+          <a:effectRef idx="1">
+            <a:schemeClr val="accent6"/>
+          </a:effectRef>
+          <a:fontRef idx="minor">
+            <a:schemeClr val="dk1"/>
+          </a:fontRef>
+        </p:style>
+        <p:txBody>
+          <a:bodyPr rtlCol="0" anchor="ctr"/>
+          <a:lstStyle/>
+          <a:p>
+            <a:pPr algn="ctr"/>
+            <a:endParaRPr lang="en-GB" dirty="0"/>
+          </a:p>
+        </p:txBody>
+      </p:sp>
+      <p:sp>
+        <p:nvSpPr>
+          <p:cNvPr id="56" name="Right Arrow 55"/>
+          <p:cNvSpPr/>
+          <p:nvPr/>
+        </p:nvSpPr>
+        <p:spPr>
+          <a:xfrm>
+            <a:off x="3632662" y="1612669"/>
+            <a:ext cx="1230283" cy="541206"/>
+          </a:xfrm>
+          <a:prstGeom prst="rightArrow">
+            <a:avLst/>
+          </a:prstGeom>
+        </p:spPr>
+        <p:style>
+          <a:lnRef idx="2">
+            <a:schemeClr val="accent1">
+              <a:shade val="50000"/>
+            </a:schemeClr>
+          </a:lnRef>
+          <a:fillRef idx="1">
+            <a:schemeClr val="accent1"/>
+          </a:fillRef>
+          <a:effectRef idx="0">
+            <a:schemeClr val="accent1"/>
+          </a:effectRef>
+          <a:fontRef idx="minor">
+            <a:schemeClr val="lt1"/>
+          </a:fontRef>
+        </p:style>
+        <p:txBody>
+          <a:bodyPr rtlCol="0" anchor="ctr"/>
+          <a:lstStyle/>
+          <a:p>
+            <a:pPr algn="ctr"/>
+            <a:endParaRPr lang="en-GB"/>
+          </a:p>
+        </p:txBody>
+      </p:sp>
+      <p:sp>
+        <p:nvSpPr>
+          <p:cNvPr id="57" name="Right Arrow 56"/>
+          <p:cNvSpPr/>
+          <p:nvPr/>
+        </p:nvSpPr>
+        <p:spPr>
+          <a:xfrm>
+            <a:off x="7536874" y="1612669"/>
+            <a:ext cx="1230283" cy="541206"/>
+          </a:xfrm>
+          <a:prstGeom prst="rightArrow">
+            <a:avLst/>
+          </a:prstGeom>
+        </p:spPr>
+        <p:style>
+          <a:lnRef idx="2">
+            <a:schemeClr val="accent1">
+              <a:shade val="50000"/>
+            </a:schemeClr>
+          </a:lnRef>
+          <a:fillRef idx="1">
+            <a:schemeClr val="accent1"/>
+          </a:fillRef>
+          <a:effectRef idx="0">
+            <a:schemeClr val="accent1"/>
+          </a:effectRef>
+          <a:fontRef idx="minor">
+            <a:schemeClr val="lt1"/>
+          </a:fontRef>
+        </p:style>
+        <p:txBody>
+          <a:bodyPr rtlCol="0" anchor="ctr"/>
+          <a:lstStyle/>
+          <a:p>
+            <a:pPr algn="ctr"/>
+            <a:endParaRPr lang="en-GB"/>
+          </a:p>
+        </p:txBody>
+      </p:sp>
+      <p:sp>
+        <p:nvSpPr>
+          <p:cNvPr id="58" name="TextBox 57"/>
+          <p:cNvSpPr txBox="1"/>
+          <p:nvPr/>
+        </p:nvSpPr>
+        <p:spPr>
+          <a:xfrm>
+            <a:off x="3632662" y="985136"/>
+            <a:ext cx="1080654" cy="369332"/>
+          </a:xfrm>
+          <a:prstGeom prst="rect">
+            <a:avLst/>
+          </a:prstGeom>
+          <a:noFill/>
+        </p:spPr>
+        <p:txBody>
+          <a:bodyPr wrap="square" rtlCol="0">
+            <a:spAutoFit/>
+          </a:bodyPr>
+          <a:lstStyle/>
+          <a:p>
+            <a:r>
+              <a:rPr lang="en-GB" dirty="0" smtClean="0"/>
+              <a:t>Dry etch</a:t>
+            </a:r>
+            <a:endParaRPr lang="en-GB" dirty="0"/>
+          </a:p>
+        </p:txBody>
+      </p:sp>
+      <p:sp>
+        <p:nvSpPr>
+          <p:cNvPr id="59" name="TextBox 58"/>
+          <p:cNvSpPr txBox="1"/>
+          <p:nvPr/>
+        </p:nvSpPr>
+        <p:spPr>
+          <a:xfrm>
+            <a:off x="7634052" y="970996"/>
+            <a:ext cx="1080654" cy="369332"/>
+          </a:xfrm>
+          <a:prstGeom prst="rect">
+            <a:avLst/>
+          </a:prstGeom>
+          <a:noFill/>
+        </p:spPr>
+        <p:txBody>
+          <a:bodyPr wrap="square" rtlCol="0">
+            <a:spAutoFit/>
+          </a:bodyPr>
+          <a:lstStyle/>
+          <a:p>
+            <a:r>
+              <a:rPr lang="en-GB" dirty="0" smtClean="0"/>
+              <a:t>PEC etch</a:t>
+            </a:r>
+            <a:endParaRPr lang="en-GB" dirty="0"/>
+          </a:p>
+        </p:txBody>
+      </p:sp>
+    </p:spTree>
+    <p:extLst>
+      <p:ext uri="{BB962C8B-B14F-4D97-AF65-F5344CB8AC3E}">
+        <p14:creationId xmlns:p14="http://schemas.microsoft.com/office/powerpoint/2010/main" val="1230215380"/>
       </p:ext>
     </p:extLst>
   </p:cSld>
